--- a/presentation/DaveNissanEmil2014MachineLearning.pptx
+++ b/presentation/DaveNissanEmil2014MachineLearning.pptx
@@ -112,6 +112,22 @@
       </a:defRPr>
     </a:lvl9pPr>
   </p:defaultTextStyle>
+  <p:extLst>
+    <p:ext uri="{EFAFB233-063F-42B5-8137-9DF3F51BA10A}">
+      <p15:sldGuideLst xmlns:p15="http://schemas.microsoft.com/office/powerpoint/2012/main">
+        <p15:guide id="1" orient="horz" pos="2160">
+          <p15:clr>
+            <a:srgbClr val="A4A3A4"/>
+          </p15:clr>
+        </p15:guide>
+        <p15:guide id="2" pos="2880">
+          <p15:clr>
+            <a:srgbClr val="A4A3A4"/>
+          </p15:clr>
+        </p15:guide>
+      </p15:sldGuideLst>
+    </p:ext>
+  </p:extLst>
 </p:presentation>
 </file>
 
@@ -198,7 +214,7 @@
             <a:fld id="{846388BD-8A6F-4B9B-95D6-1E40DF29BA0B}" type="datetimeFigureOut">
               <a:rPr lang="en-CA" smtClean="0"/>
               <a:pPr/>
-              <a:t>21/11/2014</a:t>
+              <a:t>22/11/2014</a:t>
             </a:fld>
             <a:endParaRPr lang="en-CA"/>
           </a:p>
@@ -367,6 +383,11 @@
         </p:txBody>
       </p:sp>
     </p:spTree>
+    <p:extLst>
+      <p:ext uri="{BB962C8B-B14F-4D97-AF65-F5344CB8AC3E}">
+        <p14:creationId xmlns:p14="http://schemas.microsoft.com/office/powerpoint/2010/main" val="3448995633"/>
+      </p:ext>
+    </p:extLst>
   </p:cSld>
   <p:clrMap bg1="lt1" tx1="dk1" bg2="lt2" tx2="dk2" accent1="accent1" accent2="accent2" accent3="accent3" accent4="accent4" accent5="accent5" accent6="accent6" hlink="hlink" folHlink="folHlink"/>
   <p:notesStyle>
@@ -539,6 +560,11 @@
         </p:txBody>
       </p:sp>
     </p:spTree>
+    <p:extLst>
+      <p:ext uri="{BB962C8B-B14F-4D97-AF65-F5344CB8AC3E}">
+        <p14:creationId xmlns:p14="http://schemas.microsoft.com/office/powerpoint/2010/main" val="1733972161"/>
+      </p:ext>
+    </p:extLst>
   </p:cSld>
   <p:clrMapOvr>
     <a:masterClrMapping/>
@@ -621,6 +647,11 @@
         </p:txBody>
       </p:sp>
     </p:spTree>
+    <p:extLst>
+      <p:ext uri="{BB962C8B-B14F-4D97-AF65-F5344CB8AC3E}">
+        <p14:creationId xmlns:p14="http://schemas.microsoft.com/office/powerpoint/2010/main" val="3485329"/>
+      </p:ext>
+    </p:extLst>
   </p:cSld>
   <p:clrMapOvr>
     <a:masterClrMapping/>
@@ -703,6 +734,11 @@
         </p:txBody>
       </p:sp>
     </p:spTree>
+    <p:extLst>
+      <p:ext uri="{BB962C8B-B14F-4D97-AF65-F5344CB8AC3E}">
+        <p14:creationId xmlns:p14="http://schemas.microsoft.com/office/powerpoint/2010/main" val="3101789400"/>
+      </p:ext>
+    </p:extLst>
   </p:cSld>
   <p:clrMapOvr>
     <a:masterClrMapping/>
@@ -785,6 +821,11 @@
         </p:txBody>
       </p:sp>
     </p:spTree>
+    <p:extLst>
+      <p:ext uri="{BB962C8B-B14F-4D97-AF65-F5344CB8AC3E}">
+        <p14:creationId xmlns:p14="http://schemas.microsoft.com/office/powerpoint/2010/main" val="928199445"/>
+      </p:ext>
+    </p:extLst>
   </p:cSld>
   <p:clrMapOvr>
     <a:masterClrMapping/>
@@ -867,6 +908,11 @@
         </p:txBody>
       </p:sp>
     </p:spTree>
+    <p:extLst>
+      <p:ext uri="{BB962C8B-B14F-4D97-AF65-F5344CB8AC3E}">
+        <p14:creationId xmlns:p14="http://schemas.microsoft.com/office/powerpoint/2010/main" val="3047244720"/>
+      </p:ext>
+    </p:extLst>
   </p:cSld>
   <p:clrMapOvr>
     <a:masterClrMapping/>
@@ -949,6 +995,11 @@
         </p:txBody>
       </p:sp>
     </p:spTree>
+    <p:extLst>
+      <p:ext uri="{BB962C8B-B14F-4D97-AF65-F5344CB8AC3E}">
+        <p14:creationId xmlns:p14="http://schemas.microsoft.com/office/powerpoint/2010/main" val="573097354"/>
+      </p:ext>
+    </p:extLst>
   </p:cSld>
   <p:clrMapOvr>
     <a:masterClrMapping/>
@@ -1138,7 +1189,7 @@
             <a:fld id="{574F1A96-3F81-4DB8-AC7E-AF17C81A9AD7}" type="datetimeFigureOut">
               <a:rPr lang="en-CA" smtClean="0"/>
               <a:pPr/>
-              <a:t>21/11/2014</a:t>
+              <a:t>22/11/2014</a:t>
             </a:fld>
             <a:endParaRPr lang="en-CA"/>
           </a:p>
@@ -1305,7 +1356,7 @@
             <a:fld id="{574F1A96-3F81-4DB8-AC7E-AF17C81A9AD7}" type="datetimeFigureOut">
               <a:rPr lang="en-CA" smtClean="0"/>
               <a:pPr/>
-              <a:t>21/11/2014</a:t>
+              <a:t>22/11/2014</a:t>
             </a:fld>
             <a:endParaRPr lang="en-CA"/>
           </a:p>
@@ -1482,7 +1533,7 @@
             <a:fld id="{574F1A96-3F81-4DB8-AC7E-AF17C81A9AD7}" type="datetimeFigureOut">
               <a:rPr lang="en-CA" smtClean="0"/>
               <a:pPr/>
-              <a:t>21/11/2014</a:t>
+              <a:t>22/11/2014</a:t>
             </a:fld>
             <a:endParaRPr lang="en-CA"/>
           </a:p>
@@ -1649,7 +1700,7 @@
             <a:fld id="{574F1A96-3F81-4DB8-AC7E-AF17C81A9AD7}" type="datetimeFigureOut">
               <a:rPr lang="en-CA" smtClean="0"/>
               <a:pPr/>
-              <a:t>21/11/2014</a:t>
+              <a:t>22/11/2014</a:t>
             </a:fld>
             <a:endParaRPr lang="en-CA"/>
           </a:p>
@@ -1892,7 +1943,7 @@
             <a:fld id="{574F1A96-3F81-4DB8-AC7E-AF17C81A9AD7}" type="datetimeFigureOut">
               <a:rPr lang="en-CA" smtClean="0"/>
               <a:pPr/>
-              <a:t>21/11/2014</a:t>
+              <a:t>22/11/2014</a:t>
             </a:fld>
             <a:endParaRPr lang="en-CA"/>
           </a:p>
@@ -2177,7 +2228,7 @@
             <a:fld id="{574F1A96-3F81-4DB8-AC7E-AF17C81A9AD7}" type="datetimeFigureOut">
               <a:rPr lang="en-CA" smtClean="0"/>
               <a:pPr/>
-              <a:t>21/11/2014</a:t>
+              <a:t>22/11/2014</a:t>
             </a:fld>
             <a:endParaRPr lang="en-CA"/>
           </a:p>
@@ -2596,7 +2647,7 @@
             <a:fld id="{574F1A96-3F81-4DB8-AC7E-AF17C81A9AD7}" type="datetimeFigureOut">
               <a:rPr lang="en-CA" smtClean="0"/>
               <a:pPr/>
-              <a:t>21/11/2014</a:t>
+              <a:t>22/11/2014</a:t>
             </a:fld>
             <a:endParaRPr lang="en-CA"/>
           </a:p>
@@ -2711,7 +2762,7 @@
             <a:fld id="{574F1A96-3F81-4DB8-AC7E-AF17C81A9AD7}" type="datetimeFigureOut">
               <a:rPr lang="en-CA" smtClean="0"/>
               <a:pPr/>
-              <a:t>21/11/2014</a:t>
+              <a:t>22/11/2014</a:t>
             </a:fld>
             <a:endParaRPr lang="en-CA"/>
           </a:p>
@@ -2803,7 +2854,7 @@
             <a:fld id="{574F1A96-3F81-4DB8-AC7E-AF17C81A9AD7}" type="datetimeFigureOut">
               <a:rPr lang="en-CA" smtClean="0"/>
               <a:pPr/>
-              <a:t>21/11/2014</a:t>
+              <a:t>22/11/2014</a:t>
             </a:fld>
             <a:endParaRPr lang="en-CA"/>
           </a:p>
@@ -3077,7 +3128,7 @@
             <a:fld id="{574F1A96-3F81-4DB8-AC7E-AF17C81A9AD7}" type="datetimeFigureOut">
               <a:rPr lang="en-CA" smtClean="0"/>
               <a:pPr/>
-              <a:t>21/11/2014</a:t>
+              <a:t>22/11/2014</a:t>
             </a:fld>
             <a:endParaRPr lang="en-CA"/>
           </a:p>
@@ -3327,7 +3378,7 @@
             <a:fld id="{574F1A96-3F81-4DB8-AC7E-AF17C81A9AD7}" type="datetimeFigureOut">
               <a:rPr lang="en-CA" smtClean="0"/>
               <a:pPr/>
-              <a:t>21/11/2014</a:t>
+              <a:t>22/11/2014</a:t>
             </a:fld>
             <a:endParaRPr lang="en-CA"/>
           </a:p>
@@ -3537,7 +3588,7 @@
             <a:fld id="{574F1A96-3F81-4DB8-AC7E-AF17C81A9AD7}" type="datetimeFigureOut">
               <a:rPr lang="en-CA" smtClean="0"/>
               <a:pPr/>
-              <a:t>21/11/2014</a:t>
+              <a:t>22/11/2014</a:t>
             </a:fld>
             <a:endParaRPr lang="en-CA"/>
           </a:p>
@@ -3916,8 +3967,8 @@
         </p:nvSpPr>
         <p:spPr>
           <a:xfrm>
-            <a:off x="593794" y="5661248"/>
-            <a:ext cx="8082662" cy="461665"/>
+            <a:off x="395536" y="5847655"/>
+            <a:ext cx="8372805" cy="461665"/>
           </a:xfrm>
           <a:prstGeom prst="rect">
             <a:avLst/>
@@ -3930,26 +3981,20 @@
           </a:bodyPr>
           <a:lstStyle/>
           <a:p>
+            <a:pPr algn="ctr"/>
             <a:r>
               <a:rPr lang="en-CA" sz="2400" b="1" dirty="0" smtClean="0">
                 <a:latin typeface="Arial" pitchFamily="34" charset="0"/>
                 <a:cs typeface="Arial" pitchFamily="34" charset="0"/>
               </a:rPr>
-              <a:t>L. Dave Liu		Nissan </a:t>
-            </a:r>
-            <a:r>
-              <a:rPr lang="en-CA" sz="2400" b="1" dirty="0" err="1" smtClean="0">
-                <a:latin typeface="Arial" pitchFamily="34" charset="0"/>
-                <a:cs typeface="Arial" pitchFamily="34" charset="0"/>
-              </a:rPr>
-              <a:t>Pow</a:t>
+              <a:t>Nissan </a:t>
             </a:r>
             <a:r>
               <a:rPr lang="en-CA" sz="2400" b="1" dirty="0" smtClean="0">
                 <a:latin typeface="Arial" pitchFamily="34" charset="0"/>
                 <a:cs typeface="Arial" pitchFamily="34" charset="0"/>
               </a:rPr>
-              <a:t>		Emil </a:t>
+              <a:t>Pow		Emil </a:t>
             </a:r>
             <a:r>
               <a:rPr lang="en-CA" sz="2400" b="1" dirty="0" err="1" smtClean="0">
@@ -3958,6 +4003,13 @@
               </a:rPr>
               <a:t>Janulewicz</a:t>
             </a:r>
+            <a:r>
+              <a:rPr lang="en-CA" sz="2400" b="1" dirty="0">
+                <a:latin typeface="Arial" pitchFamily="34" charset="0"/>
+                <a:cs typeface="Arial" pitchFamily="34" charset="0"/>
+              </a:rPr>
+              <a:t>		 L. Dave Liu</a:t>
+            </a:r>
             <a:endParaRPr lang="en-CA" sz="2400" b="1" dirty="0">
               <a:latin typeface="Arial" pitchFamily="34" charset="0"/>
               <a:cs typeface="Arial" pitchFamily="34" charset="0"/>
@@ -3973,7 +4025,7 @@
         </p:nvSpPr>
         <p:spPr>
           <a:xfrm>
-            <a:off x="179512" y="500479"/>
+            <a:off x="179512" y="260648"/>
             <a:ext cx="8784976" cy="1200329"/>
           </a:xfrm>
           <a:prstGeom prst="rect">
@@ -4002,6 +4054,30 @@
           </a:p>
         </p:txBody>
       </p:sp>
+      <p:pic>
+        <p:nvPicPr>
+          <p:cNvPr id="2" name="Picture 1"/>
+          <p:cNvPicPr>
+            <a:picLocks noChangeAspect="1"/>
+          </p:cNvPicPr>
+          <p:nvPr/>
+        </p:nvPicPr>
+        <p:blipFill>
+          <a:blip r:embed="rId3"/>
+          <a:stretch>
+            <a:fillRect/>
+          </a:stretch>
+        </p:blipFill>
+        <p:spPr>
+          <a:xfrm>
+            <a:off x="2786608" y="1772816"/>
+            <a:ext cx="3657600" cy="3657600"/>
+          </a:xfrm>
+          <a:prstGeom prst="rect">
+            <a:avLst/>
+          </a:prstGeom>
+        </p:spPr>
+      </p:pic>
     </p:spTree>
   </p:cSld>
   <p:clrMapOvr>
@@ -4035,7 +4111,7 @@
         </p:nvSpPr>
         <p:spPr>
           <a:xfrm>
-            <a:off x="179512" y="478413"/>
+            <a:off x="179512" y="260648"/>
             <a:ext cx="8784976" cy="646331"/>
           </a:xfrm>
           <a:prstGeom prst="rect">
@@ -4072,8 +4148,8 @@
         </p:nvSpPr>
         <p:spPr>
           <a:xfrm>
-            <a:off x="611560" y="1412776"/>
-            <a:ext cx="7992888" cy="4154984"/>
+            <a:off x="395536" y="1127641"/>
+            <a:ext cx="8424936" cy="4893647"/>
           </a:xfrm>
           <a:prstGeom prst="rect">
             <a:avLst/>
@@ -4118,14 +4194,101 @@
                 <a:latin typeface="Arial" pitchFamily="34" charset="0"/>
                 <a:cs typeface="Arial" pitchFamily="34" charset="0"/>
               </a:rPr>
-              <a:t>Motivation:</a:t>
+              <a:t>Motivations:</a:t>
             </a:r>
             <a:r>
               <a:rPr lang="en-CA" sz="2400" b="1" dirty="0" smtClean="0">
                 <a:latin typeface="Arial" pitchFamily="34" charset="0"/>
                 <a:cs typeface="Arial" pitchFamily="34" charset="0"/>
               </a:rPr>
-              <a:t> Suggest accurate selling prices for the sellers and buying prices for the buyers</a:t>
+              <a:t> </a:t>
+            </a:r>
+            <a:r>
+              <a:rPr lang="en-CA" sz="2400" b="1" dirty="0" smtClean="0">
+                <a:latin typeface="Arial" pitchFamily="34" charset="0"/>
+                <a:cs typeface="Arial" pitchFamily="34" charset="0"/>
+              </a:rPr>
+              <a:t>Suggest </a:t>
+            </a:r>
+            <a:r>
+              <a:rPr lang="en-CA" sz="2400" b="1" dirty="0" smtClean="0">
+                <a:latin typeface="Arial" pitchFamily="34" charset="0"/>
+                <a:cs typeface="Arial" pitchFamily="34" charset="0"/>
+              </a:rPr>
+              <a:t>a</a:t>
+            </a:r>
+            <a:r>
+              <a:rPr lang="en-CA" sz="2400" b="1" dirty="0" smtClean="0">
+                <a:latin typeface="Arial" pitchFamily="34" charset="0"/>
+                <a:cs typeface="Arial" pitchFamily="34" charset="0"/>
+              </a:rPr>
+              <a:t>ccurate</a:t>
+            </a:r>
+            <a:endParaRPr lang="en-CA" sz="2400" b="1" dirty="0" smtClean="0">
+              <a:latin typeface="Arial" pitchFamily="34" charset="0"/>
+              <a:cs typeface="Arial" pitchFamily="34" charset="0"/>
+            </a:endParaRPr>
+          </a:p>
+          <a:p>
+            <a:pPr marL="457200" indent="-457200"/>
+            <a:r>
+              <a:rPr lang="en-CA" sz="2400" b="1" dirty="0">
+                <a:latin typeface="Arial" pitchFamily="34" charset="0"/>
+                <a:cs typeface="Arial" pitchFamily="34" charset="0"/>
+              </a:rPr>
+              <a:t>	</a:t>
+            </a:r>
+            <a:r>
+              <a:rPr lang="en-CA" sz="2400" b="1" dirty="0" smtClean="0">
+                <a:latin typeface="Arial" pitchFamily="34" charset="0"/>
+                <a:cs typeface="Arial" pitchFamily="34" charset="0"/>
+              </a:rPr>
+              <a:t>1) S</a:t>
+            </a:r>
+            <a:r>
+              <a:rPr lang="en-CA" sz="2400" b="1" dirty="0" smtClean="0">
+                <a:latin typeface="Arial" pitchFamily="34" charset="0"/>
+                <a:cs typeface="Arial" pitchFamily="34" charset="0"/>
+              </a:rPr>
+              <a:t>elling </a:t>
+            </a:r>
+            <a:r>
+              <a:rPr lang="en-CA" sz="2400" b="1" dirty="0" smtClean="0">
+                <a:latin typeface="Arial" pitchFamily="34" charset="0"/>
+                <a:cs typeface="Arial" pitchFamily="34" charset="0"/>
+              </a:rPr>
+              <a:t>prices for the </a:t>
+            </a:r>
+            <a:r>
+              <a:rPr lang="en-CA" sz="2400" b="1" dirty="0" smtClean="0">
+                <a:latin typeface="Arial" pitchFamily="34" charset="0"/>
+                <a:cs typeface="Arial" pitchFamily="34" charset="0"/>
+              </a:rPr>
+              <a:t>sellers</a:t>
+            </a:r>
+          </a:p>
+          <a:p>
+            <a:pPr marL="457200" indent="-457200"/>
+            <a:r>
+              <a:rPr lang="en-CA" sz="2400" b="1" dirty="0">
+                <a:latin typeface="Arial" pitchFamily="34" charset="0"/>
+                <a:cs typeface="Arial" pitchFamily="34" charset="0"/>
+              </a:rPr>
+              <a:t>	</a:t>
+            </a:r>
+            <a:r>
+              <a:rPr lang="en-CA" sz="2400" b="1" dirty="0" smtClean="0">
+                <a:latin typeface="Arial" pitchFamily="34" charset="0"/>
+                <a:cs typeface="Arial" pitchFamily="34" charset="0"/>
+              </a:rPr>
+              <a:t>2) Buying </a:t>
+            </a:r>
+            <a:r>
+              <a:rPr lang="en-CA" sz="2400" b="1" dirty="0" smtClean="0">
+                <a:latin typeface="Arial" pitchFamily="34" charset="0"/>
+                <a:cs typeface="Arial" pitchFamily="34" charset="0"/>
+              </a:rPr>
+              <a:t>prices for the buyers</a:t>
             </a:r>
           </a:p>
           <a:p>
@@ -4153,10 +4316,6 @@
               </a:rPr>
               <a:t>Predict the Montreal municipalities that the property is most likely to belong to</a:t>
             </a:r>
-            <a:endParaRPr lang="en-CA" sz="2400" b="1" dirty="0" smtClean="0">
-              <a:latin typeface="Arial" pitchFamily="34" charset="0"/>
-              <a:cs typeface="Arial" pitchFamily="34" charset="0"/>
-            </a:endParaRPr>
           </a:p>
           <a:p>
             <a:pPr marL="457200" indent="-457200"/>
@@ -4168,31 +4327,14 @@
                 <a:latin typeface="Arial" pitchFamily="34" charset="0"/>
                 <a:cs typeface="Arial" pitchFamily="34" charset="0"/>
               </a:rPr>
-              <a:t>	Motivation</a:t>
-            </a:r>
-            <a:r>
-              <a:rPr lang="en-CA" sz="2400" b="1" dirty="0" smtClean="0">
-                <a:solidFill>
-                  <a:srgbClr val="FF0000"/>
-                </a:solidFill>
-                <a:latin typeface="Arial" pitchFamily="34" charset="0"/>
-                <a:cs typeface="Arial" pitchFamily="34" charset="0"/>
-              </a:rPr>
-              <a:t>:</a:t>
+              <a:t>	Motivation:</a:t>
             </a:r>
             <a:r>
               <a:rPr lang="en-CA" sz="2400" b="1" dirty="0" smtClean="0">
                 <a:latin typeface="Arial" pitchFamily="34" charset="0"/>
                 <a:cs typeface="Arial" pitchFamily="34" charset="0"/>
               </a:rPr>
-              <a:t> Suggest </a:t>
-            </a:r>
-            <a:r>
-              <a:rPr lang="en-CA" sz="2400" b="1" dirty="0" smtClean="0">
-                <a:latin typeface="Arial" pitchFamily="34" charset="0"/>
-                <a:cs typeface="Arial" pitchFamily="34" charset="0"/>
-              </a:rPr>
-              <a:t>areas for buyers depending on their circumstances </a:t>
+              <a:t> Suggest areas for buyers depending on their circumstances </a:t>
             </a:r>
           </a:p>
           <a:p>
@@ -4215,18 +4357,33 @@
                 <a:latin typeface="Arial" pitchFamily="34" charset="0"/>
                 <a:cs typeface="Arial" pitchFamily="34" charset="0"/>
               </a:rPr>
-              <a:t>Suggest listings based on </a:t>
-            </a:r>
-            <a:endParaRPr lang="en-CA" sz="2400" b="1" dirty="0" smtClean="0">
+              <a:t>Find similar listings within municipalities</a:t>
+            </a:r>
+            <a:endParaRPr lang="en-CA" sz="2400" b="1" dirty="0">
               <a:latin typeface="Arial" pitchFamily="34" charset="0"/>
               <a:cs typeface="Arial" pitchFamily="34" charset="0"/>
             </a:endParaRPr>
           </a:p>
           <a:p>
+            <a:pPr marL="457200" indent="-457200"/>
+            <a:r>
+              <a:rPr lang="en-CA" sz="2400" b="1" dirty="0" smtClean="0">
+                <a:solidFill>
+                  <a:srgbClr val="FF0000"/>
+                </a:solidFill>
+                <a:latin typeface="Arial" pitchFamily="34" charset="0"/>
+                <a:cs typeface="Arial" pitchFamily="34" charset="0"/>
+              </a:rPr>
+              <a:t>	Motivation:</a:t>
+            </a:r>
+            <a:r>
+              <a:rPr lang="en-CA" sz="2400" b="1" dirty="0" smtClean="0">
+                <a:latin typeface="Arial" pitchFamily="34" charset="0"/>
+                <a:cs typeface="Arial" pitchFamily="34" charset="0"/>
+              </a:rPr>
+              <a:t> Suggest listings based on buyers’ preferences</a:t>
+            </a:r>
             <a:endParaRPr lang="en-CA" sz="2400" b="1" dirty="0">
-              <a:solidFill>
-                <a:srgbClr val="FF0000"/>
-              </a:solidFill>
               <a:latin typeface="Arial" pitchFamily="34" charset="0"/>
               <a:cs typeface="Arial" pitchFamily="34" charset="0"/>
             </a:endParaRPr>
@@ -4266,8 +4423,8 @@
         </p:nvSpPr>
         <p:spPr>
           <a:xfrm>
-            <a:off x="467544" y="1412776"/>
-            <a:ext cx="8136904" cy="4524315"/>
+            <a:off x="395536" y="1052736"/>
+            <a:ext cx="8208912" cy="5262979"/>
           </a:xfrm>
           <a:prstGeom prst="rect">
             <a:avLst/>
@@ -4346,6 +4503,16 @@
               <a:buFont typeface="Arial" pitchFamily="34" charset="0"/>
               <a:buChar char="•"/>
             </a:pPr>
+            <a:endParaRPr lang="en-CA" sz="2400" b="1" dirty="0" smtClean="0">
+              <a:latin typeface="Arial" pitchFamily="34" charset="0"/>
+              <a:cs typeface="Arial" pitchFamily="34" charset="0"/>
+            </a:endParaRPr>
+          </a:p>
+          <a:p>
+            <a:pPr>
+              <a:buFont typeface="Arial" pitchFamily="34" charset="0"/>
+              <a:buChar char="•"/>
+            </a:pPr>
             <a:r>
               <a:rPr lang="en-CA" sz="2400" b="1" dirty="0" smtClean="0">
                 <a:latin typeface="Arial" pitchFamily="34" charset="0"/>
@@ -4400,6 +4567,12 @@
             </a:endParaRPr>
           </a:p>
           <a:p>
+            <a:endParaRPr lang="en-CA" sz="2400" b="1" dirty="0" smtClean="0">
+              <a:latin typeface="Arial" pitchFamily="34" charset="0"/>
+              <a:cs typeface="Arial" pitchFamily="34" charset="0"/>
+            </a:endParaRPr>
+          </a:p>
+          <a:p>
             <a:pPr>
               <a:buFont typeface="Arial" pitchFamily="34" charset="0"/>
               <a:buChar char="•"/>
@@ -4439,7 +4612,7 @@
         </p:nvSpPr>
         <p:spPr>
           <a:xfrm>
-            <a:off x="179512" y="478413"/>
+            <a:off x="179512" y="262389"/>
             <a:ext cx="8784976" cy="646331"/>
           </a:xfrm>
           <a:prstGeom prst="rect">
@@ -4600,21 +4773,7 @@
                 <a:latin typeface="Arial" pitchFamily="34" charset="0"/>
                 <a:cs typeface="Arial" pitchFamily="34" charset="0"/>
               </a:rPr>
-              <a:t>Machine learning </a:t>
-            </a:r>
-            <a:r>
-              <a:rPr lang="en-CA" sz="3600" b="1" dirty="0" smtClean="0">
-                <a:latin typeface="Arial" pitchFamily="34" charset="0"/>
-                <a:cs typeface="Arial" pitchFamily="34" charset="0"/>
-              </a:rPr>
-              <a:t>m</a:t>
-            </a:r>
-            <a:r>
-              <a:rPr lang="en-CA" sz="3600" b="1" dirty="0" smtClean="0">
-                <a:latin typeface="Arial" pitchFamily="34" charset="0"/>
-                <a:cs typeface="Arial" pitchFamily="34" charset="0"/>
-              </a:rPr>
-              <a:t>ethods</a:t>
+              <a:t>Machine learning methods</a:t>
             </a:r>
             <a:endParaRPr lang="en-CA" sz="3600" b="1" dirty="0">
               <a:latin typeface="Arial" pitchFamily="34" charset="0"/>

--- a/presentation/DaveNissanEmil2014MachineLearning.pptx
+++ b/presentation/DaveNissanEmil2014MachineLearning.pptx
@@ -531,6 +531,10 @@
           </a:bodyPr>
           <a:lstStyle/>
           <a:p>
+            <a:r>
+              <a:rPr lang="en-CA" dirty="0" smtClean="0"/>
+              <a:t>Motivation to help </a:t>
+            </a:r>
             <a:endParaRPr lang="en-CA" dirty="0"/>
           </a:p>
         </p:txBody>
@@ -618,6 +622,16 @@
           </a:bodyPr>
           <a:lstStyle/>
           <a:p>
+            <a:r>
+              <a:rPr lang="en-CA" dirty="0" smtClean="0"/>
+              <a:t>Find good deals for the sellers and the buyers.</a:t>
+            </a:r>
+          </a:p>
+          <a:p>
+            <a:r>
+              <a:rPr lang="en-CA" dirty="0" smtClean="0"/>
+              <a:t>Find a good area for the family.</a:t>
+            </a:r>
             <a:endParaRPr lang="en-CA" dirty="0"/>
           </a:p>
         </p:txBody>
@@ -705,6 +719,20 @@
           </a:bodyPr>
           <a:lstStyle/>
           <a:p>
+            <a:r>
+              <a:rPr lang="en-CA" dirty="0" smtClean="0"/>
+              <a:t>The label we</a:t>
+            </a:r>
+            <a:r>
+              <a:rPr lang="en-CA" baseline="0" dirty="0" smtClean="0"/>
+              <a:t> are trying to predict are the prices.</a:t>
+            </a:r>
+          </a:p>
+          <a:p>
+            <a:r>
+              <a:rPr lang="en-CA" baseline="0" dirty="0" smtClean="0"/>
+              <a:t>Doesn’t make sense to have Stat Canada data.</a:t>
+            </a:r>
             <a:endParaRPr lang="en-CA" dirty="0"/>
           </a:p>
         </p:txBody>
@@ -3967,8 +3995,8 @@
         </p:nvSpPr>
         <p:spPr>
           <a:xfrm>
-            <a:off x="395536" y="5847655"/>
-            <a:ext cx="8372805" cy="461665"/>
+            <a:off x="438016" y="5847655"/>
+            <a:ext cx="8287846" cy="461665"/>
           </a:xfrm>
           <a:prstGeom prst="rect">
             <a:avLst/>
@@ -3987,33 +4015,43 @@
                 <a:latin typeface="Arial" pitchFamily="34" charset="0"/>
                 <a:cs typeface="Arial" pitchFamily="34" charset="0"/>
               </a:rPr>
-              <a:t>Nissan </a:t>
+              <a:t>Nissan Pow		Emil </a:t>
+            </a:r>
+            <a:r>
+              <a:rPr lang="en-CA" sz="2400" b="1" dirty="0" err="1" smtClean="0">
+                <a:latin typeface="Arial" pitchFamily="34" charset="0"/>
+                <a:cs typeface="Arial" pitchFamily="34" charset="0"/>
+              </a:rPr>
+              <a:t>Janulewicz</a:t>
+            </a:r>
+            <a:r>
+              <a:rPr lang="en-CA" sz="2400" b="1" dirty="0">
+                <a:latin typeface="Arial" pitchFamily="34" charset="0"/>
+                <a:cs typeface="Arial" pitchFamily="34" charset="0"/>
+              </a:rPr>
+              <a:t>	</a:t>
             </a:r>
             <a:r>
               <a:rPr lang="en-CA" sz="2400" b="1" dirty="0" smtClean="0">
                 <a:latin typeface="Arial" pitchFamily="34" charset="0"/>
                 <a:cs typeface="Arial" pitchFamily="34" charset="0"/>
               </a:rPr>
-              <a:t>Pow		Emil </a:t>
-            </a:r>
-            <a:r>
-              <a:rPr lang="en-CA" sz="2400" b="1" dirty="0" err="1" smtClean="0">
-                <a:latin typeface="Arial" pitchFamily="34" charset="0"/>
-                <a:cs typeface="Arial" pitchFamily="34" charset="0"/>
-              </a:rPr>
-              <a:t>Janulewicz</a:t>
+              <a:t>		</a:t>
+            </a:r>
+            <a:r>
+              <a:rPr lang="en-CA" sz="2400" b="1" dirty="0" smtClean="0">
+                <a:latin typeface="Arial" pitchFamily="34" charset="0"/>
+                <a:cs typeface="Arial" pitchFamily="34" charset="0"/>
+              </a:rPr>
+              <a:t>L</a:t>
             </a:r>
             <a:r>
               <a:rPr lang="en-CA" sz="2400" b="1" dirty="0">
                 <a:latin typeface="Arial" pitchFamily="34" charset="0"/>
                 <a:cs typeface="Arial" pitchFamily="34" charset="0"/>
               </a:rPr>
-              <a:t>		 L. Dave Liu</a:t>
-            </a:r>
-            <a:endParaRPr lang="en-CA" sz="2400" b="1" dirty="0">
-              <a:latin typeface="Arial" pitchFamily="34" charset="0"/>
-              <a:cs typeface="Arial" pitchFamily="34" charset="0"/>
-            </a:endParaRPr>
+              <a:t>. Dave Liu</a:t>
+            </a:r>
           </a:p>
         </p:txBody>
       </p:sp>
@@ -4083,6 +4121,13 @@
   <p:clrMapOvr>
     <a:masterClrMapping/>
   </p:clrMapOvr>
+  <p:timing>
+    <p:tnLst>
+      <p:par>
+        <p:cTn id="1" dur="indefinite" restart="never" nodeType="tmRoot"/>
+      </p:par>
+    </p:tnLst>
+  </p:timing>
 </p:sld>
 </file>
 
@@ -4111,7 +4156,7 @@
         </p:nvSpPr>
         <p:spPr>
           <a:xfrm>
-            <a:off x="179512" y="260648"/>
+            <a:off x="179512" y="478413"/>
             <a:ext cx="8784976" cy="646331"/>
           </a:xfrm>
           <a:prstGeom prst="rect">
@@ -4148,7 +4193,7 @@
         </p:nvSpPr>
         <p:spPr>
           <a:xfrm>
-            <a:off x="395536" y="1127641"/>
+            <a:off x="395536" y="1484784"/>
             <a:ext cx="8424936" cy="4893647"/>
           </a:xfrm>
           <a:prstGeom prst="rect">
@@ -4163,19 +4208,36 @@
           <a:lstStyle/>
           <a:p>
             <a:pPr marL="457200" indent="-457200">
-              <a:buFont typeface="Arial" pitchFamily="34" charset="0"/>
-              <a:buChar char="•"/>
+              <a:buFont typeface="+mj-lt"/>
+              <a:buAutoNum type="arabicPeriod"/>
             </a:pPr>
             <a:r>
               <a:rPr lang="en-CA" sz="2400" b="1" dirty="0" smtClean="0">
                 <a:latin typeface="Arial" pitchFamily="34" charset="0"/>
                 <a:cs typeface="Arial" pitchFamily="34" charset="0"/>
               </a:rPr>
-              <a:t>Predict the selling price of properties</a:t>
-            </a:r>
-          </a:p>
-          <a:p>
-            <a:pPr marL="457200" indent="-457200"/>
+              <a:t>Predict the selling price of </a:t>
+            </a:r>
+            <a:r>
+              <a:rPr lang="en-CA" sz="2400" b="1" dirty="0" smtClean="0">
+                <a:latin typeface="Arial" pitchFamily="34" charset="0"/>
+                <a:cs typeface="Arial" pitchFamily="34" charset="0"/>
+              </a:rPr>
+              <a:t>properties</a:t>
+            </a:r>
+          </a:p>
+          <a:p>
+            <a:pPr marL="457200" indent="-457200">
+              <a:buFont typeface="+mj-lt"/>
+              <a:buAutoNum type="arabicPeriod"/>
+            </a:pPr>
+            <a:endParaRPr lang="en-CA" sz="2400" b="1" dirty="0" smtClean="0">
+              <a:latin typeface="Arial" pitchFamily="34" charset="0"/>
+              <a:cs typeface="Arial" pitchFamily="34" charset="0"/>
+            </a:endParaRPr>
+          </a:p>
+          <a:p>
+            <a:pPr lvl="1"/>
             <a:r>
               <a:rPr lang="en-CA" sz="2400" b="1" dirty="0" smtClean="0">
                 <a:solidFill>
@@ -4184,118 +4246,43 @@
                 <a:latin typeface="Arial" pitchFamily="34" charset="0"/>
                 <a:cs typeface="Arial" pitchFamily="34" charset="0"/>
               </a:rPr>
-              <a:t>	</a:t>
+              <a:t>Motivations:</a:t>
             </a:r>
             <a:r>
               <a:rPr lang="en-CA" sz="2400" b="1" dirty="0" smtClean="0">
-                <a:solidFill>
-                  <a:srgbClr val="FF0000"/>
-                </a:solidFill>
-                <a:latin typeface="Arial" pitchFamily="34" charset="0"/>
-                <a:cs typeface="Arial" pitchFamily="34" charset="0"/>
-              </a:rPr>
-              <a:t>Motivations:</a:t>
-            </a:r>
-            <a:r>
-              <a:rPr lang="en-CA" sz="2400" b="1" dirty="0" smtClean="0">
-                <a:latin typeface="Arial" pitchFamily="34" charset="0"/>
-                <a:cs typeface="Arial" pitchFamily="34" charset="0"/>
-              </a:rPr>
-              <a:t> </a:t>
-            </a:r>
-            <a:r>
-              <a:rPr lang="en-CA" sz="2400" b="1" dirty="0" smtClean="0">
-                <a:latin typeface="Arial" pitchFamily="34" charset="0"/>
-                <a:cs typeface="Arial" pitchFamily="34" charset="0"/>
-              </a:rPr>
-              <a:t>Suggest </a:t>
-            </a:r>
-            <a:r>
-              <a:rPr lang="en-CA" sz="2400" b="1" dirty="0" smtClean="0">
-                <a:latin typeface="Arial" pitchFamily="34" charset="0"/>
-                <a:cs typeface="Arial" pitchFamily="34" charset="0"/>
-              </a:rPr>
-              <a:t>a</a:t>
-            </a:r>
-            <a:r>
-              <a:rPr lang="en-CA" sz="2400" b="1" dirty="0" smtClean="0">
-                <a:latin typeface="Arial" pitchFamily="34" charset="0"/>
-                <a:cs typeface="Arial" pitchFamily="34" charset="0"/>
-              </a:rPr>
-              <a:t>ccurate</a:t>
-            </a:r>
-            <a:endParaRPr lang="en-CA" sz="2400" b="1" dirty="0" smtClean="0">
-              <a:latin typeface="Arial" pitchFamily="34" charset="0"/>
-              <a:cs typeface="Arial" pitchFamily="34" charset="0"/>
-            </a:endParaRPr>
-          </a:p>
-          <a:p>
-            <a:pPr marL="457200" indent="-457200"/>
-            <a:r>
-              <a:rPr lang="en-CA" sz="2400" b="1" dirty="0">
-                <a:latin typeface="Arial" pitchFamily="34" charset="0"/>
-                <a:cs typeface="Arial" pitchFamily="34" charset="0"/>
-              </a:rPr>
-              <a:t>	</a:t>
-            </a:r>
-            <a:r>
-              <a:rPr lang="en-CA" sz="2400" b="1" dirty="0" smtClean="0">
-                <a:latin typeface="Arial" pitchFamily="34" charset="0"/>
-                <a:cs typeface="Arial" pitchFamily="34" charset="0"/>
-              </a:rPr>
-              <a:t>1) S</a:t>
-            </a:r>
-            <a:r>
-              <a:rPr lang="en-CA" sz="2400" b="1" dirty="0" smtClean="0">
-                <a:latin typeface="Arial" pitchFamily="34" charset="0"/>
-                <a:cs typeface="Arial" pitchFamily="34" charset="0"/>
-              </a:rPr>
-              <a:t>elling </a:t>
-            </a:r>
-            <a:r>
-              <a:rPr lang="en-CA" sz="2400" b="1" dirty="0" smtClean="0">
-                <a:latin typeface="Arial" pitchFamily="34" charset="0"/>
-                <a:cs typeface="Arial" pitchFamily="34" charset="0"/>
-              </a:rPr>
-              <a:t>prices for the </a:t>
-            </a:r>
-            <a:r>
-              <a:rPr lang="en-CA" sz="2400" b="1" dirty="0" smtClean="0">
-                <a:latin typeface="Arial" pitchFamily="34" charset="0"/>
-                <a:cs typeface="Arial" pitchFamily="34" charset="0"/>
-              </a:rPr>
-              <a:t>sellers</a:t>
-            </a:r>
-          </a:p>
-          <a:p>
-            <a:pPr marL="457200" indent="-457200"/>
-            <a:r>
-              <a:rPr lang="en-CA" sz="2400" b="1" dirty="0">
-                <a:latin typeface="Arial" pitchFamily="34" charset="0"/>
-                <a:cs typeface="Arial" pitchFamily="34" charset="0"/>
-              </a:rPr>
-              <a:t>	</a:t>
-            </a:r>
-            <a:r>
-              <a:rPr lang="en-CA" sz="2400" b="1" dirty="0" smtClean="0">
-                <a:latin typeface="Arial" pitchFamily="34" charset="0"/>
-                <a:cs typeface="Arial" pitchFamily="34" charset="0"/>
-              </a:rPr>
-              <a:t>2) Buying </a:t>
-            </a:r>
-            <a:r>
-              <a:rPr lang="en-CA" sz="2400" b="1" dirty="0" smtClean="0">
-                <a:latin typeface="Arial" pitchFamily="34" charset="0"/>
-                <a:cs typeface="Arial" pitchFamily="34" charset="0"/>
-              </a:rPr>
-              <a:t>prices for the buyers</a:t>
-            </a:r>
-          </a:p>
-          <a:p>
-            <a:pPr marL="457200" indent="-457200">
-              <a:buFont typeface="Arial" pitchFamily="34" charset="0"/>
+                <a:latin typeface="Arial" pitchFamily="34" charset="0"/>
+                <a:cs typeface="Arial" pitchFamily="34" charset="0"/>
+              </a:rPr>
+              <a:t> Suggest accurate</a:t>
+            </a:r>
+          </a:p>
+          <a:p>
+            <a:pPr marL="800100" lvl="1" indent="-342900">
+              <a:buFont typeface="Arial" panose="020B0604020202020204" pitchFamily="34" charset="0"/>
               <a:buChar char="•"/>
             </a:pPr>
+            <a:r>
+              <a:rPr lang="en-CA" sz="2400" b="1" dirty="0" smtClean="0">
+                <a:latin typeface="Arial" pitchFamily="34" charset="0"/>
+                <a:cs typeface="Arial" pitchFamily="34" charset="0"/>
+              </a:rPr>
+              <a:t>Selling prices for the sellers </a:t>
+            </a:r>
+          </a:p>
+          <a:p>
+            <a:pPr marL="800100" lvl="1" indent="-342900">
+              <a:buFont typeface="Arial" panose="020B0604020202020204" pitchFamily="34" charset="0"/>
+              <a:buChar char="•"/>
+            </a:pPr>
+            <a:r>
+              <a:rPr lang="en-CA" sz="2400" b="1" dirty="0" smtClean="0">
+                <a:latin typeface="Arial" pitchFamily="34" charset="0"/>
+                <a:cs typeface="Arial" pitchFamily="34" charset="0"/>
+              </a:rPr>
+              <a:t>Buying prices for the buyers</a:t>
+            </a:r>
+          </a:p>
+          <a:p>
             <a:endParaRPr lang="en-CA" sz="2400" b="1" dirty="0" smtClean="0">
               <a:solidFill>
                 <a:srgbClr val="FF0000"/>
@@ -4305,40 +4292,6 @@
             </a:endParaRPr>
           </a:p>
           <a:p>
-            <a:pPr marL="457200" indent="-457200">
-              <a:buFont typeface="Arial" pitchFamily="34" charset="0"/>
-              <a:buChar char="•"/>
-            </a:pPr>
-            <a:r>
-              <a:rPr lang="en-CA" sz="2400" b="1" dirty="0" smtClean="0">
-                <a:latin typeface="Arial" pitchFamily="34" charset="0"/>
-                <a:cs typeface="Arial" pitchFamily="34" charset="0"/>
-              </a:rPr>
-              <a:t>Predict the Montreal municipalities that the property is most likely to belong to</a:t>
-            </a:r>
-          </a:p>
-          <a:p>
-            <a:pPr marL="457200" indent="-457200"/>
-            <a:r>
-              <a:rPr lang="en-CA" sz="2400" b="1" dirty="0" smtClean="0">
-                <a:solidFill>
-                  <a:srgbClr val="FF0000"/>
-                </a:solidFill>
-                <a:latin typeface="Arial" pitchFamily="34" charset="0"/>
-                <a:cs typeface="Arial" pitchFamily="34" charset="0"/>
-              </a:rPr>
-              <a:t>	Motivation:</a:t>
-            </a:r>
-            <a:r>
-              <a:rPr lang="en-CA" sz="2400" b="1" dirty="0" smtClean="0">
-                <a:latin typeface="Arial" pitchFamily="34" charset="0"/>
-                <a:cs typeface="Arial" pitchFamily="34" charset="0"/>
-              </a:rPr>
-              <a:t> Suggest areas for buyers depending on their circumstances </a:t>
-            </a:r>
-          </a:p>
-          <a:p>
-            <a:pPr marL="457200" indent="-457200"/>
             <a:endParaRPr lang="en-CA" sz="2400" b="1" dirty="0" smtClean="0">
               <a:solidFill>
                 <a:srgbClr val="FF0000"/>
@@ -4349,23 +4302,57 @@
           </a:p>
           <a:p>
             <a:pPr marL="457200" indent="-457200">
-              <a:buFont typeface="Arial" pitchFamily="34" charset="0"/>
-              <a:buChar char="•"/>
+              <a:buFont typeface="+mj-lt"/>
+              <a:buAutoNum type="arabicPeriod"/>
             </a:pPr>
             <a:r>
               <a:rPr lang="en-CA" sz="2400" b="1" dirty="0" smtClean="0">
                 <a:latin typeface="Arial" pitchFamily="34" charset="0"/>
                 <a:cs typeface="Arial" pitchFamily="34" charset="0"/>
               </a:rPr>
-              <a:t>Find similar listings within municipalities</a:t>
-            </a:r>
-            <a:endParaRPr lang="en-CA" sz="2400" b="1" dirty="0">
+              <a:t>Predict </a:t>
+            </a:r>
+            <a:r>
+              <a:rPr lang="en-CA" sz="2400" b="1" dirty="0" smtClean="0">
+                <a:latin typeface="Arial" pitchFamily="34" charset="0"/>
+                <a:cs typeface="Arial" pitchFamily="34" charset="0"/>
+              </a:rPr>
+              <a:t>the Montreal </a:t>
+            </a:r>
+            <a:r>
+              <a:rPr lang="en-CA" sz="2400" b="1" dirty="0" smtClean="0">
+                <a:latin typeface="Arial" pitchFamily="34" charset="0"/>
+                <a:cs typeface="Arial" pitchFamily="34" charset="0"/>
+              </a:rPr>
+              <a:t>borough </a:t>
+            </a:r>
+            <a:r>
+              <a:rPr lang="en-CA" sz="2400" b="1" dirty="0" smtClean="0">
+                <a:latin typeface="Arial" pitchFamily="34" charset="0"/>
+                <a:cs typeface="Arial" pitchFamily="34" charset="0"/>
+              </a:rPr>
+              <a:t>that the property is most likely to belong </a:t>
+            </a:r>
+            <a:r>
+              <a:rPr lang="en-CA" sz="2400" b="1" dirty="0" smtClean="0">
+                <a:latin typeface="Arial" pitchFamily="34" charset="0"/>
+                <a:cs typeface="Arial" pitchFamily="34" charset="0"/>
+              </a:rPr>
+              <a:t>to</a:t>
+            </a:r>
+          </a:p>
+          <a:p>
+            <a:pPr marL="457200" indent="-457200">
+              <a:buFont typeface="+mj-lt"/>
+              <a:buAutoNum type="arabicPeriod"/>
+            </a:pPr>
+            <a:endParaRPr lang="en-CA" sz="2400" b="1" dirty="0" smtClean="0">
               <a:latin typeface="Arial" pitchFamily="34" charset="0"/>
               <a:cs typeface="Arial" pitchFamily="34" charset="0"/>
             </a:endParaRPr>
           </a:p>
           <a:p>
-            <a:pPr marL="457200" indent="-457200"/>
+            <a:pPr lvl="1"/>
             <a:r>
               <a:rPr lang="en-CA" sz="2400" b="1" dirty="0" smtClean="0">
                 <a:solidFill>
@@ -4374,16 +4361,70 @@
                 <a:latin typeface="Arial" pitchFamily="34" charset="0"/>
                 <a:cs typeface="Arial" pitchFamily="34" charset="0"/>
               </a:rPr>
-              <a:t>	Motivation:</a:t>
+              <a:t>Motivation</a:t>
             </a:r>
             <a:r>
               <a:rPr lang="en-CA" sz="2400" b="1" dirty="0" smtClean="0">
-                <a:latin typeface="Arial" pitchFamily="34" charset="0"/>
-                <a:cs typeface="Arial" pitchFamily="34" charset="0"/>
-              </a:rPr>
-              <a:t> Suggest listings based on buyers’ preferences</a:t>
-            </a:r>
-            <a:endParaRPr lang="en-CA" sz="2400" b="1" dirty="0">
+                <a:solidFill>
+                  <a:srgbClr val="FF0000"/>
+                </a:solidFill>
+                <a:latin typeface="Arial" pitchFamily="34" charset="0"/>
+                <a:cs typeface="Arial" pitchFamily="34" charset="0"/>
+              </a:rPr>
+              <a:t>:</a:t>
+            </a:r>
+            <a:r>
+              <a:rPr lang="en-CA" sz="2400" b="1" dirty="0" smtClean="0">
+                <a:latin typeface="Arial" pitchFamily="34" charset="0"/>
+                <a:cs typeface="Arial" pitchFamily="34" charset="0"/>
+              </a:rPr>
+              <a:t> Suggest </a:t>
+            </a:r>
+            <a:r>
+              <a:rPr lang="en-CA" sz="2400" b="1" dirty="0" smtClean="0">
+                <a:latin typeface="Arial" pitchFamily="34" charset="0"/>
+                <a:cs typeface="Arial" pitchFamily="34" charset="0"/>
+              </a:rPr>
+              <a:t>buying </a:t>
+            </a:r>
+            <a:r>
+              <a:rPr lang="en-CA" sz="2400" b="1" dirty="0" smtClean="0">
+                <a:latin typeface="Arial" pitchFamily="34" charset="0"/>
+                <a:cs typeface="Arial" pitchFamily="34" charset="0"/>
+              </a:rPr>
+              <a:t>location</a:t>
+            </a:r>
+            <a:r>
+              <a:rPr lang="en-CA" sz="2400" b="1" dirty="0" smtClean="0">
+                <a:latin typeface="Arial" pitchFamily="34" charset="0"/>
+                <a:cs typeface="Arial" pitchFamily="34" charset="0"/>
+              </a:rPr>
+              <a:t>s </a:t>
+            </a:r>
+            <a:r>
+              <a:rPr lang="en-CA" sz="2400" b="1" dirty="0" smtClean="0">
+                <a:latin typeface="Arial" pitchFamily="34" charset="0"/>
+                <a:cs typeface="Arial" pitchFamily="34" charset="0"/>
+              </a:rPr>
+              <a:t>for buyers depending on their </a:t>
+            </a:r>
+            <a:r>
+              <a:rPr lang="en-CA" sz="2400" b="1" dirty="0" smtClean="0">
+                <a:latin typeface="Arial" pitchFamily="34" charset="0"/>
+                <a:cs typeface="Arial" pitchFamily="34" charset="0"/>
+              </a:rPr>
+              <a:t>circumstances</a:t>
+            </a:r>
+            <a:endParaRPr lang="en-CA" sz="2400" b="1" dirty="0" smtClean="0">
+              <a:latin typeface="Arial" pitchFamily="34" charset="0"/>
+              <a:cs typeface="Arial" pitchFamily="34" charset="0"/>
+            </a:endParaRPr>
+          </a:p>
+          <a:p>
+            <a:endParaRPr lang="en-CA" sz="2400" b="1" dirty="0" smtClean="0">
+              <a:solidFill>
+                <a:srgbClr val="FF0000"/>
+              </a:solidFill>
               <a:latin typeface="Arial" pitchFamily="34" charset="0"/>
               <a:cs typeface="Arial" pitchFamily="34" charset="0"/>
             </a:endParaRPr>
@@ -4395,6 +4436,13 @@
   <p:clrMapOvr>
     <a:masterClrMapping/>
   </p:clrMapOvr>
+  <p:timing>
+    <p:tnLst>
+      <p:par>
+        <p:cTn id="1" dur="indefinite" restart="never" nodeType="tmRoot"/>
+      </p:par>
+    </p:tnLst>
+  </p:timing>
 </p:sld>
 </file>
 
@@ -4415,6 +4463,30 @@
           <a:chExt cx="0" cy="0"/>
         </a:xfrm>
       </p:grpSpPr>
+      <p:pic>
+        <p:nvPicPr>
+          <p:cNvPr id="4" name="Picture 3"/>
+          <p:cNvPicPr>
+            <a:picLocks noChangeAspect="1"/>
+          </p:cNvPicPr>
+          <p:nvPr/>
+        </p:nvPicPr>
+        <p:blipFill>
+          <a:blip r:embed="rId3"/>
+          <a:stretch>
+            <a:fillRect/>
+          </a:stretch>
+        </p:blipFill>
+        <p:spPr>
+          <a:xfrm>
+            <a:off x="5933256" y="4077072"/>
+            <a:ext cx="2743200" cy="2273912"/>
+          </a:xfrm>
+          <a:prstGeom prst="rect">
+            <a:avLst/>
+          </a:prstGeom>
+        </p:spPr>
+      </p:pic>
       <p:sp>
         <p:nvSpPr>
           <p:cNvPr id="7" name="TextBox 6"/>
@@ -4423,8 +4495,8 @@
         </p:nvSpPr>
         <p:spPr>
           <a:xfrm>
-            <a:off x="395536" y="1052736"/>
-            <a:ext cx="8208912" cy="5262979"/>
+            <a:off x="395536" y="980728"/>
+            <a:ext cx="6048672" cy="4893647"/>
           </a:xfrm>
           <a:prstGeom prst="rect">
             <a:avLst/>
@@ -4437,80 +4509,73 @@
           </a:bodyPr>
           <a:lstStyle/>
           <a:p>
-            <a:pPr>
-              <a:buFont typeface="Arial" pitchFamily="34" charset="0"/>
-              <a:buChar char="•"/>
-            </a:pPr>
             <a:r>
               <a:rPr lang="en-CA" sz="2400" b="1" dirty="0" smtClean="0">
                 <a:latin typeface="Arial" pitchFamily="34" charset="0"/>
                 <a:cs typeface="Arial" pitchFamily="34" charset="0"/>
               </a:rPr>
-              <a:t>Property listings in Montreal from Centris.ca</a:t>
-            </a:r>
-          </a:p>
-          <a:p>
-            <a:pPr lvl="1">
-              <a:buFont typeface="Wingdings" pitchFamily="2" charset="2"/>
-              <a:buChar char="§"/>
-            </a:pPr>
+              <a:t>1.  Property </a:t>
+            </a:r>
             <a:r>
               <a:rPr lang="en-CA" sz="2400" b="1" dirty="0" smtClean="0">
                 <a:latin typeface="Arial" pitchFamily="34" charset="0"/>
                 <a:cs typeface="Arial" pitchFamily="34" charset="0"/>
               </a:rPr>
-              <a:t>Price</a:t>
-            </a:r>
-          </a:p>
-          <a:p>
-            <a:pPr lvl="1">
-              <a:buFont typeface="Wingdings" pitchFamily="2" charset="2"/>
-              <a:buChar char="§"/>
-            </a:pPr>
+              <a:t>listings in Montreal from </a:t>
+            </a:r>
             <a:r>
               <a:rPr lang="en-CA" sz="2400" b="1" dirty="0" smtClean="0">
                 <a:latin typeface="Arial" pitchFamily="34" charset="0"/>
                 <a:cs typeface="Arial" pitchFamily="34" charset="0"/>
               </a:rPr>
-              <a:t>Area</a:t>
-            </a:r>
-          </a:p>
-          <a:p>
-            <a:pPr lvl="1">
-              <a:buFont typeface="Wingdings" pitchFamily="2" charset="2"/>
-              <a:buChar char="§"/>
-            </a:pPr>
-            <a:r>
-              <a:rPr lang="en-CA" sz="2400" b="1" dirty="0" smtClean="0">
-                <a:latin typeface="Arial" pitchFamily="34" charset="0"/>
-                <a:cs typeface="Arial" pitchFamily="34" charset="0"/>
-              </a:rPr>
-              <a:t>Etc.</a:t>
-            </a:r>
-          </a:p>
-          <a:p>
-            <a:pPr>
-              <a:buFont typeface="Arial" pitchFamily="34" charset="0"/>
-              <a:buChar char="•"/>
-            </a:pPr>
+              <a:t>real estate website</a:t>
+            </a:r>
             <a:endParaRPr lang="en-CA" sz="2400" b="1" dirty="0" smtClean="0">
               <a:latin typeface="Arial" pitchFamily="34" charset="0"/>
               <a:cs typeface="Arial" pitchFamily="34" charset="0"/>
             </a:endParaRPr>
           </a:p>
           <a:p>
-            <a:pPr>
-              <a:buFont typeface="Arial" pitchFamily="34" charset="0"/>
+            <a:pPr marL="914400" lvl="1" indent="-457200">
+              <a:buFont typeface="Arial" panose="020B0604020202020204" pitchFamily="34" charset="0"/>
               <a:buChar char="•"/>
             </a:pPr>
+            <a:r>
+              <a:rPr lang="en-CA" sz="2400" b="1" dirty="0" smtClean="0">
+                <a:latin typeface="Arial" pitchFamily="34" charset="0"/>
+                <a:cs typeface="Arial" pitchFamily="34" charset="0"/>
+              </a:rPr>
+              <a:t>The </a:t>
+            </a:r>
+            <a:r>
+              <a:rPr lang="en-CA" sz="2400" b="1" u="sng" dirty="0" smtClean="0">
+                <a:latin typeface="Arial" pitchFamily="34" charset="0"/>
+                <a:cs typeface="Arial" pitchFamily="34" charset="0"/>
+              </a:rPr>
+              <a:t>target</a:t>
+            </a:r>
+            <a:r>
+              <a:rPr lang="en-CA" sz="2400" b="1" u="sng" dirty="0" smtClean="0">
+                <a:latin typeface="Arial" pitchFamily="34" charset="0"/>
+                <a:cs typeface="Arial" pitchFamily="34" charset="0"/>
+              </a:rPr>
+              <a:t>s</a:t>
+            </a:r>
+            <a:r>
+              <a:rPr lang="en-CA" sz="2400" b="1" dirty="0" smtClean="0">
+                <a:latin typeface="Arial" pitchFamily="34" charset="0"/>
+                <a:cs typeface="Arial" pitchFamily="34" charset="0"/>
+              </a:rPr>
+              <a:t>: Prices</a:t>
+            </a:r>
             <a:endParaRPr lang="en-CA" sz="2400" b="1" dirty="0" smtClean="0">
               <a:latin typeface="Arial" pitchFamily="34" charset="0"/>
               <a:cs typeface="Arial" pitchFamily="34" charset="0"/>
             </a:endParaRPr>
           </a:p>
           <a:p>
-            <a:pPr>
-              <a:buFont typeface="Arial" pitchFamily="34" charset="0"/>
+            <a:pPr marL="914400" lvl="1" indent="-457200">
+              <a:buFont typeface="Arial" panose="020B0604020202020204" pitchFamily="34" charset="0"/>
               <a:buChar char="•"/>
             </a:pPr>
             <a:r>
@@ -4518,46 +4583,21 @@
                 <a:latin typeface="Arial" pitchFamily="34" charset="0"/>
                 <a:cs typeface="Arial" pitchFamily="34" charset="0"/>
               </a:rPr>
-              <a:t>Demographics from Statistics Canada</a:t>
-            </a:r>
-          </a:p>
-          <a:p>
-            <a:pPr lvl="1">
-              <a:buFont typeface="Wingdings" pitchFamily="2" charset="2"/>
-              <a:buChar char="§"/>
-            </a:pPr>
+              <a:t>The </a:t>
+            </a:r>
+            <a:r>
+              <a:rPr lang="en-CA" sz="2400" b="1" u="sng" dirty="0" smtClean="0">
+                <a:latin typeface="Arial" pitchFamily="34" charset="0"/>
+                <a:cs typeface="Arial" pitchFamily="34" charset="0"/>
+              </a:rPr>
+              <a:t>features</a:t>
+            </a:r>
             <a:r>
               <a:rPr lang="en-CA" sz="2400" b="1" dirty="0" smtClean="0">
                 <a:latin typeface="Arial" pitchFamily="34" charset="0"/>
                 <a:cs typeface="Arial" pitchFamily="34" charset="0"/>
               </a:rPr>
-              <a:t>Income</a:t>
-            </a:r>
-          </a:p>
-          <a:p>
-            <a:pPr lvl="1">
-              <a:buFont typeface="Wingdings" pitchFamily="2" charset="2"/>
-              <a:buChar char="§"/>
-            </a:pPr>
-            <a:r>
-              <a:rPr lang="en-CA" sz="2400" b="1" dirty="0" smtClean="0">
-                <a:latin typeface="Arial" pitchFamily="34" charset="0"/>
-                <a:cs typeface="Arial" pitchFamily="34" charset="0"/>
-              </a:rPr>
-              <a:t>Age</a:t>
-            </a:r>
-          </a:p>
-          <a:p>
-            <a:pPr lvl="1">
-              <a:buFont typeface="Wingdings" pitchFamily="2" charset="2"/>
-              <a:buChar char="§"/>
-            </a:pPr>
-            <a:r>
-              <a:rPr lang="en-CA" sz="2400" b="1" dirty="0" smtClean="0">
-                <a:latin typeface="Arial" pitchFamily="34" charset="0"/>
-                <a:cs typeface="Arial" pitchFamily="34" charset="0"/>
-              </a:rPr>
-              <a:t>Etc.</a:t>
+              <a:t>: Location, Size, Property type, etc.</a:t>
             </a:r>
           </a:p>
           <a:p>
@@ -4573,34 +4613,93 @@
             </a:endParaRPr>
           </a:p>
           <a:p>
-            <a:pPr>
-              <a:buFont typeface="Arial" pitchFamily="34" charset="0"/>
-              <a:buChar char="•"/>
-            </a:pPr>
-            <a:r>
-              <a:rPr lang="en-CA" sz="2400" b="1" dirty="0" smtClean="0">
-                <a:latin typeface="Arial" pitchFamily="34" charset="0"/>
-                <a:cs typeface="Arial" pitchFamily="34" charset="0"/>
-              </a:rPr>
-              <a:t>Bounding boxes from Montreal Open Data</a:t>
-            </a:r>
-          </a:p>
-          <a:p>
-            <a:pPr lvl="1">
-              <a:buFont typeface="Wingdings" pitchFamily="2" charset="2"/>
-              <a:buChar char="§"/>
-            </a:pPr>
-            <a:r>
-              <a:rPr lang="en-CA" sz="2400" b="1" dirty="0" smtClean="0">
-                <a:latin typeface="Arial" pitchFamily="34" charset="0"/>
-                <a:cs typeface="Arial" pitchFamily="34" charset="0"/>
-              </a:rPr>
-              <a:t>Define Montreal municipalities</a:t>
-            </a:r>
             <a:endParaRPr lang="en-CA" sz="2400" b="1" dirty="0">
               <a:latin typeface="Arial" pitchFamily="34" charset="0"/>
               <a:cs typeface="Arial" pitchFamily="34" charset="0"/>
             </a:endParaRPr>
+          </a:p>
+          <a:p>
+            <a:endParaRPr lang="en-CA" sz="2400" b="1" dirty="0">
+              <a:latin typeface="Arial" pitchFamily="34" charset="0"/>
+              <a:cs typeface="Arial" pitchFamily="34" charset="0"/>
+            </a:endParaRPr>
+          </a:p>
+          <a:p>
+            <a:endParaRPr lang="en-CA" sz="2400" b="1" dirty="0" smtClean="0">
+              <a:latin typeface="Arial" pitchFamily="34" charset="0"/>
+              <a:cs typeface="Arial" pitchFamily="34" charset="0"/>
+            </a:endParaRPr>
+          </a:p>
+          <a:p>
+            <a:r>
+              <a:rPr lang="en-CA" sz="2400" b="1" dirty="0" smtClean="0">
+                <a:latin typeface="Arial" pitchFamily="34" charset="0"/>
+                <a:cs typeface="Arial" pitchFamily="34" charset="0"/>
+              </a:rPr>
+              <a:t>2.  Bounding </a:t>
+            </a:r>
+            <a:r>
+              <a:rPr lang="en-CA" sz="2400" b="1" dirty="0" smtClean="0">
+                <a:latin typeface="Arial" pitchFamily="34" charset="0"/>
+                <a:cs typeface="Arial" pitchFamily="34" charset="0"/>
+              </a:rPr>
+              <a:t>polygons</a:t>
+            </a:r>
+            <a:r>
+              <a:rPr lang="en-CA" sz="2400" b="1" dirty="0" smtClean="0">
+                <a:latin typeface="Arial" pitchFamily="34" charset="0"/>
+                <a:cs typeface="Arial" pitchFamily="34" charset="0"/>
+              </a:rPr>
+              <a:t> </a:t>
+            </a:r>
+            <a:r>
+              <a:rPr lang="en-CA" sz="2400" b="1" dirty="0" smtClean="0">
+                <a:latin typeface="Arial" pitchFamily="34" charset="0"/>
+                <a:cs typeface="Arial" pitchFamily="34" charset="0"/>
+              </a:rPr>
+              <a:t>from Montreal Open Data</a:t>
+            </a:r>
+          </a:p>
+          <a:p>
+            <a:pPr marL="914400" lvl="1" indent="-457200">
+              <a:buFont typeface="Arial" panose="020B0604020202020204" pitchFamily="34" charset="0"/>
+              <a:buChar char="•"/>
+            </a:pPr>
+            <a:r>
+              <a:rPr lang="en-CA" sz="2400" b="1" dirty="0">
+                <a:latin typeface="Arial" pitchFamily="34" charset="0"/>
+                <a:cs typeface="Arial" pitchFamily="34" charset="0"/>
+              </a:rPr>
+              <a:t>The </a:t>
+            </a:r>
+            <a:r>
+              <a:rPr lang="en-CA" sz="2400" b="1" u="sng" dirty="0">
+                <a:latin typeface="Arial" pitchFamily="34" charset="0"/>
+                <a:cs typeface="Arial" pitchFamily="34" charset="0"/>
+              </a:rPr>
+              <a:t>labels</a:t>
+            </a:r>
+            <a:r>
+              <a:rPr lang="en-CA" sz="2400" b="1" dirty="0">
+                <a:latin typeface="Arial" pitchFamily="34" charset="0"/>
+                <a:cs typeface="Arial" pitchFamily="34" charset="0"/>
+              </a:rPr>
+              <a:t>: </a:t>
+            </a:r>
+            <a:r>
+              <a:rPr lang="en-CA" sz="2400" b="1" dirty="0" smtClean="0">
+                <a:latin typeface="Arial" pitchFamily="34" charset="0"/>
+                <a:cs typeface="Arial" pitchFamily="34" charset="0"/>
+              </a:rPr>
+              <a:t>Montreal </a:t>
+            </a:r>
+            <a:r>
+              <a:rPr lang="en-CA" sz="2400" b="1" dirty="0" smtClean="0">
+                <a:latin typeface="Arial" pitchFamily="34" charset="0"/>
+                <a:cs typeface="Arial" pitchFamily="34" charset="0"/>
+              </a:rPr>
+              <a:t>boroughs</a:t>
+            </a:r>
           </a:p>
         </p:txBody>
       </p:sp>
@@ -4632,9 +4731,120 @@
                 <a:latin typeface="Arial" pitchFamily="34" charset="0"/>
                 <a:cs typeface="Arial" pitchFamily="34" charset="0"/>
               </a:rPr>
-              <a:t>Dataset</a:t>
+              <a:t>Data sets</a:t>
             </a:r>
             <a:endParaRPr lang="en-CA" sz="3600" b="1" dirty="0">
+              <a:latin typeface="Arial" pitchFamily="34" charset="0"/>
+              <a:cs typeface="Arial" pitchFamily="34" charset="0"/>
+            </a:endParaRPr>
+          </a:p>
+        </p:txBody>
+      </p:sp>
+      <p:pic>
+        <p:nvPicPr>
+          <p:cNvPr id="2" name="Picture 1"/>
+          <p:cNvPicPr>
+            <a:picLocks noChangeAspect="1"/>
+          </p:cNvPicPr>
+          <p:nvPr/>
+        </p:nvPicPr>
+        <p:blipFill>
+          <a:blip r:embed="rId4"/>
+          <a:stretch>
+            <a:fillRect/>
+          </a:stretch>
+        </p:blipFill>
+        <p:spPr>
+          <a:xfrm>
+            <a:off x="6323519" y="1700808"/>
+            <a:ext cx="1632857" cy="457200"/>
+          </a:xfrm>
+          <a:prstGeom prst="rect">
+            <a:avLst/>
+          </a:prstGeom>
+        </p:spPr>
+      </p:pic>
+      <p:pic>
+        <p:nvPicPr>
+          <p:cNvPr id="3" name="Picture 2"/>
+          <p:cNvPicPr>
+            <a:picLocks noChangeAspect="1"/>
+          </p:cNvPicPr>
+          <p:nvPr/>
+        </p:nvPicPr>
+        <p:blipFill>
+          <a:blip r:embed="rId5"/>
+          <a:stretch>
+            <a:fillRect/>
+          </a:stretch>
+        </p:blipFill>
+        <p:spPr>
+          <a:xfrm>
+            <a:off x="6481911" y="4141837"/>
+            <a:ext cx="1114425" cy="295275"/>
+          </a:xfrm>
+          <a:prstGeom prst="rect">
+            <a:avLst/>
+          </a:prstGeom>
+        </p:spPr>
+      </p:pic>
+      <p:sp>
+        <p:nvSpPr>
+          <p:cNvPr id="5" name="TextBox 4"/>
+          <p:cNvSpPr txBox="1"/>
+          <p:nvPr/>
+        </p:nvSpPr>
+        <p:spPr>
+          <a:xfrm>
+            <a:off x="416878" y="2996952"/>
+            <a:ext cx="7683514" cy="830997"/>
+          </a:xfrm>
+          <a:prstGeom prst="rect">
+            <a:avLst/>
+          </a:prstGeom>
+          <a:noFill/>
+        </p:spPr>
+        <p:txBody>
+          <a:bodyPr wrap="none" rtlCol="0">
+            <a:spAutoFit/>
+          </a:bodyPr>
+          <a:lstStyle/>
+          <a:p>
+            <a:r>
+              <a:rPr lang="en-CA" sz="2400" b="1" dirty="0" smtClean="0">
+                <a:latin typeface="Arial" pitchFamily="34" charset="0"/>
+                <a:cs typeface="Arial" pitchFamily="34" charset="0"/>
+              </a:rPr>
+              <a:t>Additional demographics </a:t>
+            </a:r>
+            <a:r>
+              <a:rPr lang="en-CA" sz="2400" b="1" dirty="0">
+                <a:latin typeface="Arial" pitchFamily="34" charset="0"/>
+                <a:cs typeface="Arial" pitchFamily="34" charset="0"/>
+              </a:rPr>
+              <a:t>from Statistics Canada</a:t>
+            </a:r>
+          </a:p>
+          <a:p>
+            <a:pPr marL="914400" lvl="1" indent="-457200">
+              <a:buFont typeface="Arial" panose="020B0604020202020204" pitchFamily="34" charset="0"/>
+              <a:buChar char="•"/>
+            </a:pPr>
+            <a:r>
+              <a:rPr lang="en-CA" sz="2400" b="1" dirty="0">
+                <a:latin typeface="Arial" pitchFamily="34" charset="0"/>
+                <a:cs typeface="Arial" pitchFamily="34" charset="0"/>
+              </a:rPr>
+              <a:t>Income, Population age, Household size, etc</a:t>
+            </a:r>
+            <a:r>
+              <a:rPr lang="en-CA" sz="2400" b="1" dirty="0" smtClean="0">
+                <a:latin typeface="Arial" pitchFamily="34" charset="0"/>
+                <a:cs typeface="Arial" pitchFamily="34" charset="0"/>
+              </a:rPr>
+              <a:t>.</a:t>
+            </a:r>
+            <a:endParaRPr lang="en-CA" sz="2400" b="1" dirty="0">
               <a:latin typeface="Arial" pitchFamily="34" charset="0"/>
               <a:cs typeface="Arial" pitchFamily="34" charset="0"/>
             </a:endParaRPr>
@@ -4646,6 +4856,13 @@
   <p:clrMapOvr>
     <a:masterClrMapping/>
   </p:clrMapOvr>
+  <p:timing>
+    <p:tnLst>
+      <p:par>
+        <p:cTn id="1" dur="indefinite" restart="never" nodeType="tmRoot"/>
+      </p:par>
+    </p:tnLst>
+  </p:timing>
 </p:sld>
 </file>
 
@@ -4674,8 +4891,8 @@
         </p:nvSpPr>
         <p:spPr>
           <a:xfrm>
-            <a:off x="611560" y="1436583"/>
-            <a:ext cx="7560840" cy="1938992"/>
+            <a:off x="539552" y="1052736"/>
+            <a:ext cx="8064896" cy="5632311"/>
           </a:xfrm>
           <a:prstGeom prst="rect">
             <a:avLst/>
@@ -4688,61 +4905,274 @@
           </a:bodyPr>
           <a:lstStyle/>
           <a:p>
-            <a:pPr>
-              <a:buFont typeface="Arial" pitchFamily="34" charset="0"/>
-              <a:buChar char="•"/>
-            </a:pPr>
             <a:r>
               <a:rPr lang="en-CA" sz="2400" b="1" dirty="0" smtClean="0">
                 <a:latin typeface="Arial" pitchFamily="34" charset="0"/>
                 <a:cs typeface="Arial" pitchFamily="34" charset="0"/>
               </a:rPr>
-              <a:t>Linear and logistic regressions</a:t>
-            </a:r>
-          </a:p>
-          <a:p>
-            <a:pPr>
-              <a:buFont typeface="Arial" pitchFamily="34" charset="0"/>
-              <a:buChar char="•"/>
+              <a:t>1.  </a:t>
+            </a:r>
+            <a:r>
+              <a:rPr lang="en-CA" sz="2400" b="1" dirty="0" smtClean="0">
+                <a:solidFill>
+                  <a:srgbClr val="FF0000"/>
+                </a:solidFill>
+                <a:latin typeface="Arial" pitchFamily="34" charset="0"/>
+                <a:cs typeface="Arial" pitchFamily="34" charset="0"/>
+              </a:rPr>
+              <a:t>Regression</a:t>
+            </a:r>
+            <a:r>
+              <a:rPr lang="en-CA" sz="2400" b="1" dirty="0" smtClean="0">
+                <a:latin typeface="Arial" pitchFamily="34" charset="0"/>
+                <a:cs typeface="Arial" pitchFamily="34" charset="0"/>
+              </a:rPr>
+              <a:t> of the </a:t>
+            </a:r>
+            <a:r>
+              <a:rPr lang="en-CA" sz="2400" b="1" dirty="0" smtClean="0">
+                <a:latin typeface="Arial" pitchFamily="34" charset="0"/>
+                <a:cs typeface="Arial" pitchFamily="34" charset="0"/>
+              </a:rPr>
+              <a:t>prices</a:t>
+            </a:r>
+          </a:p>
+          <a:p>
+            <a:r>
+              <a:rPr lang="en-CA" sz="2400" b="1" dirty="0">
+                <a:latin typeface="Arial" pitchFamily="34" charset="0"/>
+                <a:cs typeface="Arial" pitchFamily="34" charset="0"/>
+              </a:rPr>
+              <a:t>	</a:t>
+            </a:r>
+            <a:r>
+              <a:rPr lang="en-CA" sz="2400" b="1" dirty="0" smtClean="0">
+                <a:latin typeface="Arial" pitchFamily="34" charset="0"/>
+                <a:cs typeface="Arial" pitchFamily="34" charset="0"/>
+              </a:rPr>
+              <a:t>Linear </a:t>
+            </a:r>
+            <a:r>
+              <a:rPr lang="en-CA" sz="2400" b="1" dirty="0" smtClean="0">
+                <a:latin typeface="Arial" pitchFamily="34" charset="0"/>
+                <a:cs typeface="Arial" pitchFamily="34" charset="0"/>
+              </a:rPr>
+              <a:t>and logistic </a:t>
+            </a:r>
+            <a:r>
+              <a:rPr lang="en-CA" sz="2400" b="1" dirty="0" smtClean="0">
+                <a:latin typeface="Arial" pitchFamily="34" charset="0"/>
+                <a:cs typeface="Arial" pitchFamily="34" charset="0"/>
+              </a:rPr>
+              <a:t>regressions</a:t>
+            </a:r>
+          </a:p>
+          <a:p>
+            <a:r>
+              <a:rPr lang="en-CA" sz="2400" b="1" dirty="0">
+                <a:latin typeface="Arial" pitchFamily="34" charset="0"/>
+                <a:cs typeface="Arial" pitchFamily="34" charset="0"/>
+              </a:rPr>
+              <a:t>	</a:t>
+            </a:r>
+            <a:r>
+              <a:rPr lang="en-CA" sz="2400" b="1" dirty="0" smtClean="0">
+                <a:latin typeface="Arial" pitchFamily="34" charset="0"/>
+                <a:cs typeface="Arial" pitchFamily="34" charset="0"/>
+              </a:rPr>
+              <a:t>k-Nearest Neighbours</a:t>
+            </a:r>
+          </a:p>
+          <a:p>
+            <a:endParaRPr lang="en-CA" sz="2400" b="1" dirty="0">
+              <a:latin typeface="Arial" pitchFamily="34" charset="0"/>
+              <a:cs typeface="Arial" pitchFamily="34" charset="0"/>
+            </a:endParaRPr>
+          </a:p>
+          <a:p>
+            <a:endParaRPr lang="en-CA" sz="2400" b="1" dirty="0" smtClean="0">
+              <a:latin typeface="Arial" pitchFamily="34" charset="0"/>
+              <a:cs typeface="Arial" pitchFamily="34" charset="0"/>
+            </a:endParaRPr>
+          </a:p>
+          <a:p>
+            <a:r>
+              <a:rPr lang="en-CA" sz="2400" b="1" dirty="0" smtClean="0">
+                <a:latin typeface="Arial" pitchFamily="34" charset="0"/>
+                <a:cs typeface="Arial" pitchFamily="34" charset="0"/>
+              </a:rPr>
+              <a:t>2.  </a:t>
+            </a:r>
+            <a:r>
+              <a:rPr lang="en-CA" sz="2400" b="1" dirty="0" smtClean="0">
+                <a:solidFill>
+                  <a:srgbClr val="FF0000"/>
+                </a:solidFill>
+                <a:latin typeface="Arial" pitchFamily="34" charset="0"/>
+                <a:cs typeface="Arial" pitchFamily="34" charset="0"/>
+              </a:rPr>
+              <a:t>Classification</a:t>
+            </a:r>
+            <a:r>
+              <a:rPr lang="en-CA" sz="2400" b="1" dirty="0" smtClean="0">
+                <a:latin typeface="Arial" pitchFamily="34" charset="0"/>
+                <a:cs typeface="Arial" pitchFamily="34" charset="0"/>
+              </a:rPr>
+              <a:t> of the boroughs</a:t>
+            </a:r>
+          </a:p>
+          <a:p>
+            <a:r>
+              <a:rPr lang="en-CA" sz="2400" b="1" dirty="0" smtClean="0">
+                <a:latin typeface="Arial" pitchFamily="34" charset="0"/>
+                <a:cs typeface="Arial" pitchFamily="34" charset="0"/>
+              </a:rPr>
+              <a:t>	</a:t>
+            </a:r>
+            <a:r>
+              <a:rPr lang="en-CA" sz="2400" b="1" u="sng" dirty="0" smtClean="0">
+                <a:latin typeface="Arial" pitchFamily="34" charset="0"/>
+                <a:cs typeface="Arial" pitchFamily="34" charset="0"/>
+              </a:rPr>
+              <a:t>Supervised</a:t>
+            </a:r>
+            <a:r>
+              <a:rPr lang="en-CA" sz="2400" b="1" dirty="0" smtClean="0">
+                <a:latin typeface="Arial" pitchFamily="34" charset="0"/>
+                <a:cs typeface="Arial" pitchFamily="34" charset="0"/>
+              </a:rPr>
+              <a:t>:</a:t>
+            </a:r>
+          </a:p>
+          <a:p>
+            <a:r>
+              <a:rPr lang="en-CA" sz="2400" b="1" dirty="0">
+                <a:latin typeface="Arial" pitchFamily="34" charset="0"/>
+                <a:cs typeface="Arial" pitchFamily="34" charset="0"/>
+              </a:rPr>
+              <a:t>	</a:t>
+            </a:r>
+            <a:r>
+              <a:rPr lang="en-CA" sz="2400" b="1" dirty="0" smtClean="0">
+                <a:latin typeface="Arial" pitchFamily="34" charset="0"/>
+                <a:cs typeface="Arial" pitchFamily="34" charset="0"/>
+              </a:rPr>
+              <a:t>Logistic </a:t>
+            </a:r>
+            <a:r>
+              <a:rPr lang="en-CA" sz="2400" b="1" dirty="0">
+                <a:latin typeface="Arial" pitchFamily="34" charset="0"/>
+                <a:cs typeface="Arial" pitchFamily="34" charset="0"/>
+              </a:rPr>
+              <a:t>regressions</a:t>
+            </a:r>
+          </a:p>
+          <a:p>
+            <a:r>
+              <a:rPr lang="en-CA" sz="2400" b="1" dirty="0">
+                <a:latin typeface="Arial" pitchFamily="34" charset="0"/>
+                <a:cs typeface="Arial" pitchFamily="34" charset="0"/>
+              </a:rPr>
+              <a:t>	k-Nearest </a:t>
+            </a:r>
+            <a:r>
+              <a:rPr lang="en-CA" sz="2400" b="1" dirty="0" smtClean="0">
+                <a:latin typeface="Arial" pitchFamily="34" charset="0"/>
+                <a:cs typeface="Arial" pitchFamily="34" charset="0"/>
+              </a:rPr>
+              <a:t>Neighbours</a:t>
+            </a:r>
+          </a:p>
+          <a:p>
+            <a:r>
+              <a:rPr lang="en-CA" sz="2400" b="1" dirty="0">
+                <a:latin typeface="Arial" pitchFamily="34" charset="0"/>
+                <a:cs typeface="Arial" pitchFamily="34" charset="0"/>
+              </a:rPr>
+              <a:t>	</a:t>
+            </a:r>
+            <a:r>
+              <a:rPr lang="en-CA" sz="2400" b="1" dirty="0" smtClean="0">
+                <a:latin typeface="Arial" pitchFamily="34" charset="0"/>
+                <a:cs typeface="Arial" pitchFamily="34" charset="0"/>
+              </a:rPr>
+              <a:t>SVM</a:t>
+            </a:r>
+          </a:p>
+          <a:p>
+            <a:r>
+              <a:rPr lang="en-CA" sz="2400" b="1" dirty="0">
+                <a:latin typeface="Arial" pitchFamily="34" charset="0"/>
+                <a:cs typeface="Arial" pitchFamily="34" charset="0"/>
+              </a:rPr>
+              <a:t>	</a:t>
+            </a:r>
+            <a:r>
+              <a:rPr lang="en-CA" sz="2400" b="1" dirty="0" smtClean="0">
+                <a:latin typeface="Arial" pitchFamily="34" charset="0"/>
+                <a:cs typeface="Arial" pitchFamily="34" charset="0"/>
+              </a:rPr>
+              <a:t>Neural Networks</a:t>
+            </a:r>
+          </a:p>
+          <a:p>
+            <a:endParaRPr lang="en-CA" sz="2400" b="1" dirty="0" smtClean="0">
+              <a:latin typeface="Arial" pitchFamily="34" charset="0"/>
+              <a:cs typeface="Arial" pitchFamily="34" charset="0"/>
+            </a:endParaRPr>
+          </a:p>
+          <a:p>
+            <a:r>
+              <a:rPr lang="en-CA" sz="2400" b="1" dirty="0" smtClean="0">
+                <a:latin typeface="Arial" pitchFamily="34" charset="0"/>
+                <a:cs typeface="Arial" pitchFamily="34" charset="0"/>
+              </a:rPr>
+              <a:t>	</a:t>
+            </a:r>
+            <a:r>
+              <a:rPr lang="en-CA" sz="2400" b="1" u="sng" dirty="0" smtClean="0">
+                <a:latin typeface="Arial" pitchFamily="34" charset="0"/>
+                <a:cs typeface="Arial" pitchFamily="34" charset="0"/>
+              </a:rPr>
+              <a:t>Un-supervised</a:t>
+            </a:r>
+            <a:r>
+              <a:rPr lang="en-CA" sz="2400" b="1" dirty="0" smtClean="0">
+                <a:latin typeface="Arial" pitchFamily="34" charset="0"/>
+                <a:cs typeface="Arial" pitchFamily="34" charset="0"/>
+              </a:rPr>
+              <a:t>:</a:t>
+            </a:r>
+          </a:p>
+          <a:p>
+            <a:r>
+              <a:rPr lang="en-CA" sz="2400" b="1" dirty="0">
+                <a:latin typeface="Arial" pitchFamily="34" charset="0"/>
+                <a:cs typeface="Arial" pitchFamily="34" charset="0"/>
+              </a:rPr>
+              <a:t>	</a:t>
+            </a:r>
+            <a:r>
+              <a:rPr lang="en-CA" sz="2400" b="1" dirty="0" smtClean="0">
+                <a:latin typeface="Arial" pitchFamily="34" charset="0"/>
+                <a:cs typeface="Arial" pitchFamily="34" charset="0"/>
+              </a:rPr>
+              <a:t>k-Means</a:t>
+            </a:r>
+            <a:endParaRPr lang="en-CA" sz="2400" b="1" dirty="0">
+              <a:latin typeface="Arial" pitchFamily="34" charset="0"/>
+              <a:cs typeface="Arial" pitchFamily="34" charset="0"/>
+            </a:endParaRPr>
+          </a:p>
+          <a:p>
+            <a:pPr marL="457200" indent="-457200">
+              <a:buAutoNum type="arabicPeriod" startAt="2"/>
             </a:pPr>
             <a:endParaRPr lang="en-CA" sz="2400" b="1" dirty="0" smtClean="0">
               <a:latin typeface="Arial" pitchFamily="34" charset="0"/>
               <a:cs typeface="Arial" pitchFamily="34" charset="0"/>
             </a:endParaRPr>
           </a:p>
-          <a:p>
-            <a:pPr>
-              <a:buFont typeface="Arial" pitchFamily="34" charset="0"/>
-              <a:buChar char="•"/>
-            </a:pPr>
-            <a:r>
-              <a:rPr lang="en-CA" sz="2400" b="1" dirty="0" smtClean="0">
-                <a:latin typeface="Arial" pitchFamily="34" charset="0"/>
-                <a:cs typeface="Arial" pitchFamily="34" charset="0"/>
-              </a:rPr>
-              <a:t>k-Nearest Neighbours</a:t>
-            </a:r>
-          </a:p>
-          <a:p>
-            <a:pPr>
-              <a:buFont typeface="Arial" pitchFamily="34" charset="0"/>
-              <a:buChar char="•"/>
-            </a:pPr>
-            <a:endParaRPr lang="en-CA" sz="2400" b="1" dirty="0" smtClean="0">
-              <a:latin typeface="Arial" pitchFamily="34" charset="0"/>
-              <a:cs typeface="Arial" pitchFamily="34" charset="0"/>
-            </a:endParaRPr>
-          </a:p>
-          <a:p>
-            <a:pPr>
-              <a:buFont typeface="Arial" pitchFamily="34" charset="0"/>
-              <a:buChar char="•"/>
-            </a:pPr>
-            <a:endParaRPr lang="en-CA" sz="2400" b="1" dirty="0">
-              <a:latin typeface="Arial" pitchFamily="34" charset="0"/>
-              <a:cs typeface="Arial" pitchFamily="34" charset="0"/>
-            </a:endParaRPr>
-          </a:p>
         </p:txBody>
       </p:sp>
       <p:sp>
@@ -4753,7 +5183,7 @@
         </p:nvSpPr>
         <p:spPr>
           <a:xfrm>
-            <a:off x="179512" y="500479"/>
+            <a:off x="179512" y="262389"/>
             <a:ext cx="8784976" cy="646331"/>
           </a:xfrm>
           <a:prstGeom prst="rect">
@@ -4787,6 +5217,13 @@
   <p:clrMapOvr>
     <a:masterClrMapping/>
   </p:clrMapOvr>
+  <p:timing>
+    <p:tnLst>
+      <p:par>
+        <p:cTn id="1" dur="indefinite" restart="never" nodeType="tmRoot"/>
+      </p:par>
+    </p:tnLst>
+  </p:timing>
 </p:sld>
 </file>
 
@@ -4815,7 +5252,7 @@
         </p:nvSpPr>
         <p:spPr>
           <a:xfrm>
-            <a:off x="593794" y="1556792"/>
+            <a:off x="593794" y="1268760"/>
             <a:ext cx="4442242" cy="461665"/>
           </a:xfrm>
           <a:prstGeom prst="rect">
@@ -4851,7 +5288,7 @@
         </p:nvSpPr>
         <p:spPr>
           <a:xfrm>
-            <a:off x="179512" y="500479"/>
+            <a:off x="179512" y="262389"/>
             <a:ext cx="8784976" cy="646331"/>
           </a:xfrm>
           <a:prstGeom prst="rect">
@@ -4885,6 +5322,13 @@
   <p:clrMapOvr>
     <a:masterClrMapping/>
   </p:clrMapOvr>
+  <p:timing>
+    <p:tnLst>
+      <p:par>
+        <p:cTn id="1" dur="indefinite" restart="never" nodeType="tmRoot"/>
+      </p:par>
+    </p:tnLst>
+  </p:timing>
 </p:sld>
 </file>
 
@@ -4913,7 +5357,7 @@
         </p:nvSpPr>
         <p:spPr>
           <a:xfrm>
-            <a:off x="593794" y="1445875"/>
+            <a:off x="593794" y="1052736"/>
             <a:ext cx="8154670" cy="830997"/>
           </a:xfrm>
           <a:prstGeom prst="rect">
@@ -4935,11 +5379,11 @@
               <a:t>Incorporate data from Statistics Canada based on the defined Montreal </a:t>
             </a:r>
             <a:r>
-              <a:rPr lang="en-CA" sz="2400" b="1" dirty="0" err="1" smtClean="0">
-                <a:latin typeface="Arial" pitchFamily="34" charset="0"/>
-                <a:cs typeface="Arial" pitchFamily="34" charset="0"/>
-              </a:rPr>
-              <a:t>muncipalities</a:t>
+              <a:rPr lang="en-CA" sz="2400" b="1" dirty="0" smtClean="0">
+                <a:latin typeface="Arial" pitchFamily="34" charset="0"/>
+                <a:cs typeface="Arial" pitchFamily="34" charset="0"/>
+              </a:rPr>
+              <a:t>boroughs</a:t>
             </a:r>
             <a:endParaRPr lang="en-CA" sz="2400" b="1" dirty="0">
               <a:latin typeface="Arial" pitchFamily="34" charset="0"/>
@@ -4956,7 +5400,7 @@
         </p:nvSpPr>
         <p:spPr>
           <a:xfrm>
-            <a:off x="179512" y="500479"/>
+            <a:off x="179512" y="260648"/>
             <a:ext cx="8784976" cy="646331"/>
           </a:xfrm>
           <a:prstGeom prst="rect">
@@ -4990,6 +5434,13 @@
   <p:clrMapOvr>
     <a:masterClrMapping/>
   </p:clrMapOvr>
+  <p:timing>
+    <p:tnLst>
+      <p:par>
+        <p:cTn id="1" dur="indefinite" restart="never" nodeType="tmRoot"/>
+      </p:par>
+    </p:tnLst>
+  </p:timing>
 </p:sld>
 </file>
 

--- a/presentation/DaveNissanEmil2014MachineLearning.pptx
+++ b/presentation/DaveNissanEmil2014MachineLearning.pptx
@@ -114,7 +114,7 @@
   </p:defaultTextStyle>
   <p:extLst>
     <p:ext uri="{EFAFB233-063F-42B5-8137-9DF3F51BA10A}">
-      <p15:sldGuideLst xmlns:p15="http://schemas.microsoft.com/office/powerpoint/2012/main">
+      <p15:sldGuideLst xmlns:p15="http://schemas.microsoft.com/office/powerpoint/2012/main" xmlns="">
         <p15:guide id="1" orient="horz" pos="2160">
           <p15:clr>
             <a:srgbClr val="A4A3A4"/>
@@ -214,7 +214,7 @@
             <a:fld id="{846388BD-8A6F-4B9B-95D6-1E40DF29BA0B}" type="datetimeFigureOut">
               <a:rPr lang="en-CA" smtClean="0"/>
               <a:pPr/>
-              <a:t>22/11/2014</a:t>
+              <a:t>23/11/2014</a:t>
             </a:fld>
             <a:endParaRPr lang="en-CA"/>
           </a:p>
@@ -385,7 +385,7 @@
     </p:spTree>
     <p:extLst>
       <p:ext uri="{BB962C8B-B14F-4D97-AF65-F5344CB8AC3E}">
-        <p14:creationId xmlns:p14="http://schemas.microsoft.com/office/powerpoint/2010/main" val="3448995633"/>
+        <p14:creationId xmlns:p14="http://schemas.microsoft.com/office/powerpoint/2010/main" xmlns="" val="3448995633"/>
       </p:ext>
     </p:extLst>
   </p:cSld>
@@ -535,6 +535,14 @@
               <a:rPr lang="en-CA" dirty="0" smtClean="0"/>
               <a:t>Motivation to help </a:t>
             </a:r>
+            <a:r>
+              <a:rPr lang="en-CA" dirty="0" smtClean="0"/>
+              <a:t>families,</a:t>
+            </a:r>
+            <a:r>
+              <a:rPr lang="en-CA" baseline="0" dirty="0" smtClean="0"/>
+              <a:t> especially first time buyers, Montreal.</a:t>
+            </a:r>
             <a:endParaRPr lang="en-CA" dirty="0"/>
           </a:p>
         </p:txBody>
@@ -566,7 +574,7 @@
     </p:spTree>
     <p:extLst>
       <p:ext uri="{BB962C8B-B14F-4D97-AF65-F5344CB8AC3E}">
-        <p14:creationId xmlns:p14="http://schemas.microsoft.com/office/powerpoint/2010/main" val="1733972161"/>
+        <p14:creationId xmlns:p14="http://schemas.microsoft.com/office/powerpoint/2010/main" xmlns="" val="1733972161"/>
       </p:ext>
     </p:extLst>
   </p:cSld>
@@ -663,7 +671,7 @@
     </p:spTree>
     <p:extLst>
       <p:ext uri="{BB962C8B-B14F-4D97-AF65-F5344CB8AC3E}">
-        <p14:creationId xmlns:p14="http://schemas.microsoft.com/office/powerpoint/2010/main" val="3485329"/>
+        <p14:creationId xmlns:p14="http://schemas.microsoft.com/office/powerpoint/2010/main" xmlns="" val="3485329"/>
       </p:ext>
     </p:extLst>
   </p:cSld>
@@ -764,7 +772,7 @@
     </p:spTree>
     <p:extLst>
       <p:ext uri="{BB962C8B-B14F-4D97-AF65-F5344CB8AC3E}">
-        <p14:creationId xmlns:p14="http://schemas.microsoft.com/office/powerpoint/2010/main" val="3101789400"/>
+        <p14:creationId xmlns:p14="http://schemas.microsoft.com/office/powerpoint/2010/main" xmlns="" val="3101789400"/>
       </p:ext>
     </p:extLst>
   </p:cSld>
@@ -851,7 +859,7 @@
     </p:spTree>
     <p:extLst>
       <p:ext uri="{BB962C8B-B14F-4D97-AF65-F5344CB8AC3E}">
-        <p14:creationId xmlns:p14="http://schemas.microsoft.com/office/powerpoint/2010/main" val="928199445"/>
+        <p14:creationId xmlns:p14="http://schemas.microsoft.com/office/powerpoint/2010/main" xmlns="" val="928199445"/>
       </p:ext>
     </p:extLst>
   </p:cSld>
@@ -938,7 +946,7 @@
     </p:spTree>
     <p:extLst>
       <p:ext uri="{BB962C8B-B14F-4D97-AF65-F5344CB8AC3E}">
-        <p14:creationId xmlns:p14="http://schemas.microsoft.com/office/powerpoint/2010/main" val="3047244720"/>
+        <p14:creationId xmlns:p14="http://schemas.microsoft.com/office/powerpoint/2010/main" xmlns="" val="3047244720"/>
       </p:ext>
     </p:extLst>
   </p:cSld>
@@ -1025,7 +1033,7 @@
     </p:spTree>
     <p:extLst>
       <p:ext uri="{BB962C8B-B14F-4D97-AF65-F5344CB8AC3E}">
-        <p14:creationId xmlns:p14="http://schemas.microsoft.com/office/powerpoint/2010/main" val="573097354"/>
+        <p14:creationId xmlns:p14="http://schemas.microsoft.com/office/powerpoint/2010/main" xmlns="" val="573097354"/>
       </p:ext>
     </p:extLst>
   </p:cSld>
@@ -1217,7 +1225,7 @@
             <a:fld id="{574F1A96-3F81-4DB8-AC7E-AF17C81A9AD7}" type="datetimeFigureOut">
               <a:rPr lang="en-CA" smtClean="0"/>
               <a:pPr/>
-              <a:t>22/11/2014</a:t>
+              <a:t>23/11/2014</a:t>
             </a:fld>
             <a:endParaRPr lang="en-CA"/>
           </a:p>
@@ -1384,7 +1392,7 @@
             <a:fld id="{574F1A96-3F81-4DB8-AC7E-AF17C81A9AD7}" type="datetimeFigureOut">
               <a:rPr lang="en-CA" smtClean="0"/>
               <a:pPr/>
-              <a:t>22/11/2014</a:t>
+              <a:t>23/11/2014</a:t>
             </a:fld>
             <a:endParaRPr lang="en-CA"/>
           </a:p>
@@ -1561,7 +1569,7 @@
             <a:fld id="{574F1A96-3F81-4DB8-AC7E-AF17C81A9AD7}" type="datetimeFigureOut">
               <a:rPr lang="en-CA" smtClean="0"/>
               <a:pPr/>
-              <a:t>22/11/2014</a:t>
+              <a:t>23/11/2014</a:t>
             </a:fld>
             <a:endParaRPr lang="en-CA"/>
           </a:p>
@@ -1728,7 +1736,7 @@
             <a:fld id="{574F1A96-3F81-4DB8-AC7E-AF17C81A9AD7}" type="datetimeFigureOut">
               <a:rPr lang="en-CA" smtClean="0"/>
               <a:pPr/>
-              <a:t>22/11/2014</a:t>
+              <a:t>23/11/2014</a:t>
             </a:fld>
             <a:endParaRPr lang="en-CA"/>
           </a:p>
@@ -1971,7 +1979,7 @@
             <a:fld id="{574F1A96-3F81-4DB8-AC7E-AF17C81A9AD7}" type="datetimeFigureOut">
               <a:rPr lang="en-CA" smtClean="0"/>
               <a:pPr/>
-              <a:t>22/11/2014</a:t>
+              <a:t>23/11/2014</a:t>
             </a:fld>
             <a:endParaRPr lang="en-CA"/>
           </a:p>
@@ -2256,7 +2264,7 @@
             <a:fld id="{574F1A96-3F81-4DB8-AC7E-AF17C81A9AD7}" type="datetimeFigureOut">
               <a:rPr lang="en-CA" smtClean="0"/>
               <a:pPr/>
-              <a:t>22/11/2014</a:t>
+              <a:t>23/11/2014</a:t>
             </a:fld>
             <a:endParaRPr lang="en-CA"/>
           </a:p>
@@ -2675,7 +2683,7 @@
             <a:fld id="{574F1A96-3F81-4DB8-AC7E-AF17C81A9AD7}" type="datetimeFigureOut">
               <a:rPr lang="en-CA" smtClean="0"/>
               <a:pPr/>
-              <a:t>22/11/2014</a:t>
+              <a:t>23/11/2014</a:t>
             </a:fld>
             <a:endParaRPr lang="en-CA"/>
           </a:p>
@@ -2790,7 +2798,7 @@
             <a:fld id="{574F1A96-3F81-4DB8-AC7E-AF17C81A9AD7}" type="datetimeFigureOut">
               <a:rPr lang="en-CA" smtClean="0"/>
               <a:pPr/>
-              <a:t>22/11/2014</a:t>
+              <a:t>23/11/2014</a:t>
             </a:fld>
             <a:endParaRPr lang="en-CA"/>
           </a:p>
@@ -2882,7 +2890,7 @@
             <a:fld id="{574F1A96-3F81-4DB8-AC7E-AF17C81A9AD7}" type="datetimeFigureOut">
               <a:rPr lang="en-CA" smtClean="0"/>
               <a:pPr/>
-              <a:t>22/11/2014</a:t>
+              <a:t>23/11/2014</a:t>
             </a:fld>
             <a:endParaRPr lang="en-CA"/>
           </a:p>
@@ -3156,7 +3164,7 @@
             <a:fld id="{574F1A96-3F81-4DB8-AC7E-AF17C81A9AD7}" type="datetimeFigureOut">
               <a:rPr lang="en-CA" smtClean="0"/>
               <a:pPr/>
-              <a:t>22/11/2014</a:t>
+              <a:t>23/11/2014</a:t>
             </a:fld>
             <a:endParaRPr lang="en-CA"/>
           </a:p>
@@ -3406,7 +3414,7 @@
             <a:fld id="{574F1A96-3F81-4DB8-AC7E-AF17C81A9AD7}" type="datetimeFigureOut">
               <a:rPr lang="en-CA" smtClean="0"/>
               <a:pPr/>
-              <a:t>22/11/2014</a:t>
+              <a:t>23/11/2014</a:t>
             </a:fld>
             <a:endParaRPr lang="en-CA"/>
           </a:p>
@@ -3616,7 +3624,7 @@
             <a:fld id="{574F1A96-3F81-4DB8-AC7E-AF17C81A9AD7}" type="datetimeFigureOut">
               <a:rPr lang="en-CA" smtClean="0"/>
               <a:pPr/>
-              <a:t>22/11/2014</a:t>
+              <a:t>23/11/2014</a:t>
             </a:fld>
             <a:endParaRPr lang="en-CA"/>
           </a:p>
@@ -4036,14 +4044,7 @@
                 <a:latin typeface="Arial" pitchFamily="34" charset="0"/>
                 <a:cs typeface="Arial" pitchFamily="34" charset="0"/>
               </a:rPr>
-              <a:t>		</a:t>
-            </a:r>
-            <a:r>
-              <a:rPr lang="en-CA" sz="2400" b="1" dirty="0" smtClean="0">
-                <a:latin typeface="Arial" pitchFamily="34" charset="0"/>
-                <a:cs typeface="Arial" pitchFamily="34" charset="0"/>
-              </a:rPr>
-              <a:t>L</a:t>
+              <a:t>		L</a:t>
             </a:r>
             <a:r>
               <a:rPr lang="en-CA" sz="2400" b="1" dirty="0">
@@ -4101,7 +4102,7 @@
           <p:nvPr/>
         </p:nvPicPr>
         <p:blipFill>
-          <a:blip r:embed="rId3"/>
+          <a:blip r:embed="rId3" cstate="print"/>
           <a:stretch>
             <a:fillRect/>
           </a:stretch>
@@ -4207,23 +4208,20 @@
           </a:bodyPr>
           <a:lstStyle/>
           <a:p>
-            <a:pPr marL="457200" indent="-457200">
-              <a:buFont typeface="+mj-lt"/>
-              <a:buAutoNum type="arabicPeriod"/>
-            </a:pPr>
+            <a:pPr marL="457200" indent="-457200"/>
             <a:r>
               <a:rPr lang="en-CA" sz="2400" b="1" dirty="0" smtClean="0">
                 <a:latin typeface="Arial" pitchFamily="34" charset="0"/>
                 <a:cs typeface="Arial" pitchFamily="34" charset="0"/>
               </a:rPr>
-              <a:t>Predict the selling price of </a:t>
+              <a:t>1.  Predict </a:t>
             </a:r>
             <a:r>
               <a:rPr lang="en-CA" sz="2400" b="1" dirty="0" smtClean="0">
                 <a:latin typeface="Arial" pitchFamily="34" charset="0"/>
                 <a:cs typeface="Arial" pitchFamily="34" charset="0"/>
               </a:rPr>
-              <a:t>properties</a:t>
+              <a:t>the selling price of properties</a:t>
             </a:r>
           </a:p>
           <a:p>
@@ -4253,8 +4251,19 @@
                 <a:latin typeface="Arial" pitchFamily="34" charset="0"/>
                 <a:cs typeface="Arial" pitchFamily="34" charset="0"/>
               </a:rPr>
-              <a:t> Suggest accurate</a:t>
-            </a:r>
+              <a:t> Suggest </a:t>
+            </a:r>
+            <a:r>
+              <a:rPr lang="en-CA" sz="2400" b="1" dirty="0" smtClean="0">
+                <a:latin typeface="Arial" pitchFamily="34" charset="0"/>
+                <a:cs typeface="Arial" pitchFamily="34" charset="0"/>
+              </a:rPr>
+              <a:t>appropriate</a:t>
+            </a:r>
+            <a:endParaRPr lang="en-CA" sz="2400" b="1" dirty="0" smtClean="0">
+              <a:latin typeface="Arial" pitchFamily="34" charset="0"/>
+              <a:cs typeface="Arial" pitchFamily="34" charset="0"/>
+            </a:endParaRPr>
           </a:p>
           <a:p>
             <a:pPr marL="800100" lvl="1" indent="-342900">
@@ -4301,44 +4310,20 @@
             </a:endParaRPr>
           </a:p>
           <a:p>
-            <a:pPr marL="457200" indent="-457200">
-              <a:buFont typeface="+mj-lt"/>
-              <a:buAutoNum type="arabicPeriod"/>
-            </a:pPr>
+            <a:pPr marL="457200" indent="-457200"/>
             <a:r>
               <a:rPr lang="en-CA" sz="2400" b="1" dirty="0" smtClean="0">
                 <a:latin typeface="Arial" pitchFamily="34" charset="0"/>
                 <a:cs typeface="Arial" pitchFamily="34" charset="0"/>
               </a:rPr>
-              <a:t>Predict </a:t>
+              <a:t>2.  Predict </a:t>
             </a:r>
             <a:r>
               <a:rPr lang="en-CA" sz="2400" b="1" dirty="0" smtClean="0">
                 <a:latin typeface="Arial" pitchFamily="34" charset="0"/>
                 <a:cs typeface="Arial" pitchFamily="34" charset="0"/>
               </a:rPr>
-              <a:t>the Montreal </a:t>
-            </a:r>
-            <a:r>
-              <a:rPr lang="en-CA" sz="2400" b="1" dirty="0" smtClean="0">
-                <a:latin typeface="Arial" pitchFamily="34" charset="0"/>
-                <a:cs typeface="Arial" pitchFamily="34" charset="0"/>
-              </a:rPr>
-              <a:t>borough </a:t>
-            </a:r>
-            <a:r>
-              <a:rPr lang="en-CA" sz="2400" b="1" dirty="0" smtClean="0">
-                <a:latin typeface="Arial" pitchFamily="34" charset="0"/>
-                <a:cs typeface="Arial" pitchFamily="34" charset="0"/>
-              </a:rPr>
-              <a:t>that the property is most likely to belong </a:t>
-            </a:r>
-            <a:r>
-              <a:rPr lang="en-CA" sz="2400" b="1" dirty="0" smtClean="0">
-                <a:latin typeface="Arial" pitchFamily="34" charset="0"/>
-                <a:cs typeface="Arial" pitchFamily="34" charset="0"/>
-              </a:rPr>
-              <a:t>to</a:t>
+              <a:t>the Montreal borough that the property is most likely to belong to</a:t>
             </a:r>
           </a:p>
           <a:p>
@@ -4361,64 +4346,15 @@
                 <a:latin typeface="Arial" pitchFamily="34" charset="0"/>
                 <a:cs typeface="Arial" pitchFamily="34" charset="0"/>
               </a:rPr>
-              <a:t>Motivation</a:t>
+              <a:t>Motivation:</a:t>
             </a:r>
             <a:r>
               <a:rPr lang="en-CA" sz="2400" b="1" dirty="0" smtClean="0">
-                <a:solidFill>
-                  <a:srgbClr val="FF0000"/>
-                </a:solidFill>
-                <a:latin typeface="Arial" pitchFamily="34" charset="0"/>
-                <a:cs typeface="Arial" pitchFamily="34" charset="0"/>
-              </a:rPr>
-              <a:t>:</a:t>
-            </a:r>
-            <a:r>
-              <a:rPr lang="en-CA" sz="2400" b="1" dirty="0" smtClean="0">
-                <a:latin typeface="Arial" pitchFamily="34" charset="0"/>
-                <a:cs typeface="Arial" pitchFamily="34" charset="0"/>
-              </a:rPr>
-              <a:t> Suggest </a:t>
-            </a:r>
-            <a:r>
-              <a:rPr lang="en-CA" sz="2400" b="1" dirty="0" smtClean="0">
-                <a:latin typeface="Arial" pitchFamily="34" charset="0"/>
-                <a:cs typeface="Arial" pitchFamily="34" charset="0"/>
-              </a:rPr>
-              <a:t>buying </a:t>
-            </a:r>
-            <a:r>
-              <a:rPr lang="en-CA" sz="2400" b="1" dirty="0" smtClean="0">
-                <a:latin typeface="Arial" pitchFamily="34" charset="0"/>
-                <a:cs typeface="Arial" pitchFamily="34" charset="0"/>
-              </a:rPr>
-              <a:t>location</a:t>
-            </a:r>
-            <a:r>
-              <a:rPr lang="en-CA" sz="2400" b="1" dirty="0" smtClean="0">
-                <a:latin typeface="Arial" pitchFamily="34" charset="0"/>
-                <a:cs typeface="Arial" pitchFamily="34" charset="0"/>
-              </a:rPr>
-              <a:t>s </a:t>
-            </a:r>
-            <a:r>
-              <a:rPr lang="en-CA" sz="2400" b="1" dirty="0" smtClean="0">
-                <a:latin typeface="Arial" pitchFamily="34" charset="0"/>
-                <a:cs typeface="Arial" pitchFamily="34" charset="0"/>
-              </a:rPr>
-              <a:t>for buyers depending on their </a:t>
-            </a:r>
-            <a:r>
-              <a:rPr lang="en-CA" sz="2400" b="1" dirty="0" smtClean="0">
-                <a:latin typeface="Arial" pitchFamily="34" charset="0"/>
-                <a:cs typeface="Arial" pitchFamily="34" charset="0"/>
-              </a:rPr>
-              <a:t>circumstances</a:t>
-            </a:r>
-            <a:endParaRPr lang="en-CA" sz="2400" b="1" dirty="0" smtClean="0">
-              <a:latin typeface="Arial" pitchFamily="34" charset="0"/>
-              <a:cs typeface="Arial" pitchFamily="34" charset="0"/>
-            </a:endParaRPr>
+                <a:latin typeface="Arial" pitchFamily="34" charset="0"/>
+                <a:cs typeface="Arial" pitchFamily="34" charset="0"/>
+              </a:rPr>
+              <a:t> Suggest buying locations for buyers depending on their circumstances</a:t>
+            </a:r>
           </a:p>
           <a:p>
             <a:endParaRPr lang="en-CA" sz="2400" b="1" dirty="0" smtClean="0">
@@ -4472,7 +4408,7 @@
           <p:nvPr/>
         </p:nvPicPr>
         <p:blipFill>
-          <a:blip r:embed="rId3"/>
+          <a:blip r:embed="rId3" cstate="print"/>
           <a:stretch>
             <a:fillRect/>
           </a:stretch>
@@ -4514,37 +4450,147 @@
                 <a:latin typeface="Arial" pitchFamily="34" charset="0"/>
                 <a:cs typeface="Arial" pitchFamily="34" charset="0"/>
               </a:rPr>
-              <a:t>1.  Property </a:t>
-            </a:r>
+              <a:t>1.  Property listings in Montreal from real estate website</a:t>
+            </a:r>
+          </a:p>
+          <a:p>
+            <a:pPr marL="914400" lvl="1" indent="-457200">
+              <a:buFont typeface="Arial" panose="020B0604020202020204" pitchFamily="34" charset="0"/>
+              <a:buChar char="•"/>
+            </a:pPr>
             <a:r>
               <a:rPr lang="en-CA" sz="2400" b="1" dirty="0" smtClean="0">
                 <a:latin typeface="Arial" pitchFamily="34" charset="0"/>
                 <a:cs typeface="Arial" pitchFamily="34" charset="0"/>
               </a:rPr>
-              <a:t>listings in Montreal from </a:t>
+              <a:t>The </a:t>
+            </a:r>
+            <a:r>
+              <a:rPr lang="en-CA" sz="2400" b="1" u="sng" dirty="0" smtClean="0">
+                <a:latin typeface="Arial" pitchFamily="34" charset="0"/>
+                <a:cs typeface="Arial" pitchFamily="34" charset="0"/>
+              </a:rPr>
+              <a:t>targets</a:t>
             </a:r>
             <a:r>
               <a:rPr lang="en-CA" sz="2400" b="1" dirty="0" smtClean="0">
                 <a:latin typeface="Arial" pitchFamily="34" charset="0"/>
                 <a:cs typeface="Arial" pitchFamily="34" charset="0"/>
               </a:rPr>
-              <a:t>real estate website</a:t>
-            </a:r>
+              <a:t>: Prices</a:t>
+            </a:r>
+          </a:p>
+          <a:p>
+            <a:pPr marL="914400" lvl="1" indent="-457200">
+              <a:buFont typeface="Arial" panose="020B0604020202020204" pitchFamily="34" charset="0"/>
+              <a:buChar char="•"/>
+            </a:pPr>
+            <a:r>
+              <a:rPr lang="en-CA" sz="2400" b="1" dirty="0" smtClean="0">
+                <a:latin typeface="Arial" pitchFamily="34" charset="0"/>
+                <a:cs typeface="Arial" pitchFamily="34" charset="0"/>
+              </a:rPr>
+              <a:t>The </a:t>
+            </a:r>
+            <a:r>
+              <a:rPr lang="en-CA" sz="2400" b="1" u="sng" dirty="0" smtClean="0">
+                <a:latin typeface="Arial" pitchFamily="34" charset="0"/>
+                <a:cs typeface="Arial" pitchFamily="34" charset="0"/>
+              </a:rPr>
+              <a:t>features</a:t>
+            </a:r>
+            <a:r>
+              <a:rPr lang="en-CA" sz="2400" b="1" dirty="0" smtClean="0">
+                <a:latin typeface="Arial" pitchFamily="34" charset="0"/>
+                <a:cs typeface="Arial" pitchFamily="34" charset="0"/>
+              </a:rPr>
+              <a:t>: Location, Size, Property type, etc.</a:t>
+            </a:r>
+          </a:p>
+          <a:p>
             <a:endParaRPr lang="en-CA" sz="2400" b="1" dirty="0" smtClean="0">
               <a:latin typeface="Arial" pitchFamily="34" charset="0"/>
               <a:cs typeface="Arial" pitchFamily="34" charset="0"/>
             </a:endParaRPr>
           </a:p>
           <a:p>
+            <a:endParaRPr lang="en-CA" sz="2400" b="1" dirty="0" smtClean="0">
+              <a:latin typeface="Arial" pitchFamily="34" charset="0"/>
+              <a:cs typeface="Arial" pitchFamily="34" charset="0"/>
+            </a:endParaRPr>
+          </a:p>
+          <a:p>
+            <a:endParaRPr lang="en-CA" sz="2400" b="1" dirty="0">
+              <a:latin typeface="Arial" pitchFamily="34" charset="0"/>
+              <a:cs typeface="Arial" pitchFamily="34" charset="0"/>
+            </a:endParaRPr>
+          </a:p>
+          <a:p>
+            <a:endParaRPr lang="en-CA" sz="2400" b="1" dirty="0" smtClean="0">
+              <a:latin typeface="Arial" pitchFamily="34" charset="0"/>
+              <a:cs typeface="Arial" pitchFamily="34" charset="0"/>
+            </a:endParaRPr>
+          </a:p>
+          <a:p>
+            <a:r>
+              <a:rPr lang="en-CA" sz="2400" b="1" dirty="0" smtClean="0">
+                <a:latin typeface="Arial" pitchFamily="34" charset="0"/>
+                <a:cs typeface="Arial" pitchFamily="34" charset="0"/>
+              </a:rPr>
+              <a:t>2.  Bounding polygons from Montreal Open Data</a:t>
+            </a:r>
+          </a:p>
+          <a:p>
             <a:pPr marL="914400" lvl="1" indent="-457200">
               <a:buFont typeface="Arial" panose="020B0604020202020204" pitchFamily="34" charset="0"/>
               <a:buChar char="•"/>
             </a:pPr>
             <a:r>
+              <a:rPr lang="en-CA" sz="2400" b="1" dirty="0">
+                <a:latin typeface="Arial" pitchFamily="34" charset="0"/>
+                <a:cs typeface="Arial" pitchFamily="34" charset="0"/>
+              </a:rPr>
+              <a:t>The </a:t>
+            </a:r>
+            <a:r>
+              <a:rPr lang="en-CA" sz="2400" b="1" u="sng" dirty="0">
+                <a:latin typeface="Arial" pitchFamily="34" charset="0"/>
+                <a:cs typeface="Arial" pitchFamily="34" charset="0"/>
+              </a:rPr>
+              <a:t>labels</a:t>
+            </a:r>
+            <a:r>
+              <a:rPr lang="en-CA" sz="2400" b="1" dirty="0">
+                <a:latin typeface="Arial" pitchFamily="34" charset="0"/>
+                <a:cs typeface="Arial" pitchFamily="34" charset="0"/>
+              </a:rPr>
+              <a:t>: </a:t>
+            </a:r>
+            <a:r>
               <a:rPr lang="en-CA" sz="2400" b="1" dirty="0" smtClean="0">
                 <a:latin typeface="Arial" pitchFamily="34" charset="0"/>
                 <a:cs typeface="Arial" pitchFamily="34" charset="0"/>
               </a:rPr>
+              <a:t>Montreal </a:t>
+            </a:r>
+            <a:r>
+              <a:rPr lang="en-CA" sz="2400" b="1" dirty="0" smtClean="0">
+                <a:latin typeface="Arial" pitchFamily="34" charset="0"/>
+                <a:cs typeface="Arial" pitchFamily="34" charset="0"/>
+              </a:rPr>
+              <a:t>boroughs</a:t>
+            </a:r>
+          </a:p>
+          <a:p>
+            <a:pPr marL="914400" lvl="1" indent="-457200">
+              <a:buFont typeface="Arial" panose="020B0604020202020204" pitchFamily="34" charset="0"/>
+              <a:buChar char="•"/>
+            </a:pPr>
+            <a:r>
+              <a:rPr lang="en-CA" sz="2400" b="1" dirty="0" smtClean="0">
+                <a:latin typeface="Arial" pitchFamily="34" charset="0"/>
+                <a:cs typeface="Arial" pitchFamily="34" charset="0"/>
+              </a:rPr>
               <a:t>The </a:t>
             </a:r>
             <a:r>
@@ -4552,154 +4598,19 @@
                 <a:latin typeface="Arial" pitchFamily="34" charset="0"/>
                 <a:cs typeface="Arial" pitchFamily="34" charset="0"/>
               </a:rPr>
-              <a:t>target</a:t>
-            </a:r>
-            <a:r>
-              <a:rPr lang="en-CA" sz="2400" b="1" u="sng" dirty="0" smtClean="0">
-                <a:latin typeface="Arial" pitchFamily="34" charset="0"/>
-                <a:cs typeface="Arial" pitchFamily="34" charset="0"/>
-              </a:rPr>
-              <a:t>s</a:t>
+              <a:t>features</a:t>
             </a:r>
             <a:r>
               <a:rPr lang="en-CA" sz="2400" b="1" dirty="0" smtClean="0">
                 <a:latin typeface="Arial" pitchFamily="34" charset="0"/>
                 <a:cs typeface="Arial" pitchFamily="34" charset="0"/>
               </a:rPr>
-              <a:t>: Prices</a:t>
+              <a:t>: same as above</a:t>
             </a:r>
             <a:endParaRPr lang="en-CA" sz="2400" b="1" dirty="0" smtClean="0">
               <a:latin typeface="Arial" pitchFamily="34" charset="0"/>
               <a:cs typeface="Arial" pitchFamily="34" charset="0"/>
             </a:endParaRPr>
-          </a:p>
-          <a:p>
-            <a:pPr marL="914400" lvl="1" indent="-457200">
-              <a:buFont typeface="Arial" panose="020B0604020202020204" pitchFamily="34" charset="0"/>
-              <a:buChar char="•"/>
-            </a:pPr>
-            <a:r>
-              <a:rPr lang="en-CA" sz="2400" b="1" dirty="0" smtClean="0">
-                <a:latin typeface="Arial" pitchFamily="34" charset="0"/>
-                <a:cs typeface="Arial" pitchFamily="34" charset="0"/>
-              </a:rPr>
-              <a:t>The </a:t>
-            </a:r>
-            <a:r>
-              <a:rPr lang="en-CA" sz="2400" b="1" u="sng" dirty="0" smtClean="0">
-                <a:latin typeface="Arial" pitchFamily="34" charset="0"/>
-                <a:cs typeface="Arial" pitchFamily="34" charset="0"/>
-              </a:rPr>
-              <a:t>features</a:t>
-            </a:r>
-            <a:r>
-              <a:rPr lang="en-CA" sz="2400" b="1" dirty="0" smtClean="0">
-                <a:latin typeface="Arial" pitchFamily="34" charset="0"/>
-                <a:cs typeface="Arial" pitchFamily="34" charset="0"/>
-              </a:rPr>
-              <a:t>: Location, Size, Property type, etc.</a:t>
-            </a:r>
-          </a:p>
-          <a:p>
-            <a:endParaRPr lang="en-CA" sz="2400" b="1" dirty="0" smtClean="0">
-              <a:latin typeface="Arial" pitchFamily="34" charset="0"/>
-              <a:cs typeface="Arial" pitchFamily="34" charset="0"/>
-            </a:endParaRPr>
-          </a:p>
-          <a:p>
-            <a:endParaRPr lang="en-CA" sz="2400" b="1" dirty="0" smtClean="0">
-              <a:latin typeface="Arial" pitchFamily="34" charset="0"/>
-              <a:cs typeface="Arial" pitchFamily="34" charset="0"/>
-            </a:endParaRPr>
-          </a:p>
-          <a:p>
-            <a:endParaRPr lang="en-CA" sz="2400" b="1" dirty="0">
-              <a:latin typeface="Arial" pitchFamily="34" charset="0"/>
-              <a:cs typeface="Arial" pitchFamily="34" charset="0"/>
-            </a:endParaRPr>
-          </a:p>
-          <a:p>
-            <a:endParaRPr lang="en-CA" sz="2400" b="1" dirty="0">
-              <a:latin typeface="Arial" pitchFamily="34" charset="0"/>
-              <a:cs typeface="Arial" pitchFamily="34" charset="0"/>
-            </a:endParaRPr>
-          </a:p>
-          <a:p>
-            <a:endParaRPr lang="en-CA" sz="2400" b="1" dirty="0" smtClean="0">
-              <a:latin typeface="Arial" pitchFamily="34" charset="0"/>
-              <a:cs typeface="Arial" pitchFamily="34" charset="0"/>
-            </a:endParaRPr>
-          </a:p>
-          <a:p>
-            <a:r>
-              <a:rPr lang="en-CA" sz="2400" b="1" dirty="0" smtClean="0">
-                <a:latin typeface="Arial" pitchFamily="34" charset="0"/>
-                <a:cs typeface="Arial" pitchFamily="34" charset="0"/>
-              </a:rPr>
-              <a:t>2.  Bounding </a:t>
-            </a:r>
-            <a:r>
-              <a:rPr lang="en-CA" sz="2400" b="1" dirty="0" smtClean="0">
-                <a:latin typeface="Arial" pitchFamily="34" charset="0"/>
-                <a:cs typeface="Arial" pitchFamily="34" charset="0"/>
-              </a:rPr>
-              <a:t>polygons</a:t>
-            </a:r>
-            <a:r>
-              <a:rPr lang="en-CA" sz="2400" b="1" dirty="0" smtClean="0">
-                <a:latin typeface="Arial" pitchFamily="34" charset="0"/>
-                <a:cs typeface="Arial" pitchFamily="34" charset="0"/>
-              </a:rPr>
-              <a:t> </a:t>
-            </a:r>
-            <a:r>
-              <a:rPr lang="en-CA" sz="2400" b="1" dirty="0" smtClean="0">
-                <a:latin typeface="Arial" pitchFamily="34" charset="0"/>
-                <a:cs typeface="Arial" pitchFamily="34" charset="0"/>
-              </a:rPr>
-              <a:t>from Montreal Open Data</a:t>
-            </a:r>
-          </a:p>
-          <a:p>
-            <a:pPr marL="914400" lvl="1" indent="-457200">
-              <a:buFont typeface="Arial" panose="020B0604020202020204" pitchFamily="34" charset="0"/>
-              <a:buChar char="•"/>
-            </a:pPr>
-            <a:r>
-              <a:rPr lang="en-CA" sz="2400" b="1" dirty="0">
-                <a:latin typeface="Arial" pitchFamily="34" charset="0"/>
-                <a:cs typeface="Arial" pitchFamily="34" charset="0"/>
-              </a:rPr>
-              <a:t>The </a:t>
-            </a:r>
-            <a:r>
-              <a:rPr lang="en-CA" sz="2400" b="1" u="sng" dirty="0">
-                <a:latin typeface="Arial" pitchFamily="34" charset="0"/>
-                <a:cs typeface="Arial" pitchFamily="34" charset="0"/>
-              </a:rPr>
-              <a:t>labels</a:t>
-            </a:r>
-            <a:r>
-              <a:rPr lang="en-CA" sz="2400" b="1" dirty="0">
-                <a:latin typeface="Arial" pitchFamily="34" charset="0"/>
-                <a:cs typeface="Arial" pitchFamily="34" charset="0"/>
-              </a:rPr>
-              <a:t>: </a:t>
-            </a:r>
-            <a:r>
-              <a:rPr lang="en-CA" sz="2400" b="1" dirty="0" smtClean="0">
-                <a:latin typeface="Arial" pitchFamily="34" charset="0"/>
-                <a:cs typeface="Arial" pitchFamily="34" charset="0"/>
-              </a:rPr>
-              <a:t>Montreal </a:t>
-            </a:r>
-            <a:r>
-              <a:rPr lang="en-CA" sz="2400" b="1" dirty="0" smtClean="0">
-                <a:latin typeface="Arial" pitchFamily="34" charset="0"/>
-                <a:cs typeface="Arial" pitchFamily="34" charset="0"/>
-              </a:rPr>
-              <a:t>boroughs</a:t>
-            </a:r>
           </a:p>
         </p:txBody>
       </p:sp>
@@ -4749,7 +4660,7 @@
           <p:nvPr/>
         </p:nvPicPr>
         <p:blipFill>
-          <a:blip r:embed="rId4"/>
+          <a:blip r:embed="rId4" cstate="print"/>
           <a:stretch>
             <a:fillRect/>
           </a:stretch>
@@ -4773,7 +4684,7 @@
           <p:nvPr/>
         </p:nvPicPr>
         <p:blipFill>
-          <a:blip r:embed="rId5"/>
+          <a:blip r:embed="rId5" cstate="print"/>
           <a:stretch>
             <a:fillRect/>
           </a:stretch>
@@ -4927,44 +4838,23 @@
                 <a:latin typeface="Arial" pitchFamily="34" charset="0"/>
                 <a:cs typeface="Arial" pitchFamily="34" charset="0"/>
               </a:rPr>
-              <a:t> of the </a:t>
+              <a:t> of the prices</a:t>
+            </a:r>
+          </a:p>
+          <a:p>
+            <a:r>
+              <a:rPr lang="en-CA" sz="2400" b="1" dirty="0">
+                <a:latin typeface="Arial" pitchFamily="34" charset="0"/>
+                <a:cs typeface="Arial" pitchFamily="34" charset="0"/>
+              </a:rPr>
+              <a:t>	</a:t>
             </a:r>
             <a:r>
               <a:rPr lang="en-CA" sz="2400" b="1" dirty="0" smtClean="0">
                 <a:latin typeface="Arial" pitchFamily="34" charset="0"/>
                 <a:cs typeface="Arial" pitchFamily="34" charset="0"/>
               </a:rPr>
-              <a:t>prices</a:t>
-            </a:r>
-          </a:p>
-          <a:p>
-            <a:r>
-              <a:rPr lang="en-CA" sz="2400" b="1" dirty="0">
-                <a:latin typeface="Arial" pitchFamily="34" charset="0"/>
-                <a:cs typeface="Arial" pitchFamily="34" charset="0"/>
-              </a:rPr>
-              <a:t>	</a:t>
-            </a:r>
-            <a:r>
-              <a:rPr lang="en-CA" sz="2400" b="1" dirty="0" smtClean="0">
-                <a:latin typeface="Arial" pitchFamily="34" charset="0"/>
-                <a:cs typeface="Arial" pitchFamily="34" charset="0"/>
-              </a:rPr>
-              <a:t>Linear </a:t>
-            </a:r>
-            <a:r>
-              <a:rPr lang="en-CA" sz="2400" b="1" dirty="0" smtClean="0">
-                <a:latin typeface="Arial" pitchFamily="34" charset="0"/>
-                <a:cs typeface="Arial" pitchFamily="34" charset="0"/>
-              </a:rPr>
-              <a:t>and logistic </a:t>
-            </a:r>
-            <a:r>
-              <a:rPr lang="en-CA" sz="2400" b="1" dirty="0" smtClean="0">
-                <a:latin typeface="Arial" pitchFamily="34" charset="0"/>
-                <a:cs typeface="Arial" pitchFamily="34" charset="0"/>
-              </a:rPr>
-              <a:t>regressions</a:t>
+              <a:t>Linear and logistic regressions</a:t>
             </a:r>
           </a:p>
           <a:p>
@@ -5252,8 +5142,8 @@
         </p:nvSpPr>
         <p:spPr>
           <a:xfrm>
-            <a:off x="593794" y="1268760"/>
-            <a:ext cx="4442242" cy="461665"/>
+            <a:off x="593794" y="1124744"/>
+            <a:ext cx="6833922" cy="830997"/>
           </a:xfrm>
           <a:prstGeom prst="rect">
             <a:avLst/>
@@ -5271,7 +5161,72 @@
                 <a:latin typeface="Arial" pitchFamily="34" charset="0"/>
                 <a:cs typeface="Arial" pitchFamily="34" charset="0"/>
               </a:rPr>
-              <a:t>Account for variance in Price</a:t>
+              <a:t>1.  </a:t>
+            </a:r>
+            <a:r>
+              <a:rPr lang="en-CA" sz="2400" b="1" dirty="0" smtClean="0">
+                <a:solidFill>
+                  <a:srgbClr val="FF0000"/>
+                </a:solidFill>
+                <a:latin typeface="Arial" pitchFamily="34" charset="0"/>
+                <a:cs typeface="Arial" pitchFamily="34" charset="0"/>
+              </a:rPr>
+              <a:t>Regression</a:t>
+            </a:r>
+            <a:r>
+              <a:rPr lang="en-CA" sz="2400" b="1" dirty="0" smtClean="0">
+                <a:latin typeface="Arial" pitchFamily="34" charset="0"/>
+                <a:cs typeface="Arial" pitchFamily="34" charset="0"/>
+              </a:rPr>
+              <a:t> analysis of the prices</a:t>
+            </a:r>
+            <a:endParaRPr lang="en-CA" sz="2400" b="1" dirty="0" smtClean="0">
+              <a:latin typeface="Arial" pitchFamily="34" charset="0"/>
+              <a:cs typeface="Arial" pitchFamily="34" charset="0"/>
+            </a:endParaRPr>
+          </a:p>
+          <a:p>
+            <a:r>
+              <a:rPr lang="en-CA" sz="2400" b="1" dirty="0" smtClean="0">
+                <a:latin typeface="Arial" pitchFamily="34" charset="0"/>
+                <a:cs typeface="Arial" pitchFamily="34" charset="0"/>
+              </a:rPr>
+              <a:t>	</a:t>
+            </a:r>
+            <a:r>
+              <a:rPr lang="en-CA" sz="2400" b="1" dirty="0" smtClean="0">
+                <a:latin typeface="Arial" pitchFamily="34" charset="0"/>
+                <a:cs typeface="Arial" pitchFamily="34" charset="0"/>
+              </a:rPr>
+              <a:t>Location </a:t>
+            </a:r>
+            <a:r>
+              <a:rPr lang="en-CA" sz="2400" b="1" dirty="0" smtClean="0">
+                <a:latin typeface="Arial" pitchFamily="34" charset="0"/>
+                <a:cs typeface="Arial" pitchFamily="34" charset="0"/>
+              </a:rPr>
+              <a:t>a</a:t>
+            </a:r>
+            <a:r>
+              <a:rPr lang="en-CA" sz="2400" b="1" dirty="0" smtClean="0">
+                <a:latin typeface="Arial" pitchFamily="34" charset="0"/>
+                <a:cs typeface="Arial" pitchFamily="34" charset="0"/>
+              </a:rPr>
+              <a:t>ccounts </a:t>
+            </a:r>
+            <a:r>
+              <a:rPr lang="en-CA" sz="2400" b="1" dirty="0" smtClean="0">
+                <a:latin typeface="Arial" pitchFamily="34" charset="0"/>
+                <a:cs typeface="Arial" pitchFamily="34" charset="0"/>
+              </a:rPr>
+              <a:t>for variance in </a:t>
+            </a:r>
+            <a:r>
+              <a:rPr lang="en-CA" sz="2400" b="1" dirty="0" smtClean="0">
+                <a:latin typeface="Arial" pitchFamily="34" charset="0"/>
+                <a:cs typeface="Arial" pitchFamily="34" charset="0"/>
+              </a:rPr>
+              <a:t>price</a:t>
             </a:r>
             <a:endParaRPr lang="en-CA" sz="2400" b="1" dirty="0">
               <a:latin typeface="Arial" pitchFamily="34" charset="0"/>
@@ -5376,14 +5331,7 @@
                 <a:latin typeface="Arial" pitchFamily="34" charset="0"/>
                 <a:cs typeface="Arial" pitchFamily="34" charset="0"/>
               </a:rPr>
-              <a:t>Incorporate data from Statistics Canada based on the defined Montreal </a:t>
-            </a:r>
-            <a:r>
-              <a:rPr lang="en-CA" sz="2400" b="1" dirty="0" smtClean="0">
-                <a:latin typeface="Arial" pitchFamily="34" charset="0"/>
-                <a:cs typeface="Arial" pitchFamily="34" charset="0"/>
-              </a:rPr>
-              <a:t>boroughs</a:t>
+              <a:t>Incorporate data from Statistics Canada based on the defined Montreal boroughs</a:t>
             </a:r>
             <a:endParaRPr lang="en-CA" sz="2400" b="1" dirty="0">
               <a:latin typeface="Arial" pitchFamily="34" charset="0"/>

--- a/presentation/DaveNissanEmil2014MachineLearning.pptx
+++ b/presentation/DaveNissanEmil2014MachineLearning.pptx
@@ -114,7 +114,7 @@
   </p:defaultTextStyle>
   <p:extLst>
     <p:ext uri="{EFAFB233-063F-42B5-8137-9DF3F51BA10A}">
-      <p15:sldGuideLst xmlns:p15="http://schemas.microsoft.com/office/powerpoint/2012/main" xmlns="">
+      <p15:sldGuideLst xmlns="" xmlns:p15="http://schemas.microsoft.com/office/powerpoint/2012/main">
         <p15:guide id="1" orient="horz" pos="2160">
           <p15:clr>
             <a:srgbClr val="A4A3A4"/>
@@ -385,7 +385,7 @@
     </p:spTree>
     <p:extLst>
       <p:ext uri="{BB962C8B-B14F-4D97-AF65-F5344CB8AC3E}">
-        <p14:creationId xmlns:p14="http://schemas.microsoft.com/office/powerpoint/2010/main" xmlns="" val="3448995633"/>
+        <p14:creationId xmlns="" xmlns:p14="http://schemas.microsoft.com/office/powerpoint/2010/main" val="3448995633"/>
       </p:ext>
     </p:extLst>
   </p:cSld>
@@ -533,11 +533,7 @@
           <a:p>
             <a:r>
               <a:rPr lang="en-CA" dirty="0" smtClean="0"/>
-              <a:t>Motivation to help </a:t>
-            </a:r>
-            <a:r>
-              <a:rPr lang="en-CA" dirty="0" smtClean="0"/>
-              <a:t>families,</a:t>
+              <a:t>Motivation to help families,</a:t>
             </a:r>
             <a:r>
               <a:rPr lang="en-CA" baseline="0" dirty="0" smtClean="0"/>
@@ -574,7 +570,7 @@
     </p:spTree>
     <p:extLst>
       <p:ext uri="{BB962C8B-B14F-4D97-AF65-F5344CB8AC3E}">
-        <p14:creationId xmlns:p14="http://schemas.microsoft.com/office/powerpoint/2010/main" xmlns="" val="1733972161"/>
+        <p14:creationId xmlns="" xmlns:p14="http://schemas.microsoft.com/office/powerpoint/2010/main" val="1733972161"/>
       </p:ext>
     </p:extLst>
   </p:cSld>
@@ -632,13 +628,67 @@
           <a:p>
             <a:r>
               <a:rPr lang="en-CA" dirty="0" smtClean="0"/>
-              <a:t>Find good deals for the sellers and the buyers.</a:t>
-            </a:r>
+              <a:t>Find an</a:t>
+            </a:r>
+            <a:r>
+              <a:rPr lang="en-CA" baseline="0" dirty="0" smtClean="0"/>
+              <a:t> appropriate selling price for the seller.</a:t>
+            </a:r>
+            <a:endParaRPr lang="en-CA" dirty="0" smtClean="0"/>
           </a:p>
           <a:p>
             <a:r>
               <a:rPr lang="en-CA" dirty="0" smtClean="0"/>
-              <a:t>Find a good area for the family.</a:t>
+              <a:t>Find </a:t>
+            </a:r>
+            <a:r>
+              <a:rPr lang="en-CA" dirty="0" smtClean="0"/>
+              <a:t>good deals for </a:t>
+            </a:r>
+            <a:r>
+              <a:rPr lang="en-CA" dirty="0" smtClean="0"/>
+              <a:t>the </a:t>
+            </a:r>
+            <a:r>
+              <a:rPr lang="en-CA" dirty="0" smtClean="0"/>
+              <a:t>buyers</a:t>
+            </a:r>
+            <a:r>
+              <a:rPr lang="en-CA" dirty="0" smtClean="0"/>
+              <a:t>.</a:t>
+            </a:r>
+          </a:p>
+          <a:p>
+            <a:r>
+              <a:rPr lang="en-CA" dirty="0" smtClean="0"/>
+              <a:t>Versus finding a broker. This</a:t>
+            </a:r>
+            <a:r>
+              <a:rPr lang="en-CA" baseline="0" dirty="0" smtClean="0"/>
+              <a:t> is free. </a:t>
+            </a:r>
+            <a:r>
+              <a:rPr lang="en-CA" baseline="0" smtClean="0"/>
+              <a:t>Look at the</a:t>
+            </a:r>
+            <a:endParaRPr lang="en-CA" dirty="0" smtClean="0"/>
+          </a:p>
+          <a:p>
+            <a:r>
+              <a:rPr lang="en-CA" dirty="0" smtClean="0"/>
+              <a:t>Second Question: How</a:t>
+            </a:r>
+            <a:r>
+              <a:rPr lang="en-CA" baseline="0" dirty="0" smtClean="0"/>
+              <a:t> it is different from a search or decision tree. </a:t>
+            </a:r>
+            <a:r>
+              <a:rPr lang="en-CA" dirty="0" smtClean="0"/>
+              <a:t>Find </a:t>
+            </a:r>
+            <a:r>
+              <a:rPr lang="en-CA" dirty="0" smtClean="0"/>
+              <a:t>a good area for the family.</a:t>
             </a:r>
             <a:endParaRPr lang="en-CA" dirty="0"/>
           </a:p>
@@ -671,7 +721,7 @@
     </p:spTree>
     <p:extLst>
       <p:ext uri="{BB962C8B-B14F-4D97-AF65-F5344CB8AC3E}">
-        <p14:creationId xmlns:p14="http://schemas.microsoft.com/office/powerpoint/2010/main" xmlns="" val="3485329"/>
+        <p14:creationId xmlns="" xmlns:p14="http://schemas.microsoft.com/office/powerpoint/2010/main" val="3485329"/>
       </p:ext>
     </p:extLst>
   </p:cSld>
@@ -772,7 +822,7 @@
     </p:spTree>
     <p:extLst>
       <p:ext uri="{BB962C8B-B14F-4D97-AF65-F5344CB8AC3E}">
-        <p14:creationId xmlns:p14="http://schemas.microsoft.com/office/powerpoint/2010/main" xmlns="" val="3101789400"/>
+        <p14:creationId xmlns="" xmlns:p14="http://schemas.microsoft.com/office/powerpoint/2010/main" val="3101789400"/>
       </p:ext>
     </p:extLst>
   </p:cSld>
@@ -859,7 +909,7 @@
     </p:spTree>
     <p:extLst>
       <p:ext uri="{BB962C8B-B14F-4D97-AF65-F5344CB8AC3E}">
-        <p14:creationId xmlns:p14="http://schemas.microsoft.com/office/powerpoint/2010/main" xmlns="" val="928199445"/>
+        <p14:creationId xmlns="" xmlns:p14="http://schemas.microsoft.com/office/powerpoint/2010/main" val="928199445"/>
       </p:ext>
     </p:extLst>
   </p:cSld>
@@ -946,7 +996,7 @@
     </p:spTree>
     <p:extLst>
       <p:ext uri="{BB962C8B-B14F-4D97-AF65-F5344CB8AC3E}">
-        <p14:creationId xmlns:p14="http://schemas.microsoft.com/office/powerpoint/2010/main" xmlns="" val="3047244720"/>
+        <p14:creationId xmlns="" xmlns:p14="http://schemas.microsoft.com/office/powerpoint/2010/main" val="3047244720"/>
       </p:ext>
     </p:extLst>
   </p:cSld>
@@ -1033,7 +1083,7 @@
     </p:spTree>
     <p:extLst>
       <p:ext uri="{BB962C8B-B14F-4D97-AF65-F5344CB8AC3E}">
-        <p14:creationId xmlns:p14="http://schemas.microsoft.com/office/powerpoint/2010/main" xmlns="" val="573097354"/>
+        <p14:creationId xmlns="" xmlns:p14="http://schemas.microsoft.com/office/powerpoint/2010/main" val="573097354"/>
       </p:ext>
     </p:extLst>
   </p:cSld>
@@ -4214,14 +4264,7 @@
                 <a:latin typeface="Arial" pitchFamily="34" charset="0"/>
                 <a:cs typeface="Arial" pitchFamily="34" charset="0"/>
               </a:rPr>
-              <a:t>1.  Predict </a:t>
-            </a:r>
-            <a:r>
-              <a:rPr lang="en-CA" sz="2400" b="1" dirty="0" smtClean="0">
-                <a:latin typeface="Arial" pitchFamily="34" charset="0"/>
-                <a:cs typeface="Arial" pitchFamily="34" charset="0"/>
-              </a:rPr>
-              <a:t>the selling price of properties</a:t>
+              <a:t>1.  Predict the selling price of properties</a:t>
             </a:r>
           </a:p>
           <a:p>
@@ -4251,19 +4294,8 @@
                 <a:latin typeface="Arial" pitchFamily="34" charset="0"/>
                 <a:cs typeface="Arial" pitchFamily="34" charset="0"/>
               </a:rPr>
-              <a:t> Suggest </a:t>
-            </a:r>
-            <a:r>
-              <a:rPr lang="en-CA" sz="2400" b="1" dirty="0" smtClean="0">
-                <a:latin typeface="Arial" pitchFamily="34" charset="0"/>
-                <a:cs typeface="Arial" pitchFamily="34" charset="0"/>
-              </a:rPr>
-              <a:t>appropriate</a:t>
-            </a:r>
-            <a:endParaRPr lang="en-CA" sz="2400" b="1" dirty="0" smtClean="0">
-              <a:latin typeface="Arial" pitchFamily="34" charset="0"/>
-              <a:cs typeface="Arial" pitchFamily="34" charset="0"/>
-            </a:endParaRPr>
+              <a:t> Suggest appropriate</a:t>
+            </a:r>
           </a:p>
           <a:p>
             <a:pPr marL="800100" lvl="1" indent="-342900">
@@ -4316,14 +4348,21 @@
                 <a:latin typeface="Arial" pitchFamily="34" charset="0"/>
                 <a:cs typeface="Arial" pitchFamily="34" charset="0"/>
               </a:rPr>
-              <a:t>2.  Predict </a:t>
+              <a:t>2.  Predict the Montreal </a:t>
             </a:r>
             <a:r>
               <a:rPr lang="en-CA" sz="2400" b="1" dirty="0" smtClean="0">
                 <a:latin typeface="Arial" pitchFamily="34" charset="0"/>
                 <a:cs typeface="Arial" pitchFamily="34" charset="0"/>
               </a:rPr>
-              <a:t>the Montreal borough that the property is most likely to belong to</a:t>
+              <a:t>borough and/or cluster </a:t>
+            </a:r>
+            <a:r>
+              <a:rPr lang="en-CA" sz="2400" b="1" dirty="0" smtClean="0">
+                <a:latin typeface="Arial" pitchFamily="34" charset="0"/>
+                <a:cs typeface="Arial" pitchFamily="34" charset="0"/>
+              </a:rPr>
+              <a:t>that the property is most likely to belong to</a:t>
             </a:r>
           </a:p>
           <a:p>
@@ -4571,14 +4610,7 @@
                 <a:latin typeface="Arial" pitchFamily="34" charset="0"/>
                 <a:cs typeface="Arial" pitchFamily="34" charset="0"/>
               </a:rPr>
-              <a:t>Montreal </a:t>
-            </a:r>
-            <a:r>
-              <a:rPr lang="en-CA" sz="2400" b="1" dirty="0" smtClean="0">
-                <a:latin typeface="Arial" pitchFamily="34" charset="0"/>
-                <a:cs typeface="Arial" pitchFamily="34" charset="0"/>
-              </a:rPr>
-              <a:t>boroughs</a:t>
+              <a:t>Montreal boroughs</a:t>
             </a:r>
           </a:p>
           <a:p>
@@ -4607,10 +4639,6 @@
               </a:rPr>
               <a:t>: same as above</a:t>
             </a:r>
-            <a:endParaRPr lang="en-CA" sz="2400" b="1" dirty="0" smtClean="0">
-              <a:latin typeface="Arial" pitchFamily="34" charset="0"/>
-              <a:cs typeface="Arial" pitchFamily="34" charset="0"/>
-            </a:endParaRPr>
           </a:p>
         </p:txBody>
       </p:sp>
@@ -5180,10 +5208,6 @@
               </a:rPr>
               <a:t> analysis of the prices</a:t>
             </a:r>
-            <a:endParaRPr lang="en-CA" sz="2400" b="1" dirty="0" smtClean="0">
-              <a:latin typeface="Arial" pitchFamily="34" charset="0"/>
-              <a:cs typeface="Arial" pitchFamily="34" charset="0"/>
-            </a:endParaRPr>
           </a:p>
           <a:p>
             <a:r>
@@ -5191,42 +5215,7 @@
                 <a:latin typeface="Arial" pitchFamily="34" charset="0"/>
                 <a:cs typeface="Arial" pitchFamily="34" charset="0"/>
               </a:rPr>
-              <a:t>	</a:t>
-            </a:r>
-            <a:r>
-              <a:rPr lang="en-CA" sz="2400" b="1" dirty="0" smtClean="0">
-                <a:latin typeface="Arial" pitchFamily="34" charset="0"/>
-                <a:cs typeface="Arial" pitchFamily="34" charset="0"/>
-              </a:rPr>
-              <a:t>Location </a:t>
-            </a:r>
-            <a:r>
-              <a:rPr lang="en-CA" sz="2400" b="1" dirty="0" smtClean="0">
-                <a:latin typeface="Arial" pitchFamily="34" charset="0"/>
-                <a:cs typeface="Arial" pitchFamily="34" charset="0"/>
-              </a:rPr>
-              <a:t>a</a:t>
-            </a:r>
-            <a:r>
-              <a:rPr lang="en-CA" sz="2400" b="1" dirty="0" smtClean="0">
-                <a:latin typeface="Arial" pitchFamily="34" charset="0"/>
-                <a:cs typeface="Arial" pitchFamily="34" charset="0"/>
-              </a:rPr>
-              <a:t>ccounts </a:t>
-            </a:r>
-            <a:r>
-              <a:rPr lang="en-CA" sz="2400" b="1" dirty="0" smtClean="0">
-                <a:latin typeface="Arial" pitchFamily="34" charset="0"/>
-                <a:cs typeface="Arial" pitchFamily="34" charset="0"/>
-              </a:rPr>
-              <a:t>for variance in </a:t>
-            </a:r>
-            <a:r>
-              <a:rPr lang="en-CA" sz="2400" b="1" dirty="0" smtClean="0">
-                <a:latin typeface="Arial" pitchFamily="34" charset="0"/>
-                <a:cs typeface="Arial" pitchFamily="34" charset="0"/>
-              </a:rPr>
-              <a:t>price</a:t>
+              <a:t>	Location accounts for variance in price</a:t>
             </a:r>
             <a:endParaRPr lang="en-CA" sz="2400" b="1" dirty="0">
               <a:latin typeface="Arial" pitchFamily="34" charset="0"/>

--- a/presentation/DaveNissanEmil2014MachineLearning.pptx
+++ b/presentation/DaveNissanEmil2014MachineLearning.pptx
@@ -5,7 +5,7 @@
     <p:sldMasterId id="2147483648" r:id="rId1"/>
   </p:sldMasterIdLst>
   <p:notesMasterIdLst>
-    <p:notesMasterId r:id="rId8"/>
+    <p:notesMasterId r:id="rId9"/>
   </p:notesMasterIdLst>
   <p:sldIdLst>
     <p:sldId id="256" r:id="rId2"/>
@@ -13,7 +13,8 @@
     <p:sldId id="259" r:id="rId4"/>
     <p:sldId id="260" r:id="rId5"/>
     <p:sldId id="258" r:id="rId6"/>
-    <p:sldId id="261" r:id="rId7"/>
+    <p:sldId id="262" r:id="rId7"/>
+    <p:sldId id="261" r:id="rId8"/>
   </p:sldIdLst>
   <p:sldSz cx="9144000" cy="6858000" type="screen4x3"/>
   <p:notesSz cx="6858000" cy="9144000"/>
@@ -114,7 +115,7 @@
   </p:defaultTextStyle>
   <p:extLst>
     <p:ext uri="{EFAFB233-063F-42B5-8137-9DF3F51BA10A}">
-      <p15:sldGuideLst xmlns="" xmlns:p15="http://schemas.microsoft.com/office/powerpoint/2012/main">
+      <p15:sldGuideLst xmlns:p15="http://schemas.microsoft.com/office/powerpoint/2012/main">
         <p15:guide id="1" orient="horz" pos="2160">
           <p15:clr>
             <a:srgbClr val="A4A3A4"/>
@@ -214,7 +215,7 @@
             <a:fld id="{846388BD-8A6F-4B9B-95D6-1E40DF29BA0B}" type="datetimeFigureOut">
               <a:rPr lang="en-CA" smtClean="0"/>
               <a:pPr/>
-              <a:t>23/11/2014</a:t>
+              <a:t>24/11/2014</a:t>
             </a:fld>
             <a:endParaRPr lang="en-CA"/>
           </a:p>
@@ -385,7 +386,7 @@
     </p:spTree>
     <p:extLst>
       <p:ext uri="{BB962C8B-B14F-4D97-AF65-F5344CB8AC3E}">
-        <p14:creationId xmlns="" xmlns:p14="http://schemas.microsoft.com/office/powerpoint/2010/main" val="3448995633"/>
+        <p14:creationId xmlns:p14="http://schemas.microsoft.com/office/powerpoint/2010/main" val="3448995633"/>
       </p:ext>
     </p:extLst>
   </p:cSld>
@@ -570,7 +571,7 @@
     </p:spTree>
     <p:extLst>
       <p:ext uri="{BB962C8B-B14F-4D97-AF65-F5344CB8AC3E}">
-        <p14:creationId xmlns="" xmlns:p14="http://schemas.microsoft.com/office/powerpoint/2010/main" val="1733972161"/>
+        <p14:creationId xmlns:p14="http://schemas.microsoft.com/office/powerpoint/2010/main" val="1733972161"/>
       </p:ext>
     </p:extLst>
   </p:cSld>
@@ -627,70 +628,203 @@
           <a:lstStyle/>
           <a:p>
             <a:r>
-              <a:rPr lang="en-CA" dirty="0" smtClean="0"/>
-              <a:t>Find an</a:t>
-            </a:r>
-            <a:r>
-              <a:rPr lang="en-CA" baseline="0" dirty="0" smtClean="0"/>
-              <a:t> appropriate selling price for the seller.</a:t>
-            </a:r>
-            <a:endParaRPr lang="en-CA" dirty="0" smtClean="0"/>
-          </a:p>
-          <a:p>
-            <a:r>
-              <a:rPr lang="en-CA" dirty="0" smtClean="0"/>
-              <a:t>Find </a:t>
-            </a:r>
-            <a:r>
-              <a:rPr lang="en-CA" dirty="0" smtClean="0"/>
-              <a:t>good deals for </a:t>
-            </a:r>
-            <a:r>
-              <a:rPr lang="en-CA" dirty="0" smtClean="0"/>
+              <a:rPr lang="en-CA" sz="800" b="0" baseline="0" dirty="0" smtClean="0">
+                <a:latin typeface="+mn-lt"/>
+              </a:rPr>
+              <a:t>This is relates generally to real estate appraisals and sales price predictions. In particular, this is an automated system and uses predictive modeling to perform pattern recognition.</a:t>
+            </a:r>
+            <a:endParaRPr lang="en-CA" sz="800" b="0" dirty="0" smtClean="0">
+              <a:latin typeface="+mn-lt"/>
+            </a:endParaRPr>
+          </a:p>
+          <a:p>
+            <a:pPr marL="0" marR="0" indent="0" algn="l" defTabSz="914400" rtl="0" eaLnBrk="1" fontAlgn="auto" latinLnBrk="0" hangingPunct="1">
+              <a:lnSpc>
+                <a:spcPct val="100000"/>
+              </a:lnSpc>
+              <a:spcBef>
+                <a:spcPts val="0"/>
+              </a:spcBef>
+              <a:spcAft>
+                <a:spcPts val="0"/>
+              </a:spcAft>
+              <a:buClrTx/>
+              <a:buSzTx/>
+              <a:buFontTx/>
+              <a:buNone/>
+              <a:tabLst/>
+              <a:defRPr/>
+            </a:pPr>
+            <a:r>
+              <a:rPr lang="en-CA" sz="800" b="0" dirty="0" smtClean="0">
+                <a:latin typeface="+mn-lt"/>
+              </a:rPr>
+              <a:t>Versus finding a broker. This</a:t>
+            </a:r>
+            <a:r>
+              <a:rPr lang="en-CA" sz="800" b="0" baseline="0" dirty="0" smtClean="0">
+                <a:latin typeface="+mn-lt"/>
+              </a:rPr>
+              <a:t> is free. Give prediction quickly at the comfort of your home.</a:t>
+            </a:r>
+          </a:p>
+          <a:p>
+            <a:pPr marL="0" marR="0" indent="0" algn="l" defTabSz="914400" rtl="0" eaLnBrk="1" fontAlgn="auto" latinLnBrk="0" hangingPunct="1">
+              <a:lnSpc>
+                <a:spcPct val="100000"/>
+              </a:lnSpc>
+              <a:spcBef>
+                <a:spcPts val="0"/>
+              </a:spcBef>
+              <a:spcAft>
+                <a:spcPts val="0"/>
+              </a:spcAft>
+              <a:buClrTx/>
+              <a:buSzTx/>
+              <a:buFontTx/>
+              <a:buNone/>
+              <a:tabLst/>
+              <a:defRPr/>
+            </a:pPr>
+            <a:r>
+              <a:rPr lang="en-CA" sz="800" b="0" baseline="0" dirty="0" smtClean="0">
+                <a:latin typeface="+mn-lt"/>
+              </a:rPr>
+              <a:t>Conventionally</a:t>
+            </a:r>
+            <a:endParaRPr lang="en-CA" sz="800" b="0" dirty="0" smtClean="0">
+              <a:latin typeface="+mn-lt"/>
+            </a:endParaRPr>
+          </a:p>
+          <a:p>
+            <a:r>
+              <a:rPr lang="en-CA" sz="800" b="0" dirty="0" smtClean="0">
+                <a:latin typeface="+mn-lt"/>
+              </a:rPr>
+              <a:t>For </a:t>
+            </a:r>
+            <a:r>
+              <a:rPr lang="en-CA" sz="800" b="0" dirty="0" smtClean="0">
+                <a:latin typeface="+mn-lt"/>
+              </a:rPr>
               <a:t>the </a:t>
             </a:r>
             <a:r>
-              <a:rPr lang="en-CA" dirty="0" smtClean="0"/>
-              <a:t>buyers</a:t>
-            </a:r>
-            <a:r>
-              <a:rPr lang="en-CA" dirty="0" smtClean="0"/>
+              <a:rPr lang="en-CA" sz="800" b="0" dirty="0" smtClean="0">
+                <a:latin typeface="+mn-lt"/>
+              </a:rPr>
+              <a:t>buyers, this</a:t>
+            </a:r>
+            <a:r>
+              <a:rPr lang="en-CA" sz="800" b="0" baseline="0" dirty="0" smtClean="0">
+                <a:latin typeface="+mn-lt"/>
+              </a:rPr>
+              <a:t> is useful to </a:t>
+            </a:r>
+            <a:r>
+              <a:rPr lang="en-CA" sz="800" b="0" baseline="0" dirty="0" smtClean="0">
+                <a:latin typeface="Arial" pitchFamily="34" charset="0"/>
+                <a:cs typeface="Arial" pitchFamily="34" charset="0"/>
+              </a:rPr>
+              <a:t>find good deals on the market</a:t>
+            </a:r>
+            <a:r>
+              <a:rPr lang="en-CA" sz="800" b="0" dirty="0" smtClean="0">
+                <a:latin typeface="+mn-lt"/>
+              </a:rPr>
               <a:t>.</a:t>
             </a:r>
-          </a:p>
-          <a:p>
-            <a:r>
-              <a:rPr lang="en-CA" dirty="0" smtClean="0"/>
-              <a:t>Versus finding a broker. This</a:t>
-            </a:r>
-            <a:r>
-              <a:rPr lang="en-CA" baseline="0" dirty="0" smtClean="0"/>
-              <a:t> is free. </a:t>
-            </a:r>
-            <a:r>
-              <a:rPr lang="en-CA" baseline="0" smtClean="0"/>
-              <a:t>Look at the</a:t>
-            </a:r>
-            <a:endParaRPr lang="en-CA" dirty="0" smtClean="0"/>
-          </a:p>
-          <a:p>
-            <a:r>
-              <a:rPr lang="en-CA" dirty="0" smtClean="0"/>
+            <a:endParaRPr lang="en-CA" sz="800" b="0" dirty="0" smtClean="0">
+              <a:latin typeface="+mn-lt"/>
+            </a:endParaRPr>
+          </a:p>
+          <a:p>
+            <a:pPr marL="457200" indent="-457200"/>
+            <a:r>
+              <a:rPr lang="en-CA" sz="800" b="0" dirty="0" smtClean="0">
+                <a:latin typeface="+mn-lt"/>
+                <a:cs typeface="Arial" pitchFamily="34" charset="0"/>
+              </a:rPr>
+              <a:t>Predict the Montreal borough and/or cluster that the property is most likely to belong to.</a:t>
+            </a:r>
+            <a:r>
+              <a:rPr lang="en-CA" sz="800" b="0" baseline="0" dirty="0" smtClean="0">
+                <a:latin typeface="+mn-lt"/>
+                <a:cs typeface="Arial" pitchFamily="34" charset="0"/>
+              </a:rPr>
+              <a:t> </a:t>
+            </a:r>
+            <a:r>
+              <a:rPr lang="en-CA" sz="800" b="0" dirty="0" smtClean="0">
+                <a:solidFill>
+                  <a:srgbClr val="FF0000"/>
+                </a:solidFill>
+                <a:latin typeface="+mn-lt"/>
+                <a:cs typeface="Arial" pitchFamily="34" charset="0"/>
+              </a:rPr>
+              <a:t>Motivation:</a:t>
+            </a:r>
+            <a:r>
+              <a:rPr lang="en-CA" sz="800" b="0" dirty="0" smtClean="0">
+                <a:latin typeface="+mn-lt"/>
+                <a:cs typeface="Arial" pitchFamily="34" charset="0"/>
+              </a:rPr>
+              <a:t> Suggest buying locations for buyers depending</a:t>
+            </a:r>
+            <a:r>
+              <a:rPr lang="en-CA" sz="800" b="0" baseline="0" dirty="0" smtClean="0">
+                <a:latin typeface="+mn-lt"/>
+                <a:cs typeface="Arial" pitchFamily="34" charset="0"/>
+              </a:rPr>
+              <a:t> </a:t>
+            </a:r>
+            <a:r>
+              <a:rPr lang="en-CA" sz="800" b="0" dirty="0" smtClean="0">
+                <a:latin typeface="+mn-lt"/>
+                <a:cs typeface="Arial" pitchFamily="34" charset="0"/>
+              </a:rPr>
+              <a:t>on their</a:t>
+            </a:r>
+            <a:r>
+              <a:rPr lang="en-CA" sz="800" b="0" baseline="0" dirty="0" smtClean="0">
+                <a:latin typeface="+mn-lt"/>
+                <a:cs typeface="Arial" pitchFamily="34" charset="0"/>
+              </a:rPr>
+              <a:t> </a:t>
+            </a:r>
+            <a:r>
+              <a:rPr lang="en-CA" sz="800" b="0" dirty="0" smtClean="0">
+                <a:latin typeface="+mn-lt"/>
+                <a:cs typeface="Arial" pitchFamily="34" charset="0"/>
+              </a:rPr>
+              <a:t>circumstances</a:t>
+            </a:r>
+            <a:endParaRPr lang="en-CA" sz="800" b="0" dirty="0" smtClean="0">
+              <a:latin typeface="+mn-lt"/>
+            </a:endParaRPr>
+          </a:p>
+          <a:p>
+            <a:r>
+              <a:rPr lang="en-CA" sz="800" b="0" dirty="0" smtClean="0">
+                <a:latin typeface="+mn-lt"/>
+              </a:rPr>
               <a:t>Second Question: How</a:t>
             </a:r>
             <a:r>
-              <a:rPr lang="en-CA" baseline="0" dirty="0" smtClean="0"/>
+              <a:rPr lang="en-CA" sz="800" b="0" baseline="0" dirty="0" smtClean="0">
+                <a:latin typeface="+mn-lt"/>
+              </a:rPr>
               <a:t> it is different from a search or decision tree. </a:t>
             </a:r>
             <a:r>
-              <a:rPr lang="en-CA" dirty="0" smtClean="0"/>
-              <a:t>Find </a:t>
-            </a:r>
-            <a:r>
-              <a:rPr lang="en-CA" dirty="0" smtClean="0"/>
-              <a:t>a good area for the family.</a:t>
-            </a:r>
-            <a:endParaRPr lang="en-CA" dirty="0"/>
+              <a:rPr lang="en-CA" sz="800" b="0" dirty="0" smtClean="0">
+                <a:latin typeface="+mn-lt"/>
+              </a:rPr>
+              <a:t>Find a good area for the family.</a:t>
+            </a:r>
+            <a:endParaRPr lang="en-CA" sz="800" b="0" dirty="0">
+              <a:latin typeface="+mn-lt"/>
+            </a:endParaRPr>
           </a:p>
         </p:txBody>
       </p:sp>
@@ -721,7 +855,7 @@
     </p:spTree>
     <p:extLst>
       <p:ext uri="{BB962C8B-B14F-4D97-AF65-F5344CB8AC3E}">
-        <p14:creationId xmlns="" xmlns:p14="http://schemas.microsoft.com/office/powerpoint/2010/main" val="3485329"/>
+        <p14:creationId xmlns:p14="http://schemas.microsoft.com/office/powerpoint/2010/main" val="3485329"/>
       </p:ext>
     </p:extLst>
   </p:cSld>
@@ -779,19 +913,29 @@
           <a:p>
             <a:r>
               <a:rPr lang="en-CA" dirty="0" smtClean="0"/>
-              <a:t>The label we</a:t>
+              <a:t>Majority of the dataset were</a:t>
             </a:r>
             <a:r>
               <a:rPr lang="en-CA" baseline="0" dirty="0" smtClean="0"/>
-              <a:t> are trying to predict are the prices.</a:t>
-            </a:r>
-          </a:p>
-          <a:p>
+              <a:t> scraped from a real estate listing website, Centris.ca. </a:t>
+            </a:r>
+            <a:r>
+              <a:rPr lang="en-CA" dirty="0" smtClean="0"/>
+              <a:t>The targets </a:t>
+            </a:r>
+            <a:r>
+              <a:rPr lang="en-CA" dirty="0" smtClean="0"/>
+              <a:t>we</a:t>
+            </a:r>
             <a:r>
               <a:rPr lang="en-CA" baseline="0" dirty="0" smtClean="0"/>
-              <a:t>Doesn’t make sense to have Stat Canada data.</a:t>
-            </a:r>
-            <a:endParaRPr lang="en-CA" dirty="0"/>
+              <a:t> are trying to predict are the prices</a:t>
+            </a:r>
+            <a:r>
+              <a:rPr lang="en-CA" baseline="0" dirty="0" smtClean="0"/>
+              <a:t>. The features or attributes of the data were from the listings </a:t>
+            </a:r>
+            <a:endParaRPr lang="en-CA" baseline="0" dirty="0" smtClean="0"/>
           </a:p>
         </p:txBody>
       </p:sp>
@@ -822,7 +966,7 @@
     </p:spTree>
     <p:extLst>
       <p:ext uri="{BB962C8B-B14F-4D97-AF65-F5344CB8AC3E}">
-        <p14:creationId xmlns="" xmlns:p14="http://schemas.microsoft.com/office/powerpoint/2010/main" val="3101789400"/>
+        <p14:creationId xmlns:p14="http://schemas.microsoft.com/office/powerpoint/2010/main" val="3101789400"/>
       </p:ext>
     </p:extLst>
   </p:cSld>
@@ -878,6 +1022,18 @@
           </a:bodyPr>
           <a:lstStyle/>
           <a:p>
+            <a:r>
+              <a:rPr lang="en-CA" dirty="0" err="1" smtClean="0"/>
+              <a:t>kNN</a:t>
+            </a:r>
+            <a:r>
+              <a:rPr lang="en-CA" dirty="0" smtClean="0"/>
+              <a:t> is the most similar to the current</a:t>
+            </a:r>
+            <a:r>
+              <a:rPr lang="en-CA" baseline="0" dirty="0" smtClean="0"/>
+              <a:t> system used by the brokers. Where we look at neighbouring properties of similar types.</a:t>
+            </a:r>
             <a:endParaRPr lang="en-CA" dirty="0"/>
           </a:p>
         </p:txBody>
@@ -909,7 +1065,7 @@
     </p:spTree>
     <p:extLst>
       <p:ext uri="{BB962C8B-B14F-4D97-AF65-F5344CB8AC3E}">
-        <p14:creationId xmlns="" xmlns:p14="http://schemas.microsoft.com/office/powerpoint/2010/main" val="928199445"/>
+        <p14:creationId xmlns:p14="http://schemas.microsoft.com/office/powerpoint/2010/main" val="928199445"/>
       </p:ext>
     </p:extLst>
   </p:cSld>
@@ -996,7 +1152,7 @@
     </p:spTree>
     <p:extLst>
       <p:ext uri="{BB962C8B-B14F-4D97-AF65-F5344CB8AC3E}">
-        <p14:creationId xmlns="" xmlns:p14="http://schemas.microsoft.com/office/powerpoint/2010/main" val="3047244720"/>
+        <p14:creationId xmlns:p14="http://schemas.microsoft.com/office/powerpoint/2010/main" val="3047244720"/>
       </p:ext>
     </p:extLst>
   </p:cSld>
@@ -1052,6 +1208,14 @@
           </a:bodyPr>
           <a:lstStyle/>
           <a:p>
+            <a:r>
+              <a:rPr lang="en-CA" dirty="0" smtClean="0"/>
+              <a:t>Sell</a:t>
+            </a:r>
+            <a:r>
+              <a:rPr lang="en-CA" baseline="0" dirty="0" smtClean="0"/>
+              <a:t>ing broker is biased to have higher selling price. </a:t>
+            </a:r>
             <a:endParaRPr lang="en-CA" dirty="0"/>
           </a:p>
         </p:txBody>
@@ -1083,7 +1247,94 @@
     </p:spTree>
     <p:extLst>
       <p:ext uri="{BB962C8B-B14F-4D97-AF65-F5344CB8AC3E}">
-        <p14:creationId xmlns="" xmlns:p14="http://schemas.microsoft.com/office/powerpoint/2010/main" val="573097354"/>
+        <p14:creationId xmlns:p14="http://schemas.microsoft.com/office/powerpoint/2010/main" val="210400451"/>
+      </p:ext>
+    </p:extLst>
+  </p:cSld>
+  <p:clrMapOvr>
+    <a:masterClrMapping/>
+  </p:clrMapOvr>
+</p:notes>
+</file>
+
+<file path=ppt/notesSlides/notesSlide7.xml><?xml version="1.0" encoding="utf-8"?>
+<p:notes xmlns:a="http://schemas.openxmlformats.org/drawingml/2006/main" xmlns:r="http://schemas.openxmlformats.org/officeDocument/2006/relationships" xmlns:p="http://schemas.openxmlformats.org/presentationml/2006/main">
+  <p:cSld>
+    <p:spTree>
+      <p:nvGrpSpPr>
+        <p:cNvPr id="1" name=""/>
+        <p:cNvGrpSpPr/>
+        <p:nvPr/>
+      </p:nvGrpSpPr>
+      <p:grpSpPr>
+        <a:xfrm>
+          <a:off x="0" y="0"/>
+          <a:ext cx="0" cy="0"/>
+          <a:chOff x="0" y="0"/>
+          <a:chExt cx="0" cy="0"/>
+        </a:xfrm>
+      </p:grpSpPr>
+      <p:sp>
+        <p:nvSpPr>
+          <p:cNvPr id="2" name="Slide Image Placeholder 1"/>
+          <p:cNvSpPr>
+            <a:spLocks noGrp="1" noRot="1" noChangeAspect="1"/>
+          </p:cNvSpPr>
+          <p:nvPr>
+            <p:ph type="sldImg"/>
+          </p:nvPr>
+        </p:nvSpPr>
+        <p:spPr/>
+      </p:sp>
+      <p:sp>
+        <p:nvSpPr>
+          <p:cNvPr id="3" name="Notes Placeholder 2"/>
+          <p:cNvSpPr>
+            <a:spLocks noGrp="1"/>
+          </p:cNvSpPr>
+          <p:nvPr>
+            <p:ph type="body" idx="1"/>
+          </p:nvPr>
+        </p:nvSpPr>
+        <p:spPr/>
+        <p:txBody>
+          <a:bodyPr>
+            <a:normAutofit/>
+          </a:bodyPr>
+          <a:lstStyle/>
+          <a:p>
+            <a:endParaRPr lang="en-CA" dirty="0"/>
+          </a:p>
+        </p:txBody>
+      </p:sp>
+      <p:sp>
+        <p:nvSpPr>
+          <p:cNvPr id="4" name="Slide Number Placeholder 3"/>
+          <p:cNvSpPr>
+            <a:spLocks noGrp="1"/>
+          </p:cNvSpPr>
+          <p:nvPr>
+            <p:ph type="sldNum" sz="quarter" idx="10"/>
+          </p:nvPr>
+        </p:nvSpPr>
+        <p:spPr/>
+        <p:txBody>
+          <a:bodyPr/>
+          <a:lstStyle/>
+          <a:p>
+            <a:fld id="{F7B6F02B-2270-4B11-A415-E41587E2850B}" type="slidenum">
+              <a:rPr lang="en-CA" smtClean="0"/>
+              <a:pPr/>
+              <a:t>7</a:t>
+            </a:fld>
+            <a:endParaRPr lang="en-CA"/>
+          </a:p>
+        </p:txBody>
+      </p:sp>
+    </p:spTree>
+    <p:extLst>
+      <p:ext uri="{BB962C8B-B14F-4D97-AF65-F5344CB8AC3E}">
+        <p14:creationId xmlns:p14="http://schemas.microsoft.com/office/powerpoint/2010/main" val="573097354"/>
       </p:ext>
     </p:extLst>
   </p:cSld>
@@ -1275,7 +1526,7 @@
             <a:fld id="{574F1A96-3F81-4DB8-AC7E-AF17C81A9AD7}" type="datetimeFigureOut">
               <a:rPr lang="en-CA" smtClean="0"/>
               <a:pPr/>
-              <a:t>23/11/2014</a:t>
+              <a:t>24/11/2014</a:t>
             </a:fld>
             <a:endParaRPr lang="en-CA"/>
           </a:p>
@@ -1442,7 +1693,7 @@
             <a:fld id="{574F1A96-3F81-4DB8-AC7E-AF17C81A9AD7}" type="datetimeFigureOut">
               <a:rPr lang="en-CA" smtClean="0"/>
               <a:pPr/>
-              <a:t>23/11/2014</a:t>
+              <a:t>24/11/2014</a:t>
             </a:fld>
             <a:endParaRPr lang="en-CA"/>
           </a:p>
@@ -1619,7 +1870,7 @@
             <a:fld id="{574F1A96-3F81-4DB8-AC7E-AF17C81A9AD7}" type="datetimeFigureOut">
               <a:rPr lang="en-CA" smtClean="0"/>
               <a:pPr/>
-              <a:t>23/11/2014</a:t>
+              <a:t>24/11/2014</a:t>
             </a:fld>
             <a:endParaRPr lang="en-CA"/>
           </a:p>
@@ -1786,7 +2037,7 @@
             <a:fld id="{574F1A96-3F81-4DB8-AC7E-AF17C81A9AD7}" type="datetimeFigureOut">
               <a:rPr lang="en-CA" smtClean="0"/>
               <a:pPr/>
-              <a:t>23/11/2014</a:t>
+              <a:t>24/11/2014</a:t>
             </a:fld>
             <a:endParaRPr lang="en-CA"/>
           </a:p>
@@ -2029,7 +2280,7 @@
             <a:fld id="{574F1A96-3F81-4DB8-AC7E-AF17C81A9AD7}" type="datetimeFigureOut">
               <a:rPr lang="en-CA" smtClean="0"/>
               <a:pPr/>
-              <a:t>23/11/2014</a:t>
+              <a:t>24/11/2014</a:t>
             </a:fld>
             <a:endParaRPr lang="en-CA"/>
           </a:p>
@@ -2314,7 +2565,7 @@
             <a:fld id="{574F1A96-3F81-4DB8-AC7E-AF17C81A9AD7}" type="datetimeFigureOut">
               <a:rPr lang="en-CA" smtClean="0"/>
               <a:pPr/>
-              <a:t>23/11/2014</a:t>
+              <a:t>24/11/2014</a:t>
             </a:fld>
             <a:endParaRPr lang="en-CA"/>
           </a:p>
@@ -2733,7 +2984,7 @@
             <a:fld id="{574F1A96-3F81-4DB8-AC7E-AF17C81A9AD7}" type="datetimeFigureOut">
               <a:rPr lang="en-CA" smtClean="0"/>
               <a:pPr/>
-              <a:t>23/11/2014</a:t>
+              <a:t>24/11/2014</a:t>
             </a:fld>
             <a:endParaRPr lang="en-CA"/>
           </a:p>
@@ -2848,7 +3099,7 @@
             <a:fld id="{574F1A96-3F81-4DB8-AC7E-AF17C81A9AD7}" type="datetimeFigureOut">
               <a:rPr lang="en-CA" smtClean="0"/>
               <a:pPr/>
-              <a:t>23/11/2014</a:t>
+              <a:t>24/11/2014</a:t>
             </a:fld>
             <a:endParaRPr lang="en-CA"/>
           </a:p>
@@ -2940,7 +3191,7 @@
             <a:fld id="{574F1A96-3F81-4DB8-AC7E-AF17C81A9AD7}" type="datetimeFigureOut">
               <a:rPr lang="en-CA" smtClean="0"/>
               <a:pPr/>
-              <a:t>23/11/2014</a:t>
+              <a:t>24/11/2014</a:t>
             </a:fld>
             <a:endParaRPr lang="en-CA"/>
           </a:p>
@@ -3214,7 +3465,7 @@
             <a:fld id="{574F1A96-3F81-4DB8-AC7E-AF17C81A9AD7}" type="datetimeFigureOut">
               <a:rPr lang="en-CA" smtClean="0"/>
               <a:pPr/>
-              <a:t>23/11/2014</a:t>
+              <a:t>24/11/2014</a:t>
             </a:fld>
             <a:endParaRPr lang="en-CA"/>
           </a:p>
@@ -3464,7 +3715,7 @@
             <a:fld id="{574F1A96-3F81-4DB8-AC7E-AF17C81A9AD7}" type="datetimeFigureOut">
               <a:rPr lang="en-CA" smtClean="0"/>
               <a:pPr/>
-              <a:t>23/11/2014</a:t>
+              <a:t>24/11/2014</a:t>
             </a:fld>
             <a:endParaRPr lang="en-CA"/>
           </a:p>
@@ -3674,7 +3925,7 @@
             <a:fld id="{574F1A96-3F81-4DB8-AC7E-AF17C81A9AD7}" type="datetimeFigureOut">
               <a:rPr lang="en-CA" smtClean="0"/>
               <a:pPr/>
-              <a:t>23/11/2014</a:t>
+              <a:t>24/11/2014</a:t>
             </a:fld>
             <a:endParaRPr lang="en-CA"/>
           </a:p>
@@ -4207,8 +4458,8 @@
         </p:nvSpPr>
         <p:spPr>
           <a:xfrm>
-            <a:off x="179512" y="478413"/>
-            <a:ext cx="8784976" cy="646331"/>
+            <a:off x="179512" y="653787"/>
+            <a:ext cx="8784976" cy="830997"/>
           </a:xfrm>
           <a:prstGeom prst="rect">
             <a:avLst/>
@@ -4223,13 +4474,20 @@
           <a:p>
             <a:pPr algn="ctr"/>
             <a:r>
-              <a:rPr lang="en-CA" sz="3600" b="1" dirty="0" smtClean="0">
-                <a:latin typeface="Arial" pitchFamily="34" charset="0"/>
-                <a:cs typeface="Arial" pitchFamily="34" charset="0"/>
-              </a:rPr>
-              <a:t>Prediction Questions</a:t>
-            </a:r>
-            <a:endParaRPr lang="en-CA" sz="3600" b="1" dirty="0">
+              <a:rPr lang="en-CA" sz="4800" b="1" dirty="0" smtClean="0">
+                <a:latin typeface="Arial" pitchFamily="34" charset="0"/>
+                <a:cs typeface="Arial" pitchFamily="34" charset="0"/>
+              </a:rPr>
+              <a:t>Prediction </a:t>
+            </a:r>
+            <a:r>
+              <a:rPr lang="en-CA" sz="4800" b="1" dirty="0" smtClean="0">
+                <a:latin typeface="Arial" pitchFamily="34" charset="0"/>
+                <a:cs typeface="Arial" pitchFamily="34" charset="0"/>
+              </a:rPr>
+              <a:t>Question</a:t>
+            </a:r>
+            <a:endParaRPr lang="en-CA" sz="4800" b="1" dirty="0">
               <a:latin typeface="Arial" pitchFamily="34" charset="0"/>
               <a:cs typeface="Arial" pitchFamily="34" charset="0"/>
             </a:endParaRPr>
@@ -4244,8 +4502,8 @@
         </p:nvSpPr>
         <p:spPr>
           <a:xfrm>
-            <a:off x="395536" y="1484784"/>
-            <a:ext cx="8424936" cy="4893647"/>
+            <a:off x="395536" y="2172920"/>
+            <a:ext cx="8424936" cy="3416320"/>
           </a:xfrm>
           <a:prstGeom prst="rect">
             <a:avLst/>
@@ -4258,148 +4516,134 @@
           </a:bodyPr>
           <a:lstStyle/>
           <a:p>
-            <a:pPr marL="457200" indent="-457200"/>
-            <a:r>
-              <a:rPr lang="en-CA" sz="2400" b="1" dirty="0" smtClean="0">
-                <a:latin typeface="Arial" pitchFamily="34" charset="0"/>
-                <a:cs typeface="Arial" pitchFamily="34" charset="0"/>
-              </a:rPr>
-              <a:t>1.  Predict the selling price of properties</a:t>
-            </a:r>
-          </a:p>
-          <a:p>
-            <a:pPr marL="457200" indent="-457200">
+            <a:pPr marL="457200" indent="-457200" algn="ctr"/>
+            <a:r>
+              <a:rPr lang="en-CA" sz="3600" b="1" u="sng" dirty="0" smtClean="0">
+                <a:latin typeface="Arial" pitchFamily="34" charset="0"/>
+                <a:cs typeface="Arial" pitchFamily="34" charset="0"/>
+              </a:rPr>
+              <a:t>Predict </a:t>
+            </a:r>
+            <a:r>
+              <a:rPr lang="en-CA" sz="3600" b="1" u="sng" dirty="0" smtClean="0">
+                <a:latin typeface="Arial" pitchFamily="34" charset="0"/>
+                <a:cs typeface="Arial" pitchFamily="34" charset="0"/>
+              </a:rPr>
+              <a:t>the selling price of </a:t>
+            </a:r>
+            <a:r>
+              <a:rPr lang="en-CA" sz="3600" b="1" u="sng" dirty="0" smtClean="0">
+                <a:latin typeface="Arial" pitchFamily="34" charset="0"/>
+                <a:cs typeface="Arial" pitchFamily="34" charset="0"/>
+              </a:rPr>
+              <a:t>properties</a:t>
+            </a:r>
+          </a:p>
+          <a:p>
+            <a:pPr marL="457200" indent="-457200" algn="ctr"/>
+            <a:endParaRPr lang="en-CA" sz="3600" b="1" dirty="0" smtClean="0">
+              <a:latin typeface="Arial" pitchFamily="34" charset="0"/>
+              <a:cs typeface="Arial" pitchFamily="34" charset="0"/>
+            </a:endParaRPr>
+          </a:p>
+          <a:p>
+            <a:pPr marL="457200" indent="-457200" algn="ctr"/>
+            <a:endParaRPr lang="en-CA" sz="3600" b="1" dirty="0" smtClean="0">
+              <a:latin typeface="Arial" pitchFamily="34" charset="0"/>
+              <a:cs typeface="Arial" pitchFamily="34" charset="0"/>
+            </a:endParaRPr>
+          </a:p>
+          <a:p>
+            <a:pPr marL="457200" indent="-457200" algn="ctr"/>
+            <a:r>
+              <a:rPr lang="en-CA" sz="3600" b="1" dirty="0" smtClean="0">
+                <a:solidFill>
+                  <a:srgbClr val="FF0000"/>
+                </a:solidFill>
+                <a:latin typeface="Arial" pitchFamily="34" charset="0"/>
+                <a:cs typeface="Arial" pitchFamily="34" charset="0"/>
+              </a:rPr>
+              <a:t>Motivations</a:t>
+            </a:r>
+            <a:r>
+              <a:rPr lang="en-CA" sz="3600" b="1" dirty="0" smtClean="0">
+                <a:solidFill>
+                  <a:srgbClr val="FF0000"/>
+                </a:solidFill>
+                <a:latin typeface="Arial" pitchFamily="34" charset="0"/>
+                <a:cs typeface="Arial" pitchFamily="34" charset="0"/>
+              </a:rPr>
+              <a:t>:</a:t>
+            </a:r>
+            <a:r>
+              <a:rPr lang="en-CA" sz="3600" b="1" dirty="0" smtClean="0">
+                <a:latin typeface="Arial" pitchFamily="34" charset="0"/>
+                <a:cs typeface="Arial" pitchFamily="34" charset="0"/>
+              </a:rPr>
+              <a:t> Suggest </a:t>
+            </a:r>
+            <a:r>
+              <a:rPr lang="en-CA" sz="3600" b="1" dirty="0" smtClean="0">
+                <a:latin typeface="Arial" pitchFamily="34" charset="0"/>
+                <a:cs typeface="Arial" pitchFamily="34" charset="0"/>
+              </a:rPr>
+              <a:t>appropriate</a:t>
+            </a:r>
+          </a:p>
+          <a:p>
+            <a:pPr marL="742950" indent="-742950" algn="ctr">
               <a:buFont typeface="+mj-lt"/>
               <a:buAutoNum type="arabicPeriod"/>
             </a:pPr>
-            <a:endParaRPr lang="en-CA" sz="2400" b="1" dirty="0" smtClean="0">
-              <a:latin typeface="Arial" pitchFamily="34" charset="0"/>
-              <a:cs typeface="Arial" pitchFamily="34" charset="0"/>
-            </a:endParaRPr>
-          </a:p>
-          <a:p>
-            <a:pPr lvl="1"/>
-            <a:r>
-              <a:rPr lang="en-CA" sz="2400" b="1" dirty="0" smtClean="0">
-                <a:solidFill>
-                  <a:srgbClr val="FF0000"/>
-                </a:solidFill>
-                <a:latin typeface="Arial" pitchFamily="34" charset="0"/>
-                <a:cs typeface="Arial" pitchFamily="34" charset="0"/>
-              </a:rPr>
-              <a:t>Motivations:</a:t>
-            </a:r>
-            <a:r>
-              <a:rPr lang="en-CA" sz="2400" b="1" dirty="0" smtClean="0">
-                <a:latin typeface="Arial" pitchFamily="34" charset="0"/>
-                <a:cs typeface="Arial" pitchFamily="34" charset="0"/>
-              </a:rPr>
-              <a:t> Suggest appropriate</a:t>
-            </a:r>
-          </a:p>
-          <a:p>
-            <a:pPr marL="800100" lvl="1" indent="-342900">
-              <a:buFont typeface="Arial" panose="020B0604020202020204" pitchFamily="34" charset="0"/>
-              <a:buChar char="•"/>
-            </a:pPr>
-            <a:r>
-              <a:rPr lang="en-CA" sz="2400" b="1" dirty="0" smtClean="0">
-                <a:latin typeface="Arial" pitchFamily="34" charset="0"/>
-                <a:cs typeface="Arial" pitchFamily="34" charset="0"/>
-              </a:rPr>
-              <a:t>Selling prices for the sellers </a:t>
-            </a:r>
-          </a:p>
-          <a:p>
-            <a:pPr marL="800100" lvl="1" indent="-342900">
-              <a:buFont typeface="Arial" panose="020B0604020202020204" pitchFamily="34" charset="0"/>
-              <a:buChar char="•"/>
-            </a:pPr>
-            <a:r>
-              <a:rPr lang="en-CA" sz="2400" b="1" dirty="0" smtClean="0">
-                <a:latin typeface="Arial" pitchFamily="34" charset="0"/>
-                <a:cs typeface="Arial" pitchFamily="34" charset="0"/>
-              </a:rPr>
-              <a:t>Buying prices for the buyers</a:t>
-            </a:r>
-          </a:p>
-          <a:p>
-            <a:endParaRPr lang="en-CA" sz="2400" b="1" dirty="0" smtClean="0">
-              <a:solidFill>
-                <a:srgbClr val="FF0000"/>
-              </a:solidFill>
-              <a:latin typeface="Arial" pitchFamily="34" charset="0"/>
-              <a:cs typeface="Arial" pitchFamily="34" charset="0"/>
-            </a:endParaRPr>
-          </a:p>
-          <a:p>
-            <a:endParaRPr lang="en-CA" sz="2400" b="1" dirty="0" smtClean="0">
-              <a:solidFill>
-                <a:srgbClr val="FF0000"/>
-              </a:solidFill>
-              <a:latin typeface="Arial" pitchFamily="34" charset="0"/>
-              <a:cs typeface="Arial" pitchFamily="34" charset="0"/>
-            </a:endParaRPr>
-          </a:p>
-          <a:p>
-            <a:pPr marL="457200" indent="-457200"/>
-            <a:r>
-              <a:rPr lang="en-CA" sz="2400" b="1" dirty="0" smtClean="0">
-                <a:latin typeface="Arial" pitchFamily="34" charset="0"/>
-                <a:cs typeface="Arial" pitchFamily="34" charset="0"/>
-              </a:rPr>
-              <a:t>2.  Predict the Montreal </a:t>
-            </a:r>
-            <a:r>
-              <a:rPr lang="en-CA" sz="2400" b="1" dirty="0" smtClean="0">
-                <a:latin typeface="Arial" pitchFamily="34" charset="0"/>
-                <a:cs typeface="Arial" pitchFamily="34" charset="0"/>
-              </a:rPr>
-              <a:t>borough and/or cluster </a:t>
-            </a:r>
-            <a:r>
-              <a:rPr lang="en-CA" sz="2400" b="1" dirty="0" smtClean="0">
-                <a:latin typeface="Arial" pitchFamily="34" charset="0"/>
-                <a:cs typeface="Arial" pitchFamily="34" charset="0"/>
-              </a:rPr>
-              <a:t>that the property is most likely to belong to</a:t>
-            </a:r>
-          </a:p>
-          <a:p>
-            <a:pPr marL="457200" indent="-457200">
+            <a:r>
+              <a:rPr lang="en-CA" sz="3600" b="1" dirty="0" smtClean="0">
+                <a:latin typeface="Arial" pitchFamily="34" charset="0"/>
+                <a:cs typeface="Arial" pitchFamily="34" charset="0"/>
+              </a:rPr>
+              <a:t>Selling </a:t>
+            </a:r>
+            <a:r>
+              <a:rPr lang="en-CA" sz="3600" b="1" dirty="0" smtClean="0">
+                <a:latin typeface="Arial" pitchFamily="34" charset="0"/>
+                <a:cs typeface="Arial" pitchFamily="34" charset="0"/>
+              </a:rPr>
+              <a:t>prices for the </a:t>
+            </a:r>
+            <a:r>
+              <a:rPr lang="en-CA" sz="3600" b="1" dirty="0" smtClean="0">
+                <a:latin typeface="Arial" pitchFamily="34" charset="0"/>
+                <a:cs typeface="Arial" pitchFamily="34" charset="0"/>
+              </a:rPr>
+              <a:t>sellers</a:t>
+            </a:r>
+          </a:p>
+          <a:p>
+            <a:pPr marL="742950" indent="-742950" algn="ctr">
               <a:buFont typeface="+mj-lt"/>
               <a:buAutoNum type="arabicPeriod"/>
             </a:pPr>
-            <a:endParaRPr lang="en-CA" sz="2400" b="1" dirty="0" smtClean="0">
-              <a:latin typeface="Arial" pitchFamily="34" charset="0"/>
-              <a:cs typeface="Arial" pitchFamily="34" charset="0"/>
-            </a:endParaRPr>
-          </a:p>
-          <a:p>
-            <a:pPr lvl="1"/>
-            <a:r>
-              <a:rPr lang="en-CA" sz="2400" b="1" dirty="0" smtClean="0">
-                <a:solidFill>
-                  <a:srgbClr val="FF0000"/>
-                </a:solidFill>
-                <a:latin typeface="Arial" pitchFamily="34" charset="0"/>
-                <a:cs typeface="Arial" pitchFamily="34" charset="0"/>
-              </a:rPr>
-              <a:t>Motivation:</a:t>
-            </a:r>
-            <a:r>
-              <a:rPr lang="en-CA" sz="2400" b="1" dirty="0" smtClean="0">
-                <a:latin typeface="Arial" pitchFamily="34" charset="0"/>
-                <a:cs typeface="Arial" pitchFamily="34" charset="0"/>
-              </a:rPr>
-              <a:t> Suggest buying locations for buyers depending on their circumstances</a:t>
-            </a:r>
-          </a:p>
-          <a:p>
-            <a:endParaRPr lang="en-CA" sz="2400" b="1" dirty="0" smtClean="0">
-              <a:solidFill>
-                <a:srgbClr val="FF0000"/>
-              </a:solidFill>
+            <a:r>
+              <a:rPr lang="en-CA" sz="3600" b="1" dirty="0" smtClean="0">
+                <a:latin typeface="Arial" pitchFamily="34" charset="0"/>
+                <a:cs typeface="Arial" pitchFamily="34" charset="0"/>
+              </a:rPr>
+              <a:t>Buying </a:t>
+            </a:r>
+            <a:r>
+              <a:rPr lang="en-CA" sz="3600" b="1" dirty="0" smtClean="0">
+                <a:latin typeface="Arial" pitchFamily="34" charset="0"/>
+                <a:cs typeface="Arial" pitchFamily="34" charset="0"/>
+              </a:rPr>
+              <a:t>prices for the </a:t>
+            </a:r>
+            <a:r>
+              <a:rPr lang="en-CA" sz="3600" b="1" dirty="0" smtClean="0">
+                <a:latin typeface="Arial" pitchFamily="34" charset="0"/>
+                <a:cs typeface="Arial" pitchFamily="34" charset="0"/>
+              </a:rPr>
+              <a:t>buyers</a:t>
+            </a:r>
+            <a:endParaRPr lang="en-CA" sz="3600" b="1" dirty="0" smtClean="0">
               <a:latin typeface="Arial" pitchFamily="34" charset="0"/>
               <a:cs typeface="Arial" pitchFamily="34" charset="0"/>
             </a:endParaRPr>
@@ -4454,7 +4698,7 @@
         </p:blipFill>
         <p:spPr>
           <a:xfrm>
-            <a:off x="5933256" y="4077072"/>
+            <a:off x="5868144" y="2780928"/>
             <a:ext cx="2743200" cy="2273912"/>
           </a:xfrm>
           <a:prstGeom prst="rect">
@@ -4470,7 +4714,7 @@
         </p:nvSpPr>
         <p:spPr>
           <a:xfrm>
-            <a:off x="395536" y="980728"/>
+            <a:off x="395536" y="1118349"/>
             <a:ext cx="6048672" cy="4893647"/>
           </a:xfrm>
           <a:prstGeom prst="rect">
@@ -4543,8 +4787,19 @@
                 <a:latin typeface="Arial" pitchFamily="34" charset="0"/>
                 <a:cs typeface="Arial" pitchFamily="34" charset="0"/>
               </a:rPr>
-              <a:t>: Location, Size, Property type, etc.</a:t>
-            </a:r>
+              <a:t>: Location, Size, Property type, etc</a:t>
+            </a:r>
+            <a:r>
+              <a:rPr lang="en-CA" sz="2400" b="1" dirty="0" smtClean="0">
+                <a:latin typeface="Arial" pitchFamily="34" charset="0"/>
+                <a:cs typeface="Arial" pitchFamily="34" charset="0"/>
+              </a:rPr>
+              <a:t>.</a:t>
+            </a:r>
+            <a:endParaRPr lang="en-CA" sz="2400" b="1" dirty="0">
+              <a:latin typeface="Arial" pitchFamily="34" charset="0"/>
+              <a:cs typeface="Arial" pitchFamily="34" charset="0"/>
+            </a:endParaRPr>
           </a:p>
           <a:p>
             <a:endParaRPr lang="en-CA" sz="2400" b="1" dirty="0" smtClean="0">
@@ -4553,30 +4808,35 @@
             </a:endParaRPr>
           </a:p>
           <a:p>
-            <a:endParaRPr lang="en-CA" sz="2400" b="1" dirty="0" smtClean="0">
-              <a:latin typeface="Arial" pitchFamily="34" charset="0"/>
-              <a:cs typeface="Arial" pitchFamily="34" charset="0"/>
-            </a:endParaRPr>
-          </a:p>
-          <a:p>
+            <a:r>
+              <a:rPr lang="en-CA" sz="2400" b="1" dirty="0" smtClean="0">
+                <a:latin typeface="Arial" pitchFamily="34" charset="0"/>
+                <a:cs typeface="Arial" pitchFamily="34" charset="0"/>
+              </a:rPr>
+              <a:t>2.  Bounding polygons from Montreal Open Data</a:t>
+            </a:r>
+          </a:p>
+          <a:p>
+            <a:pPr lvl="1"/>
             <a:endParaRPr lang="en-CA" sz="2400" b="1" dirty="0">
               <a:latin typeface="Arial" pitchFamily="34" charset="0"/>
               <a:cs typeface="Arial" pitchFamily="34" charset="0"/>
             </a:endParaRPr>
           </a:p>
           <a:p>
-            <a:endParaRPr lang="en-CA" sz="2400" b="1" dirty="0" smtClean="0">
-              <a:latin typeface="Arial" pitchFamily="34" charset="0"/>
-              <a:cs typeface="Arial" pitchFamily="34" charset="0"/>
-            </a:endParaRPr>
-          </a:p>
-          <a:p>
             <a:r>
               <a:rPr lang="en-CA" sz="2400" b="1" dirty="0" smtClean="0">
                 <a:latin typeface="Arial" pitchFamily="34" charset="0"/>
                 <a:cs typeface="Arial" pitchFamily="34" charset="0"/>
               </a:rPr>
-              <a:t>2.  Bounding polygons from Montreal Open Data</a:t>
+              <a:t>3.  Additional </a:t>
+            </a:r>
+            <a:r>
+              <a:rPr lang="en-CA" sz="2400" b="1" dirty="0">
+                <a:latin typeface="Arial" pitchFamily="34" charset="0"/>
+                <a:cs typeface="Arial" pitchFamily="34" charset="0"/>
+              </a:rPr>
+              <a:t>demographics from Statistics Canada</a:t>
             </a:r>
           </a:p>
           <a:p>
@@ -4596,7 +4856,7 @@
                 <a:latin typeface="Arial" pitchFamily="34" charset="0"/>
                 <a:cs typeface="Arial" pitchFamily="34" charset="0"/>
               </a:rPr>
-              <a:t>labels</a:t>
+              <a:t>features</a:t>
             </a:r>
             <a:r>
               <a:rPr lang="en-CA" sz="2400" b="1" dirty="0">
@@ -4610,35 +4870,26 @@
                 <a:latin typeface="Arial" pitchFamily="34" charset="0"/>
                 <a:cs typeface="Arial" pitchFamily="34" charset="0"/>
               </a:rPr>
-              <a:t>Montreal boroughs</a:t>
-            </a:r>
-          </a:p>
-          <a:p>
-            <a:pPr marL="914400" lvl="1" indent="-457200">
-              <a:buFont typeface="Arial" panose="020B0604020202020204" pitchFamily="34" charset="0"/>
-              <a:buChar char="•"/>
-            </a:pPr>
+              <a:t>Income</a:t>
+            </a:r>
+            <a:r>
+              <a:rPr lang="en-CA" sz="2400" b="1" dirty="0">
+                <a:latin typeface="Arial" pitchFamily="34" charset="0"/>
+                <a:cs typeface="Arial" pitchFamily="34" charset="0"/>
+              </a:rPr>
+              <a:t>, Population age, Crime rate, etc</a:t>
+            </a:r>
             <a:r>
               <a:rPr lang="en-CA" sz="2400" b="1" dirty="0" smtClean="0">
                 <a:latin typeface="Arial" pitchFamily="34" charset="0"/>
                 <a:cs typeface="Arial" pitchFamily="34" charset="0"/>
               </a:rPr>
-              <a:t>The </a:t>
-            </a:r>
-            <a:r>
-              <a:rPr lang="en-CA" sz="2400" b="1" u="sng" dirty="0" smtClean="0">
-                <a:latin typeface="Arial" pitchFamily="34" charset="0"/>
-                <a:cs typeface="Arial" pitchFamily="34" charset="0"/>
-              </a:rPr>
-              <a:t>features</a:t>
-            </a:r>
-            <a:r>
-              <a:rPr lang="en-CA" sz="2400" b="1" dirty="0" smtClean="0">
-                <a:latin typeface="Arial" pitchFamily="34" charset="0"/>
-                <a:cs typeface="Arial" pitchFamily="34" charset="0"/>
-              </a:rPr>
-              <a:t>: same as above</a:t>
-            </a:r>
+              <a:t>.</a:t>
+            </a:r>
+            <a:endParaRPr lang="en-CA" sz="2400" b="1" dirty="0">
+              <a:latin typeface="Arial" pitchFamily="34" charset="0"/>
+              <a:cs typeface="Arial" pitchFamily="34" charset="0"/>
+            </a:endParaRPr>
           </a:p>
         </p:txBody>
       </p:sp>
@@ -4719,7 +4970,7 @@
         </p:blipFill>
         <p:spPr>
           <a:xfrm>
-            <a:off x="6481911" y="4141837"/>
+            <a:off x="6409903" y="2780928"/>
             <a:ext cx="1114425" cy="295275"/>
           </a:xfrm>
           <a:prstGeom prst="rect">
@@ -4727,69 +4978,6 @@
           </a:prstGeom>
         </p:spPr>
       </p:pic>
-      <p:sp>
-        <p:nvSpPr>
-          <p:cNvPr id="5" name="TextBox 4"/>
-          <p:cNvSpPr txBox="1"/>
-          <p:nvPr/>
-        </p:nvSpPr>
-        <p:spPr>
-          <a:xfrm>
-            <a:off x="416878" y="2996952"/>
-            <a:ext cx="7683514" cy="830997"/>
-          </a:xfrm>
-          <a:prstGeom prst="rect">
-            <a:avLst/>
-          </a:prstGeom>
-          <a:noFill/>
-        </p:spPr>
-        <p:txBody>
-          <a:bodyPr wrap="none" rtlCol="0">
-            <a:spAutoFit/>
-          </a:bodyPr>
-          <a:lstStyle/>
-          <a:p>
-            <a:r>
-              <a:rPr lang="en-CA" sz="2400" b="1" dirty="0" smtClean="0">
-                <a:latin typeface="Arial" pitchFamily="34" charset="0"/>
-                <a:cs typeface="Arial" pitchFamily="34" charset="0"/>
-              </a:rPr>
-              <a:t>Additional demographics </a:t>
-            </a:r>
-            <a:r>
-              <a:rPr lang="en-CA" sz="2400" b="1" dirty="0">
-                <a:latin typeface="Arial" pitchFamily="34" charset="0"/>
-                <a:cs typeface="Arial" pitchFamily="34" charset="0"/>
-              </a:rPr>
-              <a:t>from Statistics Canada</a:t>
-            </a:r>
-          </a:p>
-          <a:p>
-            <a:pPr marL="914400" lvl="1" indent="-457200">
-              <a:buFont typeface="Arial" panose="020B0604020202020204" pitchFamily="34" charset="0"/>
-              <a:buChar char="•"/>
-            </a:pPr>
-            <a:r>
-              <a:rPr lang="en-CA" sz="2400" b="1" dirty="0">
-                <a:latin typeface="Arial" pitchFamily="34" charset="0"/>
-                <a:cs typeface="Arial" pitchFamily="34" charset="0"/>
-              </a:rPr>
-              <a:t>Income, Population age, Household size, etc</a:t>
-            </a:r>
-            <a:r>
-              <a:rPr lang="en-CA" sz="2400" b="1" dirty="0" smtClean="0">
-                <a:latin typeface="Arial" pitchFamily="34" charset="0"/>
-                <a:cs typeface="Arial" pitchFamily="34" charset="0"/>
-              </a:rPr>
-              <a:t>.</a:t>
-            </a:r>
-            <a:endParaRPr lang="en-CA" sz="2400" b="1" dirty="0">
-              <a:latin typeface="Arial" pitchFamily="34" charset="0"/>
-              <a:cs typeface="Arial" pitchFamily="34" charset="0"/>
-            </a:endParaRPr>
-          </a:p>
-        </p:txBody>
-      </p:sp>
     </p:spTree>
   </p:cSld>
   <p:clrMapOvr>
@@ -4830,8 +5018,8 @@
         </p:nvSpPr>
         <p:spPr>
           <a:xfrm>
-            <a:off x="539552" y="1052736"/>
-            <a:ext cx="8064896" cy="5632311"/>
+            <a:off x="611560" y="2222862"/>
+            <a:ext cx="8064896" cy="2862322"/>
           </a:xfrm>
           <a:prstGeom prst="rect">
             <a:avLst/>
@@ -4845,14 +5033,7 @@
           <a:lstStyle/>
           <a:p>
             <a:r>
-              <a:rPr lang="en-CA" sz="2400" b="1" dirty="0" smtClean="0">
-                <a:latin typeface="Arial" pitchFamily="34" charset="0"/>
-                <a:cs typeface="Arial" pitchFamily="34" charset="0"/>
-              </a:rPr>
-              <a:t>1.  </a:t>
-            </a:r>
-            <a:r>
-              <a:rPr lang="en-CA" sz="2400" b="1" dirty="0" smtClean="0">
+              <a:rPr lang="en-CA" sz="3600" b="1" dirty="0" smtClean="0">
                 <a:solidFill>
                   <a:srgbClr val="FF0000"/>
                 </a:solidFill>
@@ -4862,23 +5043,30 @@
               <a:t>Regression</a:t>
             </a:r>
             <a:r>
-              <a:rPr lang="en-CA" sz="2400" b="1" dirty="0" smtClean="0">
-                <a:latin typeface="Arial" pitchFamily="34" charset="0"/>
-                <a:cs typeface="Arial" pitchFamily="34" charset="0"/>
-              </a:rPr>
-              <a:t> of the prices</a:t>
-            </a:r>
-          </a:p>
-          <a:p>
-            <a:r>
-              <a:rPr lang="en-CA" sz="2400" b="1" dirty="0">
+              <a:rPr lang="en-CA" sz="3600" b="1" dirty="0" smtClean="0">
+                <a:latin typeface="Arial" pitchFamily="34" charset="0"/>
+                <a:cs typeface="Arial" pitchFamily="34" charset="0"/>
+              </a:rPr>
+              <a:t> </a:t>
+            </a:r>
+            <a:r>
+              <a:rPr lang="en-CA" sz="3600" b="1" dirty="0" smtClean="0">
+                <a:latin typeface="Arial" pitchFamily="34" charset="0"/>
+                <a:cs typeface="Arial" pitchFamily="34" charset="0"/>
+              </a:rPr>
+              <a:t>of the prices</a:t>
+            </a:r>
+          </a:p>
+          <a:p>
+            <a:r>
+              <a:rPr lang="en-CA" sz="3600" b="1" dirty="0">
                 <a:latin typeface="Arial" pitchFamily="34" charset="0"/>
                 <a:cs typeface="Arial" pitchFamily="34" charset="0"/>
               </a:rPr>
               <a:t>	</a:t>
             </a:r>
             <a:r>
-              <a:rPr lang="en-CA" sz="2400" b="1" dirty="0" smtClean="0">
+              <a:rPr lang="en-CA" sz="3600" b="1" dirty="0" smtClean="0">
                 <a:latin typeface="Arial" pitchFamily="34" charset="0"/>
                 <a:cs typeface="Arial" pitchFamily="34" charset="0"/>
               </a:rPr>
@@ -4887,210 +5075,74 @@
           </a:p>
           <a:p>
             <a:r>
-              <a:rPr lang="en-CA" sz="2400" b="1" dirty="0">
+              <a:rPr lang="en-CA" sz="3600" b="1" dirty="0">
                 <a:latin typeface="Arial" pitchFamily="34" charset="0"/>
                 <a:cs typeface="Arial" pitchFamily="34" charset="0"/>
               </a:rPr>
               <a:t>	</a:t>
             </a:r>
             <a:r>
-              <a:rPr lang="en-CA" sz="2400" b="1" dirty="0" smtClean="0">
+              <a:rPr lang="en-CA" sz="3600" b="1" dirty="0" smtClean="0">
+                <a:latin typeface="Arial" pitchFamily="34" charset="0"/>
+                <a:cs typeface="Arial" pitchFamily="34" charset="0"/>
+              </a:rPr>
+              <a:t>Random forest</a:t>
+            </a:r>
+          </a:p>
+          <a:p>
+            <a:r>
+              <a:rPr lang="en-CA" sz="3600" b="1" dirty="0">
+                <a:latin typeface="Arial" pitchFamily="34" charset="0"/>
+                <a:cs typeface="Arial" pitchFamily="34" charset="0"/>
+              </a:rPr>
+              <a:t>	</a:t>
+            </a:r>
+            <a:r>
+              <a:rPr lang="en-CA" sz="3600" b="1" dirty="0" smtClean="0">
                 <a:latin typeface="Arial" pitchFamily="34" charset="0"/>
                 <a:cs typeface="Arial" pitchFamily="34" charset="0"/>
               </a:rPr>
               <a:t>k-Nearest Neighbours</a:t>
             </a:r>
-          </a:p>
-          <a:p>
-            <a:endParaRPr lang="en-CA" sz="2400" b="1" dirty="0">
+            <a:endParaRPr lang="en-CA" sz="3600" b="1" dirty="0" smtClean="0">
               <a:latin typeface="Arial" pitchFamily="34" charset="0"/>
               <a:cs typeface="Arial" pitchFamily="34" charset="0"/>
             </a:endParaRPr>
           </a:p>
           <a:p>
-            <a:endParaRPr lang="en-CA" sz="2400" b="1" dirty="0" smtClean="0">
+            <a:r>
+              <a:rPr lang="en-CA" sz="3600" b="1" dirty="0">
+                <a:latin typeface="Arial" pitchFamily="34" charset="0"/>
+                <a:cs typeface="Arial" pitchFamily="34" charset="0"/>
+              </a:rPr>
+              <a:t>	</a:t>
+            </a:r>
+            <a:r>
+              <a:rPr lang="en-CA" sz="3600" b="1" dirty="0" smtClean="0">
+                <a:latin typeface="Arial" pitchFamily="34" charset="0"/>
+                <a:cs typeface="Arial" pitchFamily="34" charset="0"/>
+              </a:rPr>
+              <a:t>Neural </a:t>
+            </a:r>
+            <a:r>
+              <a:rPr lang="en-CA" sz="3600" b="1" dirty="0" smtClean="0">
+                <a:latin typeface="Arial" pitchFamily="34" charset="0"/>
+                <a:cs typeface="Arial" pitchFamily="34" charset="0"/>
+              </a:rPr>
+              <a:t>Networks </a:t>
+            </a:r>
+            <a:r>
+              <a:rPr lang="en-CA" sz="1200" b="1" dirty="0" smtClean="0">
+                <a:latin typeface="Arial" pitchFamily="34" charset="0"/>
+                <a:cs typeface="Arial" pitchFamily="34" charset="0"/>
+              </a:rPr>
+              <a:t>(Quinlan 93)</a:t>
+            </a:r>
+            <a:endParaRPr lang="en-CA" sz="1200" b="1" dirty="0" smtClean="0">
               <a:latin typeface="Arial" pitchFamily="34" charset="0"/>
               <a:cs typeface="Arial" pitchFamily="34" charset="0"/>
             </a:endParaRPr>
           </a:p>
-          <a:p>
-            <a:r>
-              <a:rPr lang="en-CA" sz="2400" b="1" dirty="0" smtClean="0">
-                <a:latin typeface="Arial" pitchFamily="34" charset="0"/>
-                <a:cs typeface="Arial" pitchFamily="34" charset="0"/>
-              </a:rPr>
-              <a:t>2.  </a:t>
-            </a:r>
-            <a:r>
-              <a:rPr lang="en-CA" sz="2400" b="1" dirty="0" smtClean="0">
-                <a:solidFill>
-                  <a:srgbClr val="FF0000"/>
-                </a:solidFill>
-                <a:latin typeface="Arial" pitchFamily="34" charset="0"/>
-                <a:cs typeface="Arial" pitchFamily="34" charset="0"/>
-              </a:rPr>
-              <a:t>Classification</a:t>
-            </a:r>
-            <a:r>
-              <a:rPr lang="en-CA" sz="2400" b="1" dirty="0" smtClean="0">
-                <a:latin typeface="Arial" pitchFamily="34" charset="0"/>
-                <a:cs typeface="Arial" pitchFamily="34" charset="0"/>
-              </a:rPr>
-              <a:t> of the boroughs</a:t>
-            </a:r>
-          </a:p>
-          <a:p>
-            <a:r>
-              <a:rPr lang="en-CA" sz="2400" b="1" dirty="0" smtClean="0">
-                <a:latin typeface="Arial" pitchFamily="34" charset="0"/>
-                <a:cs typeface="Arial" pitchFamily="34" charset="0"/>
-              </a:rPr>
-              <a:t>	</a:t>
-            </a:r>
-            <a:r>
-              <a:rPr lang="en-CA" sz="2400" b="1" u="sng" dirty="0" smtClean="0">
-                <a:latin typeface="Arial" pitchFamily="34" charset="0"/>
-                <a:cs typeface="Arial" pitchFamily="34" charset="0"/>
-              </a:rPr>
-              <a:t>Supervised</a:t>
-            </a:r>
-            <a:r>
-              <a:rPr lang="en-CA" sz="2400" b="1" dirty="0" smtClean="0">
-                <a:latin typeface="Arial" pitchFamily="34" charset="0"/>
-                <a:cs typeface="Arial" pitchFamily="34" charset="0"/>
-              </a:rPr>
-              <a:t>:</a:t>
-            </a:r>
-          </a:p>
-          <a:p>
-            <a:r>
-              <a:rPr lang="en-CA" sz="2400" b="1" dirty="0">
-                <a:latin typeface="Arial" pitchFamily="34" charset="0"/>
-                <a:cs typeface="Arial" pitchFamily="34" charset="0"/>
-              </a:rPr>
-              <a:t>	</a:t>
-            </a:r>
-            <a:r>
-              <a:rPr lang="en-CA" sz="2400" b="1" dirty="0" smtClean="0">
-                <a:latin typeface="Arial" pitchFamily="34" charset="0"/>
-                <a:cs typeface="Arial" pitchFamily="34" charset="0"/>
-              </a:rPr>
-              <a:t>Logistic </a:t>
-            </a:r>
-            <a:r>
-              <a:rPr lang="en-CA" sz="2400" b="1" dirty="0">
-                <a:latin typeface="Arial" pitchFamily="34" charset="0"/>
-                <a:cs typeface="Arial" pitchFamily="34" charset="0"/>
-              </a:rPr>
-              <a:t>regressions</a:t>
-            </a:r>
-          </a:p>
-          <a:p>
-            <a:r>
-              <a:rPr lang="en-CA" sz="2400" b="1" dirty="0">
-                <a:latin typeface="Arial" pitchFamily="34" charset="0"/>
-                <a:cs typeface="Arial" pitchFamily="34" charset="0"/>
-              </a:rPr>
-              <a:t>	k-Nearest </a:t>
-            </a:r>
-            <a:r>
-              <a:rPr lang="en-CA" sz="2400" b="1" dirty="0" smtClean="0">
-                <a:latin typeface="Arial" pitchFamily="34" charset="0"/>
-                <a:cs typeface="Arial" pitchFamily="34" charset="0"/>
-              </a:rPr>
-              <a:t>Neighbours</a:t>
-            </a:r>
-          </a:p>
-          <a:p>
-            <a:r>
-              <a:rPr lang="en-CA" sz="2400" b="1" dirty="0">
-                <a:latin typeface="Arial" pitchFamily="34" charset="0"/>
-                <a:cs typeface="Arial" pitchFamily="34" charset="0"/>
-              </a:rPr>
-              <a:t>	</a:t>
-            </a:r>
-            <a:r>
-              <a:rPr lang="en-CA" sz="2400" b="1" dirty="0" smtClean="0">
-                <a:latin typeface="Arial" pitchFamily="34" charset="0"/>
-                <a:cs typeface="Arial" pitchFamily="34" charset="0"/>
-              </a:rPr>
-              <a:t>SVM</a:t>
-            </a:r>
-          </a:p>
-          <a:p>
-            <a:r>
-              <a:rPr lang="en-CA" sz="2400" b="1" dirty="0">
-                <a:latin typeface="Arial" pitchFamily="34" charset="0"/>
-                <a:cs typeface="Arial" pitchFamily="34" charset="0"/>
-              </a:rPr>
-              <a:t>	</a:t>
-            </a:r>
-            <a:r>
-              <a:rPr lang="en-CA" sz="2400" b="1" dirty="0" smtClean="0">
-                <a:latin typeface="Arial" pitchFamily="34" charset="0"/>
-                <a:cs typeface="Arial" pitchFamily="34" charset="0"/>
-              </a:rPr>
-              <a:t>Neural Networks</a:t>
-            </a:r>
-          </a:p>
-          <a:p>
-            <a:endParaRPr lang="en-CA" sz="2400" b="1" dirty="0" smtClean="0">
-              <a:latin typeface="Arial" pitchFamily="34" charset="0"/>
-              <a:cs typeface="Arial" pitchFamily="34" charset="0"/>
-            </a:endParaRPr>
-          </a:p>
-          <a:p>
-            <a:r>
-              <a:rPr lang="en-CA" sz="2400" b="1" dirty="0" smtClean="0">
-                <a:latin typeface="Arial" pitchFamily="34" charset="0"/>
-                <a:cs typeface="Arial" pitchFamily="34" charset="0"/>
-              </a:rPr>
-              <a:t>	</a:t>
-            </a:r>
-            <a:r>
-              <a:rPr lang="en-CA" sz="2400" b="1" u="sng" dirty="0" smtClean="0">
-                <a:latin typeface="Arial" pitchFamily="34" charset="0"/>
-                <a:cs typeface="Arial" pitchFamily="34" charset="0"/>
-              </a:rPr>
-              <a:t>Un-supervised</a:t>
-            </a:r>
-            <a:r>
-              <a:rPr lang="en-CA" sz="2400" b="1" dirty="0" smtClean="0">
-                <a:latin typeface="Arial" pitchFamily="34" charset="0"/>
-                <a:cs typeface="Arial" pitchFamily="34" charset="0"/>
-              </a:rPr>
-              <a:t>:</a:t>
-            </a:r>
-          </a:p>
-          <a:p>
-            <a:r>
-              <a:rPr lang="en-CA" sz="2400" b="1" dirty="0">
-                <a:latin typeface="Arial" pitchFamily="34" charset="0"/>
-                <a:cs typeface="Arial" pitchFamily="34" charset="0"/>
-              </a:rPr>
-              <a:t>	</a:t>
-            </a:r>
-            <a:r>
-              <a:rPr lang="en-CA" sz="2400" b="1" dirty="0" smtClean="0">
-                <a:latin typeface="Arial" pitchFamily="34" charset="0"/>
-                <a:cs typeface="Arial" pitchFamily="34" charset="0"/>
-              </a:rPr>
-              <a:t>k-Means</a:t>
-            </a:r>
-            <a:endParaRPr lang="en-CA" sz="2400" b="1" dirty="0">
-              <a:latin typeface="Arial" pitchFamily="34" charset="0"/>
-              <a:cs typeface="Arial" pitchFamily="34" charset="0"/>
-            </a:endParaRPr>
-          </a:p>
-          <a:p>
-            <a:pPr marL="457200" indent="-457200">
-              <a:buAutoNum type="arabicPeriod" startAt="2"/>
-            </a:pPr>
-            <a:endParaRPr lang="en-CA" sz="2400" b="1" dirty="0" smtClean="0">
-              <a:latin typeface="Arial" pitchFamily="34" charset="0"/>
-              <a:cs typeface="Arial" pitchFamily="34" charset="0"/>
-            </a:endParaRPr>
-          </a:p>
         </p:txBody>
       </p:sp>
       <p:sp>
@@ -5101,8 +5153,8 @@
         </p:nvSpPr>
         <p:spPr>
           <a:xfrm>
-            <a:off x="179512" y="262389"/>
-            <a:ext cx="8784976" cy="646331"/>
+            <a:off x="179512" y="692696"/>
+            <a:ext cx="8784976" cy="830997"/>
           </a:xfrm>
           <a:prstGeom prst="rect">
             <a:avLst/>
@@ -5117,13 +5169,13 @@
           <a:p>
             <a:pPr algn="ctr"/>
             <a:r>
-              <a:rPr lang="en-CA" sz="3600" b="1" dirty="0" smtClean="0">
+              <a:rPr lang="en-CA" sz="4800" b="1" dirty="0" smtClean="0">
                 <a:latin typeface="Arial" pitchFamily="34" charset="0"/>
                 <a:cs typeface="Arial" pitchFamily="34" charset="0"/>
               </a:rPr>
               <a:t>Machine learning methods</a:t>
             </a:r>
-            <a:endParaRPr lang="en-CA" sz="3600" b="1" dirty="0">
+            <a:endParaRPr lang="en-CA" sz="4800" b="1" dirty="0">
               <a:latin typeface="Arial" pitchFamily="34" charset="0"/>
               <a:cs typeface="Arial" pitchFamily="34" charset="0"/>
             </a:endParaRPr>
@@ -5301,8 +5353,135 @@
         </p:nvSpPr>
         <p:spPr>
           <a:xfrm>
-            <a:off x="593794" y="1052736"/>
-            <a:ext cx="8154670" cy="830997"/>
+            <a:off x="395536" y="5919663"/>
+            <a:ext cx="8352928" cy="461665"/>
+          </a:xfrm>
+          <a:prstGeom prst="rect">
+            <a:avLst/>
+          </a:prstGeom>
+          <a:noFill/>
+        </p:spPr>
+        <p:txBody>
+          <a:bodyPr wrap="square" rtlCol="0">
+            <a:spAutoFit/>
+          </a:bodyPr>
+          <a:lstStyle/>
+          <a:p>
+            <a:r>
+              <a:rPr lang="en-CA" sz="2400" b="1" dirty="0" smtClean="0">
+                <a:solidFill>
+                  <a:srgbClr val="FF0000"/>
+                </a:solidFill>
+                <a:latin typeface="Arial" pitchFamily="34" charset="0"/>
+                <a:cs typeface="Arial" pitchFamily="34" charset="0"/>
+              </a:rPr>
+              <a:t>Goal: </a:t>
+            </a:r>
+            <a:r>
+              <a:rPr lang="en-CA" sz="2400" b="1" dirty="0" smtClean="0">
+                <a:latin typeface="Arial" pitchFamily="34" charset="0"/>
+                <a:cs typeface="Arial" pitchFamily="34" charset="0"/>
+              </a:rPr>
+              <a:t>RMSE within 0.97. </a:t>
+            </a:r>
+            <a:r>
+              <a:rPr lang="en-CA" sz="1200" b="1" dirty="0" smtClean="0">
+                <a:latin typeface="Arial" pitchFamily="34" charset="0"/>
+                <a:cs typeface="Arial" pitchFamily="34" charset="0"/>
+              </a:rPr>
+              <a:t>(Note on average final deal is 97% of selling price)</a:t>
+            </a:r>
+            <a:endParaRPr lang="en-CA" sz="1200" b="1" dirty="0">
+              <a:latin typeface="Arial" pitchFamily="34" charset="0"/>
+              <a:cs typeface="Arial" pitchFamily="34" charset="0"/>
+            </a:endParaRPr>
+          </a:p>
+        </p:txBody>
+      </p:sp>
+      <p:sp>
+        <p:nvSpPr>
+          <p:cNvPr id="6" name="TextBox 5"/>
+          <p:cNvSpPr txBox="1"/>
+          <p:nvPr/>
+        </p:nvSpPr>
+        <p:spPr>
+          <a:xfrm>
+            <a:off x="179512" y="262389"/>
+            <a:ext cx="8784976" cy="646331"/>
+          </a:xfrm>
+          <a:prstGeom prst="rect">
+            <a:avLst/>
+          </a:prstGeom>
+          <a:noFill/>
+        </p:spPr>
+        <p:txBody>
+          <a:bodyPr wrap="square" rtlCol="0">
+            <a:spAutoFit/>
+          </a:bodyPr>
+          <a:lstStyle/>
+          <a:p>
+            <a:pPr algn="ctr"/>
+            <a:r>
+              <a:rPr lang="en-CA" sz="3600" b="1" dirty="0" smtClean="0">
+                <a:latin typeface="Arial" pitchFamily="34" charset="0"/>
+                <a:cs typeface="Arial" pitchFamily="34" charset="0"/>
+              </a:rPr>
+              <a:t>Preliminary Results</a:t>
+            </a:r>
+            <a:endParaRPr lang="en-CA" sz="3600" b="1" dirty="0">
+              <a:latin typeface="Arial" pitchFamily="34" charset="0"/>
+              <a:cs typeface="Arial" pitchFamily="34" charset="0"/>
+            </a:endParaRPr>
+          </a:p>
+        </p:txBody>
+      </p:sp>
+    </p:spTree>
+    <p:extLst>
+      <p:ext uri="{BB962C8B-B14F-4D97-AF65-F5344CB8AC3E}">
+        <p14:creationId xmlns:p14="http://schemas.microsoft.com/office/powerpoint/2010/main" val="2230857771"/>
+      </p:ext>
+    </p:extLst>
+  </p:cSld>
+  <p:clrMapOvr>
+    <a:masterClrMapping/>
+  </p:clrMapOvr>
+  <p:timing>
+    <p:tnLst>
+      <p:par>
+        <p:cTn id="1" dur="indefinite" restart="never" nodeType="tmRoot"/>
+      </p:par>
+    </p:tnLst>
+  </p:timing>
+</p:sld>
+</file>
+
+<file path=ppt/slides/slide7.xml><?xml version="1.0" encoding="utf-8"?>
+<p:sld xmlns:a="http://schemas.openxmlformats.org/drawingml/2006/main" xmlns:r="http://schemas.openxmlformats.org/officeDocument/2006/relationships" xmlns:p="http://schemas.openxmlformats.org/presentationml/2006/main">
+  <p:cSld>
+    <p:spTree>
+      <p:nvGrpSpPr>
+        <p:cNvPr id="1" name=""/>
+        <p:cNvGrpSpPr/>
+        <p:nvPr/>
+      </p:nvGrpSpPr>
+      <p:grpSpPr>
+        <a:xfrm>
+          <a:off x="0" y="0"/>
+          <a:ext cx="0" cy="0"/>
+          <a:chOff x="0" y="0"/>
+          <a:chExt cx="0" cy="0"/>
+        </a:xfrm>
+      </p:grpSpPr>
+      <p:sp>
+        <p:nvSpPr>
+          <p:cNvPr id="7" name="TextBox 6"/>
+          <p:cNvSpPr txBox="1"/>
+          <p:nvPr/>
+        </p:nvSpPr>
+        <p:spPr>
+          <a:xfrm>
+            <a:off x="467544" y="1052736"/>
+            <a:ext cx="8280920" cy="830997"/>
           </a:xfrm>
           <a:prstGeom prst="rect">
             <a:avLst/>

--- a/presentation/DaveNissanEmil2014MachineLearning.pptx
+++ b/presentation/DaveNissanEmil2014MachineLearning.pptx
@@ -115,7 +115,7 @@
   </p:defaultTextStyle>
   <p:extLst>
     <p:ext uri="{EFAFB233-063F-42B5-8137-9DF3F51BA10A}">
-      <p15:sldGuideLst xmlns:p15="http://schemas.microsoft.com/office/powerpoint/2012/main">
+      <p15:sldGuideLst xmlns:p15="http://schemas.microsoft.com/office/powerpoint/2012/main" xmlns="">
         <p15:guide id="1" orient="horz" pos="2160">
           <p15:clr>
             <a:srgbClr val="A4A3A4"/>
@@ -215,7 +215,7 @@
             <a:fld id="{846388BD-8A6F-4B9B-95D6-1E40DF29BA0B}" type="datetimeFigureOut">
               <a:rPr lang="en-CA" smtClean="0"/>
               <a:pPr/>
-              <a:t>24/11/2014</a:t>
+              <a:t>25/11/2014</a:t>
             </a:fld>
             <a:endParaRPr lang="en-CA"/>
           </a:p>
@@ -386,7 +386,7 @@
     </p:spTree>
     <p:extLst>
       <p:ext uri="{BB962C8B-B14F-4D97-AF65-F5344CB8AC3E}">
-        <p14:creationId xmlns:p14="http://schemas.microsoft.com/office/powerpoint/2010/main" val="3448995633"/>
+        <p14:creationId xmlns:p14="http://schemas.microsoft.com/office/powerpoint/2010/main" xmlns="" val="3448995633"/>
       </p:ext>
     </p:extLst>
   </p:cSld>
@@ -571,7 +571,7 @@
     </p:spTree>
     <p:extLst>
       <p:ext uri="{BB962C8B-B14F-4D97-AF65-F5344CB8AC3E}">
-        <p14:creationId xmlns:p14="http://schemas.microsoft.com/office/powerpoint/2010/main" val="1733972161"/>
+        <p14:creationId xmlns:p14="http://schemas.microsoft.com/office/powerpoint/2010/main" xmlns="" val="1733972161"/>
       </p:ext>
     </p:extLst>
   </p:cSld>
@@ -701,42 +701,27 @@
               <a:rPr lang="en-CA" sz="800" b="0" dirty="0" smtClean="0">
                 <a:latin typeface="+mn-lt"/>
               </a:rPr>
-              <a:t>For </a:t>
+              <a:t>For the buyers, this</a:t>
+            </a:r>
+            <a:r>
+              <a:rPr lang="en-CA" sz="800" b="0" baseline="0" dirty="0" smtClean="0">
+                <a:latin typeface="+mn-lt"/>
+              </a:rPr>
+              <a:t> is useful to </a:t>
+            </a:r>
+            <a:r>
+              <a:rPr lang="en-CA" sz="800" b="0" baseline="0" dirty="0" smtClean="0">
+                <a:latin typeface="Arial" pitchFamily="34" charset="0"/>
+                <a:cs typeface="Arial" pitchFamily="34" charset="0"/>
+              </a:rPr>
+              <a:t>find good deals on the market</a:t>
             </a:r>
             <a:r>
               <a:rPr lang="en-CA" sz="800" b="0" dirty="0" smtClean="0">
                 <a:latin typeface="+mn-lt"/>
               </a:rPr>
-              <a:t>the </a:t>
-            </a:r>
-            <a:r>
-              <a:rPr lang="en-CA" sz="800" b="0" dirty="0" smtClean="0">
-                <a:latin typeface="+mn-lt"/>
-              </a:rPr>
-              <a:t>buyers, this</a:t>
-            </a:r>
-            <a:r>
-              <a:rPr lang="en-CA" sz="800" b="0" baseline="0" dirty="0" smtClean="0">
-                <a:latin typeface="+mn-lt"/>
-              </a:rPr>
-              <a:t> is useful to </a:t>
-            </a:r>
-            <a:r>
-              <a:rPr lang="en-CA" sz="800" b="0" baseline="0" dirty="0" smtClean="0">
-                <a:latin typeface="Arial" pitchFamily="34" charset="0"/>
-                <a:cs typeface="Arial" pitchFamily="34" charset="0"/>
-              </a:rPr>
-              <a:t>find good deals on the market</a:t>
-            </a:r>
-            <a:r>
-              <a:rPr lang="en-CA" sz="800" b="0" dirty="0" smtClean="0">
-                <a:latin typeface="+mn-lt"/>
-              </a:rPr>
               <a:t>.</a:t>
             </a:r>
-            <a:endParaRPr lang="en-CA" sz="800" b="0" dirty="0" smtClean="0">
-              <a:latin typeface="+mn-lt"/>
-            </a:endParaRPr>
           </a:p>
           <a:p>
             <a:pPr marL="457200" indent="-457200"/>
@@ -855,7 +840,7 @@
     </p:spTree>
     <p:extLst>
       <p:ext uri="{BB962C8B-B14F-4D97-AF65-F5344CB8AC3E}">
-        <p14:creationId xmlns:p14="http://schemas.microsoft.com/office/powerpoint/2010/main" val="3485329"/>
+        <p14:creationId xmlns:p14="http://schemas.microsoft.com/office/powerpoint/2010/main" xmlns="" val="3485329"/>
       </p:ext>
     </p:extLst>
   </p:cSld>
@@ -921,21 +906,12 @@
             </a:r>
             <a:r>
               <a:rPr lang="en-CA" dirty="0" smtClean="0"/>
-              <a:t>The targets </a:t>
-            </a:r>
-            <a:r>
-              <a:rPr lang="en-CA" dirty="0" smtClean="0"/>
-              <a:t>we</a:t>
+              <a:t>The targets we</a:t>
             </a:r>
             <a:r>
               <a:rPr lang="en-CA" baseline="0" dirty="0" smtClean="0"/>
-              <a:t> are trying to predict are the prices</a:t>
-            </a:r>
-            <a:r>
-              <a:rPr lang="en-CA" baseline="0" dirty="0" smtClean="0"/>
-              <a:t>. The features or attributes of the data were from the listings </a:t>
-            </a:r>
-            <a:endParaRPr lang="en-CA" baseline="0" dirty="0" smtClean="0"/>
+              <a:t> are trying to predict are the prices. The features or attributes of the data were from the listings </a:t>
+            </a:r>
           </a:p>
         </p:txBody>
       </p:sp>
@@ -966,7 +942,7 @@
     </p:spTree>
     <p:extLst>
       <p:ext uri="{BB962C8B-B14F-4D97-AF65-F5344CB8AC3E}">
-        <p14:creationId xmlns:p14="http://schemas.microsoft.com/office/powerpoint/2010/main" val="3101789400"/>
+        <p14:creationId xmlns:p14="http://schemas.microsoft.com/office/powerpoint/2010/main" xmlns="" val="3101789400"/>
       </p:ext>
     </p:extLst>
   </p:cSld>
@@ -1065,7 +1041,7 @@
     </p:spTree>
     <p:extLst>
       <p:ext uri="{BB962C8B-B14F-4D97-AF65-F5344CB8AC3E}">
-        <p14:creationId xmlns:p14="http://schemas.microsoft.com/office/powerpoint/2010/main" val="928199445"/>
+        <p14:creationId xmlns:p14="http://schemas.microsoft.com/office/powerpoint/2010/main" xmlns="" val="928199445"/>
       </p:ext>
     </p:extLst>
   </p:cSld>
@@ -1121,6 +1097,14 @@
           </a:bodyPr>
           <a:lstStyle/>
           <a:p>
+            <a:r>
+              <a:rPr lang="en-CA" dirty="0" smtClean="0"/>
+              <a:t>The variable</a:t>
+            </a:r>
+            <a:r>
+              <a:rPr lang="en-CA" baseline="0" dirty="0" smtClean="0"/>
+              <a:t> that accounts for most of it. </a:t>
+            </a:r>
             <a:endParaRPr lang="en-CA" dirty="0"/>
           </a:p>
         </p:txBody>
@@ -1152,7 +1136,7 @@
     </p:spTree>
     <p:extLst>
       <p:ext uri="{BB962C8B-B14F-4D97-AF65-F5344CB8AC3E}">
-        <p14:creationId xmlns:p14="http://schemas.microsoft.com/office/powerpoint/2010/main" val="3047244720"/>
+        <p14:creationId xmlns:p14="http://schemas.microsoft.com/office/powerpoint/2010/main" xmlns="" val="3047244720"/>
       </p:ext>
     </p:extLst>
   </p:cSld>
@@ -1214,7 +1198,21 @@
             </a:r>
             <a:r>
               <a:rPr lang="en-CA" baseline="0" dirty="0" smtClean="0"/>
-              <a:t>ing broker is biased to have higher selling price. </a:t>
+              <a:t>ing broker is biased to have higher selling price</a:t>
+            </a:r>
+            <a:r>
+              <a:rPr lang="en-CA" baseline="0" dirty="0" smtClean="0"/>
+              <a:t>.</a:t>
+            </a:r>
+          </a:p>
+          <a:p>
+            <a:r>
+              <a:rPr lang="en-CA" baseline="0" dirty="0" smtClean="0"/>
+              <a:t>Plot the actual vs. </a:t>
+            </a:r>
+            <a:r>
+              <a:rPr lang="en-CA" baseline="0" smtClean="0"/>
+              <a:t>Predicted. </a:t>
             </a:r>
             <a:endParaRPr lang="en-CA" dirty="0"/>
           </a:p>
@@ -1247,7 +1245,7 @@
     </p:spTree>
     <p:extLst>
       <p:ext uri="{BB962C8B-B14F-4D97-AF65-F5344CB8AC3E}">
-        <p14:creationId xmlns:p14="http://schemas.microsoft.com/office/powerpoint/2010/main" val="210400451"/>
+        <p14:creationId xmlns:p14="http://schemas.microsoft.com/office/powerpoint/2010/main" xmlns="" val="210400451"/>
       </p:ext>
     </p:extLst>
   </p:cSld>
@@ -1334,7 +1332,7 @@
     </p:spTree>
     <p:extLst>
       <p:ext uri="{BB962C8B-B14F-4D97-AF65-F5344CB8AC3E}">
-        <p14:creationId xmlns:p14="http://schemas.microsoft.com/office/powerpoint/2010/main" val="573097354"/>
+        <p14:creationId xmlns:p14="http://schemas.microsoft.com/office/powerpoint/2010/main" xmlns="" val="573097354"/>
       </p:ext>
     </p:extLst>
   </p:cSld>
@@ -1526,7 +1524,7 @@
             <a:fld id="{574F1A96-3F81-4DB8-AC7E-AF17C81A9AD7}" type="datetimeFigureOut">
               <a:rPr lang="en-CA" smtClean="0"/>
               <a:pPr/>
-              <a:t>24/11/2014</a:t>
+              <a:t>25/11/2014</a:t>
             </a:fld>
             <a:endParaRPr lang="en-CA"/>
           </a:p>
@@ -1693,7 +1691,7 @@
             <a:fld id="{574F1A96-3F81-4DB8-AC7E-AF17C81A9AD7}" type="datetimeFigureOut">
               <a:rPr lang="en-CA" smtClean="0"/>
               <a:pPr/>
-              <a:t>24/11/2014</a:t>
+              <a:t>25/11/2014</a:t>
             </a:fld>
             <a:endParaRPr lang="en-CA"/>
           </a:p>
@@ -1870,7 +1868,7 @@
             <a:fld id="{574F1A96-3F81-4DB8-AC7E-AF17C81A9AD7}" type="datetimeFigureOut">
               <a:rPr lang="en-CA" smtClean="0"/>
               <a:pPr/>
-              <a:t>24/11/2014</a:t>
+              <a:t>25/11/2014</a:t>
             </a:fld>
             <a:endParaRPr lang="en-CA"/>
           </a:p>
@@ -2037,7 +2035,7 @@
             <a:fld id="{574F1A96-3F81-4DB8-AC7E-AF17C81A9AD7}" type="datetimeFigureOut">
               <a:rPr lang="en-CA" smtClean="0"/>
               <a:pPr/>
-              <a:t>24/11/2014</a:t>
+              <a:t>25/11/2014</a:t>
             </a:fld>
             <a:endParaRPr lang="en-CA"/>
           </a:p>
@@ -2280,7 +2278,7 @@
             <a:fld id="{574F1A96-3F81-4DB8-AC7E-AF17C81A9AD7}" type="datetimeFigureOut">
               <a:rPr lang="en-CA" smtClean="0"/>
               <a:pPr/>
-              <a:t>24/11/2014</a:t>
+              <a:t>25/11/2014</a:t>
             </a:fld>
             <a:endParaRPr lang="en-CA"/>
           </a:p>
@@ -2565,7 +2563,7 @@
             <a:fld id="{574F1A96-3F81-4DB8-AC7E-AF17C81A9AD7}" type="datetimeFigureOut">
               <a:rPr lang="en-CA" smtClean="0"/>
               <a:pPr/>
-              <a:t>24/11/2014</a:t>
+              <a:t>25/11/2014</a:t>
             </a:fld>
             <a:endParaRPr lang="en-CA"/>
           </a:p>
@@ -2984,7 +2982,7 @@
             <a:fld id="{574F1A96-3F81-4DB8-AC7E-AF17C81A9AD7}" type="datetimeFigureOut">
               <a:rPr lang="en-CA" smtClean="0"/>
               <a:pPr/>
-              <a:t>24/11/2014</a:t>
+              <a:t>25/11/2014</a:t>
             </a:fld>
             <a:endParaRPr lang="en-CA"/>
           </a:p>
@@ -3099,7 +3097,7 @@
             <a:fld id="{574F1A96-3F81-4DB8-AC7E-AF17C81A9AD7}" type="datetimeFigureOut">
               <a:rPr lang="en-CA" smtClean="0"/>
               <a:pPr/>
-              <a:t>24/11/2014</a:t>
+              <a:t>25/11/2014</a:t>
             </a:fld>
             <a:endParaRPr lang="en-CA"/>
           </a:p>
@@ -3191,7 +3189,7 @@
             <a:fld id="{574F1A96-3F81-4DB8-AC7E-AF17C81A9AD7}" type="datetimeFigureOut">
               <a:rPr lang="en-CA" smtClean="0"/>
               <a:pPr/>
-              <a:t>24/11/2014</a:t>
+              <a:t>25/11/2014</a:t>
             </a:fld>
             <a:endParaRPr lang="en-CA"/>
           </a:p>
@@ -3465,7 +3463,7 @@
             <a:fld id="{574F1A96-3F81-4DB8-AC7E-AF17C81A9AD7}" type="datetimeFigureOut">
               <a:rPr lang="en-CA" smtClean="0"/>
               <a:pPr/>
-              <a:t>24/11/2014</a:t>
+              <a:t>25/11/2014</a:t>
             </a:fld>
             <a:endParaRPr lang="en-CA"/>
           </a:p>
@@ -3715,7 +3713,7 @@
             <a:fld id="{574F1A96-3F81-4DB8-AC7E-AF17C81A9AD7}" type="datetimeFigureOut">
               <a:rPr lang="en-CA" smtClean="0"/>
               <a:pPr/>
-              <a:t>24/11/2014</a:t>
+              <a:t>25/11/2014</a:t>
             </a:fld>
             <a:endParaRPr lang="en-CA"/>
           </a:p>
@@ -3925,7 +3923,7 @@
             <a:fld id="{574F1A96-3F81-4DB8-AC7E-AF17C81A9AD7}" type="datetimeFigureOut">
               <a:rPr lang="en-CA" smtClean="0"/>
               <a:pPr/>
-              <a:t>24/11/2014</a:t>
+              <a:t>25/11/2014</a:t>
             </a:fld>
             <a:endParaRPr lang="en-CA"/>
           </a:p>
@@ -4478,14 +4476,7 @@
                 <a:latin typeface="Arial" pitchFamily="34" charset="0"/>
                 <a:cs typeface="Arial" pitchFamily="34" charset="0"/>
               </a:rPr>
-              <a:t>Prediction </a:t>
-            </a:r>
-            <a:r>
-              <a:rPr lang="en-CA" sz="4800" b="1" dirty="0" smtClean="0">
-                <a:latin typeface="Arial" pitchFamily="34" charset="0"/>
-                <a:cs typeface="Arial" pitchFamily="34" charset="0"/>
-              </a:rPr>
-              <a:t>Question</a:t>
+              <a:t>Prediction Question</a:t>
             </a:r>
             <a:endParaRPr lang="en-CA" sz="4800" b="1" dirty="0">
               <a:latin typeface="Arial" pitchFamily="34" charset="0"/>
@@ -4522,21 +4513,7 @@
                 <a:latin typeface="Arial" pitchFamily="34" charset="0"/>
                 <a:cs typeface="Arial" pitchFamily="34" charset="0"/>
               </a:rPr>
-              <a:t>Predict </a:t>
-            </a:r>
-            <a:r>
-              <a:rPr lang="en-CA" sz="3600" b="1" u="sng" dirty="0" smtClean="0">
-                <a:latin typeface="Arial" pitchFamily="34" charset="0"/>
-                <a:cs typeface="Arial" pitchFamily="34" charset="0"/>
-              </a:rPr>
-              <a:t>the selling price of </a:t>
-            </a:r>
-            <a:r>
-              <a:rPr lang="en-CA" sz="3600" b="1" u="sng" dirty="0" smtClean="0">
-                <a:latin typeface="Arial" pitchFamily="34" charset="0"/>
-                <a:cs typeface="Arial" pitchFamily="34" charset="0"/>
-              </a:rPr>
-              <a:t>properties</a:t>
+              <a:t>Predict the selling price of properties</a:t>
             </a:r>
           </a:p>
           <a:p>
@@ -4563,31 +4540,14 @@
                 <a:latin typeface="Arial" pitchFamily="34" charset="0"/>
                 <a:cs typeface="Arial" pitchFamily="34" charset="0"/>
               </a:rPr>
-              <a:t>Motivations</a:t>
-            </a:r>
-            <a:r>
-              <a:rPr lang="en-CA" sz="3600" b="1" dirty="0" smtClean="0">
-                <a:solidFill>
-                  <a:srgbClr val="FF0000"/>
-                </a:solidFill>
-                <a:latin typeface="Arial" pitchFamily="34" charset="0"/>
-                <a:cs typeface="Arial" pitchFamily="34" charset="0"/>
-              </a:rPr>
-              <a:t>:</a:t>
+              <a:t>Motivations:</a:t>
             </a:r>
             <a:r>
               <a:rPr lang="en-CA" sz="3600" b="1" dirty="0" smtClean="0">
                 <a:latin typeface="Arial" pitchFamily="34" charset="0"/>
                 <a:cs typeface="Arial" pitchFamily="34" charset="0"/>
               </a:rPr>
-              <a:t> Suggest </a:t>
-            </a:r>
-            <a:r>
-              <a:rPr lang="en-CA" sz="3600" b="1" dirty="0" smtClean="0">
-                <a:latin typeface="Arial" pitchFamily="34" charset="0"/>
-                <a:cs typeface="Arial" pitchFamily="34" charset="0"/>
-              </a:rPr>
-              <a:t>appropriate</a:t>
+              <a:t> Suggest appropriate</a:t>
             </a:r>
           </a:p>
           <a:p>
@@ -4600,21 +4560,7 @@
                 <a:latin typeface="Arial" pitchFamily="34" charset="0"/>
                 <a:cs typeface="Arial" pitchFamily="34" charset="0"/>
               </a:rPr>
-              <a:t>Selling </a:t>
-            </a:r>
-            <a:r>
-              <a:rPr lang="en-CA" sz="3600" b="1" dirty="0" smtClean="0">
-                <a:latin typeface="Arial" pitchFamily="34" charset="0"/>
-                <a:cs typeface="Arial" pitchFamily="34" charset="0"/>
-              </a:rPr>
-              <a:t>prices for the </a:t>
-            </a:r>
-            <a:r>
-              <a:rPr lang="en-CA" sz="3600" b="1" dirty="0" smtClean="0">
-                <a:latin typeface="Arial" pitchFamily="34" charset="0"/>
-                <a:cs typeface="Arial" pitchFamily="34" charset="0"/>
-              </a:rPr>
-              <a:t>sellers</a:t>
+              <a:t>Selling prices for the sellers</a:t>
             </a:r>
           </a:p>
           <a:p>
@@ -4627,26 +4573,8 @@
                 <a:latin typeface="Arial" pitchFamily="34" charset="0"/>
                 <a:cs typeface="Arial" pitchFamily="34" charset="0"/>
               </a:rPr>
-              <a:t>Buying </a:t>
-            </a:r>
-            <a:r>
-              <a:rPr lang="en-CA" sz="3600" b="1" dirty="0" smtClean="0">
-                <a:latin typeface="Arial" pitchFamily="34" charset="0"/>
-                <a:cs typeface="Arial" pitchFamily="34" charset="0"/>
-              </a:rPr>
-              <a:t>prices for the </a:t>
-            </a:r>
-            <a:r>
-              <a:rPr lang="en-CA" sz="3600" b="1" dirty="0" smtClean="0">
-                <a:latin typeface="Arial" pitchFamily="34" charset="0"/>
-                <a:cs typeface="Arial" pitchFamily="34" charset="0"/>
-              </a:rPr>
-              <a:t>buyers</a:t>
-            </a:r>
-            <a:endParaRPr lang="en-CA" sz="3600" b="1" dirty="0" smtClean="0">
-              <a:latin typeface="Arial" pitchFamily="34" charset="0"/>
-              <a:cs typeface="Arial" pitchFamily="34" charset="0"/>
-            </a:endParaRPr>
+              <a:t>Buying prices for the buyers</a:t>
+            </a:r>
           </a:p>
         </p:txBody>
       </p:sp>
@@ -4787,14 +4715,7 @@
                 <a:latin typeface="Arial" pitchFamily="34" charset="0"/>
                 <a:cs typeface="Arial" pitchFamily="34" charset="0"/>
               </a:rPr>
-              <a:t>: Location, Size, Property type, etc</a:t>
-            </a:r>
-            <a:r>
-              <a:rPr lang="en-CA" sz="2400" b="1" dirty="0" smtClean="0">
-                <a:latin typeface="Arial" pitchFamily="34" charset="0"/>
-                <a:cs typeface="Arial" pitchFamily="34" charset="0"/>
-              </a:rPr>
-              <a:t>.</a:t>
+              <a:t>: Location, Size, Property type, etc.</a:t>
             </a:r>
             <a:endParaRPr lang="en-CA" sz="2400" b="1" dirty="0">
               <a:latin typeface="Arial" pitchFamily="34" charset="0"/>
@@ -5047,14 +4968,23 @@
                 <a:latin typeface="Arial" pitchFamily="34" charset="0"/>
                 <a:cs typeface="Arial" pitchFamily="34" charset="0"/>
               </a:rPr>
-              <a:t> </a:t>
+              <a:t> of the prices</a:t>
+            </a:r>
+          </a:p>
+          <a:p>
+            <a:r>
+              <a:rPr lang="en-CA" sz="3600" b="1" dirty="0">
+                <a:latin typeface="Arial" pitchFamily="34" charset="0"/>
+                <a:cs typeface="Arial" pitchFamily="34" charset="0"/>
+              </a:rPr>
+              <a:t>	</a:t>
             </a:r>
             <a:r>
               <a:rPr lang="en-CA" sz="3600" b="1" dirty="0" smtClean="0">
                 <a:latin typeface="Arial" pitchFamily="34" charset="0"/>
                 <a:cs typeface="Arial" pitchFamily="34" charset="0"/>
               </a:rPr>
-              <a:t>of the prices</a:t>
+              <a:t>Linear and logistic regressions</a:t>
             </a:r>
           </a:p>
           <a:p>
@@ -5070,7 +5000,7 @@
                 <a:latin typeface="Arial" pitchFamily="34" charset="0"/>
                 <a:cs typeface="Arial" pitchFamily="34" charset="0"/>
               </a:rPr>
-              <a:t>Linear and logistic regressions</a:t>
+              <a:t>Random forest</a:t>
             </a:r>
           </a:p>
           <a:p>
@@ -5086,7 +5016,7 @@
                 <a:latin typeface="Arial" pitchFamily="34" charset="0"/>
                 <a:cs typeface="Arial" pitchFamily="34" charset="0"/>
               </a:rPr>
-              <a:t>Random forest</a:t>
+              <a:t>k-Nearest Neighbours</a:t>
             </a:r>
           </a:p>
           <a:p>
@@ -5102,34 +5032,7 @@
                 <a:latin typeface="Arial" pitchFamily="34" charset="0"/>
                 <a:cs typeface="Arial" pitchFamily="34" charset="0"/>
               </a:rPr>
-              <a:t>k-Nearest Neighbours</a:t>
-            </a:r>
-            <a:endParaRPr lang="en-CA" sz="3600" b="1" dirty="0" smtClean="0">
-              <a:latin typeface="Arial" pitchFamily="34" charset="0"/>
-              <a:cs typeface="Arial" pitchFamily="34" charset="0"/>
-            </a:endParaRPr>
-          </a:p>
-          <a:p>
-            <a:r>
-              <a:rPr lang="en-CA" sz="3600" b="1" dirty="0">
-                <a:latin typeface="Arial" pitchFamily="34" charset="0"/>
-                <a:cs typeface="Arial" pitchFamily="34" charset="0"/>
-              </a:rPr>
-              <a:t>	</a:t>
-            </a:r>
-            <a:r>
-              <a:rPr lang="en-CA" sz="3600" b="1" dirty="0" smtClean="0">
-                <a:latin typeface="Arial" pitchFamily="34" charset="0"/>
-                <a:cs typeface="Arial" pitchFamily="34" charset="0"/>
-              </a:rPr>
-              <a:t>Neural </a:t>
-            </a:r>
-            <a:r>
-              <a:rPr lang="en-CA" sz="3600" b="1" dirty="0" smtClean="0">
-                <a:latin typeface="Arial" pitchFamily="34" charset="0"/>
-                <a:cs typeface="Arial" pitchFamily="34" charset="0"/>
-              </a:rPr>
-              <a:t>Networks </a:t>
+              <a:t>Neural Networks </a:t>
             </a:r>
             <a:r>
               <a:rPr lang="en-CA" sz="1200" b="1" dirty="0" smtClean="0">
@@ -5138,10 +5041,6 @@
               </a:rPr>
               <a:t>(Quinlan 93)</a:t>
             </a:r>
-            <a:endParaRPr lang="en-CA" sz="1200" b="1" dirty="0" smtClean="0">
-              <a:latin typeface="Arial" pitchFamily="34" charset="0"/>
-              <a:cs typeface="Arial" pitchFamily="34" charset="0"/>
-            </a:endParaRPr>
           </a:p>
         </p:txBody>
       </p:sp>
@@ -5238,13 +5137,6 @@
           <a:p>
             <a:r>
               <a:rPr lang="en-CA" sz="2400" b="1" dirty="0" smtClean="0">
-                <a:latin typeface="Arial" pitchFamily="34" charset="0"/>
-                <a:cs typeface="Arial" pitchFamily="34" charset="0"/>
-              </a:rPr>
-              <a:t>1.  </a:t>
-            </a:r>
-            <a:r>
-              <a:rPr lang="en-CA" sz="2400" b="1" dirty="0" smtClean="0">
                 <a:solidFill>
                   <a:srgbClr val="FF0000"/>
                 </a:solidFill>
@@ -5258,7 +5150,14 @@
                 <a:latin typeface="Arial" pitchFamily="34" charset="0"/>
                 <a:cs typeface="Arial" pitchFamily="34" charset="0"/>
               </a:rPr>
-              <a:t> analysis of the prices</a:t>
+              <a:t> </a:t>
+            </a:r>
+            <a:r>
+              <a:rPr lang="en-CA" sz="2400" b="1" dirty="0" smtClean="0">
+                <a:latin typeface="Arial" pitchFamily="34" charset="0"/>
+                <a:cs typeface="Arial" pitchFamily="34" charset="0"/>
+              </a:rPr>
+              <a:t>analysis of the prices</a:t>
             </a:r>
           </a:p>
           <a:p>
@@ -5382,7 +5281,14 @@
                 <a:latin typeface="Arial" pitchFamily="34" charset="0"/>
                 <a:cs typeface="Arial" pitchFamily="34" charset="0"/>
               </a:rPr>
-              <a:t>RMSE within 0.97. </a:t>
+              <a:t>RMSE within </a:t>
+            </a:r>
+            <a:r>
+              <a:rPr lang="en-CA" sz="2400" b="1" dirty="0" smtClean="0">
+                <a:latin typeface="Arial" pitchFamily="34" charset="0"/>
+                <a:cs typeface="Arial" pitchFamily="34" charset="0"/>
+              </a:rPr>
+              <a:t>0.90. </a:t>
             </a:r>
             <a:r>
               <a:rPr lang="en-CA" sz="1200" b="1" dirty="0" smtClean="0">
@@ -5438,7 +5344,7 @@
     </p:spTree>
     <p:extLst>
       <p:ext uri="{BB962C8B-B14F-4D97-AF65-F5344CB8AC3E}">
-        <p14:creationId xmlns:p14="http://schemas.microsoft.com/office/powerpoint/2010/main" val="2230857771"/>
+        <p14:creationId xmlns:p14="http://schemas.microsoft.com/office/powerpoint/2010/main" xmlns="" val="2230857771"/>
       </p:ext>
     </p:extLst>
   </p:cSld>

--- a/presentation/DaveNissanEmil2014MachineLearning.pptx
+++ b/presentation/DaveNissanEmil2014MachineLearning.pptx
@@ -12,8 +12,8 @@
     <p:sldId id="257" r:id="rId3"/>
     <p:sldId id="259" r:id="rId4"/>
     <p:sldId id="260" r:id="rId5"/>
-    <p:sldId id="258" r:id="rId6"/>
-    <p:sldId id="262" r:id="rId7"/>
+    <p:sldId id="262" r:id="rId6"/>
+    <p:sldId id="258" r:id="rId7"/>
     <p:sldId id="261" r:id="rId8"/>
   </p:sldIdLst>
   <p:sldSz cx="9144000" cy="6858000" type="screen4x3"/>
@@ -115,7 +115,7 @@
   </p:defaultTextStyle>
   <p:extLst>
     <p:ext uri="{EFAFB233-063F-42B5-8137-9DF3F51BA10A}">
-      <p15:sldGuideLst xmlns:p15="http://schemas.microsoft.com/office/powerpoint/2012/main" xmlns="">
+      <p15:sldGuideLst xmlns:p15="http://schemas.microsoft.com/office/powerpoint/2012/main">
         <p15:guide id="1" orient="horz" pos="2160">
           <p15:clr>
             <a:srgbClr val="A4A3A4"/>
@@ -386,7 +386,7 @@
     </p:spTree>
     <p:extLst>
       <p:ext uri="{BB962C8B-B14F-4D97-AF65-F5344CB8AC3E}">
-        <p14:creationId xmlns:p14="http://schemas.microsoft.com/office/powerpoint/2010/main" xmlns="" val="3448995633"/>
+        <p14:creationId xmlns:p14="http://schemas.microsoft.com/office/powerpoint/2010/main" val="3448995633"/>
       </p:ext>
     </p:extLst>
   </p:cSld>
@@ -571,7 +571,7 @@
     </p:spTree>
     <p:extLst>
       <p:ext uri="{BB962C8B-B14F-4D97-AF65-F5344CB8AC3E}">
-        <p14:creationId xmlns:p14="http://schemas.microsoft.com/office/powerpoint/2010/main" xmlns="" val="1733972161"/>
+        <p14:creationId xmlns:p14="http://schemas.microsoft.com/office/powerpoint/2010/main" val="1733972161"/>
       </p:ext>
     </p:extLst>
   </p:cSld>
@@ -840,7 +840,7 @@
     </p:spTree>
     <p:extLst>
       <p:ext uri="{BB962C8B-B14F-4D97-AF65-F5344CB8AC3E}">
-        <p14:creationId xmlns:p14="http://schemas.microsoft.com/office/powerpoint/2010/main" xmlns="" val="3485329"/>
+        <p14:creationId xmlns:p14="http://schemas.microsoft.com/office/powerpoint/2010/main" val="3485329"/>
       </p:ext>
     </p:extLst>
   </p:cSld>
@@ -942,7 +942,7 @@
     </p:spTree>
     <p:extLst>
       <p:ext uri="{BB962C8B-B14F-4D97-AF65-F5344CB8AC3E}">
-        <p14:creationId xmlns:p14="http://schemas.microsoft.com/office/powerpoint/2010/main" xmlns="" val="3101789400"/>
+        <p14:creationId xmlns:p14="http://schemas.microsoft.com/office/powerpoint/2010/main" val="3101789400"/>
       </p:ext>
     </p:extLst>
   </p:cSld>
@@ -998,13 +998,31 @@
           </a:bodyPr>
           <a:lstStyle/>
           <a:p>
+            <a:endParaRPr lang="en-CA" dirty="0" smtClean="0"/>
+          </a:p>
+          <a:p>
+            <a:r>
+              <a:rPr lang="en-CA" dirty="0" smtClean="0"/>
+              <a:t>Bagging</a:t>
+            </a:r>
+            <a:r>
+              <a:rPr lang="en-CA" baseline="0" dirty="0" smtClean="0"/>
+              <a:t> with decision tree is the best results so far.</a:t>
+            </a:r>
+            <a:endParaRPr lang="en-CA" dirty="0" smtClean="0"/>
+          </a:p>
+          <a:p>
             <a:r>
               <a:rPr lang="en-CA" dirty="0" err="1" smtClean="0"/>
               <a:t>kNN</a:t>
             </a:r>
             <a:r>
               <a:rPr lang="en-CA" dirty="0" smtClean="0"/>
-              <a:t> is the most similar to the current</a:t>
+              <a:t> </a:t>
+            </a:r>
+            <a:r>
+              <a:rPr lang="en-CA" dirty="0" smtClean="0"/>
+              <a:t>is the most similar to the current</a:t>
             </a:r>
             <a:r>
               <a:rPr lang="en-CA" baseline="0" dirty="0" smtClean="0"/>
@@ -1041,7 +1059,7 @@
     </p:spTree>
     <p:extLst>
       <p:ext uri="{BB962C8B-B14F-4D97-AF65-F5344CB8AC3E}">
-        <p14:creationId xmlns:p14="http://schemas.microsoft.com/office/powerpoint/2010/main" xmlns="" val="928199445"/>
+        <p14:creationId xmlns:p14="http://schemas.microsoft.com/office/powerpoint/2010/main" val="928199445"/>
       </p:ext>
     </p:extLst>
   </p:cSld>
@@ -1099,11 +1117,27 @@
           <a:p>
             <a:r>
               <a:rPr lang="en-CA" dirty="0" smtClean="0"/>
-              <a:t>The variable</a:t>
+              <a:t>Sell</a:t>
             </a:r>
             <a:r>
               <a:rPr lang="en-CA" baseline="0" dirty="0" smtClean="0"/>
-              <a:t> that accounts for most of it. </a:t>
+              <a:t>ing broker is biased to have higher selling price.</a:t>
+            </a:r>
+          </a:p>
+          <a:p>
+            <a:r>
+              <a:rPr lang="en-CA" baseline="0" dirty="0" smtClean="0"/>
+              <a:t>Plot the </a:t>
+            </a:r>
+            <a:r>
+              <a:rPr lang="en-CA" baseline="0" dirty="0" smtClean="0"/>
+              <a:t>Predicted vs. actual.</a:t>
+            </a:r>
+          </a:p>
+          <a:p>
+            <a:r>
+              <a:rPr lang="en-CA" baseline="0" dirty="0" smtClean="0"/>
+              <a:t> </a:t>
             </a:r>
             <a:endParaRPr lang="en-CA" dirty="0"/>
           </a:p>
@@ -1136,7 +1170,7 @@
     </p:spTree>
     <p:extLst>
       <p:ext uri="{BB962C8B-B14F-4D97-AF65-F5344CB8AC3E}">
-        <p14:creationId xmlns:p14="http://schemas.microsoft.com/office/powerpoint/2010/main" xmlns="" val="3047244720"/>
+        <p14:creationId xmlns:p14="http://schemas.microsoft.com/office/powerpoint/2010/main" val="210400451"/>
       </p:ext>
     </p:extLst>
   </p:cSld>
@@ -1194,25 +1228,23 @@
           <a:p>
             <a:r>
               <a:rPr lang="en-CA" dirty="0" smtClean="0"/>
-              <a:t>Sell</a:t>
+              <a:t>The </a:t>
+            </a:r>
+            <a:r>
+              <a:rPr lang="en-CA" dirty="0" smtClean="0"/>
+              <a:t>variables</a:t>
             </a:r>
             <a:r>
               <a:rPr lang="en-CA" baseline="0" dirty="0" smtClean="0"/>
-              <a:t>ing broker is biased to have higher selling price</a:t>
+              <a:t> </a:t>
             </a:r>
             <a:r>
               <a:rPr lang="en-CA" baseline="0" dirty="0" smtClean="0"/>
-              <a:t>.</a:t>
-            </a:r>
-          </a:p>
-          <a:p>
+              <a:t>that accounts for most of </a:t>
+            </a:r>
             <a:r>
               <a:rPr lang="en-CA" baseline="0" dirty="0" smtClean="0"/>
-              <a:t>Plot the actual vs. </a:t>
-            </a:r>
-            <a:r>
-              <a:rPr lang="en-CA" baseline="0" smtClean="0"/>
-              <a:t>Predicted. </a:t>
+              <a:t>the variance are the number of washrooms and whether the property is in Westmount. So if you are a real estate developer in Montreal that wants to build expensive homes, then build a home with many bathrooms in Westmount</a:t>
             </a:r>
             <a:endParaRPr lang="en-CA" dirty="0"/>
           </a:p>
@@ -1245,7 +1277,7 @@
     </p:spTree>
     <p:extLst>
       <p:ext uri="{BB962C8B-B14F-4D97-AF65-F5344CB8AC3E}">
-        <p14:creationId xmlns:p14="http://schemas.microsoft.com/office/powerpoint/2010/main" xmlns="" val="210400451"/>
+        <p14:creationId xmlns:p14="http://schemas.microsoft.com/office/powerpoint/2010/main" val="3047244720"/>
       </p:ext>
     </p:extLst>
   </p:cSld>
@@ -1301,6 +1333,20 @@
           </a:bodyPr>
           <a:lstStyle/>
           <a:p>
+            <a:r>
+              <a:rPr lang="en-CA" dirty="0" smtClean="0"/>
+              <a:t>Still</a:t>
+            </a:r>
+            <a:r>
+              <a:rPr lang="en-CA" baseline="0" dirty="0" smtClean="0"/>
+              <a:t> a work in progress.</a:t>
+            </a:r>
+          </a:p>
+          <a:p>
+            <a:r>
+              <a:rPr lang="en-CA" baseline="0" dirty="0" smtClean="0"/>
+              <a:t>There are still features to be added into the dataset, since </a:t>
+            </a:r>
             <a:endParaRPr lang="en-CA" dirty="0"/>
           </a:p>
         </p:txBody>
@@ -1332,7 +1378,7 @@
     </p:spTree>
     <p:extLst>
       <p:ext uri="{BB962C8B-B14F-4D97-AF65-F5344CB8AC3E}">
-        <p14:creationId xmlns:p14="http://schemas.microsoft.com/office/powerpoint/2010/main" xmlns="" val="573097354"/>
+        <p14:creationId xmlns:p14="http://schemas.microsoft.com/office/powerpoint/2010/main" val="573097354"/>
       </p:ext>
     </p:extLst>
   </p:cSld>
@@ -5121,8 +5167,8 @@
         </p:nvSpPr>
         <p:spPr>
           <a:xfrm>
-            <a:off x="593794" y="1124744"/>
-            <a:ext cx="6833922" cy="830997"/>
+            <a:off x="395536" y="5919663"/>
+            <a:ext cx="8352928" cy="461665"/>
           </a:xfrm>
           <a:prstGeom prst="rect">
             <a:avLst/>
@@ -5130,7 +5176,7 @@
           <a:noFill/>
         </p:spPr>
         <p:txBody>
-          <a:bodyPr wrap="none" rtlCol="0">
+          <a:bodyPr wrap="square" rtlCol="0">
             <a:spAutoFit/>
           </a:bodyPr>
           <a:lstStyle/>
@@ -5143,13 +5189,20 @@
                 <a:latin typeface="Arial" pitchFamily="34" charset="0"/>
                 <a:cs typeface="Arial" pitchFamily="34" charset="0"/>
               </a:rPr>
-              <a:t>Regression</a:t>
+              <a:t>Goal: </a:t>
             </a:r>
             <a:r>
               <a:rPr lang="en-CA" sz="2400" b="1" dirty="0" smtClean="0">
                 <a:latin typeface="Arial" pitchFamily="34" charset="0"/>
                 <a:cs typeface="Arial" pitchFamily="34" charset="0"/>
               </a:rPr>
+              <a:t>Predict</a:t>
+            </a:r>
+            <a:r>
+              <a:rPr lang="en-CA" sz="2400" b="1" dirty="0" smtClean="0">
+                <a:latin typeface="Arial" pitchFamily="34" charset="0"/>
+                <a:cs typeface="Arial" pitchFamily="34" charset="0"/>
+              </a:rPr>
               <a:t> </a:t>
             </a:r>
             <a:r>
@@ -5157,18 +5210,37 @@
                 <a:latin typeface="Arial" pitchFamily="34" charset="0"/>
                 <a:cs typeface="Arial" pitchFamily="34" charset="0"/>
               </a:rPr>
-              <a:t>analysis of the prices</a:t>
-            </a:r>
-          </a:p>
-          <a:p>
+              <a:t>within </a:t>
+            </a:r>
             <a:r>
               <a:rPr lang="en-CA" sz="2400" b="1" dirty="0" smtClean="0">
                 <a:latin typeface="Arial" pitchFamily="34" charset="0"/>
                 <a:cs typeface="Arial" pitchFamily="34" charset="0"/>
               </a:rPr>
-              <a:t>	Location accounts for variance in price</a:t>
-            </a:r>
-            <a:endParaRPr lang="en-CA" sz="2400" b="1" dirty="0">
+              <a:t>0.95. </a:t>
+            </a:r>
+            <a:r>
+              <a:rPr lang="en-CA" sz="1200" b="1" dirty="0" smtClean="0">
+                <a:latin typeface="Arial" pitchFamily="34" charset="0"/>
+                <a:cs typeface="Arial" pitchFamily="34" charset="0"/>
+              </a:rPr>
+              <a:t>(</a:t>
+            </a:r>
+            <a:r>
+              <a:rPr lang="en-CA" sz="1200" b="1" dirty="0" err="1" smtClean="0">
+                <a:latin typeface="Arial" pitchFamily="34" charset="0"/>
+                <a:cs typeface="Arial" pitchFamily="34" charset="0"/>
+              </a:rPr>
+              <a:t>Caplin</a:t>
+            </a:r>
+            <a:r>
+              <a:rPr lang="en-CA" sz="1200" b="1" dirty="0" smtClean="0">
+                <a:latin typeface="Arial" pitchFamily="34" charset="0"/>
+                <a:cs typeface="Arial" pitchFamily="34" charset="0"/>
+              </a:rPr>
+              <a:t> et al. 08)</a:t>
+            </a:r>
+            <a:endParaRPr lang="en-CA" sz="1200" b="1" dirty="0">
               <a:latin typeface="Arial" pitchFamily="34" charset="0"/>
               <a:cs typeface="Arial" pitchFamily="34" charset="0"/>
             </a:endParaRPr>
@@ -5212,7 +5284,72 @@
           </a:p>
         </p:txBody>
       </p:sp>
+      <p:pic>
+        <p:nvPicPr>
+          <p:cNvPr id="2" name="Picture 1"/>
+          <p:cNvPicPr>
+            <a:picLocks noChangeAspect="1"/>
+          </p:cNvPicPr>
+          <p:nvPr/>
+        </p:nvPicPr>
+        <p:blipFill>
+          <a:blip r:embed="rId3"/>
+          <a:stretch>
+            <a:fillRect/>
+          </a:stretch>
+        </p:blipFill>
+        <p:spPr>
+          <a:xfrm>
+            <a:off x="467544" y="908720"/>
+            <a:ext cx="6400800" cy="4795483"/>
+          </a:xfrm>
+          <a:prstGeom prst="rect">
+            <a:avLst/>
+          </a:prstGeom>
+        </p:spPr>
+      </p:pic>
+      <p:sp>
+        <p:nvSpPr>
+          <p:cNvPr id="3" name="TextBox 2"/>
+          <p:cNvSpPr txBox="1"/>
+          <p:nvPr/>
+        </p:nvSpPr>
+        <p:spPr>
+          <a:xfrm>
+            <a:off x="6444208" y="2492896"/>
+            <a:ext cx="1944216" cy="1200329"/>
+          </a:xfrm>
+          <a:prstGeom prst="rect">
+            <a:avLst/>
+          </a:prstGeom>
+          <a:noFill/>
+        </p:spPr>
+        <p:txBody>
+          <a:bodyPr wrap="square" rtlCol="0">
+            <a:spAutoFit/>
+          </a:bodyPr>
+          <a:lstStyle/>
+          <a:p>
+            <a:r>
+              <a:rPr lang="en-US" sz="2400" b="1" dirty="0" smtClean="0">
+                <a:latin typeface="Arial" panose="020B0604020202020204" pitchFamily="34" charset="0"/>
+                <a:cs typeface="Arial" panose="020B0604020202020204" pitchFamily="34" charset="0"/>
+              </a:rPr>
+              <a:t>Currently at 0.87 of actual price</a:t>
+            </a:r>
+            <a:endParaRPr lang="en-US" sz="2400" b="1" dirty="0">
+              <a:latin typeface="Arial" panose="020B0604020202020204" pitchFamily="34" charset="0"/>
+              <a:cs typeface="Arial" panose="020B0604020202020204" pitchFamily="34" charset="0"/>
+            </a:endParaRPr>
+          </a:p>
+        </p:txBody>
+      </p:sp>
     </p:spTree>
+    <p:extLst>
+      <p:ext uri="{BB962C8B-B14F-4D97-AF65-F5344CB8AC3E}">
+        <p14:creationId xmlns:p14="http://schemas.microsoft.com/office/powerpoint/2010/main" val="2230857771"/>
+      </p:ext>
+    </p:extLst>
   </p:cSld>
   <p:clrMapOvr>
     <a:masterClrMapping/>
@@ -5252,8 +5389,8 @@
         </p:nvSpPr>
         <p:spPr>
           <a:xfrm>
-            <a:off x="395536" y="5919663"/>
-            <a:ext cx="8352928" cy="461665"/>
+            <a:off x="881827" y="1931348"/>
+            <a:ext cx="8010653" cy="3416320"/>
           </a:xfrm>
           <a:prstGeom prst="rect">
             <a:avLst/>
@@ -5267,37 +5404,88 @@
           <a:lstStyle/>
           <a:p>
             <a:r>
-              <a:rPr lang="en-CA" sz="2400" b="1" dirty="0" smtClean="0">
+              <a:rPr lang="en-CA" sz="3600" b="1" dirty="0" smtClean="0">
                 <a:solidFill>
                   <a:srgbClr val="FF0000"/>
                 </a:solidFill>
                 <a:latin typeface="Arial" pitchFamily="34" charset="0"/>
                 <a:cs typeface="Arial" pitchFamily="34" charset="0"/>
               </a:rPr>
-              <a:t>Goal: </a:t>
-            </a:r>
-            <a:r>
-              <a:rPr lang="en-CA" sz="2400" b="1" dirty="0" smtClean="0">
-                <a:latin typeface="Arial" pitchFamily="34" charset="0"/>
-                <a:cs typeface="Arial" pitchFamily="34" charset="0"/>
-              </a:rPr>
-              <a:t>RMSE within </a:t>
-            </a:r>
-            <a:r>
-              <a:rPr lang="en-CA" sz="2400" b="1" dirty="0" smtClean="0">
-                <a:latin typeface="Arial" pitchFamily="34" charset="0"/>
-                <a:cs typeface="Arial" pitchFamily="34" charset="0"/>
-              </a:rPr>
-              <a:t>0.90. </a:t>
-            </a:r>
-            <a:r>
-              <a:rPr lang="en-CA" sz="1200" b="1" dirty="0" smtClean="0">
-                <a:latin typeface="Arial" pitchFamily="34" charset="0"/>
-                <a:cs typeface="Arial" pitchFamily="34" charset="0"/>
-              </a:rPr>
-              <a:t>(Note on average final deal is 97% of selling price)</a:t>
-            </a:r>
-            <a:endParaRPr lang="en-CA" sz="1200" b="1" dirty="0">
+              <a:t>Regression</a:t>
+            </a:r>
+            <a:r>
+              <a:rPr lang="en-CA" sz="3600" b="1" dirty="0" smtClean="0">
+                <a:latin typeface="Arial" pitchFamily="34" charset="0"/>
+                <a:cs typeface="Arial" pitchFamily="34" charset="0"/>
+              </a:rPr>
+              <a:t> analysis of the prices</a:t>
+            </a:r>
+          </a:p>
+          <a:p>
+            <a:r>
+              <a:rPr lang="en-CA" sz="3600" b="1" dirty="0" smtClean="0">
+                <a:latin typeface="Arial" pitchFamily="34" charset="0"/>
+                <a:cs typeface="Arial" pitchFamily="34" charset="0"/>
+              </a:rPr>
+              <a:t>	</a:t>
+            </a:r>
+            <a:r>
+              <a:rPr lang="en-CA" sz="3600" b="1" dirty="0" smtClean="0">
+                <a:latin typeface="Arial" pitchFamily="34" charset="0"/>
+                <a:cs typeface="Arial" pitchFamily="34" charset="0"/>
+              </a:rPr>
+              <a:t>So far, the number of rooms (bathrooms) and</a:t>
+            </a:r>
+            <a:r>
+              <a:rPr lang="en-CA" sz="3600" b="1" dirty="0" smtClean="0">
+                <a:latin typeface="Arial" pitchFamily="34" charset="0"/>
+                <a:cs typeface="Arial" pitchFamily="34" charset="0"/>
+              </a:rPr>
+              <a:t> geographical </a:t>
+            </a:r>
+            <a:r>
+              <a:rPr lang="en-CA" sz="3600" b="1" dirty="0">
+                <a:latin typeface="Arial" pitchFamily="34" charset="0"/>
+                <a:cs typeface="Arial" pitchFamily="34" charset="0"/>
+              </a:rPr>
+              <a:t>l</a:t>
+            </a:r>
+            <a:r>
+              <a:rPr lang="en-CA" sz="3600" b="1" dirty="0" smtClean="0">
+                <a:latin typeface="Arial" pitchFamily="34" charset="0"/>
+                <a:cs typeface="Arial" pitchFamily="34" charset="0"/>
+              </a:rPr>
+              <a:t>ocation (being in Westmount) account </a:t>
+            </a:r>
+            <a:r>
+              <a:rPr lang="en-CA" sz="3600" b="1" dirty="0" smtClean="0">
+                <a:latin typeface="Arial" pitchFamily="34" charset="0"/>
+                <a:cs typeface="Arial" pitchFamily="34" charset="0"/>
+              </a:rPr>
+              <a:t>for </a:t>
+            </a:r>
+            <a:r>
+              <a:rPr lang="en-CA" sz="3600" b="1" dirty="0" smtClean="0">
+                <a:latin typeface="Arial" pitchFamily="34" charset="0"/>
+                <a:cs typeface="Arial" pitchFamily="34" charset="0"/>
+              </a:rPr>
+              <a:t>the most of the variance </a:t>
+            </a:r>
+            <a:r>
+              <a:rPr lang="en-CA" sz="3600" b="1" dirty="0" smtClean="0">
+                <a:latin typeface="Arial" pitchFamily="34" charset="0"/>
+                <a:cs typeface="Arial" pitchFamily="34" charset="0"/>
+              </a:rPr>
+              <a:t>in </a:t>
+            </a:r>
+            <a:r>
+              <a:rPr lang="en-CA" sz="3600" b="1" dirty="0" smtClean="0">
+                <a:latin typeface="Arial" pitchFamily="34" charset="0"/>
+                <a:cs typeface="Arial" pitchFamily="34" charset="0"/>
+              </a:rPr>
+              <a:t>price.</a:t>
+            </a:r>
+            <a:endParaRPr lang="en-CA" sz="3600" b="1" dirty="0">
               <a:latin typeface="Arial" pitchFamily="34" charset="0"/>
               <a:cs typeface="Arial" pitchFamily="34" charset="0"/>
             </a:endParaRPr>
@@ -5312,8 +5500,8 @@
         </p:nvSpPr>
         <p:spPr>
           <a:xfrm>
-            <a:off x="179512" y="262389"/>
-            <a:ext cx="8784976" cy="646331"/>
+            <a:off x="179512" y="622429"/>
+            <a:ext cx="8784976" cy="830997"/>
           </a:xfrm>
           <a:prstGeom prst="rect">
             <a:avLst/>
@@ -5328,13 +5516,13 @@
           <a:p>
             <a:pPr algn="ctr"/>
             <a:r>
-              <a:rPr lang="en-CA" sz="3600" b="1" dirty="0" smtClean="0">
+              <a:rPr lang="en-CA" sz="4800" b="1" dirty="0" smtClean="0">
                 <a:latin typeface="Arial" pitchFamily="34" charset="0"/>
                 <a:cs typeface="Arial" pitchFamily="34" charset="0"/>
               </a:rPr>
               <a:t>Preliminary Results</a:t>
             </a:r>
-            <a:endParaRPr lang="en-CA" sz="3600" b="1" dirty="0">
+            <a:endParaRPr lang="en-CA" sz="4800" b="1" dirty="0">
               <a:latin typeface="Arial" pitchFamily="34" charset="0"/>
               <a:cs typeface="Arial" pitchFamily="34" charset="0"/>
             </a:endParaRPr>
@@ -5342,11 +5530,6 @@
         </p:txBody>
       </p:sp>
     </p:spTree>
-    <p:extLst>
-      <p:ext uri="{BB962C8B-B14F-4D97-AF65-F5344CB8AC3E}">
-        <p14:creationId xmlns:p14="http://schemas.microsoft.com/office/powerpoint/2010/main" xmlns="" val="2230857771"/>
-      </p:ext>
-    </p:extLst>
   </p:cSld>
   <p:clrMapOvr>
     <a:masterClrMapping/>
@@ -5386,8 +5569,8 @@
         </p:nvSpPr>
         <p:spPr>
           <a:xfrm>
-            <a:off x="467544" y="1052736"/>
-            <a:ext cx="8280920" cy="830997"/>
+            <a:off x="467544" y="1803588"/>
+            <a:ext cx="8280920" cy="3785652"/>
           </a:xfrm>
           <a:prstGeom prst="rect">
             <a:avLst/>
@@ -5400,18 +5583,119 @@
           </a:bodyPr>
           <a:lstStyle/>
           <a:p>
+            <a:pPr marL="342900" indent="-342900">
+              <a:buFont typeface="Arial" panose="020B0604020202020204" pitchFamily="34" charset="0"/>
+              <a:buChar char="•"/>
+            </a:pPr>
             <a:r>
               <a:rPr lang="en-CA" sz="2400" b="1" dirty="0" smtClean="0">
                 <a:latin typeface="Arial" pitchFamily="34" charset="0"/>
                 <a:cs typeface="Arial" pitchFamily="34" charset="0"/>
               </a:rPr>
-              <a:t>Incorporate data from Statistics Canada based on the defined Montreal boroughs</a:t>
-            </a:r>
+              <a:t>Incorporate </a:t>
+            </a:r>
+            <a:r>
+              <a:rPr lang="en-CA" sz="2400" b="1" dirty="0" smtClean="0">
+                <a:latin typeface="Arial" pitchFamily="34" charset="0"/>
+                <a:cs typeface="Arial" pitchFamily="34" charset="0"/>
+              </a:rPr>
+              <a:t>data from Statistics Canada based on the defined Montreal </a:t>
+            </a:r>
+            <a:r>
+              <a:rPr lang="en-CA" sz="2400" b="1" dirty="0" smtClean="0">
+                <a:latin typeface="Arial" pitchFamily="34" charset="0"/>
+                <a:cs typeface="Arial" pitchFamily="34" charset="0"/>
+              </a:rPr>
+              <a:t>boroughs</a:t>
+            </a:r>
+          </a:p>
+          <a:p>
+            <a:pPr marL="342900" indent="-342900">
+              <a:buFont typeface="Arial" panose="020B0604020202020204" pitchFamily="34" charset="0"/>
+              <a:buChar char="•"/>
+            </a:pPr>
             <a:endParaRPr lang="en-CA" sz="2400" b="1" dirty="0">
               <a:latin typeface="Arial" pitchFamily="34" charset="0"/>
               <a:cs typeface="Arial" pitchFamily="34" charset="0"/>
             </a:endParaRPr>
           </a:p>
+          <a:p>
+            <a:pPr marL="342900" indent="-342900">
+              <a:buFont typeface="Arial" panose="020B0604020202020204" pitchFamily="34" charset="0"/>
+              <a:buChar char="•"/>
+            </a:pPr>
+            <a:r>
+              <a:rPr lang="en-CA" sz="2400" b="1" dirty="0" smtClean="0">
+                <a:latin typeface="Arial" pitchFamily="34" charset="0"/>
+                <a:cs typeface="Arial" pitchFamily="34" charset="0"/>
+              </a:rPr>
+              <a:t>Looking at temporal trends pending on the availability of data</a:t>
+            </a:r>
+          </a:p>
+          <a:p>
+            <a:pPr marL="342900" indent="-342900">
+              <a:buFont typeface="Arial" panose="020B0604020202020204" pitchFamily="34" charset="0"/>
+              <a:buChar char="•"/>
+            </a:pPr>
+            <a:endParaRPr lang="en-CA" sz="2400" b="1" dirty="0">
+              <a:latin typeface="Arial" pitchFamily="34" charset="0"/>
+              <a:cs typeface="Arial" pitchFamily="34" charset="0"/>
+            </a:endParaRPr>
+          </a:p>
+          <a:p>
+            <a:pPr marL="342900" indent="-342900">
+              <a:buFont typeface="Arial" panose="020B0604020202020204" pitchFamily="34" charset="0"/>
+              <a:buChar char="•"/>
+            </a:pPr>
+            <a:r>
+              <a:rPr lang="en-CA" sz="2400" b="1" dirty="0" smtClean="0">
+                <a:latin typeface="Arial" pitchFamily="34" charset="0"/>
+                <a:cs typeface="Arial" pitchFamily="34" charset="0"/>
+              </a:rPr>
+              <a:t>Implement additional features such as higher order terms and their interactions </a:t>
+            </a:r>
+            <a:r>
+              <a:rPr lang="en-CA" sz="1200" b="1" dirty="0" smtClean="0">
+                <a:latin typeface="Arial" pitchFamily="34" charset="0"/>
+                <a:cs typeface="Arial" pitchFamily="34" charset="0"/>
+              </a:rPr>
+              <a:t>(Boston housing price dataset)</a:t>
+            </a:r>
+          </a:p>
+          <a:p>
+            <a:pPr marL="342900" indent="-342900">
+              <a:buFont typeface="Arial" panose="020B0604020202020204" pitchFamily="34" charset="0"/>
+              <a:buChar char="•"/>
+            </a:pPr>
+            <a:endParaRPr lang="en-CA" sz="2400" b="1" dirty="0">
+              <a:latin typeface="Arial" pitchFamily="34" charset="0"/>
+              <a:cs typeface="Arial" pitchFamily="34" charset="0"/>
+            </a:endParaRPr>
+          </a:p>
+          <a:p>
+            <a:pPr marL="342900" indent="-342900">
+              <a:buFont typeface="Arial" panose="020B0604020202020204" pitchFamily="34" charset="0"/>
+              <a:buChar char="•"/>
+            </a:pPr>
+            <a:r>
+              <a:rPr lang="en-CA" sz="2400" b="1" dirty="0" smtClean="0">
+                <a:latin typeface="Arial" pitchFamily="34" charset="0"/>
+                <a:cs typeface="Arial" pitchFamily="34" charset="0"/>
+              </a:rPr>
+              <a:t>Implement neural network for regression </a:t>
+            </a:r>
+            <a:r>
+              <a:rPr lang="en-CA" sz="1200" b="1" dirty="0" smtClean="0">
+                <a:latin typeface="Arial" pitchFamily="34" charset="0"/>
+                <a:cs typeface="Arial" pitchFamily="34" charset="0"/>
+              </a:rPr>
+              <a:t>(Quinlan 93)</a:t>
+            </a:r>
+            <a:endParaRPr lang="en-CA" sz="1200" b="1" dirty="0">
+              <a:latin typeface="Arial" pitchFamily="34" charset="0"/>
+              <a:cs typeface="Arial" pitchFamily="34" charset="0"/>
+            </a:endParaRPr>
+          </a:p>
         </p:txBody>
       </p:sp>
       <p:sp>
@@ -5422,7 +5706,7 @@
         </p:nvSpPr>
         <p:spPr>
           <a:xfrm>
-            <a:off x="179512" y="260648"/>
+            <a:off x="179512" y="620688"/>
             <a:ext cx="8784976" cy="646331"/>
           </a:xfrm>
           <a:prstGeom prst="rect">

--- a/presentation/DaveNissanEmil2014MachineLearning.pptx
+++ b/presentation/DaveNissanEmil2014MachineLearning.pptx
@@ -1018,11 +1018,7 @@
             </a:r>
             <a:r>
               <a:rPr lang="en-CA" dirty="0" smtClean="0"/>
-              <a:t> </a:t>
-            </a:r>
-            <a:r>
-              <a:rPr lang="en-CA" dirty="0" smtClean="0"/>
-              <a:t>is the most similar to the current</a:t>
+              <a:t> is the most similar to the current</a:t>
             </a:r>
             <a:r>
               <a:rPr lang="en-CA" baseline="0" dirty="0" smtClean="0"/>
@@ -1127,11 +1123,7 @@
           <a:p>
             <a:r>
               <a:rPr lang="en-CA" baseline="0" dirty="0" smtClean="0"/>
-              <a:t>Plot the </a:t>
-            </a:r>
-            <a:r>
-              <a:rPr lang="en-CA" baseline="0" dirty="0" smtClean="0"/>
-              <a:t>Predicted vs. actual.</a:t>
+              <a:t>Plot the Predicted vs. actual.</a:t>
             </a:r>
           </a:p>
           <a:p>
@@ -1228,23 +1220,11 @@
           <a:p>
             <a:r>
               <a:rPr lang="en-CA" dirty="0" smtClean="0"/>
-              <a:t>The </a:t>
-            </a:r>
-            <a:r>
-              <a:rPr lang="en-CA" dirty="0" smtClean="0"/>
-              <a:t>variables</a:t>
+              <a:t>The variables</a:t>
             </a:r>
             <a:r>
               <a:rPr lang="en-CA" baseline="0" dirty="0" smtClean="0"/>
-              <a:t> </a:t>
-            </a:r>
-            <a:r>
-              <a:rPr lang="en-CA" baseline="0" dirty="0" smtClean="0"/>
-              <a:t>that accounts for most of </a:t>
-            </a:r>
-            <a:r>
-              <a:rPr lang="en-CA" baseline="0" dirty="0" smtClean="0"/>
-              <a:t>the variance are the number of washrooms and whether the property is in Westmount. So if you are a real estate developer in Montreal that wants to build expensive homes, then build a home with many bathrooms in Westmount</a:t>
+              <a:t> that accounts for most of the variance are the number of washrooms and whether the property is in Westmount. So if you are a real estate developer in Montreal that wants to build expensive homes, then build a home with many bathrooms in Westmount</a:t>
             </a:r>
             <a:endParaRPr lang="en-CA" dirty="0"/>
           </a:p>
@@ -5196,28 +5176,7 @@
                 <a:latin typeface="Arial" pitchFamily="34" charset="0"/>
                 <a:cs typeface="Arial" pitchFamily="34" charset="0"/>
               </a:rPr>
-              <a:t>Predict</a:t>
-            </a:r>
-            <a:r>
-              <a:rPr lang="en-CA" sz="2400" b="1" dirty="0" smtClean="0">
-                <a:latin typeface="Arial" pitchFamily="34" charset="0"/>
-                <a:cs typeface="Arial" pitchFamily="34" charset="0"/>
-              </a:rPr>
-              <a:t> </a:t>
-            </a:r>
-            <a:r>
-              <a:rPr lang="en-CA" sz="2400" b="1" dirty="0" smtClean="0">
-                <a:latin typeface="Arial" pitchFamily="34" charset="0"/>
-                <a:cs typeface="Arial" pitchFamily="34" charset="0"/>
-              </a:rPr>
-              <a:t>within </a:t>
-            </a:r>
-            <a:r>
-              <a:rPr lang="en-CA" sz="2400" b="1" dirty="0" smtClean="0">
-                <a:latin typeface="Arial" pitchFamily="34" charset="0"/>
-                <a:cs typeface="Arial" pitchFamily="34" charset="0"/>
-              </a:rPr>
-              <a:t>0.95. </a:t>
+              <a:t>Predict within 0.95. </a:t>
             </a:r>
             <a:r>
               <a:rPr lang="en-CA" sz="1200" b="1" dirty="0" smtClean="0">
@@ -5389,8 +5348,8 @@
         </p:nvSpPr>
         <p:spPr>
           <a:xfrm>
-            <a:off x="881827" y="1931348"/>
-            <a:ext cx="8010653" cy="3416320"/>
+            <a:off x="611560" y="4010288"/>
+            <a:ext cx="8064895" cy="1938992"/>
           </a:xfrm>
           <a:prstGeom prst="rect">
             <a:avLst/>
@@ -5404,7 +5363,7 @@
           <a:lstStyle/>
           <a:p>
             <a:r>
-              <a:rPr lang="en-CA" sz="3600" b="1" dirty="0" smtClean="0">
+              <a:rPr lang="en-CA" sz="2400" b="1" dirty="0" smtClean="0">
                 <a:solidFill>
                   <a:srgbClr val="FF0000"/>
                 </a:solidFill>
@@ -5414,82 +5373,53 @@
               <a:t>Regression</a:t>
             </a:r>
             <a:r>
-              <a:rPr lang="en-CA" sz="3600" b="1" dirty="0" smtClean="0">
+              <a:rPr lang="en-CA" sz="2400" b="1" dirty="0" smtClean="0">
                 <a:latin typeface="Arial" pitchFamily="34" charset="0"/>
                 <a:cs typeface="Arial" pitchFamily="34" charset="0"/>
               </a:rPr>
-              <a:t> analysis of the prices</a:t>
-            </a:r>
-          </a:p>
-          <a:p>
-            <a:r>
-              <a:rPr lang="en-CA" sz="3600" b="1" dirty="0" smtClean="0">
+              <a:t> analysis of the </a:t>
+            </a:r>
+            <a:r>
+              <a:rPr lang="en-CA" sz="2400" b="1" dirty="0" smtClean="0">
                 <a:latin typeface="Arial" pitchFamily="34" charset="0"/>
                 <a:cs typeface="Arial" pitchFamily="34" charset="0"/>
               </a:rPr>
-              <a:t>	</a:t>
-            </a:r>
-            <a:r>
-              <a:rPr lang="en-CA" sz="3600" b="1" dirty="0" smtClean="0">
-                <a:latin typeface="Arial" pitchFamily="34" charset="0"/>
-                <a:cs typeface="Arial" pitchFamily="34" charset="0"/>
-              </a:rPr>
-              <a:t>So far, the number of rooms (bathrooms) and</a:t>
-            </a:r>
-            <a:r>
-              <a:rPr lang="en-CA" sz="3600" b="1" dirty="0" smtClean="0">
-                <a:latin typeface="Arial" pitchFamily="34" charset="0"/>
-                <a:cs typeface="Arial" pitchFamily="34" charset="0"/>
-              </a:rPr>
-              <a:t> geographical </a:t>
-            </a:r>
-            <a:r>
-              <a:rPr lang="en-CA" sz="3600" b="1" dirty="0">
-                <a:latin typeface="Arial" pitchFamily="34" charset="0"/>
-                <a:cs typeface="Arial" pitchFamily="34" charset="0"/>
-              </a:rPr>
-              <a:t>l</a:t>
-            </a:r>
-            <a:r>
-              <a:rPr lang="en-CA" sz="3600" b="1" dirty="0" smtClean="0">
-                <a:latin typeface="Arial" pitchFamily="34" charset="0"/>
-                <a:cs typeface="Arial" pitchFamily="34" charset="0"/>
-              </a:rPr>
-              <a:t>ocation (being in Westmount) account </a:t>
-            </a:r>
-            <a:r>
-              <a:rPr lang="en-CA" sz="3600" b="1" dirty="0" smtClean="0">
-                <a:latin typeface="Arial" pitchFamily="34" charset="0"/>
-                <a:cs typeface="Arial" pitchFamily="34" charset="0"/>
-              </a:rPr>
-              <a:t>for </a:t>
-            </a:r>
-            <a:r>
-              <a:rPr lang="en-CA" sz="3600" b="1" dirty="0" smtClean="0">
-                <a:latin typeface="Arial" pitchFamily="34" charset="0"/>
-                <a:cs typeface="Arial" pitchFamily="34" charset="0"/>
-              </a:rPr>
-              <a:t>the most of the variance </a:t>
-            </a:r>
-            <a:r>
-              <a:rPr lang="en-CA" sz="3600" b="1" dirty="0" smtClean="0">
-                <a:latin typeface="Arial" pitchFamily="34" charset="0"/>
-                <a:cs typeface="Arial" pitchFamily="34" charset="0"/>
-              </a:rPr>
-              <a:t>in </a:t>
-            </a:r>
-            <a:r>
-              <a:rPr lang="en-CA" sz="3600" b="1" dirty="0" smtClean="0">
-                <a:latin typeface="Arial" pitchFamily="34" charset="0"/>
-                <a:cs typeface="Arial" pitchFamily="34" charset="0"/>
-              </a:rPr>
-              <a:t>price.</a:t>
-            </a:r>
-            <a:endParaRPr lang="en-CA" sz="3600" b="1" dirty="0">
+              <a:t>prices</a:t>
+            </a:r>
+          </a:p>
+          <a:p>
+            <a:endParaRPr lang="en-CA" sz="2400" b="1" dirty="0" smtClean="0">
               <a:latin typeface="Arial" pitchFamily="34" charset="0"/>
               <a:cs typeface="Arial" pitchFamily="34" charset="0"/>
             </a:endParaRPr>
           </a:p>
+          <a:p>
+            <a:r>
+              <a:rPr lang="en-CA" sz="2400" b="1" dirty="0" smtClean="0">
+                <a:latin typeface="Arial" pitchFamily="34" charset="0"/>
+                <a:cs typeface="Arial" pitchFamily="34" charset="0"/>
+              </a:rPr>
+              <a:t>	So far, the number of rooms (bathrooms) and geographical </a:t>
+            </a:r>
+            <a:r>
+              <a:rPr lang="en-CA" sz="2400" b="1" dirty="0">
+                <a:latin typeface="Arial" pitchFamily="34" charset="0"/>
+                <a:cs typeface="Arial" pitchFamily="34" charset="0"/>
+              </a:rPr>
+              <a:t>l</a:t>
+            </a:r>
+            <a:r>
+              <a:rPr lang="en-CA" sz="2400" b="1" dirty="0" smtClean="0">
+                <a:latin typeface="Arial" pitchFamily="34" charset="0"/>
+                <a:cs typeface="Arial" pitchFamily="34" charset="0"/>
+              </a:rPr>
+              <a:t>ocation (being in Westmount) account for the most of the variance in price.</a:t>
+            </a:r>
+            <a:endParaRPr lang="en-CA" sz="2400" b="1" dirty="0">
+              <a:latin typeface="Arial" pitchFamily="34" charset="0"/>
+              <a:cs typeface="Arial" pitchFamily="34" charset="0"/>
+            </a:endParaRPr>
+          </a:p>
         </p:txBody>
       </p:sp>
       <p:sp>
@@ -5500,8 +5430,8 @@
         </p:nvSpPr>
         <p:spPr>
           <a:xfrm>
-            <a:off x="179512" y="622429"/>
-            <a:ext cx="8784976" cy="830997"/>
+            <a:off x="179512" y="550421"/>
+            <a:ext cx="8784976" cy="646331"/>
           </a:xfrm>
           <a:prstGeom prst="rect">
             <a:avLst/>
@@ -5516,19 +5446,43 @@
           <a:p>
             <a:pPr algn="ctr"/>
             <a:r>
-              <a:rPr lang="en-CA" sz="4800" b="1" dirty="0" smtClean="0">
+              <a:rPr lang="en-CA" sz="3600" b="1" dirty="0" smtClean="0">
                 <a:latin typeface="Arial" pitchFamily="34" charset="0"/>
                 <a:cs typeface="Arial" pitchFamily="34" charset="0"/>
               </a:rPr>
               <a:t>Preliminary Results</a:t>
             </a:r>
-            <a:endParaRPr lang="en-CA" sz="4800" b="1" dirty="0">
+            <a:endParaRPr lang="en-CA" sz="3600" b="1" dirty="0">
               <a:latin typeface="Arial" pitchFamily="34" charset="0"/>
               <a:cs typeface="Arial" pitchFamily="34" charset="0"/>
             </a:endParaRPr>
           </a:p>
         </p:txBody>
       </p:sp>
+      <p:pic>
+        <p:nvPicPr>
+          <p:cNvPr id="2" name="Picture 1"/>
+          <p:cNvPicPr>
+            <a:picLocks noChangeAspect="1"/>
+          </p:cNvPicPr>
+          <p:nvPr/>
+        </p:nvPicPr>
+        <p:blipFill>
+          <a:blip r:embed="rId3"/>
+          <a:stretch>
+            <a:fillRect/>
+          </a:stretch>
+        </p:blipFill>
+        <p:spPr>
+          <a:xfrm>
+            <a:off x="467544" y="1912910"/>
+            <a:ext cx="8229600" cy="1300066"/>
+          </a:xfrm>
+          <a:prstGeom prst="rect">
+            <a:avLst/>
+          </a:prstGeom>
+        </p:spPr>
+      </p:pic>
     </p:spTree>
   </p:cSld>
   <p:clrMapOvr>
@@ -5569,8 +5523,8 @@
         </p:nvSpPr>
         <p:spPr>
           <a:xfrm>
-            <a:off x="467544" y="1803588"/>
-            <a:ext cx="8280920" cy="3785652"/>
+            <a:off x="539552" y="1803588"/>
+            <a:ext cx="8064896" cy="3785652"/>
           </a:xfrm>
           <a:prstGeom prst="rect">
             <a:avLst/>
@@ -5592,21 +5546,7 @@
                 <a:latin typeface="Arial" pitchFamily="34" charset="0"/>
                 <a:cs typeface="Arial" pitchFamily="34" charset="0"/>
               </a:rPr>
-              <a:t>Incorporate </a:t>
-            </a:r>
-            <a:r>
-              <a:rPr lang="en-CA" sz="2400" b="1" dirty="0" smtClean="0">
-                <a:latin typeface="Arial" pitchFamily="34" charset="0"/>
-                <a:cs typeface="Arial" pitchFamily="34" charset="0"/>
-              </a:rPr>
-              <a:t>data from Statistics Canada based on the defined Montreal </a:t>
-            </a:r>
-            <a:r>
-              <a:rPr lang="en-CA" sz="2400" b="1" dirty="0" smtClean="0">
-                <a:latin typeface="Arial" pitchFamily="34" charset="0"/>
-                <a:cs typeface="Arial" pitchFamily="34" charset="0"/>
-              </a:rPr>
-              <a:t>boroughs</a:t>
+              <a:t>Incorporate data from Statistics Canada based on the defined Montreal boroughs</a:t>
             </a:r>
           </a:p>
           <a:p>

--- a/presentation/DaveNissanEmil2014MachineLearning.pptx
+++ b/presentation/DaveNissanEmil2014MachineLearning.pptx
@@ -534,6 +534,14 @@
           <a:p>
             <a:r>
               <a:rPr lang="en-CA" dirty="0" smtClean="0"/>
+              <a:t>For our project, we collected dataset</a:t>
+            </a:r>
+            <a:r>
+              <a:rPr lang="en-CA" baseline="0" dirty="0" smtClean="0"/>
+              <a:t> on real estate properties in Montreal.  with the </a:t>
+            </a:r>
+            <a:r>
+              <a:rPr lang="en-CA" dirty="0" smtClean="0"/>
               <a:t>Motivation to help families,</a:t>
             </a:r>
             <a:r>
@@ -1111,19 +1119,41 @@
           </a:bodyPr>
           <a:lstStyle/>
           <a:p>
+            <a:pPr marL="0" marR="0" indent="0" algn="l" defTabSz="914400" rtl="0" eaLnBrk="1" fontAlgn="auto" latinLnBrk="0" hangingPunct="1">
+              <a:lnSpc>
+                <a:spcPct val="100000"/>
+              </a:lnSpc>
+              <a:spcBef>
+                <a:spcPts val="0"/>
+              </a:spcBef>
+              <a:spcAft>
+                <a:spcPts val="0"/>
+              </a:spcAft>
+              <a:buClrTx/>
+              <a:buSzTx/>
+              <a:buFontTx/>
+              <a:buNone/>
+              <a:tabLst/>
+              <a:defRPr/>
+            </a:pPr>
+            <a:r>
+              <a:rPr lang="en-CA" baseline="0" dirty="0" smtClean="0"/>
+              <a:t>Plot the predicted price versus the actual price. The regression model tends to over predict the cheap properties and under predict the expensive properties. Currently, we can predict within 0.87 of the actual price. This prediction is useful, as predicted data points that </a:t>
+            </a:r>
+            <a:endParaRPr lang="en-CA" dirty="0" smtClean="0"/>
+          </a:p>
+          <a:p>
             <a:r>
               <a:rPr lang="en-CA" dirty="0" smtClean="0"/>
               <a:t>Sell</a:t>
             </a:r>
             <a:r>
               <a:rPr lang="en-CA" baseline="0" dirty="0" smtClean="0"/>
-              <a:t>ing broker is biased to have higher selling price.</a:t>
-            </a:r>
-          </a:p>
-          <a:p>
+              <a:t>ing </a:t>
+            </a:r>
             <a:r>
               <a:rPr lang="en-CA" baseline="0" dirty="0" smtClean="0"/>
-              <a:t>Plot the Predicted vs. actual.</a:t>
+              <a:t>broker is biased to have higher selling price.</a:t>
             </a:r>
           </a:p>
           <a:p>
@@ -5377,14 +5407,7 @@
                 <a:latin typeface="Arial" pitchFamily="34" charset="0"/>
                 <a:cs typeface="Arial" pitchFamily="34" charset="0"/>
               </a:rPr>
-              <a:t> analysis of the </a:t>
-            </a:r>
-            <a:r>
-              <a:rPr lang="en-CA" sz="2400" b="1" dirty="0" smtClean="0">
-                <a:latin typeface="Arial" pitchFamily="34" charset="0"/>
-                <a:cs typeface="Arial" pitchFamily="34" charset="0"/>
-              </a:rPr>
-              <a:t>prices</a:t>
+              <a:t> analysis of the prices</a:t>
             </a:r>
           </a:p>
           <a:p>
@@ -5399,21 +5422,35 @@
                 <a:latin typeface="Arial" pitchFamily="34" charset="0"/>
                 <a:cs typeface="Arial" pitchFamily="34" charset="0"/>
               </a:rPr>
-              <a:t>	So far, the number of rooms (bathrooms) and geographical </a:t>
-            </a:r>
-            <a:r>
-              <a:rPr lang="en-CA" sz="2400" b="1" dirty="0">
-                <a:latin typeface="Arial" pitchFamily="34" charset="0"/>
-                <a:cs typeface="Arial" pitchFamily="34" charset="0"/>
-              </a:rPr>
-              <a:t>l</a:t>
+              <a:t>	So far, the </a:t>
             </a:r>
             <a:r>
               <a:rPr lang="en-CA" sz="2400" b="1" dirty="0" smtClean="0">
                 <a:latin typeface="Arial" pitchFamily="34" charset="0"/>
                 <a:cs typeface="Arial" pitchFamily="34" charset="0"/>
               </a:rPr>
-              <a:t>ocation (being in Westmount) account for the most of the variance in price.</a:t>
+              <a:t>living area and the number of rooms (</a:t>
+            </a:r>
+            <a:r>
+              <a:rPr lang="en-CA" sz="2400" b="1" dirty="0" smtClean="0">
+                <a:latin typeface="Arial" pitchFamily="34" charset="0"/>
+                <a:cs typeface="Arial" pitchFamily="34" charset="0"/>
+              </a:rPr>
+              <a:t>bathrooms)</a:t>
+            </a:r>
+            <a:r>
+              <a:rPr lang="en-CA" sz="2400" b="1" dirty="0" smtClean="0">
+                <a:latin typeface="Arial" pitchFamily="34" charset="0"/>
+                <a:cs typeface="Arial" pitchFamily="34" charset="0"/>
+              </a:rPr>
+              <a:t> </a:t>
+            </a:r>
+            <a:r>
+              <a:rPr lang="en-CA" sz="2400" b="1" dirty="0" smtClean="0">
+                <a:latin typeface="Arial" pitchFamily="34" charset="0"/>
+                <a:cs typeface="Arial" pitchFamily="34" charset="0"/>
+              </a:rPr>
+              <a:t>account for the most of the variance in price.</a:t>
             </a:r>
             <a:endParaRPr lang="en-CA" sz="2400" b="1" dirty="0">
               <a:latin typeface="Arial" pitchFamily="34" charset="0"/>
@@ -5430,7 +5467,7 @@
         </p:nvSpPr>
         <p:spPr>
           <a:xfrm>
-            <a:off x="179512" y="550421"/>
+            <a:off x="179512" y="622429"/>
             <a:ext cx="8784976" cy="646331"/>
           </a:xfrm>
           <a:prstGeom prst="rect">
@@ -5461,7 +5498,7 @@
       </p:sp>
       <p:pic>
         <p:nvPicPr>
-          <p:cNvPr id="2" name="Picture 1"/>
+          <p:cNvPr id="3" name="Picture 2"/>
           <p:cNvPicPr>
             <a:picLocks noChangeAspect="1"/>
           </p:cNvPicPr>
@@ -5475,8 +5512,8 @@
         </p:blipFill>
         <p:spPr>
           <a:xfrm>
-            <a:off x="467544" y="1912910"/>
-            <a:ext cx="8229600" cy="1300066"/>
+            <a:off x="427788" y="1924270"/>
+            <a:ext cx="8229600" cy="1286693"/>
           </a:xfrm>
           <a:prstGeom prst="rect">
             <a:avLst/>

--- a/presentation/DaveNissanEmil2014MachineLearning.pptx
+++ b/presentation/DaveNissanEmil2014MachineLearning.pptx
@@ -534,11 +534,27 @@
           <a:p>
             <a:r>
               <a:rPr lang="en-CA" dirty="0" smtClean="0"/>
-              <a:t>For our project, we collected dataset</a:t>
+              <a:t>For our project, we </a:t>
+            </a:r>
+            <a:r>
+              <a:rPr lang="en-CA" dirty="0" smtClean="0"/>
+              <a:t>went out and collected a new dataset</a:t>
             </a:r>
             <a:r>
               <a:rPr lang="en-CA" baseline="0" dirty="0" smtClean="0"/>
-              <a:t> on real estate properties in Montreal.  with the </a:t>
+              <a:t> </a:t>
+            </a:r>
+            <a:r>
+              <a:rPr lang="en-CA" baseline="0" dirty="0" smtClean="0"/>
+              <a:t>on real estate properties in Montreal.  </a:t>
+            </a:r>
+            <a:r>
+              <a:rPr lang="en-CA" baseline="0" dirty="0" smtClean="0"/>
+              <a:t>With </a:t>
+            </a:r>
+            <a:r>
+              <a:rPr lang="en-CA" baseline="0" dirty="0" smtClean="0"/>
+              <a:t>the </a:t>
             </a:r>
             <a:r>
               <a:rPr lang="en-CA" dirty="0" smtClean="0"/>
@@ -546,7 +562,15 @@
             </a:r>
             <a:r>
               <a:rPr lang="en-CA" baseline="0" dirty="0" smtClean="0"/>
-              <a:t> especially first time buyers, Montreal.</a:t>
+              <a:t> especially first time buyers, </a:t>
+            </a:r>
+            <a:r>
+              <a:rPr lang="en-CA" baseline="0" dirty="0" smtClean="0"/>
+              <a:t>in Montreal</a:t>
+            </a:r>
+            <a:r>
+              <a:rPr lang="en-CA" baseline="0" dirty="0" smtClean="0"/>
+              <a:t>.</a:t>
             </a:r>
             <a:endParaRPr lang="en-CA" dirty="0"/>
           </a:p>
@@ -639,11 +663,8 @@
               <a:rPr lang="en-CA" sz="800" b="0" baseline="0" dirty="0" smtClean="0">
                 <a:latin typeface="+mn-lt"/>
               </a:rPr>
-              <a:t>This is relates generally to real estate appraisals and sales price predictions. In particular, this is an automated system and uses predictive modeling to perform pattern recognition.</a:t>
-            </a:r>
-            <a:endParaRPr lang="en-CA" sz="800" b="0" dirty="0" smtClean="0">
-              <a:latin typeface="+mn-lt"/>
-            </a:endParaRPr>
+              <a:t>The key prediction question focused on at the moment is to predict the price of real estate properties using regression analysis.</a:t>
+            </a:r>
           </a:p>
           <a:p>
             <a:pPr marL="0" marR="0" indent="0" algn="l" defTabSz="914400" rtl="0" eaLnBrk="1" fontAlgn="auto" latinLnBrk="0" hangingPunct="1">
@@ -664,41 +685,58 @@
               <a:defRPr/>
             </a:pPr>
             <a:r>
+              <a:rPr lang="en-CA" sz="800" b="0" baseline="0" dirty="0" smtClean="0">
+                <a:latin typeface="+mn-lt"/>
+              </a:rPr>
+              <a:t>This relates </a:t>
+            </a:r>
+            <a:r>
+              <a:rPr lang="en-CA" sz="800" b="0" baseline="0" dirty="0" smtClean="0">
+                <a:latin typeface="+mn-lt"/>
+              </a:rPr>
+              <a:t>generally to real estate appraisals and sales price predictions. </a:t>
+            </a:r>
+            <a:r>
+              <a:rPr lang="en-CA" sz="800" b="0" baseline="0" dirty="0" smtClean="0">
+                <a:latin typeface="+mn-lt"/>
+              </a:rPr>
+              <a:t>Traditionally, the property’s price is determined by a professional appraiser, and the appraised value is important for sales, loans, and marketability. The disadvantage is that the human appraiser is biased towards the interest of the lender, mortgage broker, seller, or buyer, and might be costly. Whereas t</a:t>
+            </a:r>
+            <a:r>
               <a:rPr lang="en-CA" sz="800" b="0" dirty="0" smtClean="0">
                 <a:latin typeface="+mn-lt"/>
               </a:rPr>
-              <a:t>Versus finding a broker. This</a:t>
+              <a:t>his</a:t>
             </a:r>
             <a:r>
               <a:rPr lang="en-CA" sz="800" b="0" baseline="0" dirty="0" smtClean="0">
                 <a:latin typeface="+mn-lt"/>
               </a:rPr>
-              <a:t> is free. Give prediction quickly at the comfort of your home.</a:t>
-            </a:r>
-          </a:p>
-          <a:p>
-            <a:pPr marL="0" marR="0" indent="0" algn="l" defTabSz="914400" rtl="0" eaLnBrk="1" fontAlgn="auto" latinLnBrk="0" hangingPunct="1">
-              <a:lnSpc>
-                <a:spcPct val="100000"/>
-              </a:lnSpc>
-              <a:spcBef>
-                <a:spcPts val="0"/>
-              </a:spcBef>
-              <a:spcAft>
-                <a:spcPts val="0"/>
-              </a:spcAft>
-              <a:buClrTx/>
-              <a:buSzTx/>
-              <a:buFontTx/>
-              <a:buNone/>
-              <a:tabLst/>
-              <a:defRPr/>
-            </a:pPr>
+              <a:t> is free, and is a quick and </a:t>
+            </a:r>
             <a:r>
               <a:rPr lang="en-CA" sz="800" b="0" baseline="0" dirty="0" smtClean="0">
                 <a:latin typeface="+mn-lt"/>
               </a:rPr>
-              <a:t>Conventionally</a:t>
+              <a:t>automated system </a:t>
+            </a:r>
+            <a:r>
+              <a:rPr lang="en-CA" sz="800" b="0" baseline="0" dirty="0" smtClean="0">
+                <a:latin typeface="+mn-lt"/>
+              </a:rPr>
+              <a:t>that </a:t>
+            </a:r>
+            <a:r>
+              <a:rPr lang="en-CA" sz="800" b="0" baseline="0" dirty="0" smtClean="0">
+                <a:latin typeface="+mn-lt"/>
+              </a:rPr>
+              <a:t>uses predictive modeling to perform pattern </a:t>
+            </a:r>
+            <a:r>
+              <a:rPr lang="en-CA" sz="800" b="0" baseline="0" dirty="0" smtClean="0">
+                <a:latin typeface="+mn-lt"/>
+              </a:rPr>
+              <a:t>recognition without human bias.</a:t>
             </a:r>
             <a:endParaRPr lang="en-CA" sz="800" b="0" dirty="0" smtClean="0">
               <a:latin typeface="+mn-lt"/>
@@ -709,113 +747,61 @@
               <a:rPr lang="en-CA" sz="800" b="0" dirty="0" smtClean="0">
                 <a:latin typeface="+mn-lt"/>
               </a:rPr>
-              <a:t>For the buyers, this</a:t>
+              <a:t>For </a:t>
+            </a:r>
+            <a:r>
+              <a:rPr lang="en-CA" sz="800" b="0" dirty="0" smtClean="0">
+                <a:latin typeface="+mn-lt"/>
+              </a:rPr>
+              <a:t>the buyers, this</a:t>
             </a:r>
             <a:r>
               <a:rPr lang="en-CA" sz="800" b="0" baseline="0" dirty="0" smtClean="0">
                 <a:latin typeface="+mn-lt"/>
               </a:rPr>
-              <a:t> is useful to </a:t>
+              <a:t> </a:t>
+            </a:r>
+            <a:r>
+              <a:rPr lang="en-CA" sz="800" b="0" baseline="0" dirty="0" smtClean="0">
+                <a:latin typeface="+mn-lt"/>
+              </a:rPr>
+              <a:t>system is </a:t>
+            </a:r>
+            <a:r>
+              <a:rPr lang="en-CA" sz="800" b="0" baseline="0" dirty="0" smtClean="0">
+                <a:latin typeface="+mn-lt"/>
+              </a:rPr>
+              <a:t>useful to </a:t>
             </a:r>
             <a:r>
               <a:rPr lang="en-CA" sz="800" b="0" baseline="0" dirty="0" smtClean="0">
                 <a:latin typeface="Arial" pitchFamily="34" charset="0"/>
                 <a:cs typeface="Arial" pitchFamily="34" charset="0"/>
               </a:rPr>
-              <a:t>find good deals on the market</a:t>
-            </a:r>
-            <a:r>
-              <a:rPr lang="en-CA" sz="800" b="0" dirty="0" smtClean="0">
-                <a:latin typeface="+mn-lt"/>
-              </a:rPr>
-              <a:t>.</a:t>
-            </a:r>
-          </a:p>
-          <a:p>
-            <a:pPr marL="457200" indent="-457200"/>
-            <a:r>
-              <a:rPr lang="en-CA" sz="800" b="0" dirty="0" smtClean="0">
-                <a:latin typeface="+mn-lt"/>
+              <a:t>determine good or bad </a:t>
+            </a:r>
+            <a:r>
+              <a:rPr lang="en-CA" sz="800" b="0" baseline="0" dirty="0" smtClean="0">
+                <a:latin typeface="Arial" pitchFamily="34" charset="0"/>
                 <a:cs typeface="Arial" pitchFamily="34" charset="0"/>
               </a:rPr>
-              <a:t>Predict the Montreal borough and/or cluster that the property is most likely to belong to.</a:t>
+              <a:t>deals on the </a:t>
+            </a:r>
+            <a:r>
+              <a:rPr lang="en-CA" sz="800" b="0" baseline="0" dirty="0" smtClean="0">
+                <a:latin typeface="Arial" pitchFamily="34" charset="0"/>
+                <a:cs typeface="Arial" pitchFamily="34" charset="0"/>
+              </a:rPr>
+              <a:t>market</a:t>
             </a:r>
             <a:r>
               <a:rPr lang="en-CA" sz="800" b="0" baseline="0" dirty="0" smtClean="0">
                 <a:latin typeface="+mn-lt"/>
-                <a:cs typeface="Arial" pitchFamily="34" charset="0"/>
-              </a:rPr>
-              <a:t> </a:t>
-            </a:r>
-            <a:r>
-              <a:rPr lang="en-CA" sz="800" b="0" dirty="0" smtClean="0">
-                <a:solidFill>
-                  <a:srgbClr val="FF0000"/>
-                </a:solidFill>
-                <a:latin typeface="+mn-lt"/>
-                <a:cs typeface="Arial" pitchFamily="34" charset="0"/>
-              </a:rPr>
-              <a:t>Motivation:</a:t>
-            </a:r>
-            <a:r>
-              <a:rPr lang="en-CA" sz="800" b="0" dirty="0" smtClean="0">
-                <a:latin typeface="+mn-lt"/>
-                <a:cs typeface="Arial" pitchFamily="34" charset="0"/>
-              </a:rPr>
-              <a:t> Suggest buying locations for buyers depending</a:t>
-            </a:r>
-            <a:r>
-              <a:rPr lang="en-CA" sz="800" b="0" baseline="0" dirty="0" smtClean="0">
-                <a:latin typeface="+mn-lt"/>
-                <a:cs typeface="Arial" pitchFamily="34" charset="0"/>
-              </a:rPr>
-              <a:t> </a:t>
-            </a:r>
-            <a:r>
-              <a:rPr lang="en-CA" sz="800" b="0" dirty="0" smtClean="0">
-                <a:latin typeface="+mn-lt"/>
-                <a:cs typeface="Arial" pitchFamily="34" charset="0"/>
-              </a:rPr>
-              <a:t>on their</a:t>
-            </a:r>
-            <a:r>
-              <a:rPr lang="en-CA" sz="800" b="0" baseline="0" dirty="0" smtClean="0">
-                <a:latin typeface="+mn-lt"/>
-                <a:cs typeface="Arial" pitchFamily="34" charset="0"/>
-              </a:rPr>
-              <a:t> </a:t>
-            </a:r>
-            <a:r>
-              <a:rPr lang="en-CA" sz="800" b="0" dirty="0" smtClean="0">
-                <a:latin typeface="+mn-lt"/>
-                <a:cs typeface="Arial" pitchFamily="34" charset="0"/>
-              </a:rPr>
-              <a:t>circumstances</a:t>
+                <a:cs typeface="+mn-cs"/>
+              </a:rPr>
+              <a:t> in terms of value and investment.</a:t>
             </a:r>
             <a:endParaRPr lang="en-CA" sz="800" b="0" dirty="0" smtClean="0">
-              <a:latin typeface="+mn-lt"/>
-            </a:endParaRPr>
-          </a:p>
-          <a:p>
-            <a:r>
-              <a:rPr lang="en-CA" sz="800" b="0" dirty="0" smtClean="0">
-                <a:latin typeface="+mn-lt"/>
-              </a:rPr>
-              <a:t>Second Question: How</a:t>
-            </a:r>
-            <a:r>
-              <a:rPr lang="en-CA" sz="800" b="0" baseline="0" dirty="0" smtClean="0">
-                <a:latin typeface="+mn-lt"/>
-              </a:rPr>
-              <a:t> it is different from a search or decision tree. </a:t>
-            </a:r>
-            <a:r>
-              <a:rPr lang="en-CA" sz="800" b="0" dirty="0" smtClean="0">
-                <a:latin typeface="+mn-lt"/>
-              </a:rPr>
-              <a:t>Find a good area for the family.</a:t>
-            </a:r>
-            <a:endParaRPr lang="en-CA" sz="800" b="0" dirty="0">
               <a:latin typeface="+mn-lt"/>
             </a:endParaRPr>
           </a:p>
@@ -918,8 +904,25 @@
             </a:r>
             <a:r>
               <a:rPr lang="en-CA" baseline="0" dirty="0" smtClean="0"/>
-              <a:t> are trying to predict are the prices. The features or attributes of the data were from the listings </a:t>
-            </a:r>
+              <a:t> are trying to predict are the </a:t>
+            </a:r>
+            <a:r>
+              <a:rPr lang="en-CA" baseline="0" dirty="0" smtClean="0"/>
+              <a:t>prices of the properties. </a:t>
+            </a:r>
+            <a:r>
+              <a:rPr lang="en-CA" baseline="0" dirty="0" smtClean="0"/>
+              <a:t>The features or attributes of the data were from the </a:t>
+            </a:r>
+            <a:r>
+              <a:rPr lang="en-CA" baseline="0" dirty="0" smtClean="0"/>
+              <a:t>listings themselves, examples such as its geographical location, living area, whether it is an apartment, townhouse, or detached home</a:t>
+            </a:r>
+            <a:r>
+              <a:rPr lang="en-CA" baseline="0" smtClean="0"/>
+              <a:t>, etc.</a:t>
+            </a:r>
+            <a:endParaRPr lang="en-CA" baseline="0" dirty="0" smtClean="0"/>
           </a:p>
         </p:txBody>
       </p:sp>
@@ -1149,11 +1152,7 @@
             </a:r>
             <a:r>
               <a:rPr lang="en-CA" baseline="0" dirty="0" smtClean="0"/>
-              <a:t>ing </a:t>
-            </a:r>
-            <a:r>
-              <a:rPr lang="en-CA" baseline="0" dirty="0" smtClean="0"/>
-              <a:t>broker is biased to have higher selling price.</a:t>
+              <a:t>ing broker is biased to have higher selling price.</a:t>
             </a:r>
           </a:p>
           <a:p>
@@ -5422,35 +5421,7 @@
                 <a:latin typeface="Arial" pitchFamily="34" charset="0"/>
                 <a:cs typeface="Arial" pitchFamily="34" charset="0"/>
               </a:rPr>
-              <a:t>	So far, the </a:t>
-            </a:r>
-            <a:r>
-              <a:rPr lang="en-CA" sz="2400" b="1" dirty="0" smtClean="0">
-                <a:latin typeface="Arial" pitchFamily="34" charset="0"/>
-                <a:cs typeface="Arial" pitchFamily="34" charset="0"/>
-              </a:rPr>
-              <a:t>living area and the number of rooms (</a:t>
-            </a:r>
-            <a:r>
-              <a:rPr lang="en-CA" sz="2400" b="1" dirty="0" smtClean="0">
-                <a:latin typeface="Arial" pitchFamily="34" charset="0"/>
-                <a:cs typeface="Arial" pitchFamily="34" charset="0"/>
-              </a:rPr>
-              <a:t>bathrooms)</a:t>
-            </a:r>
-            <a:r>
-              <a:rPr lang="en-CA" sz="2400" b="1" dirty="0" smtClean="0">
-                <a:latin typeface="Arial" pitchFamily="34" charset="0"/>
-                <a:cs typeface="Arial" pitchFamily="34" charset="0"/>
-              </a:rPr>
-              <a:t> </a:t>
-            </a:r>
-            <a:r>
-              <a:rPr lang="en-CA" sz="2400" b="1" dirty="0" smtClean="0">
-                <a:latin typeface="Arial" pitchFamily="34" charset="0"/>
-                <a:cs typeface="Arial" pitchFamily="34" charset="0"/>
-              </a:rPr>
-              <a:t>account for the most of the variance in price.</a:t>
+              <a:t>	So far, the living area and the number of rooms (bathrooms) account for the most of the variance in price.</a:t>
             </a:r>
             <a:endParaRPr lang="en-CA" sz="2400" b="1" dirty="0">
               <a:latin typeface="Arial" pitchFamily="34" charset="0"/>

--- a/presentation/DaveNissanEmil2014MachineLearning.pptx
+++ b/presentation/DaveNissanEmil2014MachineLearning.pptx
@@ -215,7 +215,7 @@
             <a:fld id="{846388BD-8A6F-4B9B-95D6-1E40DF29BA0B}" type="datetimeFigureOut">
               <a:rPr lang="en-CA" smtClean="0"/>
               <a:pPr/>
-              <a:t>25/11/2014</a:t>
+              <a:t>26/11/2014</a:t>
             </a:fld>
             <a:endParaRPr lang="en-CA"/>
           </a:p>
@@ -534,27 +534,11 @@
           <a:p>
             <a:r>
               <a:rPr lang="en-CA" dirty="0" smtClean="0"/>
-              <a:t>For our project, we </a:t>
-            </a:r>
-            <a:r>
-              <a:rPr lang="en-CA" dirty="0" smtClean="0"/>
-              <a:t>went out and collected a new dataset</a:t>
+              <a:t>For our project, we went out and collected a new dataset</a:t>
             </a:r>
             <a:r>
               <a:rPr lang="en-CA" baseline="0" dirty="0" smtClean="0"/>
-              <a:t> </a:t>
-            </a:r>
-            <a:r>
-              <a:rPr lang="en-CA" baseline="0" dirty="0" smtClean="0"/>
-              <a:t>on real estate properties in Montreal.  </a:t>
-            </a:r>
-            <a:r>
-              <a:rPr lang="en-CA" baseline="0" dirty="0" smtClean="0"/>
-              <a:t>With </a:t>
-            </a:r>
-            <a:r>
-              <a:rPr lang="en-CA" baseline="0" dirty="0" smtClean="0"/>
-              <a:t>the </a:t>
+              <a:t> on real estate properties in Montreal.  With the </a:t>
             </a:r>
             <a:r>
               <a:rPr lang="en-CA" dirty="0" smtClean="0"/>
@@ -562,15 +546,7 @@
             </a:r>
             <a:r>
               <a:rPr lang="en-CA" baseline="0" dirty="0" smtClean="0"/>
-              <a:t> especially first time buyers, </a:t>
-            </a:r>
-            <a:r>
-              <a:rPr lang="en-CA" baseline="0" dirty="0" smtClean="0"/>
-              <a:t>in Montreal</a:t>
-            </a:r>
-            <a:r>
-              <a:rPr lang="en-CA" baseline="0" dirty="0" smtClean="0"/>
-              <a:t>.</a:t>
+              <a:t> especially first time buyers, in Montreal.</a:t>
             </a:r>
             <a:endParaRPr lang="en-CA" dirty="0"/>
           </a:p>
@@ -688,55 +664,19 @@
               <a:rPr lang="en-CA" sz="800" b="0" baseline="0" dirty="0" smtClean="0">
                 <a:latin typeface="+mn-lt"/>
               </a:rPr>
-              <a:t>This relates </a:t>
+              <a:t>This relates generally to real estate appraisals and sales price predictions. Traditionally, the property’s price is determined by a professional appraiser, and the appraised value is important for sales, loans, and marketability. The disadvantage is that the human appraiser is biased towards the interest of the lender, mortgage broker, seller, or buyer, and might be costly. Whereas t</a:t>
+            </a:r>
+            <a:r>
+              <a:rPr lang="en-CA" sz="800" b="0" dirty="0" smtClean="0">
+                <a:latin typeface="+mn-lt"/>
+              </a:rPr>
+              <a:t>his</a:t>
             </a:r>
             <a:r>
               <a:rPr lang="en-CA" sz="800" b="0" baseline="0" dirty="0" smtClean="0">
                 <a:latin typeface="+mn-lt"/>
               </a:rPr>
-              <a:t>generally to real estate appraisals and sales price predictions. </a:t>
-            </a:r>
-            <a:r>
-              <a:rPr lang="en-CA" sz="800" b="0" baseline="0" dirty="0" smtClean="0">
-                <a:latin typeface="+mn-lt"/>
-              </a:rPr>
-              <a:t>Traditionally, the property’s price is determined by a professional appraiser, and the appraised value is important for sales, loans, and marketability. The disadvantage is that the human appraiser is biased towards the interest of the lender, mortgage broker, seller, or buyer, and might be costly. Whereas t</a:t>
-            </a:r>
-            <a:r>
-              <a:rPr lang="en-CA" sz="800" b="0" dirty="0" smtClean="0">
-                <a:latin typeface="+mn-lt"/>
-              </a:rPr>
-              <a:t>his</a:t>
-            </a:r>
-            <a:r>
-              <a:rPr lang="en-CA" sz="800" b="0" baseline="0" dirty="0" smtClean="0">
-                <a:latin typeface="+mn-lt"/>
-              </a:rPr>
-              <a:t> is free, and is a quick and </a:t>
-            </a:r>
-            <a:r>
-              <a:rPr lang="en-CA" sz="800" b="0" baseline="0" dirty="0" smtClean="0">
-                <a:latin typeface="+mn-lt"/>
-              </a:rPr>
-              <a:t>automated system </a:t>
-            </a:r>
-            <a:r>
-              <a:rPr lang="en-CA" sz="800" b="0" baseline="0" dirty="0" smtClean="0">
-                <a:latin typeface="+mn-lt"/>
-              </a:rPr>
-              <a:t>that </a:t>
-            </a:r>
-            <a:r>
-              <a:rPr lang="en-CA" sz="800" b="0" baseline="0" dirty="0" smtClean="0">
-                <a:latin typeface="+mn-lt"/>
-              </a:rPr>
-              <a:t>uses predictive modeling to perform pattern </a:t>
-            </a:r>
-            <a:r>
-              <a:rPr lang="en-CA" sz="800" b="0" baseline="0" dirty="0" smtClean="0">
-                <a:latin typeface="+mn-lt"/>
-              </a:rPr>
-              <a:t>recognition without human bias.</a:t>
+              <a:t> is free, and is a quick and automated system that uses predictive modeling to perform pattern recognition without human bias.</a:t>
             </a:r>
             <a:endParaRPr lang="en-CA" sz="800" b="0" dirty="0" smtClean="0">
               <a:latin typeface="+mn-lt"/>
@@ -747,52 +687,20 @@
               <a:rPr lang="en-CA" sz="800" b="0" dirty="0" smtClean="0">
                 <a:latin typeface="+mn-lt"/>
               </a:rPr>
-              <a:t>For </a:t>
-            </a:r>
-            <a:r>
-              <a:rPr lang="en-CA" sz="800" b="0" dirty="0" smtClean="0">
-                <a:latin typeface="+mn-lt"/>
-              </a:rPr>
-              <a:t>the buyers, this</a:t>
+              <a:t>For the buyers, this</a:t>
             </a:r>
             <a:r>
               <a:rPr lang="en-CA" sz="800" b="0" baseline="0" dirty="0" smtClean="0">
                 <a:latin typeface="+mn-lt"/>
               </a:rPr>
-              <a:t> </a:t>
-            </a:r>
-            <a:r>
-              <a:rPr lang="en-CA" sz="800" b="0" baseline="0" dirty="0" smtClean="0">
-                <a:latin typeface="+mn-lt"/>
-              </a:rPr>
-              <a:t>system is </a:t>
-            </a:r>
-            <a:r>
-              <a:rPr lang="en-CA" sz="800" b="0" baseline="0" dirty="0" smtClean="0">
-                <a:latin typeface="+mn-lt"/>
-              </a:rPr>
-              <a:t>useful to </a:t>
+              <a:t> system is useful to </a:t>
             </a:r>
             <a:r>
               <a:rPr lang="en-CA" sz="800" b="0" baseline="0" dirty="0" smtClean="0">
                 <a:latin typeface="Arial" pitchFamily="34" charset="0"/>
                 <a:cs typeface="Arial" pitchFamily="34" charset="0"/>
               </a:rPr>
-              <a:t>determine good or bad </a:t>
-            </a:r>
-            <a:r>
-              <a:rPr lang="en-CA" sz="800" b="0" baseline="0" dirty="0" smtClean="0">
-                <a:latin typeface="Arial" pitchFamily="34" charset="0"/>
-                <a:cs typeface="Arial" pitchFamily="34" charset="0"/>
-              </a:rPr>
-              <a:t>deals on the </a:t>
-            </a:r>
-            <a:r>
-              <a:rPr lang="en-CA" sz="800" b="0" baseline="0" dirty="0" smtClean="0">
-                <a:latin typeface="Arial" pitchFamily="34" charset="0"/>
-                <a:cs typeface="Arial" pitchFamily="34" charset="0"/>
-              </a:rPr>
-              <a:t>market</a:t>
+              <a:t>determine good or bad deals on the market</a:t>
             </a:r>
             <a:r>
               <a:rPr lang="en-CA" sz="800" b="0" baseline="0" dirty="0" smtClean="0">
@@ -904,23 +812,31 @@
             </a:r>
             <a:r>
               <a:rPr lang="en-CA" baseline="0" dirty="0" smtClean="0"/>
-              <a:t> are trying to predict are the </a:t>
+              <a:t> are trying to predict are the prices of the properties. The features or attributes of the data were from the listings themselves, examples such as its geographical location, living area, </a:t>
             </a:r>
             <a:r>
               <a:rPr lang="en-CA" baseline="0" dirty="0" smtClean="0"/>
-              <a:t>prices of the properties. </a:t>
+              <a:t>and type of property, whether </a:t>
             </a:r>
             <a:r>
               <a:rPr lang="en-CA" baseline="0" dirty="0" smtClean="0"/>
-              <a:t>The features or attributes of the data were from the </a:t>
+              <a:t>it is an apartment, townhouse, or detached home, etc</a:t>
             </a:r>
             <a:r>
               <a:rPr lang="en-CA" baseline="0" dirty="0" smtClean="0"/>
-              <a:t>listings themselves, examples such as its geographical location, living area, whether it is an apartment, townhouse, or detached home</a:t>
-            </a:r>
-            <a:r>
-              <a:rPr lang="en-CA" baseline="0" smtClean="0"/>
-              <a:t>, etc.</a:t>
+              <a:t>.</a:t>
+            </a:r>
+          </a:p>
+          <a:p>
+            <a:r>
+              <a:rPr lang="en-CA" baseline="0" dirty="0" smtClean="0"/>
+              <a:t>We plan to include additional geographical features to the listings based on the Montreal borough they belong to. The boroughs are defined by bounding polygons from Montreal open data.</a:t>
+            </a:r>
+          </a:p>
+          <a:p>
+            <a:r>
+              <a:rPr lang="en-CA" baseline="0" dirty="0" smtClean="0"/>
+              <a:t>The additional geographical features are from statistics Canada such as income, age of population, crime rate, etc.</a:t>
             </a:r>
             <a:endParaRPr lang="en-CA" baseline="0" dirty="0" smtClean="0"/>
           </a:p>
@@ -1009,6 +925,24 @@
           </a:bodyPr>
           <a:lstStyle/>
           <a:p>
+            <a:r>
+              <a:rPr lang="en-CA" dirty="0" smtClean="0"/>
+              <a:t>The machine learning methods to be applied for the regression of the prices</a:t>
+            </a:r>
+            <a:r>
+              <a:rPr lang="en-CA" baseline="0" dirty="0" smtClean="0"/>
+              <a:t> </a:t>
+            </a:r>
+            <a:r>
+              <a:rPr lang="en-CA" dirty="0" smtClean="0"/>
+              <a:t>are</a:t>
+            </a:r>
+          </a:p>
+          <a:p>
+            <a:r>
+              <a:rPr lang="en-CA" dirty="0" smtClean="0"/>
+              <a:t>Linear and logistic regression</a:t>
+            </a:r>
             <a:endParaRPr lang="en-CA" dirty="0" smtClean="0"/>
           </a:p>
           <a:p>
@@ -1033,7 +967,21 @@
             </a:r>
             <a:r>
               <a:rPr lang="en-CA" baseline="0" dirty="0" smtClean="0"/>
-              <a:t> system used by the brokers. Where we look at neighbouring properties of similar types.</a:t>
+              <a:t> system used by the brokers. Where we look at neighbouring properties of similar types</a:t>
+            </a:r>
+            <a:r>
+              <a:rPr lang="en-CA" baseline="0" dirty="0" smtClean="0"/>
+              <a:t>.</a:t>
+            </a:r>
+          </a:p>
+          <a:p>
+            <a:r>
+              <a:rPr lang="en-CA" dirty="0" smtClean="0"/>
+              <a:t>Neural network</a:t>
+            </a:r>
+            <a:r>
+              <a:rPr lang="en-CA" baseline="0" dirty="0" smtClean="0"/>
+              <a:t> for regression is something we are working on, but this suppose to have good improvement on other methods.</a:t>
             </a:r>
             <a:endParaRPr lang="en-CA" dirty="0"/>
           </a:p>
@@ -1143,17 +1091,26 @@
               <a:rPr lang="en-CA" baseline="0" dirty="0" smtClean="0"/>
               <a:t>Plot the predicted price versus the actual price. The regression model tends to over predict the cheap properties and under predict the expensive properties. Currently, we can predict within 0.87 of the actual price. This prediction is useful, as predicted data points that </a:t>
             </a:r>
+            <a:r>
+              <a:rPr lang="en-CA" baseline="0" dirty="0" smtClean="0"/>
+              <a:t>falls largely overly the unity line are under-valued properties according to our model. Also, the points that are largely under the unity line might be overly priced according to our model.</a:t>
+            </a:r>
             <a:endParaRPr lang="en-CA" dirty="0" smtClean="0"/>
           </a:p>
           <a:p>
             <a:r>
-              <a:rPr lang="en-CA" dirty="0" smtClean="0"/>
-              <a:t>Sell</a:t>
-            </a:r>
-            <a:r>
               <a:rPr lang="en-CA" baseline="0" dirty="0" smtClean="0"/>
-              <a:t>ing broker is biased to have higher selling price.</a:t>
-            </a:r>
+              <a:t>Our goal is to predict within 0.95 of the selling price as similar performance has been achieve by Yann </a:t>
+            </a:r>
+            <a:r>
+              <a:rPr lang="en-CA" baseline="0" dirty="0" err="1" smtClean="0"/>
+              <a:t>LeCun’s</a:t>
+            </a:r>
+            <a:r>
+              <a:rPr lang="en-CA" baseline="0" dirty="0" smtClean="0"/>
+              <a:t> group on a similar dataset by incorporating more features.</a:t>
+            </a:r>
+            <a:endParaRPr lang="en-CA" baseline="0" dirty="0" smtClean="0"/>
           </a:p>
           <a:p>
             <a:r>
@@ -1249,11 +1206,27 @@
           <a:p>
             <a:r>
               <a:rPr lang="en-CA" dirty="0" smtClean="0"/>
-              <a:t>The variables</a:t>
+              <a:t>For now, the features</a:t>
             </a:r>
             <a:r>
               <a:rPr lang="en-CA" baseline="0" dirty="0" smtClean="0"/>
-              <a:t> that accounts for most of the variance are the number of washrooms and whether the property is in Westmount. So if you are a real estate developer in Montreal that wants to build expensive homes, then build a home with many bathrooms in Westmount</a:t>
+              <a:t> </a:t>
+            </a:r>
+            <a:r>
+              <a:rPr lang="en-CA" baseline="0" dirty="0" smtClean="0"/>
+              <a:t>that </a:t>
+            </a:r>
+            <a:r>
+              <a:rPr lang="en-CA" baseline="0" dirty="0" smtClean="0"/>
+              <a:t>account </a:t>
+            </a:r>
+            <a:r>
+              <a:rPr lang="en-CA" baseline="0" dirty="0" smtClean="0"/>
+              <a:t>for most of the variance </a:t>
+            </a:r>
+            <a:r>
+              <a:rPr lang="en-CA" baseline="0" dirty="0" smtClean="0"/>
+              <a:t>in price for the linear model is the living area and number of rooms (especially the bathrooms). The geographical locations did not have a huge impact so far as we did not incorporate the relevant geographical features besides the absolute location.</a:t>
             </a:r>
             <a:endParaRPr lang="en-CA" dirty="0"/>
           </a:p>
@@ -1344,19 +1317,64 @@
           <a:p>
             <a:r>
               <a:rPr lang="en-CA" dirty="0" smtClean="0"/>
-              <a:t>Still</a:t>
+              <a:t>This is of course still</a:t>
             </a:r>
             <a:r>
               <a:rPr lang="en-CA" baseline="0" dirty="0" smtClean="0"/>
-              <a:t> a work in progress.</a:t>
-            </a:r>
-          </a:p>
-          <a:p>
+              <a:t> </a:t>
+            </a:r>
             <a:r>
               <a:rPr lang="en-CA" baseline="0" dirty="0" smtClean="0"/>
-              <a:t>There are still features to be added into the dataset, since </a:t>
-            </a:r>
-            <a:endParaRPr lang="en-CA" dirty="0"/>
+              <a:t>a work in progress.</a:t>
+            </a:r>
+          </a:p>
+          <a:p>
+            <a:r>
+              <a:rPr lang="en-CA" baseline="0" dirty="0" smtClean="0"/>
+              <a:t>As we still need to add the geographical location </a:t>
+            </a:r>
+            <a:r>
+              <a:rPr lang="en-CA" baseline="0" dirty="0" smtClean="0"/>
+              <a:t>features </a:t>
+            </a:r>
+            <a:r>
+              <a:rPr lang="en-CA" baseline="0" dirty="0" smtClean="0"/>
+              <a:t>into </a:t>
+            </a:r>
+            <a:r>
+              <a:rPr lang="en-CA" baseline="0" dirty="0" smtClean="0"/>
+              <a:t>the </a:t>
+            </a:r>
+            <a:r>
+              <a:rPr lang="en-CA" baseline="0" dirty="0" smtClean="0"/>
+              <a:t>dataset as mentioned.</a:t>
+            </a:r>
+          </a:p>
+          <a:p>
+            <a:r>
+              <a:rPr lang="en-CA" baseline="0" dirty="0" smtClean="0"/>
+              <a:t>Since most of the project was collecting the data and getting the right features, we also plan to look at the price across years if we can get that data.</a:t>
+            </a:r>
+          </a:p>
+          <a:p>
+            <a:r>
+              <a:rPr lang="en-CA" baseline="0" dirty="0" smtClean="0"/>
+              <a:t>Some previous work has looked at the expansion of features into higher order terms, and we plan to do so as well.</a:t>
+            </a:r>
+          </a:p>
+          <a:p>
+            <a:r>
+              <a:rPr lang="en-CA" baseline="0" dirty="0" smtClean="0"/>
+              <a:t>In terms of the Machine Learning method,</a:t>
+            </a:r>
+            <a:r>
+              <a:rPr lang="en-CA" baseline="0" dirty="0"/>
+              <a:t> </a:t>
+            </a:r>
+            <a:r>
+              <a:rPr lang="en-CA" baseline="0" dirty="0" smtClean="0"/>
+              <a:t>we plan to implement neural network for regression, which might further improve performance.</a:t>
+            </a:r>
           </a:p>
         </p:txBody>
       </p:sp>
@@ -1579,7 +1597,7 @@
             <a:fld id="{574F1A96-3F81-4DB8-AC7E-AF17C81A9AD7}" type="datetimeFigureOut">
               <a:rPr lang="en-CA" smtClean="0"/>
               <a:pPr/>
-              <a:t>25/11/2014</a:t>
+              <a:t>26/11/2014</a:t>
             </a:fld>
             <a:endParaRPr lang="en-CA"/>
           </a:p>
@@ -1746,7 +1764,7 @@
             <a:fld id="{574F1A96-3F81-4DB8-AC7E-AF17C81A9AD7}" type="datetimeFigureOut">
               <a:rPr lang="en-CA" smtClean="0"/>
               <a:pPr/>
-              <a:t>25/11/2014</a:t>
+              <a:t>26/11/2014</a:t>
             </a:fld>
             <a:endParaRPr lang="en-CA"/>
           </a:p>
@@ -1923,7 +1941,7 @@
             <a:fld id="{574F1A96-3F81-4DB8-AC7E-AF17C81A9AD7}" type="datetimeFigureOut">
               <a:rPr lang="en-CA" smtClean="0"/>
               <a:pPr/>
-              <a:t>25/11/2014</a:t>
+              <a:t>26/11/2014</a:t>
             </a:fld>
             <a:endParaRPr lang="en-CA"/>
           </a:p>
@@ -2090,7 +2108,7 @@
             <a:fld id="{574F1A96-3F81-4DB8-AC7E-AF17C81A9AD7}" type="datetimeFigureOut">
               <a:rPr lang="en-CA" smtClean="0"/>
               <a:pPr/>
-              <a:t>25/11/2014</a:t>
+              <a:t>26/11/2014</a:t>
             </a:fld>
             <a:endParaRPr lang="en-CA"/>
           </a:p>
@@ -2333,7 +2351,7 @@
             <a:fld id="{574F1A96-3F81-4DB8-AC7E-AF17C81A9AD7}" type="datetimeFigureOut">
               <a:rPr lang="en-CA" smtClean="0"/>
               <a:pPr/>
-              <a:t>25/11/2014</a:t>
+              <a:t>26/11/2014</a:t>
             </a:fld>
             <a:endParaRPr lang="en-CA"/>
           </a:p>
@@ -2618,7 +2636,7 @@
             <a:fld id="{574F1A96-3F81-4DB8-AC7E-AF17C81A9AD7}" type="datetimeFigureOut">
               <a:rPr lang="en-CA" smtClean="0"/>
               <a:pPr/>
-              <a:t>25/11/2014</a:t>
+              <a:t>26/11/2014</a:t>
             </a:fld>
             <a:endParaRPr lang="en-CA"/>
           </a:p>
@@ -3037,7 +3055,7 @@
             <a:fld id="{574F1A96-3F81-4DB8-AC7E-AF17C81A9AD7}" type="datetimeFigureOut">
               <a:rPr lang="en-CA" smtClean="0"/>
               <a:pPr/>
-              <a:t>25/11/2014</a:t>
+              <a:t>26/11/2014</a:t>
             </a:fld>
             <a:endParaRPr lang="en-CA"/>
           </a:p>
@@ -3152,7 +3170,7 @@
             <a:fld id="{574F1A96-3F81-4DB8-AC7E-AF17C81A9AD7}" type="datetimeFigureOut">
               <a:rPr lang="en-CA" smtClean="0"/>
               <a:pPr/>
-              <a:t>25/11/2014</a:t>
+              <a:t>26/11/2014</a:t>
             </a:fld>
             <a:endParaRPr lang="en-CA"/>
           </a:p>
@@ -3244,7 +3262,7 @@
             <a:fld id="{574F1A96-3F81-4DB8-AC7E-AF17C81A9AD7}" type="datetimeFigureOut">
               <a:rPr lang="en-CA" smtClean="0"/>
               <a:pPr/>
-              <a:t>25/11/2014</a:t>
+              <a:t>26/11/2014</a:t>
             </a:fld>
             <a:endParaRPr lang="en-CA"/>
           </a:p>
@@ -3518,7 +3536,7 @@
             <a:fld id="{574F1A96-3F81-4DB8-AC7E-AF17C81A9AD7}" type="datetimeFigureOut">
               <a:rPr lang="en-CA" smtClean="0"/>
               <a:pPr/>
-              <a:t>25/11/2014</a:t>
+              <a:t>26/11/2014</a:t>
             </a:fld>
             <a:endParaRPr lang="en-CA"/>
           </a:p>
@@ -3768,7 +3786,7 @@
             <a:fld id="{574F1A96-3F81-4DB8-AC7E-AF17C81A9AD7}" type="datetimeFigureOut">
               <a:rPr lang="en-CA" smtClean="0"/>
               <a:pPr/>
-              <a:t>25/11/2014</a:t>
+              <a:t>26/11/2014</a:t>
             </a:fld>
             <a:endParaRPr lang="en-CA"/>
           </a:p>
@@ -3978,7 +3996,7 @@
             <a:fld id="{574F1A96-3F81-4DB8-AC7E-AF17C81A9AD7}" type="datetimeFigureOut">
               <a:rPr lang="en-CA" smtClean="0"/>
               <a:pPr/>
-              <a:t>25/11/2014</a:t>
+              <a:t>26/11/2014</a:t>
             </a:fld>
             <a:endParaRPr lang="en-CA"/>
           </a:p>
@@ -4995,7 +5013,7 @@
         <p:spPr>
           <a:xfrm>
             <a:off x="611560" y="2222862"/>
-            <a:ext cx="8064896" cy="2862322"/>
+            <a:ext cx="8064896" cy="3416320"/>
           </a:xfrm>
           <a:prstGeom prst="rect">
             <a:avLst/>
@@ -5071,8 +5089,28 @@
                 <a:latin typeface="Arial" pitchFamily="34" charset="0"/>
                 <a:cs typeface="Arial" pitchFamily="34" charset="0"/>
               </a:rPr>
-              <a:t>k-Nearest Neighbours</a:t>
-            </a:r>
+              <a:t>k-Nearest </a:t>
+            </a:r>
+            <a:r>
+              <a:rPr lang="en-CA" sz="3600" b="1" dirty="0" smtClean="0">
+                <a:latin typeface="Arial" pitchFamily="34" charset="0"/>
+                <a:cs typeface="Arial" pitchFamily="34" charset="0"/>
+              </a:rPr>
+              <a:t>Neighbours</a:t>
+            </a:r>
+          </a:p>
+          <a:p>
+            <a:r>
+              <a:rPr lang="en-CA" sz="3600" b="1" dirty="0" smtClean="0">
+                <a:latin typeface="Arial" pitchFamily="34" charset="0"/>
+                <a:cs typeface="Arial" pitchFamily="34" charset="0"/>
+              </a:rPr>
+              <a:t>	SVM</a:t>
+            </a:r>
+            <a:endParaRPr lang="en-CA" sz="3600" b="1" dirty="0" smtClean="0">
+              <a:latin typeface="Arial" pitchFamily="34" charset="0"/>
+              <a:cs typeface="Arial" pitchFamily="34" charset="0"/>
+            </a:endParaRPr>
           </a:p>
           <a:p>
             <a:r>

--- a/presentation/DaveNissanEmil2014MachineLearning.pptx
+++ b/presentation/DaveNissanEmil2014MachineLearning.pptx
@@ -115,7 +115,7 @@
   </p:defaultTextStyle>
   <p:extLst>
     <p:ext uri="{EFAFB233-063F-42B5-8137-9DF3F51BA10A}">
-      <p15:sldGuideLst xmlns:p15="http://schemas.microsoft.com/office/powerpoint/2012/main">
+      <p15:sldGuideLst xmlns:p15="http://schemas.microsoft.com/office/powerpoint/2012/main" xmlns="">
         <p15:guide id="1" orient="horz" pos="2160">
           <p15:clr>
             <a:srgbClr val="A4A3A4"/>
@@ -386,7 +386,7 @@
     </p:spTree>
     <p:extLst>
       <p:ext uri="{BB962C8B-B14F-4D97-AF65-F5344CB8AC3E}">
-        <p14:creationId xmlns:p14="http://schemas.microsoft.com/office/powerpoint/2010/main" val="3448995633"/>
+        <p14:creationId xmlns:p14="http://schemas.microsoft.com/office/powerpoint/2010/main" xmlns="" val="3448995633"/>
       </p:ext>
     </p:extLst>
   </p:cSld>
@@ -538,11 +538,27 @@
             </a:r>
             <a:r>
               <a:rPr lang="en-CA" baseline="0" dirty="0" smtClean="0"/>
-              <a:t> on real estate properties in Montreal.  With the </a:t>
+              <a:t> on real estate properties in Montreal. </a:t>
+            </a:r>
+            <a:r>
+              <a:rPr lang="en-CA" baseline="0" dirty="0" smtClean="0"/>
+              <a:t>With </a:t>
+            </a:r>
+            <a:r>
+              <a:rPr lang="en-CA" baseline="0" dirty="0" smtClean="0"/>
+              <a:t>the </a:t>
+            </a:r>
+            <a:r>
+              <a:rPr lang="en-CA" baseline="0" dirty="0" smtClean="0"/>
+              <a:t>m</a:t>
             </a:r>
             <a:r>
               <a:rPr lang="en-CA" dirty="0" smtClean="0"/>
-              <a:t>Motivation to help families,</a:t>
+              <a:t>otivation </a:t>
+            </a:r>
+            <a:r>
+              <a:rPr lang="en-CA" dirty="0" smtClean="0"/>
+              <a:t>to help families,</a:t>
             </a:r>
             <a:r>
               <a:rPr lang="en-CA" baseline="0" dirty="0" smtClean="0"/>
@@ -579,7 +595,7 @@
     </p:spTree>
     <p:extLst>
       <p:ext uri="{BB962C8B-B14F-4D97-AF65-F5344CB8AC3E}">
-        <p14:creationId xmlns:p14="http://schemas.microsoft.com/office/powerpoint/2010/main" val="1733972161"/>
+        <p14:creationId xmlns:p14="http://schemas.microsoft.com/office/powerpoint/2010/main" xmlns="" val="1733972161"/>
       </p:ext>
     </p:extLst>
   </p:cSld>
@@ -639,7 +655,19 @@
               <a:rPr lang="en-CA" sz="800" b="0" baseline="0" dirty="0" smtClean="0">
                 <a:latin typeface="+mn-lt"/>
               </a:rPr>
-              <a:t>The key prediction question focused on at the moment is to predict the price of real estate properties using regression analysis.</a:t>
+              <a:t>The key prediction question </a:t>
+            </a:r>
+            <a:r>
+              <a:rPr lang="en-CA" sz="800" b="0" baseline="0" dirty="0" smtClean="0">
+                <a:latin typeface="+mn-lt"/>
+              </a:rPr>
+              <a:t>is </a:t>
+            </a:r>
+            <a:r>
+              <a:rPr lang="en-CA" sz="800" b="0" baseline="0" dirty="0" smtClean="0">
+                <a:latin typeface="+mn-lt"/>
+              </a:rPr>
+              <a:t>to predict the price of real estate properties using regression analysis.</a:t>
             </a:r>
           </a:p>
           <a:p>
@@ -664,7 +692,55 @@
               <a:rPr lang="en-CA" sz="800" b="0" baseline="0" dirty="0" smtClean="0">
                 <a:latin typeface="+mn-lt"/>
               </a:rPr>
-              <a:t>This relates generally to real estate appraisals and sales price predictions. Traditionally, the property’s price is determined by a professional appraiser, and the appraised value is important for sales, loans, and marketability. The disadvantage is that the human appraiser is biased towards the interest of the lender, mortgage broker, seller, or buyer, and might be costly. Whereas t</a:t>
+              <a:t>This relates generally to real estate appraisals and </a:t>
+            </a:r>
+            <a:r>
+              <a:rPr lang="en-CA" sz="800" b="0" baseline="0" dirty="0" smtClean="0">
+                <a:latin typeface="+mn-lt"/>
+              </a:rPr>
+              <a:t>sale </a:t>
+            </a:r>
+            <a:r>
+              <a:rPr lang="en-CA" sz="800" b="0" baseline="0" dirty="0" smtClean="0">
+                <a:latin typeface="+mn-lt"/>
+              </a:rPr>
+              <a:t>price predictions. </a:t>
+            </a:r>
+            <a:r>
+              <a:rPr lang="en-CA" sz="800" b="0" baseline="0" dirty="0" smtClean="0">
+                <a:latin typeface="+mn-lt"/>
+              </a:rPr>
+              <a:t>The disadvantage of the traditional human appraiser system </a:t>
+            </a:r>
+            <a:r>
+              <a:rPr lang="en-CA" sz="800" b="0" baseline="0" dirty="0" smtClean="0">
+                <a:latin typeface="+mn-lt"/>
+              </a:rPr>
+              <a:t>is that the </a:t>
+            </a:r>
+            <a:r>
+              <a:rPr lang="en-CA" sz="800" b="0" baseline="0" dirty="0" smtClean="0">
+                <a:latin typeface="+mn-lt"/>
+              </a:rPr>
+              <a:t>appraiser </a:t>
+            </a:r>
+            <a:r>
+              <a:rPr lang="en-CA" sz="800" b="0" baseline="0" dirty="0" smtClean="0">
+                <a:latin typeface="+mn-lt"/>
+              </a:rPr>
+              <a:t>is biased towards the interest of the lender, mortgage broker, seller, or buyer, and </a:t>
+            </a:r>
+            <a:r>
+              <a:rPr lang="en-CA" sz="800" b="0" baseline="0" dirty="0" smtClean="0">
+                <a:latin typeface="+mn-lt"/>
+              </a:rPr>
+              <a:t>he or she might also </a:t>
+            </a:r>
+            <a:r>
+              <a:rPr lang="en-CA" sz="800" b="0" baseline="0" dirty="0" smtClean="0">
+                <a:latin typeface="+mn-lt"/>
+              </a:rPr>
+              <a:t>be costly. Whereas t</a:t>
             </a:r>
             <a:r>
               <a:rPr lang="en-CA" sz="800" b="0" dirty="0" smtClean="0">
@@ -676,7 +752,25 @@
               <a:rPr lang="en-CA" sz="800" b="0" baseline="0" dirty="0" smtClean="0">
                 <a:latin typeface="+mn-lt"/>
               </a:rPr>
-              <a:t> is free, and is a quick and automated system that uses predictive modeling to perform pattern recognition without human bias.</a:t>
+              <a:t> is free, and is a quick and automated system that uses predictive </a:t>
+            </a:r>
+            <a:r>
+              <a:rPr lang="en-CA" sz="800" b="0" baseline="0" smtClean="0">
+                <a:latin typeface="+mn-lt"/>
+              </a:rPr>
+              <a:t>modeling </a:t>
+            </a:r>
+            <a:r>
+              <a:rPr lang="en-CA" sz="800" b="0" baseline="0" smtClean="0">
+                <a:latin typeface="+mn-lt"/>
+              </a:rPr>
+              <a:t>without </a:t>
+            </a:r>
+            <a:r>
+              <a:rPr lang="en-CA" sz="800" b="0" baseline="0" dirty="0" smtClean="0">
+                <a:latin typeface="+mn-lt"/>
+              </a:rPr>
+              <a:t>human bias.</a:t>
             </a:r>
             <a:endParaRPr lang="en-CA" sz="800" b="0" dirty="0" smtClean="0">
               <a:latin typeface="+mn-lt"/>
@@ -742,7 +836,7 @@
     </p:spTree>
     <p:extLst>
       <p:ext uri="{BB962C8B-B14F-4D97-AF65-F5344CB8AC3E}">
-        <p14:creationId xmlns:p14="http://schemas.microsoft.com/office/powerpoint/2010/main" val="3485329"/>
+        <p14:creationId xmlns:p14="http://schemas.microsoft.com/office/powerpoint/2010/main" xmlns="" val="3485329"/>
       </p:ext>
     </p:extLst>
   </p:cSld>
@@ -812,33 +906,60 @@
             </a:r>
             <a:r>
               <a:rPr lang="en-CA" baseline="0" dirty="0" smtClean="0"/>
-              <a:t> are trying to predict are the prices of the properties. The features or attributes of the data were from the listings themselves, examples such as its geographical location, living area, </a:t>
+              <a:t> are trying to predict are the prices of the properties. The features </a:t>
             </a:r>
             <a:r>
               <a:rPr lang="en-CA" baseline="0" dirty="0" smtClean="0"/>
-              <a:t>and type of property, whether </a:t>
+              <a:t>of </a:t>
             </a:r>
             <a:r>
               <a:rPr lang="en-CA" baseline="0" dirty="0" smtClean="0"/>
-              <a:t>it is an apartment, townhouse, or detached home, etc</a:t>
+              <a:t>the data were from the listings themselves, examples such as its </a:t>
             </a:r>
             <a:r>
               <a:rPr lang="en-CA" baseline="0" dirty="0" smtClean="0"/>
-              <a:t>.</a:t>
-            </a:r>
-          </a:p>
-          <a:p>
+              <a:t>living area </a:t>
+            </a:r>
             <a:r>
               <a:rPr lang="en-CA" baseline="0" dirty="0" smtClean="0"/>
-              <a:t>We plan to include additional geographical features to the listings based on the Montreal borough they belong to. The boroughs are defined by bounding polygons from Montreal open data.</a:t>
-            </a:r>
-          </a:p>
-          <a:p>
+              <a:t>and </a:t>
+            </a:r>
             <a:r>
               <a:rPr lang="en-CA" baseline="0" dirty="0" smtClean="0"/>
-              <a:t>The additional geographical features are from statistics Canada such as income, age of population, crime rate, etc.</a:t>
-            </a:r>
-            <a:endParaRPr lang="en-CA" baseline="0" dirty="0" smtClean="0"/>
+              <a:t>the number of rooms, </a:t>
+            </a:r>
+            <a:r>
+              <a:rPr lang="en-CA" baseline="0" dirty="0" smtClean="0"/>
+              <a:t>etc.</a:t>
+            </a:r>
+          </a:p>
+          <a:p>
+            <a:r>
+              <a:rPr lang="en-CA" baseline="0" dirty="0" smtClean="0"/>
+              <a:t>We plan to include additional geographical features to the listings based on the Montreal borough they belong to. The boroughs are defined by </a:t>
+            </a:r>
+            <a:r>
+              <a:rPr lang="en-CA" baseline="0" dirty="0" smtClean="0"/>
+              <a:t>the bounding </a:t>
+            </a:r>
+            <a:r>
+              <a:rPr lang="en-CA" baseline="0" dirty="0" smtClean="0"/>
+              <a:t>polygons from Montreal open data.</a:t>
+            </a:r>
+          </a:p>
+          <a:p>
+            <a:r>
+              <a:rPr lang="en-CA" baseline="0" dirty="0" smtClean="0"/>
+              <a:t>The additional geographical features are from statistics Canada such as </a:t>
+            </a:r>
+            <a:r>
+              <a:rPr lang="en-CA" baseline="0" dirty="0" smtClean="0"/>
+              <a:t>income and </a:t>
+            </a:r>
+            <a:r>
+              <a:rPr lang="en-CA" baseline="0" dirty="0" smtClean="0"/>
+              <a:t>crime rate, etc.</a:t>
+            </a:r>
           </a:p>
         </p:txBody>
       </p:sp>
@@ -869,7 +990,7 @@
     </p:spTree>
     <p:extLst>
       <p:ext uri="{BB962C8B-B14F-4D97-AF65-F5344CB8AC3E}">
-        <p14:creationId xmlns:p14="http://schemas.microsoft.com/office/powerpoint/2010/main" val="3101789400"/>
+        <p14:creationId xmlns:p14="http://schemas.microsoft.com/office/powerpoint/2010/main" xmlns="" val="3101789400"/>
       </p:ext>
     </p:extLst>
   </p:cSld>
@@ -927,7 +1048,15 @@
           <a:p>
             <a:r>
               <a:rPr lang="en-CA" dirty="0" smtClean="0"/>
-              <a:t>The machine learning methods to be applied for the regression of the prices</a:t>
+              <a:t>The machine learning methods </a:t>
+            </a:r>
+            <a:r>
+              <a:rPr lang="en-CA" dirty="0" smtClean="0"/>
+              <a:t>for </a:t>
+            </a:r>
+            <a:r>
+              <a:rPr lang="en-CA" dirty="0" smtClean="0"/>
+              <a:t>the regression of the prices</a:t>
             </a:r>
             <a:r>
               <a:rPr lang="en-CA" baseline="0" dirty="0" smtClean="0"/>
@@ -943,16 +1072,15 @@
               <a:rPr lang="en-CA" dirty="0" smtClean="0"/>
               <a:t>Linear and logistic regression</a:t>
             </a:r>
-            <a:endParaRPr lang="en-CA" dirty="0" smtClean="0"/>
-          </a:p>
-          <a:p>
-            <a:r>
-              <a:rPr lang="en-CA" dirty="0" smtClean="0"/>
-              <a:t>Bagging</a:t>
-            </a:r>
+          </a:p>
+          <a:p>
             <a:r>
               <a:rPr lang="en-CA" baseline="0" dirty="0" smtClean="0"/>
-              <a:t> with decision tree is the best results so far.</a:t>
+              <a:t>Decision tree or random forest repressor, which gives </a:t>
+            </a:r>
+            <a:r>
+              <a:rPr lang="en-CA" baseline="0" dirty="0" smtClean="0"/>
+              <a:t>the best results so far.</a:t>
             </a:r>
             <a:endParaRPr lang="en-CA" dirty="0" smtClean="0"/>
           </a:p>
@@ -977,11 +1105,23 @@
           <a:p>
             <a:r>
               <a:rPr lang="en-CA" dirty="0" smtClean="0"/>
-              <a:t>Neural network</a:t>
+              <a:t>Neural </a:t>
+            </a:r>
+            <a:r>
+              <a:rPr lang="en-CA" dirty="0" smtClean="0"/>
+              <a:t>network</a:t>
             </a:r>
             <a:r>
               <a:rPr lang="en-CA" baseline="0" dirty="0" smtClean="0"/>
-              <a:t> for regression is something we are working on, but this suppose to have good improvement on other methods.</a:t>
+              <a:t> for regression is something we are working on, but </a:t>
+            </a:r>
+            <a:r>
+              <a:rPr lang="en-CA" baseline="0" dirty="0" smtClean="0"/>
+              <a:t>this is </a:t>
+            </a:r>
+            <a:r>
+              <a:rPr lang="en-CA" baseline="0" dirty="0" smtClean="0"/>
+              <a:t>suppose to have good improvement on other methods.</a:t>
             </a:r>
             <a:endParaRPr lang="en-CA" dirty="0"/>
           </a:p>
@@ -1014,7 +1154,7 @@
     </p:spTree>
     <p:extLst>
       <p:ext uri="{BB962C8B-B14F-4D97-AF65-F5344CB8AC3E}">
-        <p14:creationId xmlns:p14="http://schemas.microsoft.com/office/powerpoint/2010/main" val="928199445"/>
+        <p14:creationId xmlns:p14="http://schemas.microsoft.com/office/powerpoint/2010/main" xmlns="" val="928199445"/>
       </p:ext>
     </p:extLst>
   </p:cSld>
@@ -1089,11 +1229,11 @@
             </a:pPr>
             <a:r>
               <a:rPr lang="en-CA" baseline="0" dirty="0" smtClean="0"/>
-              <a:t>Plot the predicted price versus the actual price. The regression model tends to over predict the cheap properties and under predict the expensive properties. Currently, we can predict within 0.87 of the actual price. This prediction is useful, as predicted data points that </a:t>
+              <a:t>Plotting the predicted </a:t>
             </a:r>
             <a:r>
               <a:rPr lang="en-CA" baseline="0" dirty="0" smtClean="0"/>
-              <a:t>falls largely overly the unity line are under-valued properties according to our model. Also, the points that are largely under the unity line might be overly priced according to our model.</a:t>
+              <a:t>price versus the actual price. The regression model tends to over predict the cheap properties and under predict the expensive properties. Currently, we can predict within 0.87 of the actual price. This prediction is useful, as predicted data points that falls largely overly the unity line are under-valued properties according to our model. Also, the points that are largely under the unity line might be overly priced according to our model.</a:t>
             </a:r>
             <a:endParaRPr lang="en-CA" dirty="0" smtClean="0"/>
           </a:p>
@@ -1110,7 +1250,6 @@
               <a:rPr lang="en-CA" baseline="0" dirty="0" smtClean="0"/>
               <a:t> group on a similar dataset by incorporating more features.</a:t>
             </a:r>
-            <a:endParaRPr lang="en-CA" baseline="0" dirty="0" smtClean="0"/>
           </a:p>
           <a:p>
             <a:r>
@@ -1148,7 +1287,7 @@
     </p:spTree>
     <p:extLst>
       <p:ext uri="{BB962C8B-B14F-4D97-AF65-F5344CB8AC3E}">
-        <p14:creationId xmlns:p14="http://schemas.microsoft.com/office/powerpoint/2010/main" val="210400451"/>
+        <p14:creationId xmlns:p14="http://schemas.microsoft.com/office/powerpoint/2010/main" xmlns="" val="210400451"/>
       </p:ext>
     </p:extLst>
   </p:cSld>
@@ -1210,23 +1349,19 @@
             </a:r>
             <a:r>
               <a:rPr lang="en-CA" baseline="0" dirty="0" smtClean="0"/>
-              <a:t> </a:t>
+              <a:t> that account for most of the </a:t>
             </a:r>
             <a:r>
               <a:rPr lang="en-CA" baseline="0" dirty="0" smtClean="0"/>
-              <a:t>that </a:t>
+              <a:t>price variance for </a:t>
             </a:r>
             <a:r>
               <a:rPr lang="en-CA" baseline="0" dirty="0" smtClean="0"/>
-              <a:t>account </a:t>
+              <a:t>the linear model is the living area and number of rooms (especially the bathrooms). The geographical locations did not have a huge impact so far as we did not incorporate the relevant geographical features besides the absolute </a:t>
             </a:r>
             <a:r>
               <a:rPr lang="en-CA" baseline="0" dirty="0" smtClean="0"/>
-              <a:t>for most of the variance </a:t>
-            </a:r>
-            <a:r>
-              <a:rPr lang="en-CA" baseline="0" dirty="0" smtClean="0"/>
-              <a:t>in price for the linear model is the living area and number of rooms (especially the bathrooms). The geographical locations did not have a huge impact so far as we did not incorporate the relevant geographical features besides the absolute location.</a:t>
+              <a:t>locations.</a:t>
             </a:r>
             <a:endParaRPr lang="en-CA" dirty="0"/>
           </a:p>
@@ -1259,7 +1394,7 @@
     </p:spTree>
     <p:extLst>
       <p:ext uri="{BB962C8B-B14F-4D97-AF65-F5344CB8AC3E}">
-        <p14:creationId xmlns:p14="http://schemas.microsoft.com/office/powerpoint/2010/main" val="3047244720"/>
+        <p14:creationId xmlns:p14="http://schemas.microsoft.com/office/powerpoint/2010/main" xmlns="" val="3047244720"/>
       </p:ext>
     </p:extLst>
   </p:cSld>
@@ -1321,33 +1456,13 @@
             </a:r>
             <a:r>
               <a:rPr lang="en-CA" baseline="0" dirty="0" smtClean="0"/>
-              <a:t> </a:t>
-            </a:r>
+              <a:t> a work in progress.</a:t>
+            </a:r>
+          </a:p>
+          <a:p>
             <a:r>
               <a:rPr lang="en-CA" baseline="0" dirty="0" smtClean="0"/>
-              <a:t>a work in progress.</a:t>
-            </a:r>
-          </a:p>
-          <a:p>
-            <a:r>
-              <a:rPr lang="en-CA" baseline="0" dirty="0" smtClean="0"/>
-              <a:t>As we still need to add the geographical location </a:t>
-            </a:r>
-            <a:r>
-              <a:rPr lang="en-CA" baseline="0" dirty="0" smtClean="0"/>
-              <a:t>features </a:t>
-            </a:r>
-            <a:r>
-              <a:rPr lang="en-CA" baseline="0" dirty="0" smtClean="0"/>
-              <a:t>into </a:t>
-            </a:r>
-            <a:r>
-              <a:rPr lang="en-CA" baseline="0" dirty="0" smtClean="0"/>
-              <a:t>the </a:t>
-            </a:r>
-            <a:r>
-              <a:rPr lang="en-CA" baseline="0" dirty="0" smtClean="0"/>
-              <a:t>dataset as mentioned.</a:t>
+              <a:t>As we still need to add the geographical location features into the dataset as mentioned.</a:t>
             </a:r>
           </a:p>
           <a:p>
@@ -1359,13 +1474,29 @@
           <a:p>
             <a:r>
               <a:rPr lang="en-CA" baseline="0" dirty="0" smtClean="0"/>
-              <a:t>Some previous work has looked at the expansion of features into higher order terms, and we plan to do so as well.</a:t>
-            </a:r>
-          </a:p>
-          <a:p>
+              <a:t>Some previous </a:t>
+            </a:r>
             <a:r>
               <a:rPr lang="en-CA" baseline="0" dirty="0" smtClean="0"/>
-              <a:t>In terms of the Machine Learning method,</a:t>
+              <a:t>works have </a:t>
+            </a:r>
+            <a:r>
+              <a:rPr lang="en-CA" baseline="0" dirty="0" smtClean="0"/>
+              <a:t>looked at the expansion of features into higher order terms, and we plan to do so as well.</a:t>
+            </a:r>
+          </a:p>
+          <a:p>
+            <a:r>
+              <a:rPr lang="en-CA" baseline="0" dirty="0" smtClean="0"/>
+              <a:t>In terms of the </a:t>
+            </a:r>
+            <a:r>
+              <a:rPr lang="en-CA" baseline="0" dirty="0" smtClean="0"/>
+              <a:t>machine learning </a:t>
+            </a:r>
+            <a:r>
+              <a:rPr lang="en-CA" baseline="0" dirty="0" smtClean="0"/>
+              <a:t>method,</a:t>
             </a:r>
             <a:r>
               <a:rPr lang="en-CA" baseline="0" dirty="0"/>
@@ -1405,7 +1536,7 @@
     </p:spTree>
     <p:extLst>
       <p:ext uri="{BB962C8B-B14F-4D97-AF65-F5344CB8AC3E}">
-        <p14:creationId xmlns:p14="http://schemas.microsoft.com/office/powerpoint/2010/main" val="573097354"/>
+        <p14:creationId xmlns:p14="http://schemas.microsoft.com/office/powerpoint/2010/main" xmlns="" val="573097354"/>
       </p:ext>
     </p:extLst>
   </p:cSld>
@@ -4436,7 +4567,7 @@
         </p:nvSpPr>
         <p:spPr>
           <a:xfrm>
-            <a:off x="179512" y="260648"/>
+            <a:off x="179512" y="356463"/>
             <a:ext cx="8784976" cy="1200329"/>
           </a:xfrm>
           <a:prstGeom prst="rect">
@@ -4481,7 +4612,7 @@
         </p:blipFill>
         <p:spPr>
           <a:xfrm>
-            <a:off x="2786608" y="1772816"/>
+            <a:off x="2786608" y="1859632"/>
             <a:ext cx="3657600" cy="3657600"/>
           </a:xfrm>
           <a:prstGeom prst="rect">
@@ -4699,7 +4830,7 @@
         </p:blipFill>
         <p:spPr>
           <a:xfrm>
-            <a:off x="5868144" y="2780928"/>
+            <a:off x="5868144" y="2852936"/>
             <a:ext cx="2743200" cy="2273912"/>
           </a:xfrm>
           <a:prstGeom prst="rect">
@@ -4715,8 +4846,8 @@
         </p:nvSpPr>
         <p:spPr>
           <a:xfrm>
-            <a:off x="395536" y="1118349"/>
-            <a:ext cx="6048672" cy="4893647"/>
+            <a:off x="467544" y="1568981"/>
+            <a:ext cx="6048672" cy="4524315"/>
           </a:xfrm>
           <a:prstGeom prst="rect">
             <a:avLst/>
@@ -4788,7 +4919,28 @@
                 <a:latin typeface="Arial" pitchFamily="34" charset="0"/>
                 <a:cs typeface="Arial" pitchFamily="34" charset="0"/>
               </a:rPr>
-              <a:t>: Location, Size, Property type, etc.</a:t>
+              <a:t>: </a:t>
+            </a:r>
+            <a:r>
+              <a:rPr lang="en-CA" sz="2400" b="1" dirty="0" smtClean="0">
+                <a:latin typeface="Arial" pitchFamily="34" charset="0"/>
+                <a:cs typeface="Arial" pitchFamily="34" charset="0"/>
+              </a:rPr>
+              <a:t>Area</a:t>
+            </a:r>
+            <a:r>
+              <a:rPr lang="en-CA" sz="2400" b="1" dirty="0" smtClean="0">
+                <a:latin typeface="Arial" pitchFamily="34" charset="0"/>
+                <a:cs typeface="Arial" pitchFamily="34" charset="0"/>
+              </a:rPr>
+              <a:t>, # Rooms, </a:t>
+            </a:r>
+            <a:r>
+              <a:rPr lang="en-CA" sz="2400" b="1" dirty="0" smtClean="0">
+                <a:latin typeface="Arial" pitchFamily="34" charset="0"/>
+                <a:cs typeface="Arial" pitchFamily="34" charset="0"/>
+              </a:rPr>
+              <a:t>etc.</a:t>
             </a:r>
             <a:endParaRPr lang="en-CA" sz="2400" b="1" dirty="0">
               <a:latin typeface="Arial" pitchFamily="34" charset="0"/>
@@ -4871,7 +5023,21 @@
                 <a:latin typeface="Arial" pitchFamily="34" charset="0"/>
                 <a:cs typeface="Arial" pitchFamily="34" charset="0"/>
               </a:rPr>
-              <a:t>, Population age, Crime rate, etc</a:t>
+              <a:t>, </a:t>
+            </a:r>
+            <a:r>
+              <a:rPr lang="en-CA" sz="2400" b="1" dirty="0" smtClean="0">
+                <a:latin typeface="Arial" pitchFamily="34" charset="0"/>
+                <a:cs typeface="Arial" pitchFamily="34" charset="0"/>
+              </a:rPr>
+              <a:t>Crime </a:t>
+            </a:r>
+            <a:r>
+              <a:rPr lang="en-CA" sz="2400" b="1" dirty="0">
+                <a:latin typeface="Arial" pitchFamily="34" charset="0"/>
+                <a:cs typeface="Arial" pitchFamily="34" charset="0"/>
+              </a:rPr>
+              <a:t>rate, etc</a:t>
             </a:r>
             <a:r>
               <a:rPr lang="en-CA" sz="2400" b="1" dirty="0" smtClean="0">
@@ -4895,7 +5061,7 @@
         </p:nvSpPr>
         <p:spPr>
           <a:xfrm>
-            <a:off x="179512" y="262389"/>
+            <a:off x="179512" y="550421"/>
             <a:ext cx="8784976" cy="646331"/>
           </a:xfrm>
           <a:prstGeom prst="rect">
@@ -4940,7 +5106,7 @@
         </p:blipFill>
         <p:spPr>
           <a:xfrm>
-            <a:off x="6323519" y="1700808"/>
+            <a:off x="6323519" y="1916832"/>
             <a:ext cx="1632857" cy="457200"/>
           </a:xfrm>
           <a:prstGeom prst="rect">
@@ -4964,7 +5130,7 @@
         </p:blipFill>
         <p:spPr>
           <a:xfrm>
-            <a:off x="6409903" y="2780928"/>
+            <a:off x="6300192" y="3421757"/>
             <a:ext cx="1114425" cy="295275"/>
           </a:xfrm>
           <a:prstGeom prst="rect">
@@ -5012,8 +5178,8 @@
         </p:nvSpPr>
         <p:spPr>
           <a:xfrm>
-            <a:off x="611560" y="2222862"/>
-            <a:ext cx="8064896" cy="3416320"/>
+            <a:off x="755576" y="2438886"/>
+            <a:ext cx="7488832" cy="2862322"/>
           </a:xfrm>
           <a:prstGeom prst="rect">
             <a:avLst/>
@@ -5057,55 +5223,7 @@
                 <a:latin typeface="Arial" pitchFamily="34" charset="0"/>
                 <a:cs typeface="Arial" pitchFamily="34" charset="0"/>
               </a:rPr>
-              <a:t>Linear and logistic regressions</a:t>
-            </a:r>
-          </a:p>
-          <a:p>
-            <a:r>
-              <a:rPr lang="en-CA" sz="3600" b="1" dirty="0">
-                <a:latin typeface="Arial" pitchFamily="34" charset="0"/>
-                <a:cs typeface="Arial" pitchFamily="34" charset="0"/>
-              </a:rPr>
-              <a:t>	</a:t>
-            </a:r>
-            <a:r>
-              <a:rPr lang="en-CA" sz="3600" b="1" dirty="0" smtClean="0">
-                <a:latin typeface="Arial" pitchFamily="34" charset="0"/>
-                <a:cs typeface="Arial" pitchFamily="34" charset="0"/>
-              </a:rPr>
-              <a:t>Random forest</a:t>
-            </a:r>
-          </a:p>
-          <a:p>
-            <a:r>
-              <a:rPr lang="en-CA" sz="3600" b="1" dirty="0">
-                <a:latin typeface="Arial" pitchFamily="34" charset="0"/>
-                <a:cs typeface="Arial" pitchFamily="34" charset="0"/>
-              </a:rPr>
-              <a:t>	</a:t>
-            </a:r>
-            <a:r>
-              <a:rPr lang="en-CA" sz="3600" b="1" dirty="0" smtClean="0">
-                <a:latin typeface="Arial" pitchFamily="34" charset="0"/>
-                <a:cs typeface="Arial" pitchFamily="34" charset="0"/>
-              </a:rPr>
-              <a:t>k-Nearest </a:t>
-            </a:r>
-            <a:r>
-              <a:rPr lang="en-CA" sz="3600" b="1" dirty="0" smtClean="0">
-                <a:latin typeface="Arial" pitchFamily="34" charset="0"/>
-                <a:cs typeface="Arial" pitchFamily="34" charset="0"/>
-              </a:rPr>
-              <a:t>Neighbours</a:t>
-            </a:r>
-          </a:p>
-          <a:p>
-            <a:r>
-              <a:rPr lang="en-CA" sz="3600" b="1" dirty="0" smtClean="0">
-                <a:latin typeface="Arial" pitchFamily="34" charset="0"/>
-                <a:cs typeface="Arial" pitchFamily="34" charset="0"/>
-              </a:rPr>
-              <a:t>	SVM</a:t>
+              <a:t>Linear regression</a:t>
             </a:r>
             <a:endParaRPr lang="en-CA" sz="3600" b="1" dirty="0" smtClean="0">
               <a:latin typeface="Arial" pitchFamily="34" charset="0"/>
@@ -5125,7 +5243,50 @@
                 <a:latin typeface="Arial" pitchFamily="34" charset="0"/>
                 <a:cs typeface="Arial" pitchFamily="34" charset="0"/>
               </a:rPr>
-              <a:t>Neural Networks </a:t>
+              <a:t>Decision tree</a:t>
+            </a:r>
+            <a:endParaRPr lang="en-CA" sz="3600" b="1" dirty="0" smtClean="0">
+              <a:latin typeface="Arial" pitchFamily="34" charset="0"/>
+              <a:cs typeface="Arial" pitchFamily="34" charset="0"/>
+            </a:endParaRPr>
+          </a:p>
+          <a:p>
+            <a:r>
+              <a:rPr lang="en-CA" sz="3600" b="1" dirty="0">
+                <a:latin typeface="Arial" pitchFamily="34" charset="0"/>
+                <a:cs typeface="Arial" pitchFamily="34" charset="0"/>
+              </a:rPr>
+              <a:t>	</a:t>
+            </a:r>
+            <a:r>
+              <a:rPr lang="en-CA" sz="3600" b="1" dirty="0" smtClean="0">
+                <a:latin typeface="Arial" pitchFamily="34" charset="0"/>
+                <a:cs typeface="Arial" pitchFamily="34" charset="0"/>
+              </a:rPr>
+              <a:t>k-Nearest Neighbours</a:t>
+            </a:r>
+          </a:p>
+          <a:p>
+            <a:r>
+              <a:rPr lang="en-CA" sz="3600" b="1" dirty="0" smtClean="0">
+                <a:latin typeface="Arial" pitchFamily="34" charset="0"/>
+                <a:cs typeface="Arial" pitchFamily="34" charset="0"/>
+              </a:rPr>
+              <a:t>	</a:t>
+            </a:r>
+            <a:r>
+              <a:rPr lang="en-CA" sz="3600" b="1" dirty="0" smtClean="0">
+                <a:latin typeface="Arial" pitchFamily="34" charset="0"/>
+                <a:cs typeface="Arial" pitchFamily="34" charset="0"/>
+              </a:rPr>
+              <a:t>Neural </a:t>
+            </a:r>
+            <a:r>
+              <a:rPr lang="en-CA" sz="3600" b="1" dirty="0" smtClean="0">
+                <a:latin typeface="Arial" pitchFamily="34" charset="0"/>
+                <a:cs typeface="Arial" pitchFamily="34" charset="0"/>
+              </a:rPr>
+              <a:t>Networks </a:t>
             </a:r>
             <a:r>
               <a:rPr lang="en-CA" sz="1200" b="1" dirty="0" smtClean="0">
@@ -5145,7 +5306,7 @@
         </p:nvSpPr>
         <p:spPr>
           <a:xfrm>
-            <a:off x="179512" y="692696"/>
+            <a:off x="179512" y="869811"/>
             <a:ext cx="8784976" cy="830997"/>
           </a:xfrm>
           <a:prstGeom prst="rect">
@@ -5319,7 +5480,7 @@
           <p:nvPr/>
         </p:nvPicPr>
         <p:blipFill>
-          <a:blip r:embed="rId3"/>
+          <a:blip r:embed="rId3" cstate="print"/>
           <a:stretch>
             <a:fillRect/>
           </a:stretch>
@@ -5373,7 +5534,7 @@
     </p:spTree>
     <p:extLst>
       <p:ext uri="{BB962C8B-B14F-4D97-AF65-F5344CB8AC3E}">
-        <p14:creationId xmlns:p14="http://schemas.microsoft.com/office/powerpoint/2010/main" val="2230857771"/>
+        <p14:creationId xmlns:p14="http://schemas.microsoft.com/office/powerpoint/2010/main" xmlns="" val="2230857771"/>
       </p:ext>
     </p:extLst>
   </p:cSld>
@@ -5514,7 +5675,7 @@
           <p:nvPr/>
         </p:nvPicPr>
         <p:blipFill>
-          <a:blip r:embed="rId3"/>
+          <a:blip r:embed="rId3" cstate="print"/>
           <a:stretch>
             <a:fillRect/>
           </a:stretch>
@@ -5569,8 +5730,8 @@
         </p:nvSpPr>
         <p:spPr>
           <a:xfrm>
-            <a:off x="539552" y="1803588"/>
-            <a:ext cx="8064896" cy="3785652"/>
+            <a:off x="539552" y="2407528"/>
+            <a:ext cx="8064896" cy="2677656"/>
           </a:xfrm>
           <a:prstGeom prst="rect">
             <a:avLst/>
@@ -5615,7 +5776,14 @@
                 <a:latin typeface="Arial" pitchFamily="34" charset="0"/>
                 <a:cs typeface="Arial" pitchFamily="34" charset="0"/>
               </a:rPr>
-              <a:t>Looking at temporal trends pending on the availability of data</a:t>
+              <a:t>Implement additional features such as higher order terms and their interactions </a:t>
+            </a:r>
+            <a:r>
+              <a:rPr lang="en-CA" sz="1200" b="1" dirty="0" smtClean="0">
+                <a:latin typeface="Arial" pitchFamily="34" charset="0"/>
+                <a:cs typeface="Arial" pitchFamily="34" charset="0"/>
+              </a:rPr>
+              <a:t>(Boston housing price dataset)</a:t>
             </a:r>
           </a:p>
           <a:p>
@@ -5638,36 +5806,6 @@
                 <a:latin typeface="Arial" pitchFamily="34" charset="0"/>
                 <a:cs typeface="Arial" pitchFamily="34" charset="0"/>
               </a:rPr>
-              <a:t>Implement additional features such as higher order terms and their interactions </a:t>
-            </a:r>
-            <a:r>
-              <a:rPr lang="en-CA" sz="1200" b="1" dirty="0" smtClean="0">
-                <a:latin typeface="Arial" pitchFamily="34" charset="0"/>
-                <a:cs typeface="Arial" pitchFamily="34" charset="0"/>
-              </a:rPr>
-              <a:t>(Boston housing price dataset)</a:t>
-            </a:r>
-          </a:p>
-          <a:p>
-            <a:pPr marL="342900" indent="-342900">
-              <a:buFont typeface="Arial" panose="020B0604020202020204" pitchFamily="34" charset="0"/>
-              <a:buChar char="•"/>
-            </a:pPr>
-            <a:endParaRPr lang="en-CA" sz="2400" b="1" dirty="0">
-              <a:latin typeface="Arial" pitchFamily="34" charset="0"/>
-              <a:cs typeface="Arial" pitchFamily="34" charset="0"/>
-            </a:endParaRPr>
-          </a:p>
-          <a:p>
-            <a:pPr marL="342900" indent="-342900">
-              <a:buFont typeface="Arial" panose="020B0604020202020204" pitchFamily="34" charset="0"/>
-              <a:buChar char="•"/>
-            </a:pPr>
-            <a:r>
-              <a:rPr lang="en-CA" sz="2400" b="1" dirty="0" smtClean="0">
-                <a:latin typeface="Arial" pitchFamily="34" charset="0"/>
-                <a:cs typeface="Arial" pitchFamily="34" charset="0"/>
-              </a:rPr>
               <a:t>Implement neural network for regression </a:t>
             </a:r>
             <a:r>
@@ -5692,7 +5830,7 @@
         </p:nvSpPr>
         <p:spPr>
           <a:xfrm>
-            <a:off x="179512" y="620688"/>
+            <a:off x="179512" y="982469"/>
             <a:ext cx="8784976" cy="646331"/>
           </a:xfrm>
           <a:prstGeom prst="rect">

--- a/presentation/DaveNissanEmil2014MachineLearning.pptx
+++ b/presentation/DaveNissanEmil2014MachineLearning.pptx
@@ -115,7 +115,7 @@
   </p:defaultTextStyle>
   <p:extLst>
     <p:ext uri="{EFAFB233-063F-42B5-8137-9DF3F51BA10A}">
-      <p15:sldGuideLst xmlns:p15="http://schemas.microsoft.com/office/powerpoint/2012/main" xmlns="">
+      <p15:sldGuideLst xmlns="" xmlns:p15="http://schemas.microsoft.com/office/powerpoint/2012/main">
         <p15:guide id="1" orient="horz" pos="2160">
           <p15:clr>
             <a:srgbClr val="A4A3A4"/>
@@ -386,7 +386,7 @@
     </p:spTree>
     <p:extLst>
       <p:ext uri="{BB962C8B-B14F-4D97-AF65-F5344CB8AC3E}">
-        <p14:creationId xmlns:p14="http://schemas.microsoft.com/office/powerpoint/2010/main" xmlns="" val="3448995633"/>
+        <p14:creationId xmlns="" xmlns:p14="http://schemas.microsoft.com/office/powerpoint/2010/main" val="3448995633"/>
       </p:ext>
     </p:extLst>
   </p:cSld>
@@ -534,35 +534,31 @@
           <a:p>
             <a:r>
               <a:rPr lang="en-CA" dirty="0" smtClean="0"/>
-              <a:t>For our project, we went out and collected a new dataset</a:t>
+              <a:t>For our project, </a:t>
+            </a:r>
+            <a:r>
+              <a:rPr lang="en-CA" dirty="0" smtClean="0"/>
+              <a:t>we</a:t>
             </a:r>
             <a:r>
               <a:rPr lang="en-CA" baseline="0" dirty="0" smtClean="0"/>
-              <a:t> on real estate properties in Montreal. </a:t>
+              <a:t> predicted the real </a:t>
             </a:r>
             <a:r>
               <a:rPr lang="en-CA" baseline="0" dirty="0" smtClean="0"/>
-              <a:t>With </a:t>
+              <a:t>estate </a:t>
             </a:r>
             <a:r>
               <a:rPr lang="en-CA" baseline="0" dirty="0" smtClean="0"/>
-              <a:t>the </a:t>
+              <a:t>property prices </a:t>
             </a:r>
             <a:r>
               <a:rPr lang="en-CA" baseline="0" dirty="0" smtClean="0"/>
-              <a:t>m</a:t>
-            </a:r>
-            <a:r>
-              <a:rPr lang="en-CA" dirty="0" smtClean="0"/>
-              <a:t>otivation </a:t>
-            </a:r>
-            <a:r>
-              <a:rPr lang="en-CA" dirty="0" smtClean="0"/>
-              <a:t>to help families,</a:t>
+              <a:t>in Montreal</a:t>
             </a:r>
             <a:r>
               <a:rPr lang="en-CA" baseline="0" dirty="0" smtClean="0"/>
-              <a:t> especially first time buyers, in Montreal.</a:t>
+              <a:t>.</a:t>
             </a:r>
             <a:endParaRPr lang="en-CA" dirty="0"/>
           </a:p>
@@ -595,7 +591,7 @@
     </p:spTree>
     <p:extLst>
       <p:ext uri="{BB962C8B-B14F-4D97-AF65-F5344CB8AC3E}">
-        <p14:creationId xmlns:p14="http://schemas.microsoft.com/office/powerpoint/2010/main" xmlns="" val="1733972161"/>
+        <p14:creationId xmlns="" xmlns:p14="http://schemas.microsoft.com/office/powerpoint/2010/main" val="1733972161"/>
       </p:ext>
     </p:extLst>
   </p:cSld>
@@ -655,20 +651,35 @@
               <a:rPr lang="en-CA" sz="800" b="0" baseline="0" dirty="0" smtClean="0">
                 <a:latin typeface="+mn-lt"/>
               </a:rPr>
-              <a:t>The key prediction question </a:t>
+              <a:t>Why is important </a:t>
             </a:r>
             <a:r>
               <a:rPr lang="en-CA" sz="800" b="0" baseline="0" dirty="0" smtClean="0">
                 <a:latin typeface="+mn-lt"/>
               </a:rPr>
-              <a:t>is </a:t>
+              <a:t>to predict the price of </a:t>
             </a:r>
             <a:r>
               <a:rPr lang="en-CA" sz="800" b="0" baseline="0" dirty="0" smtClean="0">
                 <a:latin typeface="+mn-lt"/>
               </a:rPr>
-              <a:t>to predict the price of real estate properties using regression analysis.</a:t>
-            </a:r>
+              <a:t>properties </a:t>
+            </a:r>
+            <a:r>
+              <a:rPr lang="en-CA" sz="800" b="0" baseline="0" dirty="0" smtClean="0">
+                <a:latin typeface="+mn-lt"/>
+              </a:rPr>
+              <a:t>using regression </a:t>
+            </a:r>
+            <a:r>
+              <a:rPr lang="en-CA" sz="800" b="0" baseline="0" dirty="0" smtClean="0">
+                <a:latin typeface="+mn-lt"/>
+              </a:rPr>
+              <a:t>analysis?</a:t>
+            </a:r>
+            <a:endParaRPr lang="en-CA" sz="800" b="0" baseline="0" dirty="0" smtClean="0">
+              <a:latin typeface="+mn-lt"/>
+            </a:endParaRPr>
           </a:p>
           <a:p>
             <a:pPr marL="0" marR="0" indent="0" algn="l" defTabSz="914400" rtl="0" eaLnBrk="1" fontAlgn="auto" latinLnBrk="0" hangingPunct="1">
@@ -698,49 +709,49 @@
               <a:rPr lang="en-CA" sz="800" b="0" baseline="0" dirty="0" smtClean="0">
                 <a:latin typeface="+mn-lt"/>
               </a:rPr>
-              <a:t>sale </a:t>
+              <a:t>sales </a:t>
             </a:r>
             <a:r>
               <a:rPr lang="en-CA" sz="800" b="0" baseline="0" dirty="0" smtClean="0">
                 <a:latin typeface="+mn-lt"/>
               </a:rPr>
-              <a:t>price predictions. </a:t>
+              <a:t>price predictions. The disadvantage of the traditional human appraiser system is that the appraiser is biased towards the </a:t>
             </a:r>
             <a:r>
               <a:rPr lang="en-CA" sz="800" b="0" baseline="0" dirty="0" smtClean="0">
                 <a:latin typeface="+mn-lt"/>
               </a:rPr>
-              <a:t>The disadvantage of the traditional human appraiser system </a:t>
+              <a:t>certain invested interest, and </a:t>
             </a:r>
             <a:r>
               <a:rPr lang="en-CA" sz="800" b="0" baseline="0" dirty="0" smtClean="0">
                 <a:latin typeface="+mn-lt"/>
               </a:rPr>
-              <a:t>is that the </a:t>
+              <a:t>he or she </a:t>
             </a:r>
             <a:r>
               <a:rPr lang="en-CA" sz="800" b="0" baseline="0" dirty="0" smtClean="0">
                 <a:latin typeface="+mn-lt"/>
               </a:rPr>
-              <a:t>appraiser </a:t>
+              <a:t>might </a:t>
             </a:r>
             <a:r>
               <a:rPr lang="en-CA" sz="800" b="0" baseline="0" dirty="0" smtClean="0">
                 <a:latin typeface="+mn-lt"/>
               </a:rPr>
-              <a:t>is biased towards the interest of the lender, mortgage broker, seller, or buyer, and </a:t>
+              <a:t>be costly. </a:t>
             </a:r>
             <a:r>
               <a:rPr lang="en-CA" sz="800" b="0" baseline="0" dirty="0" smtClean="0">
                 <a:latin typeface="+mn-lt"/>
               </a:rPr>
-              <a:t>he or she might also </a:t>
+              <a:t>Whereas </a:t>
             </a:r>
             <a:r>
               <a:rPr lang="en-CA" sz="800" b="0" baseline="0" dirty="0" smtClean="0">
                 <a:latin typeface="+mn-lt"/>
               </a:rPr>
-              <a:t>be costly. Whereas t</a:t>
+              <a:t>t</a:t>
             </a:r>
             <a:r>
               <a:rPr lang="en-CA" sz="800" b="0" dirty="0" smtClean="0">
@@ -752,25 +763,25 @@
               <a:rPr lang="en-CA" sz="800" b="0" baseline="0" dirty="0" smtClean="0">
                 <a:latin typeface="+mn-lt"/>
               </a:rPr>
-              <a:t> is free, and is a quick and automated system that uses predictive </a:t>
-            </a:r>
-            <a:r>
-              <a:rPr lang="en-CA" sz="800" b="0" baseline="0" smtClean="0">
-                <a:latin typeface="+mn-lt"/>
-              </a:rPr>
-              <a:t>modeling </a:t>
-            </a:r>
-            <a:r>
-              <a:rPr lang="en-CA" sz="800" b="0" baseline="0" smtClean="0">
-                <a:latin typeface="+mn-lt"/>
-              </a:rPr>
-              <a:t>without </a:t>
+              <a:t> </a:t>
             </a:r>
             <a:r>
               <a:rPr lang="en-CA" sz="800" b="0" baseline="0" dirty="0" smtClean="0">
                 <a:latin typeface="+mn-lt"/>
               </a:rPr>
-              <a:t>human bias.</a:t>
+              <a:t>is </a:t>
+            </a:r>
+            <a:r>
+              <a:rPr lang="en-CA" sz="800" b="0" baseline="0" dirty="0" smtClean="0">
+                <a:latin typeface="+mn-lt"/>
+              </a:rPr>
+              <a:t>a quick and automated system that </a:t>
+            </a:r>
+            <a:r>
+              <a:rPr lang="en-CA" sz="800" b="0" baseline="0" dirty="0" smtClean="0">
+                <a:latin typeface="+mn-lt"/>
+              </a:rPr>
+              <a:t>provides an independent 3rd party source that might be less biased.</a:t>
             </a:r>
             <a:endParaRPr lang="en-CA" sz="800" b="0" dirty="0" smtClean="0">
               <a:latin typeface="+mn-lt"/>
@@ -836,7 +847,7 @@
     </p:spTree>
     <p:extLst>
       <p:ext uri="{BB962C8B-B14F-4D97-AF65-F5344CB8AC3E}">
-        <p14:creationId xmlns:p14="http://schemas.microsoft.com/office/powerpoint/2010/main" xmlns="" val="3485329"/>
+        <p14:creationId xmlns="" xmlns:p14="http://schemas.microsoft.com/office/powerpoint/2010/main" val="3485329"/>
       </p:ext>
     </p:extLst>
   </p:cSld>
@@ -894,11 +905,23 @@
           <a:p>
             <a:r>
               <a:rPr lang="en-CA" dirty="0" smtClean="0"/>
-              <a:t>Majority of the dataset were</a:t>
+              <a:t>Part </a:t>
+            </a:r>
+            <a:r>
+              <a:rPr lang="en-CA" dirty="0" smtClean="0"/>
+              <a:t>of the dataset </a:t>
+            </a:r>
+            <a:r>
+              <a:rPr lang="en-CA" dirty="0" smtClean="0"/>
+              <a:t>was</a:t>
             </a:r>
             <a:r>
               <a:rPr lang="en-CA" baseline="0" dirty="0" smtClean="0"/>
-              <a:t> scraped from a real estate listing website, Centris.ca. </a:t>
+              <a:t> </a:t>
+            </a:r>
+            <a:r>
+              <a:rPr lang="en-CA" baseline="0" dirty="0" smtClean="0"/>
+              <a:t>from a real estate listing website, Centris.ca. </a:t>
             </a:r>
             <a:r>
               <a:rPr lang="en-CA" dirty="0" smtClean="0"/>
@@ -906,60 +929,55 @@
             </a:r>
             <a:r>
               <a:rPr lang="en-CA" baseline="0" dirty="0" smtClean="0"/>
-              <a:t> are trying to predict are the prices of the properties. The features </a:t>
+              <a:t> are trying to predict are the prices of the properties. </a:t>
             </a:r>
             <a:r>
               <a:rPr lang="en-CA" baseline="0" dirty="0" smtClean="0"/>
-              <a:t>of </a:t>
+              <a:t>Some of the </a:t>
             </a:r>
             <a:r>
               <a:rPr lang="en-CA" baseline="0" dirty="0" smtClean="0"/>
-              <a:t>the data were from the listings themselves, examples such as its </a:t>
+              <a:t>features </a:t>
             </a:r>
             <a:r>
               <a:rPr lang="en-CA" baseline="0" dirty="0" smtClean="0"/>
-              <a:t>living area </a:t>
+              <a:t>were </a:t>
             </a:r>
             <a:r>
               <a:rPr lang="en-CA" baseline="0" dirty="0" smtClean="0"/>
-              <a:t>and </a:t>
-            </a:r>
+              <a:t>from the listings themselves, examples such as its living area and the number of rooms, etc.</a:t>
+            </a:r>
+          </a:p>
+          <a:p>
             <a:r>
               <a:rPr lang="en-CA" baseline="0" dirty="0" smtClean="0"/>
-              <a:t>the number of rooms, </a:t>
+              <a:t>We used the bounding </a:t>
             </a:r>
             <a:r>
               <a:rPr lang="en-CA" baseline="0" dirty="0" smtClean="0"/>
-              <a:t>etc.</a:t>
-            </a:r>
-          </a:p>
-          <a:p>
+              <a:t>polygons from Montreal </a:t>
+            </a:r>
             <a:r>
               <a:rPr lang="en-CA" baseline="0" dirty="0" smtClean="0"/>
-              <a:t>We plan to include additional geographical features to the listings based on the Montreal borough they belong to. The boroughs are defined by </a:t>
+              <a:t>Open Data to incorporate additional demographic data based on the boroughs in Montreal. The </a:t>
             </a:r>
             <a:r>
               <a:rPr lang="en-CA" baseline="0" dirty="0" smtClean="0"/>
-              <a:t>the bounding </a:t>
+              <a:t>additional geographical features are </a:t>
             </a:r>
             <a:r>
               <a:rPr lang="en-CA" baseline="0" dirty="0" smtClean="0"/>
-              <a:t>polygons from Montreal open data.</a:t>
-            </a:r>
-          </a:p>
-          <a:p>
+              <a:t>income </a:t>
+            </a:r>
             <a:r>
               <a:rPr lang="en-CA" baseline="0" dirty="0" smtClean="0"/>
-              <a:t>The additional geographical features are from statistics Canada such as </a:t>
+              <a:t>and crime rate, </a:t>
             </a:r>
             <a:r>
               <a:rPr lang="en-CA" baseline="0" dirty="0" smtClean="0"/>
-              <a:t>income and </a:t>
-            </a:r>
-            <a:r>
-              <a:rPr lang="en-CA" baseline="0" dirty="0" smtClean="0"/>
-              <a:t>crime rate, etc.</a:t>
-            </a:r>
+              <a:t>etc</a:t>
+            </a:r>
+            <a:endParaRPr lang="en-CA" baseline="0" dirty="0" smtClean="0"/>
           </a:p>
         </p:txBody>
       </p:sp>
@@ -990,7 +1008,7 @@
     </p:spTree>
     <p:extLst>
       <p:ext uri="{BB962C8B-B14F-4D97-AF65-F5344CB8AC3E}">
-        <p14:creationId xmlns:p14="http://schemas.microsoft.com/office/powerpoint/2010/main" xmlns="" val="3101789400"/>
+        <p14:creationId xmlns="" xmlns:p14="http://schemas.microsoft.com/office/powerpoint/2010/main" val="3101789400"/>
       </p:ext>
     </p:extLst>
   </p:cSld>
@@ -1048,15 +1066,15 @@
           <a:p>
             <a:r>
               <a:rPr lang="en-CA" dirty="0" smtClean="0"/>
-              <a:t>The machine learning methods </a:t>
+              <a:t>The </a:t>
             </a:r>
             <a:r>
               <a:rPr lang="en-CA" dirty="0" smtClean="0"/>
-              <a:t>for </a:t>
+              <a:t>baseline machine </a:t>
             </a:r>
             <a:r>
               <a:rPr lang="en-CA" dirty="0" smtClean="0"/>
-              <a:t>the regression of the prices</a:t>
+              <a:t>learning methods for the regression of the prices</a:t>
             </a:r>
             <a:r>
               <a:rPr lang="en-CA" baseline="0" dirty="0" smtClean="0"/>
@@ -1070,17 +1088,11 @@
           <a:p>
             <a:r>
               <a:rPr lang="en-CA" dirty="0" smtClean="0"/>
-              <a:t>Linear and logistic regression</a:t>
-            </a:r>
-          </a:p>
-          <a:p>
-            <a:r>
-              <a:rPr lang="en-CA" baseline="0" dirty="0" smtClean="0"/>
-              <a:t>Decision tree or random forest repressor, which gives </a:t>
-            </a:r>
-            <a:r>
-              <a:rPr lang="en-CA" baseline="0" dirty="0" smtClean="0"/>
-              <a:t>the best results so far.</a:t>
+              <a:t>Linear </a:t>
+            </a:r>
+            <a:r>
+              <a:rPr lang="en-CA" dirty="0" smtClean="0"/>
+              <a:t>regression</a:t>
             </a:r>
             <a:endParaRPr lang="en-CA" dirty="0" smtClean="0"/>
           </a:p>
@@ -1091,37 +1103,41 @@
             </a:r>
             <a:r>
               <a:rPr lang="en-CA" dirty="0" smtClean="0"/>
-              <a:t> is the most similar to the current</a:t>
+              <a:t>. Which </a:t>
+            </a:r>
+            <a:r>
+              <a:rPr lang="en-CA" dirty="0" smtClean="0"/>
+              <a:t>is the most similar to </a:t>
+            </a:r>
+            <a:r>
+              <a:rPr lang="en-CA" dirty="0" smtClean="0"/>
+              <a:t>that</a:t>
             </a:r>
             <a:r>
               <a:rPr lang="en-CA" baseline="0" dirty="0" smtClean="0"/>
-              <a:t> system used by the brokers. Where we look at neighbouring properties of similar types</a:t>
+              <a:t> </a:t>
+            </a:r>
+            <a:r>
+              <a:rPr lang="en-CA" baseline="0" dirty="0" smtClean="0"/>
+              <a:t>used by the brokers. Where </a:t>
+            </a:r>
+            <a:r>
+              <a:rPr lang="en-CA" baseline="0" dirty="0" smtClean="0"/>
+              <a:t>they </a:t>
+            </a:r>
+            <a:r>
+              <a:rPr lang="en-CA" baseline="0" dirty="0" smtClean="0"/>
+              <a:t>look at neighbouring properties of similar types.</a:t>
+            </a:r>
+          </a:p>
+          <a:p>
+            <a:r>
+              <a:rPr lang="en-CA" dirty="0" smtClean="0"/>
+              <a:t>And support vector regression which is similar to SVM for regression</a:t>
             </a:r>
             <a:r>
               <a:rPr lang="en-CA" baseline="0" dirty="0" smtClean="0"/>
               <a:t>.</a:t>
-            </a:r>
-          </a:p>
-          <a:p>
-            <a:r>
-              <a:rPr lang="en-CA" dirty="0" smtClean="0"/>
-              <a:t>Neural </a:t>
-            </a:r>
-            <a:r>
-              <a:rPr lang="en-CA" dirty="0" smtClean="0"/>
-              <a:t>network</a:t>
-            </a:r>
-            <a:r>
-              <a:rPr lang="en-CA" baseline="0" dirty="0" smtClean="0"/>
-              <a:t> for regression is something we are working on, but </a:t>
-            </a:r>
-            <a:r>
-              <a:rPr lang="en-CA" baseline="0" dirty="0" smtClean="0"/>
-              <a:t>this is </a:t>
-            </a:r>
-            <a:r>
-              <a:rPr lang="en-CA" baseline="0" dirty="0" smtClean="0"/>
-              <a:t>suppose to have good improvement on other methods.</a:t>
             </a:r>
             <a:endParaRPr lang="en-CA" dirty="0"/>
           </a:p>
@@ -1154,7 +1170,7 @@
     </p:spTree>
     <p:extLst>
       <p:ext uri="{BB962C8B-B14F-4D97-AF65-F5344CB8AC3E}">
-        <p14:creationId xmlns:p14="http://schemas.microsoft.com/office/powerpoint/2010/main" xmlns="" val="928199445"/>
+        <p14:creationId xmlns="" xmlns:p14="http://schemas.microsoft.com/office/powerpoint/2010/main" val="928199445"/>
       </p:ext>
     </p:extLst>
   </p:cSld>
@@ -1229,18 +1245,46 @@
             </a:pPr>
             <a:r>
               <a:rPr lang="en-CA" baseline="0" dirty="0" smtClean="0"/>
-              <a:t>Plotting the predicted </a:t>
+              <a:t>Plotting the predicted price versus the actual price. The regression model tends to over predict the cheap properties and under predict the expensive properties. Currently, we can </a:t>
             </a:r>
             <a:r>
               <a:rPr lang="en-CA" baseline="0" dirty="0" smtClean="0"/>
-              <a:t>price versus the actual price. The regression model tends to over predict the cheap properties and under predict the expensive properties. Currently, we can predict within 0.87 of the actual price. This prediction is useful, as predicted data points that falls largely overly the unity line are under-valued properties according to our model. Also, the points that are largely under the unity line might be overly priced according to our model.</a:t>
+              <a:t>have a prediction error of 0.13 of the </a:t>
+            </a:r>
+            <a:r>
+              <a:rPr lang="en-CA" baseline="0" dirty="0" smtClean="0"/>
+              <a:t>actual </a:t>
+            </a:r>
+            <a:r>
+              <a:rPr lang="en-CA" baseline="0" dirty="0" smtClean="0"/>
+              <a:t>price with SVR. </a:t>
+            </a:r>
+            <a:r>
+              <a:rPr lang="en-CA" baseline="0" dirty="0" smtClean="0"/>
+              <a:t>This prediction is useful, as predicted data points that falls largely overly the unity line are under-valued properties according to our model. Also, the points that are largely under the unity line might be overly priced according to our model.</a:t>
             </a:r>
             <a:endParaRPr lang="en-CA" dirty="0" smtClean="0"/>
           </a:p>
           <a:p>
             <a:r>
               <a:rPr lang="en-CA" baseline="0" dirty="0" smtClean="0"/>
-              <a:t>Our goal is to predict within 0.95 of the selling price as similar performance has been achieve by Yann </a:t>
+              <a:t>Our goal is to </a:t>
+            </a:r>
+            <a:r>
+              <a:rPr lang="en-CA" baseline="0" dirty="0" smtClean="0"/>
+              <a:t>have a prediction error of 0.05 </a:t>
+            </a:r>
+            <a:r>
+              <a:rPr lang="en-CA" baseline="0" dirty="0" smtClean="0"/>
+              <a:t>of the selling </a:t>
+            </a:r>
+            <a:r>
+              <a:rPr lang="en-CA" baseline="0" dirty="0" smtClean="0"/>
+              <a:t>price. Since </a:t>
+            </a:r>
+            <a:r>
+              <a:rPr lang="en-CA" baseline="0" dirty="0" smtClean="0"/>
+              <a:t>similar performance has been achieve by Yann </a:t>
             </a:r>
             <a:r>
               <a:rPr lang="en-CA" baseline="0" dirty="0" err="1" smtClean="0"/>
@@ -1248,8 +1292,13 @@
             </a:r>
             <a:r>
               <a:rPr lang="en-CA" baseline="0" dirty="0" smtClean="0"/>
-              <a:t> group on a similar dataset by incorporating more features.</a:t>
-            </a:r>
+              <a:t> group on a similar dataset by incorporating more </a:t>
+            </a:r>
+            <a:r>
+              <a:rPr lang="en-CA" baseline="0" dirty="0" smtClean="0"/>
+              <a:t>features such as the geographical features that I mentioned.</a:t>
+            </a:r>
+            <a:endParaRPr lang="en-CA" baseline="0" dirty="0" smtClean="0"/>
           </a:p>
           <a:p>
             <a:r>
@@ -1287,7 +1336,7 @@
     </p:spTree>
     <p:extLst>
       <p:ext uri="{BB962C8B-B14F-4D97-AF65-F5344CB8AC3E}">
-        <p14:creationId xmlns:p14="http://schemas.microsoft.com/office/powerpoint/2010/main" xmlns="" val="210400451"/>
+        <p14:creationId xmlns="" xmlns:p14="http://schemas.microsoft.com/office/powerpoint/2010/main" val="210400451"/>
       </p:ext>
     </p:extLst>
   </p:cSld>
@@ -1349,19 +1398,23 @@
             </a:r>
             <a:r>
               <a:rPr lang="en-CA" baseline="0" dirty="0" smtClean="0"/>
-              <a:t> that account for most of the </a:t>
+              <a:t> that account for most of the price variance for the linear model is the living area and </a:t>
             </a:r>
             <a:r>
               <a:rPr lang="en-CA" baseline="0" dirty="0" smtClean="0"/>
-              <a:t>price variance for </a:t>
+              <a:t>the number </a:t>
             </a:r>
             <a:r>
               <a:rPr lang="en-CA" baseline="0" dirty="0" smtClean="0"/>
-              <a:t>the linear model is the living area and number of rooms (especially the bathrooms). The geographical locations did not have a huge impact so far as we did not incorporate the relevant geographical features besides the absolute </a:t>
+              <a:t>of rooms (especially the </a:t>
             </a:r>
             <a:r>
               <a:rPr lang="en-CA" baseline="0" dirty="0" smtClean="0"/>
-              <a:t>locations.</a:t>
+              <a:t>number of bathrooms</a:t>
+            </a:r>
+            <a:r>
+              <a:rPr lang="en-CA" baseline="0" dirty="0" smtClean="0"/>
+              <a:t>). The geographical locations did not have a huge impact so far as we did not incorporate the relevant geographical features besides the absolute locations.</a:t>
             </a:r>
             <a:endParaRPr lang="en-CA" dirty="0"/>
           </a:p>
@@ -1394,7 +1447,7 @@
     </p:spTree>
     <p:extLst>
       <p:ext uri="{BB962C8B-B14F-4D97-AF65-F5344CB8AC3E}">
-        <p14:creationId xmlns:p14="http://schemas.microsoft.com/office/powerpoint/2010/main" xmlns="" val="3047244720"/>
+        <p14:creationId xmlns="" xmlns:p14="http://schemas.microsoft.com/office/powerpoint/2010/main" val="3047244720"/>
       </p:ext>
     </p:extLst>
   </p:cSld>
@@ -1456,47 +1509,52 @@
             </a:r>
             <a:r>
               <a:rPr lang="en-CA" baseline="0" dirty="0" smtClean="0"/>
-              <a:t> a work in progress.</a:t>
-            </a:r>
-          </a:p>
-          <a:p>
+              <a:t> a work in </a:t>
+            </a:r>
             <a:r>
               <a:rPr lang="en-CA" baseline="0" dirty="0" smtClean="0"/>
-              <a:t>As we still need to add the geographical location features into the dataset as mentioned.</a:t>
-            </a:r>
+              <a:t>progress</a:t>
+            </a:r>
+            <a:endParaRPr lang="en-CA" baseline="0" dirty="0" smtClean="0"/>
           </a:p>
           <a:p>
             <a:r>
               <a:rPr lang="en-CA" baseline="0" dirty="0" smtClean="0"/>
-              <a:t>Since most of the project was collecting the data and getting the right features, we also plan to look at the price across years if we can get that data.</a:t>
-            </a:r>
-          </a:p>
-          <a:p>
+              <a:t>As we still need to add the geographical </a:t>
+            </a:r>
             <a:r>
               <a:rPr lang="en-CA" baseline="0" dirty="0" smtClean="0"/>
-              <a:t>Some previous </a:t>
+              <a:t>features </a:t>
             </a:r>
             <a:r>
               <a:rPr lang="en-CA" baseline="0" dirty="0" smtClean="0"/>
-              <a:t>works have </a:t>
+              <a:t>into the dataset as </a:t>
             </a:r>
             <a:r>
               <a:rPr lang="en-CA" baseline="0" dirty="0" smtClean="0"/>
-              <a:t>looked at the expansion of features into higher order terms, and we plan to do so as well.</a:t>
-            </a:r>
+              <a:t>mentioned</a:t>
+            </a:r>
+            <a:endParaRPr lang="en-CA" baseline="0" dirty="0" smtClean="0"/>
           </a:p>
           <a:p>
             <a:r>
               <a:rPr lang="en-CA" baseline="0" dirty="0" smtClean="0"/>
-              <a:t>In terms of the </a:t>
+              <a:t>Some </a:t>
             </a:r>
             <a:r>
               <a:rPr lang="en-CA" baseline="0" dirty="0" smtClean="0"/>
-              <a:t>machine learning </a:t>
+              <a:t>previous works have looked at the expansion of features into higher order terms, and we plan to do so as </a:t>
             </a:r>
             <a:r>
               <a:rPr lang="en-CA" baseline="0" dirty="0" smtClean="0"/>
-              <a:t>method,</a:t>
+              <a:t>well</a:t>
+            </a:r>
+            <a:endParaRPr lang="en-CA" baseline="0" dirty="0" smtClean="0"/>
+          </a:p>
+          <a:p>
+            <a:r>
+              <a:rPr lang="en-CA" baseline="0" dirty="0" smtClean="0"/>
+              <a:t>In terms of the machine learning method,</a:t>
             </a:r>
             <a:r>
               <a:rPr lang="en-CA" baseline="0" dirty="0"/>
@@ -1504,8 +1562,13 @@
             </a:r>
             <a:r>
               <a:rPr lang="en-CA" baseline="0" dirty="0" smtClean="0"/>
-              <a:t>we plan to implement neural network for regression, which might further improve performance.</a:t>
-            </a:r>
+              <a:t>we plan to implement neural network for regression, which might further improve </a:t>
+            </a:r>
+            <a:r>
+              <a:rPr lang="en-CA" baseline="0" dirty="0" smtClean="0"/>
+              <a:t>regression performance</a:t>
+            </a:r>
+            <a:endParaRPr lang="en-CA" baseline="0" dirty="0" smtClean="0"/>
           </a:p>
         </p:txBody>
       </p:sp>
@@ -1536,7 +1599,7 @@
     </p:spTree>
     <p:extLst>
       <p:ext uri="{BB962C8B-B14F-4D97-AF65-F5344CB8AC3E}">
-        <p14:creationId xmlns:p14="http://schemas.microsoft.com/office/powerpoint/2010/main" xmlns="" val="573097354"/>
+        <p14:creationId xmlns="" xmlns:p14="http://schemas.microsoft.com/office/powerpoint/2010/main" val="573097354"/>
       </p:ext>
     </p:extLst>
   </p:cSld>
@@ -4846,8 +4909,8 @@
         </p:nvSpPr>
         <p:spPr>
           <a:xfrm>
-            <a:off x="467544" y="1568981"/>
-            <a:ext cx="6048672" cy="4524315"/>
+            <a:off x="467544" y="1794296"/>
+            <a:ext cx="6048672" cy="4154984"/>
           </a:xfrm>
           <a:prstGeom prst="rect">
             <a:avLst/>
@@ -4919,28 +4982,7 @@
                 <a:latin typeface="Arial" pitchFamily="34" charset="0"/>
                 <a:cs typeface="Arial" pitchFamily="34" charset="0"/>
               </a:rPr>
-              <a:t>: </a:t>
-            </a:r>
-            <a:r>
-              <a:rPr lang="en-CA" sz="2400" b="1" dirty="0" smtClean="0">
-                <a:latin typeface="Arial" pitchFamily="34" charset="0"/>
-                <a:cs typeface="Arial" pitchFamily="34" charset="0"/>
-              </a:rPr>
-              <a:t>Area</a:t>
-            </a:r>
-            <a:r>
-              <a:rPr lang="en-CA" sz="2400" b="1" dirty="0" smtClean="0">
-                <a:latin typeface="Arial" pitchFamily="34" charset="0"/>
-                <a:cs typeface="Arial" pitchFamily="34" charset="0"/>
-              </a:rPr>
-              <a:t>, # Rooms, </a:t>
-            </a:r>
-            <a:r>
-              <a:rPr lang="en-CA" sz="2400" b="1" dirty="0" smtClean="0">
-                <a:latin typeface="Arial" pitchFamily="34" charset="0"/>
-                <a:cs typeface="Arial" pitchFamily="34" charset="0"/>
-              </a:rPr>
-              <a:t>etc.</a:t>
+              <a:t>: Area, # Rooms, etc.</a:t>
             </a:r>
             <a:endParaRPr lang="en-CA" sz="2400" b="1" dirty="0">
               <a:latin typeface="Arial" pitchFamily="34" charset="0"/>
@@ -4954,38 +4996,46 @@
             </a:endParaRPr>
           </a:p>
           <a:p>
+            <a:endParaRPr lang="en-CA" sz="2400" b="1" dirty="0" smtClean="0">
+              <a:latin typeface="Arial" pitchFamily="34" charset="0"/>
+              <a:cs typeface="Arial" pitchFamily="34" charset="0"/>
+            </a:endParaRPr>
+          </a:p>
+          <a:p>
             <a:r>
               <a:rPr lang="en-CA" sz="2400" b="1" dirty="0" smtClean="0">
                 <a:latin typeface="Arial" pitchFamily="34" charset="0"/>
                 <a:cs typeface="Arial" pitchFamily="34" charset="0"/>
               </a:rPr>
-              <a:t>2.  Bounding polygons from Montreal Open Data</a:t>
-            </a:r>
-          </a:p>
-          <a:p>
-            <a:pPr lvl="1"/>
+              <a:t>2.  Bounding polygons from Montreal Open </a:t>
+            </a:r>
+            <a:r>
+              <a:rPr lang="en-CA" sz="2400" b="1" dirty="0" smtClean="0">
+                <a:latin typeface="Arial" pitchFamily="34" charset="0"/>
+                <a:cs typeface="Arial" pitchFamily="34" charset="0"/>
+              </a:rPr>
+              <a:t>Data to incorporate </a:t>
+            </a:r>
+            <a:r>
+              <a:rPr lang="en-CA" sz="2400" b="1" dirty="0" smtClean="0">
+                <a:latin typeface="Arial" pitchFamily="34" charset="0"/>
+                <a:cs typeface="Arial" pitchFamily="34" charset="0"/>
+              </a:rPr>
+              <a:t>a</a:t>
+            </a:r>
+            <a:r>
+              <a:rPr lang="en-CA" sz="2400" b="1" dirty="0" smtClean="0">
+                <a:latin typeface="Arial" pitchFamily="34" charset="0"/>
+                <a:cs typeface="Arial" pitchFamily="34" charset="0"/>
+              </a:rPr>
+              <a:t>dditional demographics</a:t>
+            </a:r>
             <a:endParaRPr lang="en-CA" sz="2400" b="1" dirty="0">
               <a:latin typeface="Arial" pitchFamily="34" charset="0"/>
               <a:cs typeface="Arial" pitchFamily="34" charset="0"/>
             </a:endParaRPr>
           </a:p>
           <a:p>
-            <a:r>
-              <a:rPr lang="en-CA" sz="2400" b="1" dirty="0" smtClean="0">
-                <a:latin typeface="Arial" pitchFamily="34" charset="0"/>
-                <a:cs typeface="Arial" pitchFamily="34" charset="0"/>
-              </a:rPr>
-              <a:t>3.  Additional </a:t>
-            </a:r>
-            <a:r>
-              <a:rPr lang="en-CA" sz="2400" b="1" dirty="0">
-                <a:latin typeface="Arial" pitchFamily="34" charset="0"/>
-                <a:cs typeface="Arial" pitchFamily="34" charset="0"/>
-              </a:rPr>
-              <a:t>demographics from Statistics Canada</a:t>
-            </a:r>
-          </a:p>
-          <a:p>
             <a:pPr marL="914400" lvl="1" indent="-457200">
               <a:buFont typeface="Arial" panose="020B0604020202020204" pitchFamily="34" charset="0"/>
               <a:buChar char="•"/>
@@ -5061,7 +5111,7 @@
         </p:nvSpPr>
         <p:spPr>
           <a:xfrm>
-            <a:off x="179512" y="550421"/>
+            <a:off x="179512" y="694437"/>
             <a:ext cx="8784976" cy="646331"/>
           </a:xfrm>
           <a:prstGeom prst="rect">
@@ -5178,8 +5228,8 @@
         </p:nvSpPr>
         <p:spPr>
           <a:xfrm>
-            <a:off x="755576" y="2438886"/>
-            <a:ext cx="7488832" cy="2862322"/>
+            <a:off x="827584" y="2636912"/>
+            <a:ext cx="7488832" cy="3046988"/>
           </a:xfrm>
           <a:prstGeom prst="rect">
             <a:avLst/>
@@ -5225,77 +5275,79 @@
               </a:rPr>
               <a:t>Linear regression</a:t>
             </a:r>
+          </a:p>
+          <a:p>
+            <a:r>
+              <a:rPr lang="en-CA" sz="3600" b="1" dirty="0">
+                <a:latin typeface="Arial" pitchFamily="34" charset="0"/>
+                <a:cs typeface="Arial" pitchFamily="34" charset="0"/>
+              </a:rPr>
+              <a:t>	</a:t>
+            </a:r>
+            <a:r>
+              <a:rPr lang="en-CA" sz="3600" b="1" dirty="0" smtClean="0">
+                <a:latin typeface="Arial" pitchFamily="34" charset="0"/>
+                <a:cs typeface="Arial" pitchFamily="34" charset="0"/>
+              </a:rPr>
+              <a:t>k-Nearest Neighbours</a:t>
+            </a:r>
+          </a:p>
+          <a:p>
+            <a:r>
+              <a:rPr lang="en-CA" sz="3600" b="1" dirty="0" smtClean="0">
+                <a:latin typeface="Arial" pitchFamily="34" charset="0"/>
+                <a:cs typeface="Arial" pitchFamily="34" charset="0"/>
+              </a:rPr>
+              <a:t>	</a:t>
+            </a:r>
+            <a:r>
+              <a:rPr lang="en-CA" sz="3600" b="1" dirty="0" smtClean="0">
+                <a:latin typeface="Arial" pitchFamily="34" charset="0"/>
+                <a:cs typeface="Arial" pitchFamily="34" charset="0"/>
+              </a:rPr>
+              <a:t>Support Vector </a:t>
+            </a:r>
+            <a:r>
+              <a:rPr lang="en-CA" sz="3600" b="1" dirty="0" smtClean="0">
+                <a:latin typeface="Arial" pitchFamily="34" charset="0"/>
+                <a:cs typeface="Arial" pitchFamily="34" charset="0"/>
+              </a:rPr>
+              <a:t>R</a:t>
+            </a:r>
+            <a:r>
+              <a:rPr lang="en-CA" sz="3600" b="1" dirty="0" smtClean="0">
+                <a:latin typeface="Arial" pitchFamily="34" charset="0"/>
+                <a:cs typeface="Arial" pitchFamily="34" charset="0"/>
+              </a:rPr>
+              <a:t>egression</a:t>
+            </a:r>
+          </a:p>
+          <a:p>
+            <a:r>
+              <a:rPr lang="en-CA" sz="3600" b="1" dirty="0" smtClean="0">
+                <a:latin typeface="Arial" pitchFamily="34" charset="0"/>
+                <a:cs typeface="Arial" pitchFamily="34" charset="0"/>
+              </a:rPr>
+              <a:t>	</a:t>
+            </a:r>
+            <a:r>
+              <a:rPr lang="en-CA" sz="3600" b="1" dirty="0" smtClean="0">
+                <a:latin typeface="Arial" pitchFamily="34" charset="0"/>
+                <a:cs typeface="Arial" pitchFamily="34" charset="0"/>
+              </a:rPr>
+              <a:t>(SVR)</a:t>
+            </a:r>
             <a:endParaRPr lang="en-CA" sz="3600" b="1" dirty="0" smtClean="0">
               <a:latin typeface="Arial" pitchFamily="34" charset="0"/>
               <a:cs typeface="Arial" pitchFamily="34" charset="0"/>
             </a:endParaRPr>
           </a:p>
           <a:p>
-            <a:r>
-              <a:rPr lang="en-CA" sz="3600" b="1" dirty="0">
-                <a:latin typeface="Arial" pitchFamily="34" charset="0"/>
-                <a:cs typeface="Arial" pitchFamily="34" charset="0"/>
-              </a:rPr>
-              <a:t>	</a:t>
-            </a:r>
-            <a:r>
-              <a:rPr lang="en-CA" sz="3600" b="1" dirty="0" smtClean="0">
-                <a:latin typeface="Arial" pitchFamily="34" charset="0"/>
-                <a:cs typeface="Arial" pitchFamily="34" charset="0"/>
-              </a:rPr>
-              <a:t>Decision tree</a:t>
-            </a:r>
-            <a:endParaRPr lang="en-CA" sz="3600" b="1" dirty="0" smtClean="0">
+            <a:endParaRPr lang="en-CA" sz="1200" b="1" dirty="0" smtClean="0">
               <a:latin typeface="Arial" pitchFamily="34" charset="0"/>
               <a:cs typeface="Arial" pitchFamily="34" charset="0"/>
             </a:endParaRPr>
           </a:p>
-          <a:p>
-            <a:r>
-              <a:rPr lang="en-CA" sz="3600" b="1" dirty="0">
-                <a:latin typeface="Arial" pitchFamily="34" charset="0"/>
-                <a:cs typeface="Arial" pitchFamily="34" charset="0"/>
-              </a:rPr>
-              <a:t>	</a:t>
-            </a:r>
-            <a:r>
-              <a:rPr lang="en-CA" sz="3600" b="1" dirty="0" smtClean="0">
-                <a:latin typeface="Arial" pitchFamily="34" charset="0"/>
-                <a:cs typeface="Arial" pitchFamily="34" charset="0"/>
-              </a:rPr>
-              <a:t>k-Nearest Neighbours</a:t>
-            </a:r>
-          </a:p>
-          <a:p>
-            <a:r>
-              <a:rPr lang="en-CA" sz="3600" b="1" dirty="0" smtClean="0">
-                <a:latin typeface="Arial" pitchFamily="34" charset="0"/>
-                <a:cs typeface="Arial" pitchFamily="34" charset="0"/>
-              </a:rPr>
-              <a:t>	</a:t>
-            </a:r>
-            <a:r>
-              <a:rPr lang="en-CA" sz="3600" b="1" dirty="0" smtClean="0">
-                <a:latin typeface="Arial" pitchFamily="34" charset="0"/>
-                <a:cs typeface="Arial" pitchFamily="34" charset="0"/>
-              </a:rPr>
-              <a:t>Neural </a:t>
-            </a:r>
-            <a:r>
-              <a:rPr lang="en-CA" sz="3600" b="1" dirty="0" smtClean="0">
-                <a:latin typeface="Arial" pitchFamily="34" charset="0"/>
-                <a:cs typeface="Arial" pitchFamily="34" charset="0"/>
-              </a:rPr>
-              <a:t>Networks </a:t>
-            </a:r>
-            <a:r>
-              <a:rPr lang="en-CA" sz="1200" b="1" dirty="0" smtClean="0">
-                <a:latin typeface="Arial" pitchFamily="34" charset="0"/>
-                <a:cs typeface="Arial" pitchFamily="34" charset="0"/>
-              </a:rPr>
-              <a:t>(Quinlan 93)</a:t>
-            </a:r>
-          </a:p>
         </p:txBody>
       </p:sp>
       <p:sp>
@@ -5306,7 +5358,7 @@
         </p:nvSpPr>
         <p:spPr>
           <a:xfrm>
-            <a:off x="179512" y="869811"/>
+            <a:off x="179512" y="1013827"/>
             <a:ext cx="8784976" cy="830997"/>
           </a:xfrm>
           <a:prstGeom prst="rect">
@@ -5404,7 +5456,21 @@
                 <a:latin typeface="Arial" pitchFamily="34" charset="0"/>
                 <a:cs typeface="Arial" pitchFamily="34" charset="0"/>
               </a:rPr>
-              <a:t>Predict within 0.95. </a:t>
+              <a:t>Predict within </a:t>
+            </a:r>
+            <a:r>
+              <a:rPr lang="en-CA" sz="2400" b="1" dirty="0" smtClean="0">
+                <a:latin typeface="Arial" pitchFamily="34" charset="0"/>
+                <a:cs typeface="Arial" pitchFamily="34" charset="0"/>
+              </a:rPr>
+              <a:t>0.05 error</a:t>
+            </a:r>
+            <a:r>
+              <a:rPr lang="en-CA" sz="2400" b="1" dirty="0" smtClean="0">
+                <a:latin typeface="Arial" pitchFamily="34" charset="0"/>
+                <a:cs typeface="Arial" pitchFamily="34" charset="0"/>
+              </a:rPr>
+              <a:t>. </a:t>
             </a:r>
             <a:r>
               <a:rPr lang="en-CA" sz="1200" b="1" dirty="0" smtClean="0">
@@ -5462,7 +5528,14 @@
                 <a:latin typeface="Arial" pitchFamily="34" charset="0"/>
                 <a:cs typeface="Arial" pitchFamily="34" charset="0"/>
               </a:rPr>
-              <a:t>Preliminary Results</a:t>
+              <a:t>Preliminary </a:t>
+            </a:r>
+            <a:r>
+              <a:rPr lang="en-CA" sz="3600" b="1" dirty="0" smtClean="0">
+                <a:latin typeface="Arial" pitchFamily="34" charset="0"/>
+                <a:cs typeface="Arial" pitchFamily="34" charset="0"/>
+              </a:rPr>
+              <a:t>Results (SVR)</a:t>
             </a:r>
             <a:endParaRPr lang="en-CA" sz="3600" b="1" dirty="0">
               <a:latin typeface="Arial" pitchFamily="34" charset="0"/>
@@ -5504,7 +5577,7 @@
         <p:spPr>
           <a:xfrm>
             <a:off x="6444208" y="2492896"/>
-            <a:ext cx="1944216" cy="1200329"/>
+            <a:ext cx="1944216" cy="830997"/>
           </a:xfrm>
           <a:prstGeom prst="rect">
             <a:avLst/>
@@ -5522,7 +5595,14 @@
                 <a:latin typeface="Arial" panose="020B0604020202020204" pitchFamily="34" charset="0"/>
                 <a:cs typeface="Arial" panose="020B0604020202020204" pitchFamily="34" charset="0"/>
               </a:rPr>
-              <a:t>Currently at 0.87 of actual price</a:t>
+              <a:t>Currently at </a:t>
+            </a:r>
+            <a:r>
+              <a:rPr lang="en-US" sz="2400" b="1" dirty="0" smtClean="0">
+                <a:latin typeface="Arial" panose="020B0604020202020204" pitchFamily="34" charset="0"/>
+                <a:cs typeface="Arial" panose="020B0604020202020204" pitchFamily="34" charset="0"/>
+              </a:rPr>
+              <a:t>0.13 error</a:t>
             </a:r>
             <a:endParaRPr lang="en-US" sz="2400" b="1" dirty="0">
               <a:latin typeface="Arial" panose="020B0604020202020204" pitchFamily="34" charset="0"/>
@@ -5534,7 +5614,7 @@
     </p:spTree>
     <p:extLst>
       <p:ext uri="{BB962C8B-B14F-4D97-AF65-F5344CB8AC3E}">
-        <p14:creationId xmlns:p14="http://schemas.microsoft.com/office/powerpoint/2010/main" xmlns="" val="2230857771"/>
+        <p14:creationId xmlns="" xmlns:p14="http://schemas.microsoft.com/office/powerpoint/2010/main" val="2230857771"/>
       </p:ext>
     </p:extLst>
   </p:cSld>
@@ -5576,8 +5656,8 @@
         </p:nvSpPr>
         <p:spPr>
           <a:xfrm>
-            <a:off x="611560" y="4010288"/>
-            <a:ext cx="8064895" cy="1938992"/>
+            <a:off x="539552" y="4010288"/>
+            <a:ext cx="8064895" cy="1754326"/>
           </a:xfrm>
           <a:prstGeom prst="rect">
             <a:avLst/>
@@ -5591,42 +5671,31 @@
           <a:lstStyle/>
           <a:p>
             <a:r>
-              <a:rPr lang="en-CA" sz="2400" b="1" dirty="0" smtClean="0">
-                <a:solidFill>
-                  <a:srgbClr val="FF0000"/>
-                </a:solidFill>
-                <a:latin typeface="Arial" pitchFamily="34" charset="0"/>
-                <a:cs typeface="Arial" pitchFamily="34" charset="0"/>
-              </a:rPr>
-              <a:t>Regression</a:t>
-            </a:r>
-            <a:r>
-              <a:rPr lang="en-CA" sz="2400" b="1" dirty="0" smtClean="0">
-                <a:latin typeface="Arial" pitchFamily="34" charset="0"/>
-                <a:cs typeface="Arial" pitchFamily="34" charset="0"/>
-              </a:rPr>
-              <a:t> analysis of the prices</a:t>
-            </a:r>
-          </a:p>
-          <a:p>
-            <a:endParaRPr lang="en-CA" sz="2400" b="1" dirty="0" smtClean="0">
+              <a:rPr lang="en-CA" sz="3600" b="1" dirty="0" smtClean="0">
+                <a:latin typeface="Arial" pitchFamily="34" charset="0"/>
+                <a:cs typeface="Arial" pitchFamily="34" charset="0"/>
+              </a:rPr>
+              <a:t>	</a:t>
+            </a:r>
+            <a:r>
+              <a:rPr lang="en-CA" sz="3600" b="1" dirty="0" smtClean="0">
+                <a:latin typeface="Arial" pitchFamily="34" charset="0"/>
+                <a:cs typeface="Arial" pitchFamily="34" charset="0"/>
+              </a:rPr>
+              <a:t>The living </a:t>
+            </a:r>
+            <a:r>
+              <a:rPr lang="en-CA" sz="3600" b="1" dirty="0" smtClean="0">
+                <a:latin typeface="Arial" pitchFamily="34" charset="0"/>
+                <a:cs typeface="Arial" pitchFamily="34" charset="0"/>
+              </a:rPr>
+              <a:t>area and the number of rooms (bathrooms) account for the most of the variance in price.</a:t>
+            </a:r>
+            <a:endParaRPr lang="en-CA" sz="3600" b="1" dirty="0">
               <a:latin typeface="Arial" pitchFamily="34" charset="0"/>
               <a:cs typeface="Arial" pitchFamily="34" charset="0"/>
             </a:endParaRPr>
           </a:p>
-          <a:p>
-            <a:r>
-              <a:rPr lang="en-CA" sz="2400" b="1" dirty="0" smtClean="0">
-                <a:latin typeface="Arial" pitchFamily="34" charset="0"/>
-                <a:cs typeface="Arial" pitchFamily="34" charset="0"/>
-              </a:rPr>
-              <a:t>	So far, the living area and the number of rooms (bathrooms) account for the most of the variance in price.</a:t>
-            </a:r>
-            <a:endParaRPr lang="en-CA" sz="2400" b="1" dirty="0">
-              <a:latin typeface="Arial" pitchFamily="34" charset="0"/>
-              <a:cs typeface="Arial" pitchFamily="34" charset="0"/>
-            </a:endParaRPr>
-          </a:p>
         </p:txBody>
       </p:sp>
       <p:sp>
@@ -5637,8 +5706,8 @@
         </p:nvSpPr>
         <p:spPr>
           <a:xfrm>
-            <a:off x="179512" y="622429"/>
-            <a:ext cx="8784976" cy="646331"/>
+            <a:off x="179512" y="581779"/>
+            <a:ext cx="8784976" cy="830997"/>
           </a:xfrm>
           <a:prstGeom prst="rect">
             <a:avLst/>
@@ -5653,13 +5722,20 @@
           <a:p>
             <a:pPr algn="ctr"/>
             <a:r>
-              <a:rPr lang="en-CA" sz="3600" b="1" dirty="0" smtClean="0">
-                <a:latin typeface="Arial" pitchFamily="34" charset="0"/>
-                <a:cs typeface="Arial" pitchFamily="34" charset="0"/>
-              </a:rPr>
-              <a:t>Preliminary Results</a:t>
-            </a:r>
-            <a:endParaRPr lang="en-CA" sz="3600" b="1" dirty="0">
+              <a:rPr lang="en-CA" sz="4800" b="1" dirty="0" smtClean="0">
+                <a:latin typeface="Arial" pitchFamily="34" charset="0"/>
+                <a:cs typeface="Arial" pitchFamily="34" charset="0"/>
+              </a:rPr>
+              <a:t>Preliminary </a:t>
+            </a:r>
+            <a:r>
+              <a:rPr lang="en-CA" sz="4800" b="1" dirty="0" smtClean="0">
+                <a:latin typeface="Arial" pitchFamily="34" charset="0"/>
+                <a:cs typeface="Arial" pitchFamily="34" charset="0"/>
+              </a:rPr>
+              <a:t>Results (Cont’d)</a:t>
+            </a:r>
+            <a:endParaRPr lang="en-CA" sz="4800" b="1" dirty="0">
               <a:latin typeface="Arial" pitchFamily="34" charset="0"/>
               <a:cs typeface="Arial" pitchFamily="34" charset="0"/>
             </a:endParaRPr>
@@ -5690,6 +5766,98 @@
           </a:prstGeom>
         </p:spPr>
       </p:pic>
+      <p:sp>
+        <p:nvSpPr>
+          <p:cNvPr id="5" name="Oval 4"/>
+          <p:cNvSpPr/>
+          <p:nvPr/>
+        </p:nvSpPr>
+        <p:spPr>
+          <a:xfrm>
+            <a:off x="1835696" y="2276872"/>
+            <a:ext cx="1008112" cy="1080120"/>
+          </a:xfrm>
+          <a:prstGeom prst="ellipse">
+            <a:avLst/>
+          </a:prstGeom>
+          <a:noFill/>
+          <a:ln w="57150">
+            <a:solidFill>
+              <a:srgbClr val="FF0000"/>
+            </a:solidFill>
+          </a:ln>
+        </p:spPr>
+        <p:style>
+          <a:lnRef idx="2">
+            <a:schemeClr val="accent1">
+              <a:shade val="50000"/>
+            </a:schemeClr>
+          </a:lnRef>
+          <a:fillRef idx="1">
+            <a:schemeClr val="accent1"/>
+          </a:fillRef>
+          <a:effectRef idx="0">
+            <a:schemeClr val="accent1"/>
+          </a:effectRef>
+          <a:fontRef idx="minor">
+            <a:schemeClr val="lt1"/>
+          </a:fontRef>
+        </p:style>
+        <p:txBody>
+          <a:bodyPr rtlCol="0" anchor="ctr"/>
+          <a:lstStyle/>
+          <a:p>
+            <a:pPr algn="ctr"/>
+            <a:endParaRPr lang="en-CA"/>
+          </a:p>
+        </p:txBody>
+      </p:sp>
+      <p:sp>
+        <p:nvSpPr>
+          <p:cNvPr id="8" name="Oval 7"/>
+          <p:cNvSpPr/>
+          <p:nvPr/>
+        </p:nvSpPr>
+        <p:spPr>
+          <a:xfrm>
+            <a:off x="5724128" y="2276872"/>
+            <a:ext cx="1800200" cy="1080120"/>
+          </a:xfrm>
+          <a:prstGeom prst="ellipse">
+            <a:avLst/>
+          </a:prstGeom>
+          <a:noFill/>
+          <a:ln w="57150">
+            <a:solidFill>
+              <a:srgbClr val="FF0000"/>
+            </a:solidFill>
+          </a:ln>
+        </p:spPr>
+        <p:style>
+          <a:lnRef idx="2">
+            <a:schemeClr val="accent1">
+              <a:shade val="50000"/>
+            </a:schemeClr>
+          </a:lnRef>
+          <a:fillRef idx="1">
+            <a:schemeClr val="accent1"/>
+          </a:fillRef>
+          <a:effectRef idx="0">
+            <a:schemeClr val="accent1"/>
+          </a:effectRef>
+          <a:fontRef idx="minor">
+            <a:schemeClr val="lt1"/>
+          </a:fontRef>
+        </p:style>
+        <p:txBody>
+          <a:bodyPr rtlCol="0" anchor="ctr"/>
+          <a:lstStyle/>
+          <a:p>
+            <a:pPr algn="ctr"/>
+            <a:endParaRPr lang="en-CA"/>
+          </a:p>
+        </p:txBody>
+      </p:sp>
     </p:spTree>
   </p:cSld>
   <p:clrMapOvr>
@@ -5730,8 +5898,8 @@
         </p:nvSpPr>
         <p:spPr>
           <a:xfrm>
-            <a:off x="539552" y="2407528"/>
-            <a:ext cx="8064896" cy="2677656"/>
+            <a:off x="539552" y="1671186"/>
+            <a:ext cx="8064896" cy="4278094"/>
           </a:xfrm>
           <a:prstGeom prst="rect">
             <a:avLst/>
@@ -5749,11 +5917,25 @@
               <a:buChar char="•"/>
             </a:pPr>
             <a:r>
-              <a:rPr lang="en-CA" sz="2400" b="1" dirty="0" smtClean="0">
-                <a:latin typeface="Arial" pitchFamily="34" charset="0"/>
-                <a:cs typeface="Arial" pitchFamily="34" charset="0"/>
-              </a:rPr>
-              <a:t>Incorporate data from Statistics Canada based on the defined Montreal boroughs</a:t>
+              <a:rPr lang="en-CA" sz="3200" b="1" dirty="0" smtClean="0">
+                <a:latin typeface="Arial" pitchFamily="34" charset="0"/>
+                <a:cs typeface="Arial" pitchFamily="34" charset="0"/>
+              </a:rPr>
+              <a:t>Incorporate </a:t>
+            </a:r>
+            <a:r>
+              <a:rPr lang="en-CA" sz="3200" b="1" dirty="0" smtClean="0">
+                <a:latin typeface="Arial" pitchFamily="34" charset="0"/>
+                <a:cs typeface="Arial" pitchFamily="34" charset="0"/>
+              </a:rPr>
+              <a:t>demographic data based </a:t>
+            </a:r>
+            <a:r>
+              <a:rPr lang="en-CA" sz="3200" b="1" dirty="0" smtClean="0">
+                <a:latin typeface="Arial" pitchFamily="34" charset="0"/>
+                <a:cs typeface="Arial" pitchFamily="34" charset="0"/>
+              </a:rPr>
+              <a:t>on the defined Montreal boroughs</a:t>
             </a:r>
           </a:p>
           <a:p>
@@ -5772,7 +5954,7 @@
               <a:buChar char="•"/>
             </a:pPr>
             <a:r>
-              <a:rPr lang="en-CA" sz="2400" b="1" dirty="0" smtClean="0">
+              <a:rPr lang="en-CA" sz="3200" b="1" dirty="0" smtClean="0">
                 <a:latin typeface="Arial" pitchFamily="34" charset="0"/>
                 <a:cs typeface="Arial" pitchFamily="34" charset="0"/>
               </a:rPr>
@@ -5802,11 +5984,18 @@
               <a:buChar char="•"/>
             </a:pPr>
             <a:r>
+              <a:rPr lang="en-CA" sz="3200" b="1" dirty="0" smtClean="0">
+                <a:latin typeface="Arial" pitchFamily="34" charset="0"/>
+                <a:cs typeface="Arial" pitchFamily="34" charset="0"/>
+              </a:rPr>
+              <a:t>Implement neural network for regression</a:t>
+            </a:r>
+            <a:r>
               <a:rPr lang="en-CA" sz="2400" b="1" dirty="0" smtClean="0">
                 <a:latin typeface="Arial" pitchFamily="34" charset="0"/>
                 <a:cs typeface="Arial" pitchFamily="34" charset="0"/>
               </a:rPr>
-              <a:t>Implement neural network for regression </a:t>
+              <a:t> </a:t>
             </a:r>
             <a:r>
               <a:rPr lang="en-CA" sz="1200" b="1" dirty="0" smtClean="0">
@@ -5830,8 +6019,8 @@
         </p:nvSpPr>
         <p:spPr>
           <a:xfrm>
-            <a:off x="179512" y="982469"/>
-            <a:ext cx="8784976" cy="646331"/>
+            <a:off x="179512" y="509771"/>
+            <a:ext cx="8784976" cy="830997"/>
           </a:xfrm>
           <a:prstGeom prst="rect">
             <a:avLst/>
@@ -5846,13 +6035,13 @@
           <a:p>
             <a:pPr algn="ctr"/>
             <a:r>
-              <a:rPr lang="en-CA" sz="3600" b="1" dirty="0" smtClean="0">
+              <a:rPr lang="en-CA" sz="4800" b="1" dirty="0" smtClean="0">
                 <a:latin typeface="Arial" pitchFamily="34" charset="0"/>
                 <a:cs typeface="Arial" pitchFamily="34" charset="0"/>
               </a:rPr>
               <a:t>Future directions</a:t>
             </a:r>
-            <a:endParaRPr lang="en-CA" sz="3600" b="1" dirty="0">
+            <a:endParaRPr lang="en-CA" sz="4800" b="1" dirty="0">
               <a:latin typeface="Arial" pitchFamily="34" charset="0"/>
               <a:cs typeface="Arial" pitchFamily="34" charset="0"/>
             </a:endParaRPr>

--- a/presentation/DaveNissanEmil2014MachineLearning.pptx
+++ b/presentation/DaveNissanEmil2014MachineLearning.pptx
@@ -215,7 +215,7 @@
             <a:fld id="{846388BD-8A6F-4B9B-95D6-1E40DF29BA0B}" type="datetimeFigureOut">
               <a:rPr lang="en-CA" smtClean="0"/>
               <a:pPr/>
-              <a:t>26/11/2014</a:t>
+              <a:t>27/11/2014</a:t>
             </a:fld>
             <a:endParaRPr lang="en-CA"/>
           </a:p>
@@ -534,31 +534,11 @@
           <a:p>
             <a:r>
               <a:rPr lang="en-CA" dirty="0" smtClean="0"/>
-              <a:t>For our project, </a:t>
-            </a:r>
-            <a:r>
-              <a:rPr lang="en-CA" dirty="0" smtClean="0"/>
-              <a:t>we</a:t>
+              <a:t>For our project, we</a:t>
             </a:r>
             <a:r>
               <a:rPr lang="en-CA" baseline="0" dirty="0" smtClean="0"/>
-              <a:t> predicted the real </a:t>
-            </a:r>
-            <a:r>
-              <a:rPr lang="en-CA" baseline="0" dirty="0" smtClean="0"/>
-              <a:t>estate </a:t>
-            </a:r>
-            <a:r>
-              <a:rPr lang="en-CA" baseline="0" dirty="0" smtClean="0"/>
-              <a:t>property prices </a:t>
-            </a:r>
-            <a:r>
-              <a:rPr lang="en-CA" baseline="0" dirty="0" smtClean="0"/>
-              <a:t>in Montreal</a:t>
-            </a:r>
-            <a:r>
-              <a:rPr lang="en-CA" baseline="0" dirty="0" smtClean="0"/>
-              <a:t>.</a:t>
+              <a:t> predicted the real estate property prices in Montreal.</a:t>
             </a:r>
             <a:endParaRPr lang="en-CA" dirty="0"/>
           </a:p>
@@ -651,35 +631,8 @@
               <a:rPr lang="en-CA" sz="800" b="0" baseline="0" dirty="0" smtClean="0">
                 <a:latin typeface="+mn-lt"/>
               </a:rPr>
-              <a:t>Why is important </a:t>
-            </a:r>
-            <a:r>
-              <a:rPr lang="en-CA" sz="800" b="0" baseline="0" dirty="0" smtClean="0">
-                <a:latin typeface="+mn-lt"/>
-              </a:rPr>
-              <a:t>to predict the price of </a:t>
-            </a:r>
-            <a:r>
-              <a:rPr lang="en-CA" sz="800" b="0" baseline="0" dirty="0" smtClean="0">
-                <a:latin typeface="+mn-lt"/>
-              </a:rPr>
-              <a:t>properties </a:t>
-            </a:r>
-            <a:r>
-              <a:rPr lang="en-CA" sz="800" b="0" baseline="0" dirty="0" smtClean="0">
-                <a:latin typeface="+mn-lt"/>
-              </a:rPr>
-              <a:t>using regression </a:t>
-            </a:r>
-            <a:r>
-              <a:rPr lang="en-CA" sz="800" b="0" baseline="0" dirty="0" smtClean="0">
-                <a:latin typeface="+mn-lt"/>
-              </a:rPr>
-              <a:t>analysis?</a:t>
-            </a:r>
-            <a:endParaRPr lang="en-CA" sz="800" b="0" baseline="0" dirty="0" smtClean="0">
-              <a:latin typeface="+mn-lt"/>
-            </a:endParaRPr>
+              <a:t>Why is it important to predict the price of properties using regression analysis?</a:t>
+            </a:r>
           </a:p>
           <a:p>
             <a:pPr marL="0" marR="0" indent="0" algn="l" defTabSz="914400" rtl="0" eaLnBrk="1" fontAlgn="auto" latinLnBrk="0" hangingPunct="1">
@@ -703,85 +656,43 @@
               <a:rPr lang="en-CA" sz="800" b="0" baseline="0" dirty="0" smtClean="0">
                 <a:latin typeface="+mn-lt"/>
               </a:rPr>
-              <a:t>This relates generally to real estate appraisals and </a:t>
+              <a:t>This relates generally to real estate appraisals and sales price predictions. The traditional human appraiser system has the disadvantage that the human </a:t>
             </a:r>
             <a:r>
               <a:rPr lang="en-CA" sz="800" b="0" baseline="0" dirty="0" smtClean="0">
                 <a:latin typeface="+mn-lt"/>
               </a:rPr>
-              <a:t>sales </a:t>
+              <a:t>appraisers are </a:t>
             </a:r>
             <a:r>
               <a:rPr lang="en-CA" sz="800" b="0" baseline="0" dirty="0" smtClean="0">
                 <a:latin typeface="+mn-lt"/>
               </a:rPr>
-              <a:t>price predictions. The disadvantage of the traditional human appraiser system is that the appraiser is biased towards the </a:t>
+              <a:t>biased </a:t>
             </a:r>
             <a:r>
               <a:rPr lang="en-CA" sz="800" b="0" baseline="0" dirty="0" smtClean="0">
                 <a:latin typeface="+mn-lt"/>
               </a:rPr>
-              <a:t>certain invested interest, and </a:t>
+              <a:t>toward </a:t>
             </a:r>
             <a:r>
               <a:rPr lang="en-CA" sz="800" b="0" baseline="0" dirty="0" smtClean="0">
                 <a:latin typeface="+mn-lt"/>
               </a:rPr>
-              <a:t>he or she </a:t>
+              <a:t>certain invested interest, and he or she might be costly. Whereas t</a:t>
+            </a:r>
+            <a:r>
+              <a:rPr lang="en-CA" sz="800" b="0" dirty="0" smtClean="0">
+                <a:latin typeface="+mn-lt"/>
+              </a:rPr>
+              <a:t>his</a:t>
             </a:r>
             <a:r>
               <a:rPr lang="en-CA" sz="800" b="0" baseline="0" dirty="0" smtClean="0">
                 <a:latin typeface="+mn-lt"/>
               </a:rPr>
-              <a:t>might </a:t>
-            </a:r>
-            <a:r>
-              <a:rPr lang="en-CA" sz="800" b="0" baseline="0" dirty="0" smtClean="0">
-                <a:latin typeface="+mn-lt"/>
-              </a:rPr>
-              <a:t>be costly. </a:t>
-            </a:r>
-            <a:r>
-              <a:rPr lang="en-CA" sz="800" b="0" baseline="0" dirty="0" smtClean="0">
-                <a:latin typeface="+mn-lt"/>
-              </a:rPr>
-              <a:t>Whereas </a:t>
-            </a:r>
-            <a:r>
-              <a:rPr lang="en-CA" sz="800" b="0" baseline="0" dirty="0" smtClean="0">
-                <a:latin typeface="+mn-lt"/>
-              </a:rPr>
-              <a:t>t</a:t>
-            </a:r>
-            <a:r>
-              <a:rPr lang="en-CA" sz="800" b="0" dirty="0" smtClean="0">
-                <a:latin typeface="+mn-lt"/>
-              </a:rPr>
-              <a:t>his</a:t>
-            </a:r>
-            <a:r>
-              <a:rPr lang="en-CA" sz="800" b="0" baseline="0" dirty="0" smtClean="0">
-                <a:latin typeface="+mn-lt"/>
-              </a:rPr>
-              <a:t> </a:t>
-            </a:r>
-            <a:r>
-              <a:rPr lang="en-CA" sz="800" b="0" baseline="0" dirty="0" smtClean="0">
-                <a:latin typeface="+mn-lt"/>
-              </a:rPr>
-              <a:t>is </a:t>
-            </a:r>
-            <a:r>
-              <a:rPr lang="en-CA" sz="800" b="0" baseline="0" dirty="0" smtClean="0">
-                <a:latin typeface="+mn-lt"/>
-              </a:rPr>
-              <a:t>a quick and automated system that </a:t>
-            </a:r>
-            <a:r>
-              <a:rPr lang="en-CA" sz="800" b="0" baseline="0" dirty="0" smtClean="0">
-                <a:latin typeface="+mn-lt"/>
-              </a:rPr>
-              <a:t>provides an independent 3rd party source that might be less biased.</a:t>
+              <a:t> is a quick and automated system that provides an independent 3rd party source that might be less biased.</a:t>
             </a:r>
             <a:endParaRPr lang="en-CA" sz="800" b="0" dirty="0" smtClean="0">
               <a:latin typeface="+mn-lt"/>
@@ -798,7 +709,7 @@
               <a:rPr lang="en-CA" sz="800" b="0" baseline="0" dirty="0" smtClean="0">
                 <a:latin typeface="+mn-lt"/>
               </a:rPr>
-              <a:t> system is useful to </a:t>
+              <a:t> system is also useful to </a:t>
             </a:r>
             <a:r>
               <a:rPr lang="en-CA" sz="800" b="0" baseline="0" dirty="0" smtClean="0">
@@ -812,7 +723,7 @@
                 <a:latin typeface="+mn-lt"/>
                 <a:cs typeface="+mn-cs"/>
               </a:rPr>
-              <a:t> in terms of value and investment.</a:t>
+              <a:t> in terms of investment.</a:t>
             </a:r>
             <a:endParaRPr lang="en-CA" sz="800" b="0" dirty="0" smtClean="0">
               <a:latin typeface="+mn-lt"/>
@@ -905,23 +816,11 @@
           <a:p>
             <a:r>
               <a:rPr lang="en-CA" dirty="0" smtClean="0"/>
-              <a:t>Part </a:t>
-            </a:r>
-            <a:r>
-              <a:rPr lang="en-CA" dirty="0" smtClean="0"/>
-              <a:t>of the dataset </a:t>
-            </a:r>
-            <a:r>
-              <a:rPr lang="en-CA" dirty="0" smtClean="0"/>
-              <a:t>was</a:t>
+              <a:t>Part of the dataset was</a:t>
             </a:r>
             <a:r>
               <a:rPr lang="en-CA" baseline="0" dirty="0" smtClean="0"/>
-              <a:t> </a:t>
-            </a:r>
-            <a:r>
-              <a:rPr lang="en-CA" baseline="0" dirty="0" smtClean="0"/>
-              <a:t>from a real estate listing website, Centris.ca. </a:t>
+              <a:t> from a real estate listing website, Centris.ca. </a:t>
             </a:r>
             <a:r>
               <a:rPr lang="en-CA" dirty="0" smtClean="0"/>
@@ -929,55 +828,14 @@
             </a:r>
             <a:r>
               <a:rPr lang="en-CA" baseline="0" dirty="0" smtClean="0"/>
-              <a:t> are trying to predict are the prices of the properties. </a:t>
-            </a:r>
+              <a:t> are trying to predict are the prices of the properties. Some of the features were from the listings themselves, examples such as its living area and the number of rooms.</a:t>
+            </a:r>
+          </a:p>
+          <a:p>
             <a:r>
               <a:rPr lang="en-CA" baseline="0" dirty="0" smtClean="0"/>
-              <a:t>Some of the </a:t>
-            </a:r>
-            <a:r>
-              <a:rPr lang="en-CA" baseline="0" dirty="0" smtClean="0"/>
-              <a:t>features </a:t>
-            </a:r>
-            <a:r>
-              <a:rPr lang="en-CA" baseline="0" dirty="0" smtClean="0"/>
-              <a:t>were </a:t>
-            </a:r>
-            <a:r>
-              <a:rPr lang="en-CA" baseline="0" dirty="0" smtClean="0"/>
-              <a:t>from the listings themselves, examples such as its living area and the number of rooms, etc.</a:t>
-            </a:r>
-          </a:p>
-          <a:p>
-            <a:r>
-              <a:rPr lang="en-CA" baseline="0" dirty="0" smtClean="0"/>
-              <a:t>We used the bounding </a:t>
-            </a:r>
-            <a:r>
-              <a:rPr lang="en-CA" baseline="0" dirty="0" smtClean="0"/>
-              <a:t>polygons from Montreal </a:t>
-            </a:r>
-            <a:r>
-              <a:rPr lang="en-CA" baseline="0" dirty="0" smtClean="0"/>
-              <a:t>Open Data to incorporate additional demographic data based on the boroughs in Montreal. The </a:t>
-            </a:r>
-            <a:r>
-              <a:rPr lang="en-CA" baseline="0" dirty="0" smtClean="0"/>
-              <a:t>additional geographical features are </a:t>
-            </a:r>
-            <a:r>
-              <a:rPr lang="en-CA" baseline="0" dirty="0" smtClean="0"/>
-              <a:t>income </a:t>
-            </a:r>
-            <a:r>
-              <a:rPr lang="en-CA" baseline="0" dirty="0" smtClean="0"/>
-              <a:t>and crime rate, </a:t>
-            </a:r>
-            <a:r>
-              <a:rPr lang="en-CA" baseline="0" dirty="0" smtClean="0"/>
-              <a:t>etc</a:t>
-            </a:r>
-            <a:endParaRPr lang="en-CA" baseline="0" dirty="0" smtClean="0"/>
+              <a:t>We used the bounding polygons from Montreal Open Data to incorporate additional demographic data based on the boroughs in Montreal. Examples of the additional geographical features are income and crime rate.</a:t>
+            </a:r>
           </a:p>
         </p:txBody>
       </p:sp>
@@ -1066,15 +924,7 @@
           <a:p>
             <a:r>
               <a:rPr lang="en-CA" dirty="0" smtClean="0"/>
-              <a:t>The </a:t>
-            </a:r>
-            <a:r>
-              <a:rPr lang="en-CA" dirty="0" smtClean="0"/>
-              <a:t>baseline machine </a:t>
-            </a:r>
-            <a:r>
-              <a:rPr lang="en-CA" dirty="0" smtClean="0"/>
-              <a:t>learning methods for the regression of the prices</a:t>
+              <a:t>The baseline machine learning methods for the regression of the prices</a:t>
             </a:r>
             <a:r>
               <a:rPr lang="en-CA" baseline="0" dirty="0" smtClean="0"/>
@@ -1088,52 +938,20 @@
           <a:p>
             <a:r>
               <a:rPr lang="en-CA" dirty="0" smtClean="0"/>
-              <a:t>Linear </a:t>
-            </a:r>
-            <a:r>
-              <a:rPr lang="en-CA" dirty="0" smtClean="0"/>
-              <a:t>regression</a:t>
-            </a:r>
-            <a:endParaRPr lang="en-CA" dirty="0" smtClean="0"/>
+              <a:t>Linear regression</a:t>
+            </a:r>
           </a:p>
           <a:p>
             <a:r>
               <a:rPr lang="en-CA" dirty="0" err="1" smtClean="0"/>
               <a:t>kNN</a:t>
             </a:r>
+            <a:endParaRPr lang="en-CA" baseline="0" dirty="0" smtClean="0"/>
+          </a:p>
+          <a:p>
             <a:r>
               <a:rPr lang="en-CA" dirty="0" smtClean="0"/>
-              <a:t>. Which </a:t>
-            </a:r>
-            <a:r>
-              <a:rPr lang="en-CA" dirty="0" smtClean="0"/>
-              <a:t>is the most similar to </a:t>
-            </a:r>
-            <a:r>
-              <a:rPr lang="en-CA" dirty="0" smtClean="0"/>
-              <a:t>that</a:t>
-            </a:r>
-            <a:r>
-              <a:rPr lang="en-CA" baseline="0" dirty="0" smtClean="0"/>
-              <a:t> </a:t>
-            </a:r>
-            <a:r>
-              <a:rPr lang="en-CA" baseline="0" dirty="0" smtClean="0"/>
-              <a:t>used by the brokers. Where </a:t>
-            </a:r>
-            <a:r>
-              <a:rPr lang="en-CA" baseline="0" dirty="0" smtClean="0"/>
-              <a:t>they </a:t>
-            </a:r>
-            <a:r>
-              <a:rPr lang="en-CA" baseline="0" dirty="0" smtClean="0"/>
-              <a:t>look at neighbouring properties of similar types.</a:t>
-            </a:r>
-          </a:p>
-          <a:p>
-            <a:r>
-              <a:rPr lang="en-CA" dirty="0" smtClean="0"/>
-              <a:t>And support vector regression which is similar to SVM for regression</a:t>
+              <a:t>And support vector regression</a:t>
             </a:r>
             <a:r>
               <a:rPr lang="en-CA" baseline="0" dirty="0" smtClean="0"/>
@@ -1245,46 +1063,14 @@
             </a:pPr>
             <a:r>
               <a:rPr lang="en-CA" baseline="0" dirty="0" smtClean="0"/>
-              <a:t>Plotting the predicted price versus the actual price. The regression model tends to over predict the cheap properties and under predict the expensive properties. Currently, we can </a:t>
-            </a:r>
+              <a:t>Plotting the predicted price versus the actual price. The SVR model tends to over predict the cheap properties and under predict the expensive properties. This prediction is also useful for the buyers, as predicted data points that falls largely overly the unity line are under-valued properties according to our model. Whereas the points that are largely under the unity line might be overly priced according to our model.</a:t>
+            </a:r>
+            <a:endParaRPr lang="en-CA" dirty="0" smtClean="0"/>
+          </a:p>
+          <a:p>
             <a:r>
               <a:rPr lang="en-CA" baseline="0" dirty="0" smtClean="0"/>
-              <a:t>have a prediction error of 0.13 of the </a:t>
-            </a:r>
-            <a:r>
-              <a:rPr lang="en-CA" baseline="0" dirty="0" smtClean="0"/>
-              <a:t>actual </a:t>
-            </a:r>
-            <a:r>
-              <a:rPr lang="en-CA" baseline="0" dirty="0" smtClean="0"/>
-              <a:t>price with SVR. </a:t>
-            </a:r>
-            <a:r>
-              <a:rPr lang="en-CA" baseline="0" dirty="0" smtClean="0"/>
-              <a:t>This prediction is useful, as predicted data points that falls largely overly the unity line are under-valued properties according to our model. Also, the points that are largely under the unity line might be overly priced according to our model.</a:t>
-            </a:r>
-            <a:endParaRPr lang="en-CA" dirty="0" smtClean="0"/>
-          </a:p>
-          <a:p>
-            <a:r>
-              <a:rPr lang="en-CA" baseline="0" dirty="0" smtClean="0"/>
-              <a:t>Our goal is to </a:t>
-            </a:r>
-            <a:r>
-              <a:rPr lang="en-CA" baseline="0" dirty="0" smtClean="0"/>
-              <a:t>have a prediction error of 0.05 </a:t>
-            </a:r>
-            <a:r>
-              <a:rPr lang="en-CA" baseline="0" dirty="0" smtClean="0"/>
-              <a:t>of the selling </a:t>
-            </a:r>
-            <a:r>
-              <a:rPr lang="en-CA" baseline="0" dirty="0" smtClean="0"/>
-              <a:t>price. Since </a:t>
-            </a:r>
-            <a:r>
-              <a:rPr lang="en-CA" baseline="0" dirty="0" smtClean="0"/>
-              <a:t>similar performance has been achieve by Yann </a:t>
+              <a:t>Currently, we can have a prediction error of 0.13 with SVR. Our goal is to have a prediction error of 0.05. Since similar performance has been achieve by Yann </a:t>
             </a:r>
             <a:r>
               <a:rPr lang="en-CA" baseline="0" dirty="0" err="1" smtClean="0"/>
@@ -1296,9 +1082,12 @@
             </a:r>
             <a:r>
               <a:rPr lang="en-CA" baseline="0" dirty="0" smtClean="0"/>
-              <a:t>features such as the geographical features that I mentioned.</a:t>
-            </a:r>
-            <a:endParaRPr lang="en-CA" baseline="0" dirty="0" smtClean="0"/>
+              <a:t>geographical </a:t>
+            </a:r>
+            <a:r>
+              <a:rPr lang="en-CA" baseline="0" dirty="0" smtClean="0"/>
+              <a:t>features that I mentioned.</a:t>
+            </a:r>
           </a:p>
           <a:p>
             <a:r>
@@ -1398,23 +1187,11 @@
             </a:r>
             <a:r>
               <a:rPr lang="en-CA" baseline="0" dirty="0" smtClean="0"/>
-              <a:t> that account for most of the price variance for the linear model is the living area and </a:t>
-            </a:r>
-            <a:r>
-              <a:rPr lang="en-CA" baseline="0" dirty="0" smtClean="0"/>
-              <a:t>the number </a:t>
-            </a:r>
-            <a:r>
-              <a:rPr lang="en-CA" baseline="0" dirty="0" smtClean="0"/>
-              <a:t>of rooms (especially the </a:t>
-            </a:r>
-            <a:r>
-              <a:rPr lang="en-CA" baseline="0" dirty="0" smtClean="0"/>
-              <a:t>number of bathrooms</a:t>
-            </a:r>
-            <a:r>
-              <a:rPr lang="en-CA" baseline="0" dirty="0" smtClean="0"/>
-              <a:t>). The geographical locations did not have a huge impact so far as we did not incorporate the relevant geographical features besides the absolute locations.</a:t>
+              <a:t> that account for most of the price variance for the linear model is the living area and the number of rooms (especially the number of </a:t>
+            </a:r>
+            <a:r>
+              <a:rPr lang="en-CA" baseline="0" smtClean="0"/>
+              <a:t>bathrooms).</a:t>
             </a:r>
             <a:endParaRPr lang="en-CA" dirty="0"/>
           </a:p>
@@ -1505,70 +1282,34 @@
           <a:p>
             <a:r>
               <a:rPr lang="en-CA" dirty="0" smtClean="0"/>
-              <a:t>This is of course still</a:t>
+              <a:t>This is </a:t>
             </a:r>
             <a:r>
               <a:rPr lang="en-CA" baseline="0" dirty="0" smtClean="0"/>
-              <a:t> a work in </a:t>
+              <a:t>a </a:t>
             </a:r>
             <a:r>
               <a:rPr lang="en-CA" baseline="0" dirty="0" smtClean="0"/>
-              <a:t>progress</a:t>
-            </a:r>
-            <a:endParaRPr lang="en-CA" baseline="0" dirty="0" smtClean="0"/>
+              <a:t>work in progress</a:t>
+            </a:r>
           </a:p>
           <a:p>
             <a:r>
               <a:rPr lang="en-CA" baseline="0" dirty="0" smtClean="0"/>
-              <a:t>As we still need to add the geographical </a:t>
-            </a:r>
+              <a:t>We will need to add the geographical location features into the dataset as mentioned</a:t>
+            </a:r>
+          </a:p>
+          <a:p>
             <a:r>
               <a:rPr lang="en-CA" baseline="0" dirty="0" smtClean="0"/>
-              <a:t>features </a:t>
-            </a:r>
+              <a:t>Some previous works have looked at the expansion of features into higher order terms, and we plan to do so as well</a:t>
+            </a:r>
+          </a:p>
+          <a:p>
             <a:r>
               <a:rPr lang="en-CA" baseline="0" dirty="0" smtClean="0"/>
-              <a:t>into the dataset as </a:t>
-            </a:r>
-            <a:r>
-              <a:rPr lang="en-CA" baseline="0" dirty="0" smtClean="0"/>
-              <a:t>mentioned</a:t>
-            </a:r>
-            <a:endParaRPr lang="en-CA" baseline="0" dirty="0" smtClean="0"/>
-          </a:p>
-          <a:p>
-            <a:r>
-              <a:rPr lang="en-CA" baseline="0" dirty="0" smtClean="0"/>
-              <a:t>Some </a:t>
-            </a:r>
-            <a:r>
-              <a:rPr lang="en-CA" baseline="0" dirty="0" smtClean="0"/>
-              <a:t>previous works have looked at the expansion of features into higher order terms, and we plan to do so as </a:t>
-            </a:r>
-            <a:r>
-              <a:rPr lang="en-CA" baseline="0" dirty="0" smtClean="0"/>
-              <a:t>well</a:t>
-            </a:r>
-            <a:endParaRPr lang="en-CA" baseline="0" dirty="0" smtClean="0"/>
-          </a:p>
-          <a:p>
-            <a:r>
-              <a:rPr lang="en-CA" baseline="0" dirty="0" smtClean="0"/>
-              <a:t>In terms of the machine learning method,</a:t>
-            </a:r>
-            <a:r>
-              <a:rPr lang="en-CA" baseline="0" dirty="0"/>
-              <a:t> </a:t>
-            </a:r>
-            <a:r>
-              <a:rPr lang="en-CA" baseline="0" dirty="0" smtClean="0"/>
-              <a:t>we plan to implement neural network for regression, which might further improve </a:t>
-            </a:r>
-            <a:r>
-              <a:rPr lang="en-CA" baseline="0" dirty="0" smtClean="0"/>
-              <a:t>regression performance</a:t>
-            </a:r>
-            <a:endParaRPr lang="en-CA" baseline="0" dirty="0" smtClean="0"/>
+              <a:t>In terms of the machine learning methods, we plan to implement neural network for regression, which might further improve regression performance</a:t>
+            </a:r>
           </a:p>
         </p:txBody>
       </p:sp>
@@ -1791,7 +1532,7 @@
             <a:fld id="{574F1A96-3F81-4DB8-AC7E-AF17C81A9AD7}" type="datetimeFigureOut">
               <a:rPr lang="en-CA" smtClean="0"/>
               <a:pPr/>
-              <a:t>26/11/2014</a:t>
+              <a:t>27/11/2014</a:t>
             </a:fld>
             <a:endParaRPr lang="en-CA"/>
           </a:p>
@@ -1958,7 +1699,7 @@
             <a:fld id="{574F1A96-3F81-4DB8-AC7E-AF17C81A9AD7}" type="datetimeFigureOut">
               <a:rPr lang="en-CA" smtClean="0"/>
               <a:pPr/>
-              <a:t>26/11/2014</a:t>
+              <a:t>27/11/2014</a:t>
             </a:fld>
             <a:endParaRPr lang="en-CA"/>
           </a:p>
@@ -2135,7 +1876,7 @@
             <a:fld id="{574F1A96-3F81-4DB8-AC7E-AF17C81A9AD7}" type="datetimeFigureOut">
               <a:rPr lang="en-CA" smtClean="0"/>
               <a:pPr/>
-              <a:t>26/11/2014</a:t>
+              <a:t>27/11/2014</a:t>
             </a:fld>
             <a:endParaRPr lang="en-CA"/>
           </a:p>
@@ -2302,7 +2043,7 @@
             <a:fld id="{574F1A96-3F81-4DB8-AC7E-AF17C81A9AD7}" type="datetimeFigureOut">
               <a:rPr lang="en-CA" smtClean="0"/>
               <a:pPr/>
-              <a:t>26/11/2014</a:t>
+              <a:t>27/11/2014</a:t>
             </a:fld>
             <a:endParaRPr lang="en-CA"/>
           </a:p>
@@ -2545,7 +2286,7 @@
             <a:fld id="{574F1A96-3F81-4DB8-AC7E-AF17C81A9AD7}" type="datetimeFigureOut">
               <a:rPr lang="en-CA" smtClean="0"/>
               <a:pPr/>
-              <a:t>26/11/2014</a:t>
+              <a:t>27/11/2014</a:t>
             </a:fld>
             <a:endParaRPr lang="en-CA"/>
           </a:p>
@@ -2830,7 +2571,7 @@
             <a:fld id="{574F1A96-3F81-4DB8-AC7E-AF17C81A9AD7}" type="datetimeFigureOut">
               <a:rPr lang="en-CA" smtClean="0"/>
               <a:pPr/>
-              <a:t>26/11/2014</a:t>
+              <a:t>27/11/2014</a:t>
             </a:fld>
             <a:endParaRPr lang="en-CA"/>
           </a:p>
@@ -3249,7 +2990,7 @@
             <a:fld id="{574F1A96-3F81-4DB8-AC7E-AF17C81A9AD7}" type="datetimeFigureOut">
               <a:rPr lang="en-CA" smtClean="0"/>
               <a:pPr/>
-              <a:t>26/11/2014</a:t>
+              <a:t>27/11/2014</a:t>
             </a:fld>
             <a:endParaRPr lang="en-CA"/>
           </a:p>
@@ -3364,7 +3105,7 @@
             <a:fld id="{574F1A96-3F81-4DB8-AC7E-AF17C81A9AD7}" type="datetimeFigureOut">
               <a:rPr lang="en-CA" smtClean="0"/>
               <a:pPr/>
-              <a:t>26/11/2014</a:t>
+              <a:t>27/11/2014</a:t>
             </a:fld>
             <a:endParaRPr lang="en-CA"/>
           </a:p>
@@ -3456,7 +3197,7 @@
             <a:fld id="{574F1A96-3F81-4DB8-AC7E-AF17C81A9AD7}" type="datetimeFigureOut">
               <a:rPr lang="en-CA" smtClean="0"/>
               <a:pPr/>
-              <a:t>26/11/2014</a:t>
+              <a:t>27/11/2014</a:t>
             </a:fld>
             <a:endParaRPr lang="en-CA"/>
           </a:p>
@@ -3730,7 +3471,7 @@
             <a:fld id="{574F1A96-3F81-4DB8-AC7E-AF17C81A9AD7}" type="datetimeFigureOut">
               <a:rPr lang="en-CA" smtClean="0"/>
               <a:pPr/>
-              <a:t>26/11/2014</a:t>
+              <a:t>27/11/2014</a:t>
             </a:fld>
             <a:endParaRPr lang="en-CA"/>
           </a:p>
@@ -3980,7 +3721,7 @@
             <a:fld id="{574F1A96-3F81-4DB8-AC7E-AF17C81A9AD7}" type="datetimeFigureOut">
               <a:rPr lang="en-CA" smtClean="0"/>
               <a:pPr/>
-              <a:t>26/11/2014</a:t>
+              <a:t>27/11/2014</a:t>
             </a:fld>
             <a:endParaRPr lang="en-CA"/>
           </a:p>
@@ -4190,7 +3931,7 @@
             <a:fld id="{574F1A96-3F81-4DB8-AC7E-AF17C81A9AD7}" type="datetimeFigureOut">
               <a:rPr lang="en-CA" smtClean="0"/>
               <a:pPr/>
-              <a:t>26/11/2014</a:t>
+              <a:t>27/11/2014</a:t>
             </a:fld>
             <a:endParaRPr lang="en-CA"/>
           </a:p>
@@ -4928,7 +4669,28 @@
                 <a:latin typeface="Arial" pitchFamily="34" charset="0"/>
                 <a:cs typeface="Arial" pitchFamily="34" charset="0"/>
               </a:rPr>
-              <a:t>1.  Property listings in Montreal from real estate website</a:t>
+              <a:t>1.  Property listings in Montreal from </a:t>
+            </a:r>
+            <a:r>
+              <a:rPr lang="en-CA" sz="2400" b="1" dirty="0" smtClean="0">
+                <a:latin typeface="Arial" pitchFamily="34" charset="0"/>
+                <a:cs typeface="Arial" pitchFamily="34" charset="0"/>
+              </a:rPr>
+              <a:t>a </a:t>
+            </a:r>
+            <a:r>
+              <a:rPr lang="en-CA" sz="2400" b="1" dirty="0" smtClean="0">
+                <a:latin typeface="Arial" pitchFamily="34" charset="0"/>
+                <a:cs typeface="Arial" pitchFamily="34" charset="0"/>
+              </a:rPr>
+              <a:t>real </a:t>
+            </a:r>
+            <a:r>
+              <a:rPr lang="en-CA" sz="2400" b="1" dirty="0" smtClean="0">
+                <a:latin typeface="Arial" pitchFamily="34" charset="0"/>
+                <a:cs typeface="Arial" pitchFamily="34" charset="0"/>
+              </a:rPr>
+              <a:t>estate website</a:t>
             </a:r>
           </a:p>
           <a:p>
@@ -5007,28 +4769,7 @@
                 <a:latin typeface="Arial" pitchFamily="34" charset="0"/>
                 <a:cs typeface="Arial" pitchFamily="34" charset="0"/>
               </a:rPr>
-              <a:t>2.  Bounding polygons from Montreal Open </a:t>
-            </a:r>
-            <a:r>
-              <a:rPr lang="en-CA" sz="2400" b="1" dirty="0" smtClean="0">
-                <a:latin typeface="Arial" pitchFamily="34" charset="0"/>
-                <a:cs typeface="Arial" pitchFamily="34" charset="0"/>
-              </a:rPr>
-              <a:t>Data to incorporate </a:t>
-            </a:r>
-            <a:r>
-              <a:rPr lang="en-CA" sz="2400" b="1" dirty="0" smtClean="0">
-                <a:latin typeface="Arial" pitchFamily="34" charset="0"/>
-                <a:cs typeface="Arial" pitchFamily="34" charset="0"/>
-              </a:rPr>
-              <a:t>a</a:t>
-            </a:r>
-            <a:r>
-              <a:rPr lang="en-CA" sz="2400" b="1" dirty="0" smtClean="0">
-                <a:latin typeface="Arial" pitchFamily="34" charset="0"/>
-                <a:cs typeface="Arial" pitchFamily="34" charset="0"/>
-              </a:rPr>
-              <a:t>dditional demographics</a:t>
+              <a:t>2.  Bounding polygons from Montreal Open Data to incorporate additional demographics</a:t>
             </a:r>
             <a:endParaRPr lang="en-CA" sz="2400" b="1" dirty="0">
               <a:latin typeface="Arial" pitchFamily="34" charset="0"/>
@@ -5298,49 +5039,17 @@
                 <a:latin typeface="Arial" pitchFamily="34" charset="0"/>
                 <a:cs typeface="Arial" pitchFamily="34" charset="0"/>
               </a:rPr>
-              <a:t>	</a:t>
-            </a:r>
+              <a:t>	Support Vector Regression</a:t>
+            </a:r>
+          </a:p>
+          <a:p>
             <a:r>
               <a:rPr lang="en-CA" sz="3600" b="1" dirty="0" smtClean="0">
                 <a:latin typeface="Arial" pitchFamily="34" charset="0"/>
                 <a:cs typeface="Arial" pitchFamily="34" charset="0"/>
               </a:rPr>
-              <a:t>Support Vector </a:t>
-            </a:r>
-            <a:r>
-              <a:rPr lang="en-CA" sz="3600" b="1" dirty="0" smtClean="0">
-                <a:latin typeface="Arial" pitchFamily="34" charset="0"/>
-                <a:cs typeface="Arial" pitchFamily="34" charset="0"/>
-              </a:rPr>
-              <a:t>R</a:t>
-            </a:r>
-            <a:r>
-              <a:rPr lang="en-CA" sz="3600" b="1" dirty="0" smtClean="0">
-                <a:latin typeface="Arial" pitchFamily="34" charset="0"/>
-                <a:cs typeface="Arial" pitchFamily="34" charset="0"/>
-              </a:rPr>
-              <a:t>egression</a:t>
-            </a:r>
-          </a:p>
-          <a:p>
-            <a:r>
-              <a:rPr lang="en-CA" sz="3600" b="1" dirty="0" smtClean="0">
-                <a:latin typeface="Arial" pitchFamily="34" charset="0"/>
-                <a:cs typeface="Arial" pitchFamily="34" charset="0"/>
-              </a:rPr>
-              <a:t>	</a:t>
-            </a:r>
-            <a:r>
-              <a:rPr lang="en-CA" sz="3600" b="1" dirty="0" smtClean="0">
-                <a:latin typeface="Arial" pitchFamily="34" charset="0"/>
-                <a:cs typeface="Arial" pitchFamily="34" charset="0"/>
-              </a:rPr>
-              <a:t>(SVR)</a:t>
-            </a:r>
-            <a:endParaRPr lang="en-CA" sz="3600" b="1" dirty="0" smtClean="0">
-              <a:latin typeface="Arial" pitchFamily="34" charset="0"/>
-              <a:cs typeface="Arial" pitchFamily="34" charset="0"/>
-            </a:endParaRPr>
+              <a:t>	(SVR)</a:t>
+            </a:r>
           </a:p>
           <a:p>
             <a:endParaRPr lang="en-CA" sz="1200" b="1" dirty="0" smtClean="0">
@@ -5456,21 +5165,7 @@
                 <a:latin typeface="Arial" pitchFamily="34" charset="0"/>
                 <a:cs typeface="Arial" pitchFamily="34" charset="0"/>
               </a:rPr>
-              <a:t>Predict within </a:t>
-            </a:r>
-            <a:r>
-              <a:rPr lang="en-CA" sz="2400" b="1" dirty="0" smtClean="0">
-                <a:latin typeface="Arial" pitchFamily="34" charset="0"/>
-                <a:cs typeface="Arial" pitchFamily="34" charset="0"/>
-              </a:rPr>
-              <a:t>0.05 error</a:t>
-            </a:r>
-            <a:r>
-              <a:rPr lang="en-CA" sz="2400" b="1" dirty="0" smtClean="0">
-                <a:latin typeface="Arial" pitchFamily="34" charset="0"/>
-                <a:cs typeface="Arial" pitchFamily="34" charset="0"/>
-              </a:rPr>
-              <a:t>. </a:t>
+              <a:t>Predict within 0.05 error. </a:t>
             </a:r>
             <a:r>
               <a:rPr lang="en-CA" sz="1200" b="1" dirty="0" smtClean="0">
@@ -5528,14 +5223,7 @@
                 <a:latin typeface="Arial" pitchFamily="34" charset="0"/>
                 <a:cs typeface="Arial" pitchFamily="34" charset="0"/>
               </a:rPr>
-              <a:t>Preliminary </a:t>
-            </a:r>
-            <a:r>
-              <a:rPr lang="en-CA" sz="3600" b="1" dirty="0" smtClean="0">
-                <a:latin typeface="Arial" pitchFamily="34" charset="0"/>
-                <a:cs typeface="Arial" pitchFamily="34" charset="0"/>
-              </a:rPr>
-              <a:t>Results (SVR)</a:t>
+              <a:t>Preliminary Results (SVR)</a:t>
             </a:r>
             <a:endParaRPr lang="en-CA" sz="3600" b="1" dirty="0">
               <a:latin typeface="Arial" pitchFamily="34" charset="0"/>
@@ -5595,14 +5283,7 @@
                 <a:latin typeface="Arial" panose="020B0604020202020204" pitchFamily="34" charset="0"/>
                 <a:cs typeface="Arial" panose="020B0604020202020204" pitchFamily="34" charset="0"/>
               </a:rPr>
-              <a:t>Currently at </a:t>
-            </a:r>
-            <a:r>
-              <a:rPr lang="en-US" sz="2400" b="1" dirty="0" smtClean="0">
-                <a:latin typeface="Arial" panose="020B0604020202020204" pitchFamily="34" charset="0"/>
-                <a:cs typeface="Arial" panose="020B0604020202020204" pitchFamily="34" charset="0"/>
-              </a:rPr>
-              <a:t>0.13 error</a:t>
+              <a:t>Currently at 0.13 error</a:t>
             </a:r>
             <a:endParaRPr lang="en-US" sz="2400" b="1" dirty="0">
               <a:latin typeface="Arial" panose="020B0604020202020204" pitchFamily="34" charset="0"/>
@@ -5675,21 +5356,7 @@
                 <a:latin typeface="Arial" pitchFamily="34" charset="0"/>
                 <a:cs typeface="Arial" pitchFamily="34" charset="0"/>
               </a:rPr>
-              <a:t>	</a:t>
-            </a:r>
-            <a:r>
-              <a:rPr lang="en-CA" sz="3600" b="1" dirty="0" smtClean="0">
-                <a:latin typeface="Arial" pitchFamily="34" charset="0"/>
-                <a:cs typeface="Arial" pitchFamily="34" charset="0"/>
-              </a:rPr>
-              <a:t>The living </a:t>
-            </a:r>
-            <a:r>
-              <a:rPr lang="en-CA" sz="3600" b="1" dirty="0" smtClean="0">
-                <a:latin typeface="Arial" pitchFamily="34" charset="0"/>
-                <a:cs typeface="Arial" pitchFamily="34" charset="0"/>
-              </a:rPr>
-              <a:t>area and the number of rooms (bathrooms) account for the most of the variance in price.</a:t>
+              <a:t>	The living area and the number of rooms (bathrooms) account for the most of the variance in price.</a:t>
             </a:r>
             <a:endParaRPr lang="en-CA" sz="3600" b="1" dirty="0">
               <a:latin typeface="Arial" pitchFamily="34" charset="0"/>
@@ -5726,14 +5393,7 @@
                 <a:latin typeface="Arial" pitchFamily="34" charset="0"/>
                 <a:cs typeface="Arial" pitchFamily="34" charset="0"/>
               </a:rPr>
-              <a:t>Preliminary </a:t>
-            </a:r>
-            <a:r>
-              <a:rPr lang="en-CA" sz="4800" b="1" dirty="0" smtClean="0">
-                <a:latin typeface="Arial" pitchFamily="34" charset="0"/>
-                <a:cs typeface="Arial" pitchFamily="34" charset="0"/>
-              </a:rPr>
-              <a:t>Results (Cont’d)</a:t>
+              <a:t>Preliminary Results (Cont’d)</a:t>
             </a:r>
             <a:endParaRPr lang="en-CA" sz="4800" b="1" dirty="0">
               <a:latin typeface="Arial" pitchFamily="34" charset="0"/>
@@ -5921,21 +5581,7 @@
                 <a:latin typeface="Arial" pitchFamily="34" charset="0"/>
                 <a:cs typeface="Arial" pitchFamily="34" charset="0"/>
               </a:rPr>
-              <a:t>Incorporate </a:t>
-            </a:r>
-            <a:r>
-              <a:rPr lang="en-CA" sz="3200" b="1" dirty="0" smtClean="0">
-                <a:latin typeface="Arial" pitchFamily="34" charset="0"/>
-                <a:cs typeface="Arial" pitchFamily="34" charset="0"/>
-              </a:rPr>
-              <a:t>demographic data based </a:t>
-            </a:r>
-            <a:r>
-              <a:rPr lang="en-CA" sz="3200" b="1" dirty="0" smtClean="0">
-                <a:latin typeface="Arial" pitchFamily="34" charset="0"/>
-                <a:cs typeface="Arial" pitchFamily="34" charset="0"/>
-              </a:rPr>
-              <a:t>on the defined Montreal boroughs</a:t>
+              <a:t>Incorporate demographic data based on the defined Montreal boroughs</a:t>
             </a:r>
           </a:p>
           <a:p>
